--- a/aboutGC/src/files/GC.pptx
+++ b/aboutGC/src/files/GC.pptx
@@ -10,6 +10,9 @@
     <p:sldId id="259" r:id="rId4"/>
     <p:sldId id="260" r:id="rId5"/>
     <p:sldId id="258" r:id="rId6"/>
+    <p:sldId id="261" r:id="rId7"/>
+    <p:sldId id="262" r:id="rId8"/>
+    <p:sldId id="263" r:id="rId9"/>
   </p:sldIdLst>
   <p:sldSz cx="9144000" cy="6858000" type="screen4x3"/>
   <p:notesSz cx="6858000" cy="9144000"/>
@@ -293,7 +296,7 @@
             <a:fld id="{1D8BD707-D9CF-40AE-B4C6-C98DA3205C09}" type="datetimeFigureOut">
               <a:rPr lang="en-US" smtClean="0"/>
               <a:pPr/>
-              <a:t>8/19/2018</a:t>
+              <a:t>8/25/2018</a:t>
             </a:fld>
             <a:endParaRPr lang="en-US"/>
           </a:p>
@@ -460,7 +463,7 @@
             <a:fld id="{1D8BD707-D9CF-40AE-B4C6-C98DA3205C09}" type="datetimeFigureOut">
               <a:rPr lang="en-US" smtClean="0"/>
               <a:pPr/>
-              <a:t>8/19/2018</a:t>
+              <a:t>8/25/2018</a:t>
             </a:fld>
             <a:endParaRPr lang="en-US"/>
           </a:p>
@@ -637,7 +640,7 @@
             <a:fld id="{1D8BD707-D9CF-40AE-B4C6-C98DA3205C09}" type="datetimeFigureOut">
               <a:rPr lang="en-US" smtClean="0"/>
               <a:pPr/>
-              <a:t>8/19/2018</a:t>
+              <a:t>8/25/2018</a:t>
             </a:fld>
             <a:endParaRPr lang="en-US"/>
           </a:p>
@@ -804,7 +807,7 @@
             <a:fld id="{1D8BD707-D9CF-40AE-B4C6-C98DA3205C09}" type="datetimeFigureOut">
               <a:rPr lang="en-US" smtClean="0"/>
               <a:pPr/>
-              <a:t>8/19/2018</a:t>
+              <a:t>8/25/2018</a:t>
             </a:fld>
             <a:endParaRPr lang="en-US"/>
           </a:p>
@@ -1047,7 +1050,7 @@
             <a:fld id="{1D8BD707-D9CF-40AE-B4C6-C98DA3205C09}" type="datetimeFigureOut">
               <a:rPr lang="en-US" smtClean="0"/>
               <a:pPr/>
-              <a:t>8/19/2018</a:t>
+              <a:t>8/25/2018</a:t>
             </a:fld>
             <a:endParaRPr lang="en-US"/>
           </a:p>
@@ -1332,7 +1335,7 @@
             <a:fld id="{1D8BD707-D9CF-40AE-B4C6-C98DA3205C09}" type="datetimeFigureOut">
               <a:rPr lang="en-US" smtClean="0"/>
               <a:pPr/>
-              <a:t>8/19/2018</a:t>
+              <a:t>8/25/2018</a:t>
             </a:fld>
             <a:endParaRPr lang="en-US"/>
           </a:p>
@@ -1751,7 +1754,7 @@
             <a:fld id="{1D8BD707-D9CF-40AE-B4C6-C98DA3205C09}" type="datetimeFigureOut">
               <a:rPr lang="en-US" smtClean="0"/>
               <a:pPr/>
-              <a:t>8/19/2018</a:t>
+              <a:t>8/25/2018</a:t>
             </a:fld>
             <a:endParaRPr lang="en-US"/>
           </a:p>
@@ -1866,7 +1869,7 @@
             <a:fld id="{1D8BD707-D9CF-40AE-B4C6-C98DA3205C09}" type="datetimeFigureOut">
               <a:rPr lang="en-US" smtClean="0"/>
               <a:pPr/>
-              <a:t>8/19/2018</a:t>
+              <a:t>8/25/2018</a:t>
             </a:fld>
             <a:endParaRPr lang="en-US"/>
           </a:p>
@@ -1958,7 +1961,7 @@
             <a:fld id="{1D8BD707-D9CF-40AE-B4C6-C98DA3205C09}" type="datetimeFigureOut">
               <a:rPr lang="en-US" smtClean="0"/>
               <a:pPr/>
-              <a:t>8/19/2018</a:t>
+              <a:t>8/25/2018</a:t>
             </a:fld>
             <a:endParaRPr lang="en-US"/>
           </a:p>
@@ -2232,7 +2235,7 @@
             <a:fld id="{1D8BD707-D9CF-40AE-B4C6-C98DA3205C09}" type="datetimeFigureOut">
               <a:rPr lang="en-US" smtClean="0"/>
               <a:pPr/>
-              <a:t>8/19/2018</a:t>
+              <a:t>8/25/2018</a:t>
             </a:fld>
             <a:endParaRPr lang="en-US"/>
           </a:p>
@@ -2482,7 +2485,7 @@
             <a:fld id="{1D8BD707-D9CF-40AE-B4C6-C98DA3205C09}" type="datetimeFigureOut">
               <a:rPr lang="en-US" smtClean="0"/>
               <a:pPr/>
-              <a:t>8/19/2018</a:t>
+              <a:t>8/25/2018</a:t>
             </a:fld>
             <a:endParaRPr lang="en-US"/>
           </a:p>
@@ -2716,7 +2719,7 @@
             <a:fld id="{1D8BD707-D9CF-40AE-B4C6-C98DA3205C09}" type="datetimeFigureOut">
               <a:rPr lang="en-US" smtClean="0"/>
               <a:pPr/>
-              <a:t>8/19/2018</a:t>
+              <a:t>8/25/2018</a:t>
             </a:fld>
             <a:endParaRPr lang="en-US"/>
           </a:p>
@@ -3187,11 +3190,7 @@
             <a:pPr algn="l"/>
             <a:r>
               <a:rPr lang="zh-CN" altLang="en-US" dirty="0" smtClean="0"/>
-              <a:t>几</a:t>
-            </a:r>
-            <a:r>
-              <a:rPr lang="zh-CN" altLang="en-US" dirty="0" smtClean="0"/>
-              <a:t>个关键词</a:t>
+              <a:t>几个关键词</a:t>
             </a:r>
             <a:endParaRPr lang="zh-CN" altLang="en-US" dirty="0"/>
           </a:p>
@@ -3331,38 +3330,38 @@
           <a:lstStyle/>
           <a:p>
             <a:r>
+              <a:rPr lang="zh-CN" altLang="en-US" dirty="0" smtClean="0">
+                <a:hlinkClick r:id="rId2" action="ppaction://hlinksldjump"/>
+              </a:rPr>
+              <a:t>标记</a:t>
+            </a:r>
+            <a:r>
+              <a:rPr lang="en-US" altLang="zh-CN" dirty="0" smtClean="0">
+                <a:hlinkClick r:id="rId2" action="ppaction://hlinksldjump"/>
+              </a:rPr>
+              <a:t>-</a:t>
+            </a:r>
+            <a:r>
+              <a:rPr lang="zh-CN" altLang="en-US" dirty="0" smtClean="0">
+                <a:hlinkClick r:id="rId2" action="ppaction://hlinksldjump"/>
+              </a:rPr>
+              <a:t>清除算法</a:t>
+            </a:r>
+            <a:endParaRPr lang="en-US" altLang="zh-CN" dirty="0" smtClean="0"/>
+          </a:p>
+          <a:p>
+            <a:r>
+              <a:rPr lang="zh-CN" altLang="en-US" dirty="0" smtClean="0">
+                <a:hlinkClick r:id="rId3" action="ppaction://hlinksldjump"/>
+              </a:rPr>
+              <a:t>复制算法</a:t>
+            </a:r>
+            <a:endParaRPr lang="en-US" altLang="zh-CN" dirty="0" smtClean="0"/>
+          </a:p>
+          <a:p>
+            <a:r>
               <a:rPr lang="zh-CN" altLang="en-US" dirty="0" smtClean="0"/>
-              <a:t>标记</a:t>
-            </a:r>
-            <a:r>
-              <a:rPr lang="en-US" altLang="zh-CN" dirty="0" smtClean="0"/>
-              <a:t>-</a:t>
-            </a:r>
-            <a:r>
-              <a:rPr lang="zh-CN" altLang="en-US" dirty="0" smtClean="0"/>
-              <a:t>清除算法</a:t>
-            </a:r>
-            <a:endParaRPr lang="en-US" altLang="zh-CN" dirty="0" smtClean="0"/>
-          </a:p>
-          <a:p>
-            <a:r>
-              <a:rPr lang="zh-CN" altLang="en-US" dirty="0" smtClean="0"/>
-              <a:t>复</a:t>
-            </a:r>
-            <a:r>
-              <a:rPr lang="zh-CN" altLang="en-US" dirty="0" smtClean="0"/>
-              <a:t>制算法</a:t>
-            </a:r>
-            <a:endParaRPr lang="en-US" altLang="zh-CN" dirty="0" smtClean="0"/>
-          </a:p>
-          <a:p>
-            <a:r>
-              <a:rPr lang="zh-CN" altLang="en-US" dirty="0" smtClean="0"/>
-              <a:t>标</a:t>
-            </a:r>
-            <a:r>
-              <a:rPr lang="zh-CN" altLang="en-US" dirty="0" smtClean="0"/>
-              <a:t>记整理算法</a:t>
+              <a:t>标记整理算法</a:t>
             </a:r>
             <a:endParaRPr lang="zh-CN" altLang="en-US" dirty="0"/>
           </a:p>
@@ -3454,11 +3453,7 @@
             </a:r>
             <a:r>
               <a:rPr lang="zh-CN" altLang="en-US" b="1" dirty="0" smtClean="0"/>
-              <a:t>收集</a:t>
-            </a:r>
-            <a:r>
-              <a:rPr lang="zh-CN" altLang="en-US" b="1" dirty="0" smtClean="0"/>
-              <a:t>器</a:t>
+              <a:t>收集器</a:t>
             </a:r>
             <a:endParaRPr lang="en-US" altLang="zh-CN" b="1" dirty="0" smtClean="0"/>
           </a:p>
@@ -3468,11 +3463,7 @@
             </a:pPr>
             <a:r>
               <a:rPr lang="en-US" altLang="zh-CN" b="1" dirty="0" smtClean="0"/>
-              <a:t> </a:t>
-            </a:r>
-            <a:r>
-              <a:rPr lang="en-US" altLang="zh-CN" b="1" dirty="0" smtClean="0"/>
-              <a:t>   ParNew</a:t>
+              <a:t>    ParNew</a:t>
             </a:r>
             <a:r>
               <a:rPr lang="zh-CN" altLang="en-US" b="1" dirty="0" smtClean="0"/>
@@ -3485,11 +3476,7 @@
             </a:pPr>
             <a:r>
               <a:rPr lang="en-US" altLang="zh-CN" b="1" dirty="0" smtClean="0"/>
-              <a:t>	Parallel </a:t>
-            </a:r>
-            <a:r>
-              <a:rPr lang="en-US" altLang="zh-CN" b="1" dirty="0" smtClean="0"/>
-              <a:t>Scavenge</a:t>
+              <a:t>	Parallel Scavenge</a:t>
             </a:r>
             <a:r>
               <a:rPr lang="zh-CN" altLang="en-US" b="1" dirty="0" smtClean="0"/>
@@ -3497,22 +3484,14 @@
             </a:r>
             <a:r>
               <a:rPr lang="zh-CN" altLang="en-US" b="1" smtClean="0"/>
-              <a:t>集</a:t>
-            </a:r>
-            <a:r>
-              <a:rPr lang="zh-CN" altLang="en-US" b="1" smtClean="0"/>
-              <a:t>器</a:t>
+              <a:t>集器</a:t>
             </a:r>
             <a:endParaRPr lang="en-US" altLang="zh-CN" dirty="0" smtClean="0"/>
           </a:p>
           <a:p>
             <a:r>
               <a:rPr lang="zh-CN" altLang="en-US" dirty="0" smtClean="0"/>
-              <a:t>老年</a:t>
-            </a:r>
-            <a:r>
-              <a:rPr lang="zh-CN" altLang="en-US" dirty="0" smtClean="0"/>
-              <a:t>代收集器</a:t>
+              <a:t>老年代收集器</a:t>
             </a:r>
             <a:endParaRPr lang="en-US" altLang="zh-CN" dirty="0" smtClean="0"/>
           </a:p>
@@ -3522,19 +3501,11 @@
             </a:pPr>
             <a:r>
               <a:rPr lang="en-US" altLang="zh-CN" b="1" dirty="0" smtClean="0"/>
-              <a:t>	Serial </a:t>
-            </a:r>
-            <a:r>
-              <a:rPr lang="en-US" altLang="zh-CN" b="1" dirty="0" smtClean="0"/>
-              <a:t>Old</a:t>
+              <a:t>	Serial Old</a:t>
             </a:r>
             <a:r>
               <a:rPr lang="zh-CN" altLang="en-US" b="1" dirty="0" smtClean="0"/>
-              <a:t>收集</a:t>
-            </a:r>
-            <a:r>
-              <a:rPr lang="zh-CN" altLang="en-US" b="1" dirty="0" smtClean="0"/>
-              <a:t>器</a:t>
+              <a:t>收集器</a:t>
             </a:r>
             <a:endParaRPr lang="en-US" altLang="zh-CN" b="1" dirty="0" smtClean="0"/>
           </a:p>
@@ -3627,44 +3598,28 @@
           <a:p>
             <a:r>
               <a:rPr lang="zh-CN" altLang="en-US" dirty="0" smtClean="0"/>
-              <a:t>虚</a:t>
-            </a:r>
+              <a:t>虚拟机栈中引用的对象</a:t>
+            </a:r>
+            <a:endParaRPr lang="en-US" altLang="zh-CN" dirty="0" smtClean="0"/>
+          </a:p>
+          <a:p>
             <a:r>
               <a:rPr lang="zh-CN" altLang="en-US" dirty="0" smtClean="0"/>
-              <a:t>拟机栈中引用的对象</a:t>
+              <a:t>方法区中类静态属性引用的对象</a:t>
             </a:r>
             <a:endParaRPr lang="en-US" altLang="zh-CN" dirty="0" smtClean="0"/>
           </a:p>
           <a:p>
             <a:r>
               <a:rPr lang="zh-CN" altLang="en-US" dirty="0" smtClean="0"/>
-              <a:t>方法</a:t>
-            </a:r>
+              <a:t>方法区中常量引用的对象</a:t>
+            </a:r>
+            <a:endParaRPr lang="en-US" altLang="zh-CN" dirty="0" smtClean="0"/>
+          </a:p>
+          <a:p>
             <a:r>
               <a:rPr lang="zh-CN" altLang="en-US" dirty="0" smtClean="0"/>
-              <a:t>区中类静态属性引用的对象</a:t>
-            </a:r>
-            <a:endParaRPr lang="en-US" altLang="zh-CN" dirty="0" smtClean="0"/>
-          </a:p>
-          <a:p>
-            <a:r>
-              <a:rPr lang="zh-CN" altLang="en-US" dirty="0" smtClean="0"/>
-              <a:t>方</a:t>
-            </a:r>
-            <a:r>
-              <a:rPr lang="zh-CN" altLang="en-US" dirty="0" smtClean="0"/>
-              <a:t>法区中常量引用的对象</a:t>
-            </a:r>
-            <a:endParaRPr lang="en-US" altLang="zh-CN" dirty="0" smtClean="0"/>
-          </a:p>
-          <a:p>
-            <a:r>
-              <a:rPr lang="zh-CN" altLang="en-US" dirty="0" smtClean="0"/>
-              <a:t>本</a:t>
-            </a:r>
-            <a:r>
-              <a:rPr lang="zh-CN" altLang="en-US" dirty="0" smtClean="0"/>
-              <a:t>地方法栈中引用的对象</a:t>
+              <a:t>本地方法栈中引用的对象</a:t>
             </a:r>
             <a:endParaRPr lang="zh-CN" altLang="en-US" dirty="0"/>
           </a:p>
@@ -3724,6 +3679,447 @@
       </p:par>
     </p:tnLst>
   </p:timing>
+</p:sld>
+</file>
+
+<file path=ppt/slides/slide6.xml><?xml version="1.0" encoding="utf-8"?>
+<p:sld xmlns:a="http://schemas.openxmlformats.org/drawingml/2006/main" xmlns:r="http://schemas.openxmlformats.org/officeDocument/2006/relationships" xmlns:p="http://schemas.openxmlformats.org/presentationml/2006/main">
+  <p:cSld>
+    <p:spTree>
+      <p:nvGrpSpPr>
+        <p:cNvPr id="1" name=""/>
+        <p:cNvGrpSpPr/>
+        <p:nvPr/>
+      </p:nvGrpSpPr>
+      <p:grpSpPr>
+        <a:xfrm>
+          <a:off x="0" y="0"/>
+          <a:ext cx="0" cy="0"/>
+          <a:chOff x="0" y="0"/>
+          <a:chExt cx="0" cy="0"/>
+        </a:xfrm>
+      </p:grpSpPr>
+      <p:sp>
+        <p:nvSpPr>
+          <p:cNvPr id="2" name="标题 1"/>
+          <p:cNvSpPr>
+            <a:spLocks noGrp="1"/>
+          </p:cNvSpPr>
+          <p:nvPr>
+            <p:ph type="title"/>
+          </p:nvPr>
+        </p:nvSpPr>
+        <p:spPr/>
+        <p:txBody>
+          <a:bodyPr/>
+          <a:lstStyle/>
+          <a:p>
+            <a:pPr algn="l"/>
+            <a:r>
+              <a:rPr lang="zh-CN" altLang="en-US" dirty="0" smtClean="0"/>
+              <a:t>标</a:t>
+            </a:r>
+            <a:r>
+              <a:rPr lang="zh-CN" altLang="en-US" dirty="0" smtClean="0"/>
+              <a:t>记</a:t>
+            </a:r>
+            <a:r>
+              <a:rPr lang="en-US" altLang="zh-CN" dirty="0" smtClean="0"/>
+              <a:t>-</a:t>
+            </a:r>
+            <a:r>
+              <a:rPr lang="zh-CN" altLang="en-US" dirty="0" smtClean="0"/>
+              <a:t>清除算法</a:t>
+            </a:r>
+            <a:endParaRPr lang="zh-CN" altLang="en-US" dirty="0"/>
+          </a:p>
+        </p:txBody>
+      </p:sp>
+      <p:pic>
+        <p:nvPicPr>
+          <p:cNvPr id="1026" name="Picture 2" descr="C:\Users\Administrator\Desktop\标记-清除1.png"/>
+          <p:cNvPicPr>
+            <a:picLocks noGrp="1" noChangeAspect="1" noChangeArrowheads="1"/>
+          </p:cNvPicPr>
+          <p:nvPr>
+            <p:ph idx="1"/>
+          </p:nvPr>
+        </p:nvPicPr>
+        <p:blipFill>
+          <a:blip r:embed="rId2" cstate="print"/>
+          <a:srcRect/>
+          <a:stretch>
+            <a:fillRect/>
+          </a:stretch>
+        </p:blipFill>
+        <p:spPr bwMode="auto">
+          <a:xfrm>
+            <a:off x="685800" y="1600200"/>
+            <a:ext cx="4114800" cy="2252414"/>
+          </a:xfrm>
+          <a:prstGeom prst="rect">
+            <a:avLst/>
+          </a:prstGeom>
+          <a:noFill/>
+        </p:spPr>
+      </p:pic>
+      <p:pic>
+        <p:nvPicPr>
+          <p:cNvPr id="1027" name="Picture 3" descr="C:\Users\Administrator\Desktop\标记-清除2.png"/>
+          <p:cNvPicPr>
+            <a:picLocks noChangeAspect="1" noChangeArrowheads="1"/>
+          </p:cNvPicPr>
+          <p:nvPr/>
+        </p:nvPicPr>
+        <p:blipFill>
+          <a:blip r:embed="rId3" cstate="print"/>
+          <a:srcRect/>
+          <a:stretch>
+            <a:fillRect/>
+          </a:stretch>
+        </p:blipFill>
+        <p:spPr bwMode="auto">
+          <a:xfrm>
+            <a:off x="685800" y="3962400"/>
+            <a:ext cx="4124325" cy="2228850"/>
+          </a:xfrm>
+          <a:prstGeom prst="rect">
+            <a:avLst/>
+          </a:prstGeom>
+          <a:noFill/>
+        </p:spPr>
+      </p:pic>
+      <p:sp>
+        <p:nvSpPr>
+          <p:cNvPr id="6" name="TextBox 5"/>
+          <p:cNvSpPr txBox="1"/>
+          <p:nvPr/>
+        </p:nvSpPr>
+        <p:spPr>
+          <a:xfrm>
+            <a:off x="5181600" y="1600200"/>
+            <a:ext cx="3733800" cy="1569660"/>
+          </a:xfrm>
+          <a:prstGeom prst="rect">
+            <a:avLst/>
+          </a:prstGeom>
+          <a:noFill/>
+        </p:spPr>
+        <p:txBody>
+          <a:bodyPr wrap="square" rtlCol="0">
+            <a:spAutoFit/>
+          </a:bodyPr>
+          <a:lstStyle/>
+          <a:p>
+            <a:r>
+              <a:rPr lang="en-US" altLang="zh-CN" sz="3200" dirty="0" smtClean="0"/>
+              <a:t>1</a:t>
+            </a:r>
+            <a:r>
+              <a:rPr lang="zh-CN" altLang="zh-CN" sz="3200" dirty="0" smtClean="0"/>
+              <a:t>、效率问题，不管是标记还是清除，效率都不高</a:t>
+            </a:r>
+            <a:r>
+              <a:rPr lang="zh-CN" altLang="zh-CN" sz="3200" dirty="0" smtClean="0"/>
+              <a:t>；</a:t>
+            </a:r>
+            <a:endParaRPr lang="en-US" altLang="zh-CN" sz="3200" dirty="0" smtClean="0"/>
+          </a:p>
+        </p:txBody>
+      </p:sp>
+      <p:sp>
+        <p:nvSpPr>
+          <p:cNvPr id="7" name="TextBox 6"/>
+          <p:cNvSpPr txBox="1"/>
+          <p:nvPr/>
+        </p:nvSpPr>
+        <p:spPr>
+          <a:xfrm>
+            <a:off x="5181600" y="3352800"/>
+            <a:ext cx="3733800" cy="3108543"/>
+          </a:xfrm>
+          <a:prstGeom prst="rect">
+            <a:avLst/>
+          </a:prstGeom>
+          <a:noFill/>
+        </p:spPr>
+        <p:txBody>
+          <a:bodyPr wrap="square" rtlCol="0">
+            <a:spAutoFit/>
+          </a:bodyPr>
+          <a:lstStyle/>
+          <a:p>
+            <a:r>
+              <a:rPr lang="en-US" altLang="zh-CN" sz="2800" dirty="0" smtClean="0"/>
+              <a:t>2</a:t>
+            </a:r>
+            <a:r>
+              <a:rPr lang="zh-CN" altLang="zh-CN" sz="2800" dirty="0" smtClean="0"/>
+              <a:t>、空间问题，标记清除之后，会留下很多不连续的内存碎片，而空间碎片的增多不利于大对象的分配，可能会提前触发一次</a:t>
+            </a:r>
+            <a:r>
+              <a:rPr lang="en-US" altLang="zh-CN" sz="2800" dirty="0" smtClean="0"/>
+              <a:t>GC</a:t>
+            </a:r>
+            <a:r>
+              <a:rPr lang="zh-CN" altLang="en-US" sz="2800" dirty="0" smtClean="0"/>
+              <a:t>；</a:t>
+            </a:r>
+            <a:endParaRPr lang="zh-CN" altLang="en-US" sz="2800" dirty="0" smtClean="0"/>
+          </a:p>
+        </p:txBody>
+      </p:sp>
+      <p:sp>
+        <p:nvSpPr>
+          <p:cNvPr id="8" name="左箭头 7">
+            <a:hlinkClick r:id="rId4" action="ppaction://hlinksldjump"/>
+          </p:cNvPr>
+          <p:cNvSpPr/>
+          <p:nvPr/>
+        </p:nvSpPr>
+        <p:spPr>
+          <a:xfrm>
+            <a:off x="8153400" y="762000"/>
+            <a:ext cx="457200" cy="304800"/>
+          </a:xfrm>
+          <a:prstGeom prst="leftArrow">
+            <a:avLst/>
+          </a:prstGeom>
+        </p:spPr>
+        <p:style>
+          <a:lnRef idx="2">
+            <a:schemeClr val="accent1">
+              <a:shade val="50000"/>
+            </a:schemeClr>
+          </a:lnRef>
+          <a:fillRef idx="1">
+            <a:schemeClr val="accent1"/>
+          </a:fillRef>
+          <a:effectRef idx="0">
+            <a:schemeClr val="accent1"/>
+          </a:effectRef>
+          <a:fontRef idx="minor">
+            <a:schemeClr val="lt1"/>
+          </a:fontRef>
+        </p:style>
+        <p:txBody>
+          <a:bodyPr rtlCol="0" anchor="ctr"/>
+          <a:lstStyle/>
+          <a:p>
+            <a:pPr algn="ctr"/>
+            <a:endParaRPr lang="zh-CN" altLang="en-US"/>
+          </a:p>
+        </p:txBody>
+      </p:sp>
+    </p:spTree>
+  </p:cSld>
+  <p:clrMapOvr>
+    <a:masterClrMapping/>
+  </p:clrMapOvr>
+</p:sld>
+</file>
+
+<file path=ppt/slides/slide7.xml><?xml version="1.0" encoding="utf-8"?>
+<p:sld xmlns:a="http://schemas.openxmlformats.org/drawingml/2006/main" xmlns:r="http://schemas.openxmlformats.org/officeDocument/2006/relationships" xmlns:p="http://schemas.openxmlformats.org/presentationml/2006/main">
+  <p:cSld>
+    <p:spTree>
+      <p:nvGrpSpPr>
+        <p:cNvPr id="1" name=""/>
+        <p:cNvGrpSpPr/>
+        <p:nvPr/>
+      </p:nvGrpSpPr>
+      <p:grpSpPr>
+        <a:xfrm>
+          <a:off x="0" y="0"/>
+          <a:ext cx="0" cy="0"/>
+          <a:chOff x="0" y="0"/>
+          <a:chExt cx="0" cy="0"/>
+        </a:xfrm>
+      </p:grpSpPr>
+      <p:sp>
+        <p:nvSpPr>
+          <p:cNvPr id="2" name="标题 1"/>
+          <p:cNvSpPr>
+            <a:spLocks noGrp="1"/>
+          </p:cNvSpPr>
+          <p:nvPr>
+            <p:ph type="title"/>
+          </p:nvPr>
+        </p:nvSpPr>
+        <p:spPr/>
+        <p:txBody>
+          <a:bodyPr/>
+          <a:lstStyle/>
+          <a:p>
+            <a:pPr algn="l"/>
+            <a:r>
+              <a:rPr lang="zh-CN" altLang="en-US" dirty="0" smtClean="0"/>
+              <a:t>复制算法</a:t>
+            </a:r>
+            <a:endParaRPr lang="zh-CN" altLang="en-US" dirty="0"/>
+          </a:p>
+        </p:txBody>
+      </p:sp>
+      <p:pic>
+        <p:nvPicPr>
+          <p:cNvPr id="2050" name="Picture 2" descr="C:\Users\Administrator\Desktop\复制算法.png"/>
+          <p:cNvPicPr>
+            <a:picLocks noGrp="1" noChangeAspect="1" noChangeArrowheads="1"/>
+          </p:cNvPicPr>
+          <p:nvPr>
+            <p:ph idx="1"/>
+          </p:nvPr>
+        </p:nvPicPr>
+        <p:blipFill>
+          <a:blip r:embed="rId2" cstate="print"/>
+          <a:srcRect/>
+          <a:stretch>
+            <a:fillRect/>
+          </a:stretch>
+        </p:blipFill>
+        <p:spPr bwMode="auto">
+          <a:xfrm>
+            <a:off x="705113" y="1600201"/>
+            <a:ext cx="7829287" cy="4581859"/>
+          </a:xfrm>
+          <a:prstGeom prst="rect">
+            <a:avLst/>
+          </a:prstGeom>
+          <a:noFill/>
+        </p:spPr>
+      </p:pic>
+      <p:sp>
+        <p:nvSpPr>
+          <p:cNvPr id="5" name="左箭头 4">
+            <a:hlinkClick r:id="rId3" action="ppaction://hlinksldjump"/>
+          </p:cNvPr>
+          <p:cNvSpPr/>
+          <p:nvPr/>
+        </p:nvSpPr>
+        <p:spPr>
+          <a:xfrm>
+            <a:off x="8153400" y="762000"/>
+            <a:ext cx="457200" cy="304800"/>
+          </a:xfrm>
+          <a:prstGeom prst="leftArrow">
+            <a:avLst/>
+          </a:prstGeom>
+        </p:spPr>
+        <p:style>
+          <a:lnRef idx="2">
+            <a:schemeClr val="accent1">
+              <a:shade val="50000"/>
+            </a:schemeClr>
+          </a:lnRef>
+          <a:fillRef idx="1">
+            <a:schemeClr val="accent1"/>
+          </a:fillRef>
+          <a:effectRef idx="0">
+            <a:schemeClr val="accent1"/>
+          </a:effectRef>
+          <a:fontRef idx="minor">
+            <a:schemeClr val="lt1"/>
+          </a:fontRef>
+        </p:style>
+        <p:txBody>
+          <a:bodyPr rtlCol="0" anchor="ctr"/>
+          <a:lstStyle/>
+          <a:p>
+            <a:pPr algn="ctr"/>
+            <a:endParaRPr lang="zh-CN" altLang="en-US"/>
+          </a:p>
+        </p:txBody>
+      </p:sp>
+    </p:spTree>
+  </p:cSld>
+  <p:clrMapOvr>
+    <a:masterClrMapping/>
+  </p:clrMapOvr>
+</p:sld>
+</file>
+
+<file path=ppt/slides/slide8.xml><?xml version="1.0" encoding="utf-8"?>
+<p:sld xmlns:a="http://schemas.openxmlformats.org/drawingml/2006/main" xmlns:r="http://schemas.openxmlformats.org/officeDocument/2006/relationships" xmlns:p="http://schemas.openxmlformats.org/presentationml/2006/main">
+  <p:cSld>
+    <p:spTree>
+      <p:nvGrpSpPr>
+        <p:cNvPr id="1" name=""/>
+        <p:cNvGrpSpPr/>
+        <p:nvPr/>
+      </p:nvGrpSpPr>
+      <p:grpSpPr>
+        <a:xfrm>
+          <a:off x="0" y="0"/>
+          <a:ext cx="0" cy="0"/>
+          <a:chOff x="0" y="0"/>
+          <a:chExt cx="0" cy="0"/>
+        </a:xfrm>
+      </p:grpSpPr>
+      <p:sp>
+        <p:nvSpPr>
+          <p:cNvPr id="2" name="标题 1"/>
+          <p:cNvSpPr>
+            <a:spLocks noGrp="1"/>
+          </p:cNvSpPr>
+          <p:nvPr>
+            <p:ph type="title"/>
+          </p:nvPr>
+        </p:nvSpPr>
+        <p:spPr/>
+        <p:txBody>
+          <a:bodyPr/>
+          <a:lstStyle/>
+          <a:p>
+            <a:pPr algn="l"/>
+            <a:r>
+              <a:rPr lang="zh-CN" altLang="en-US" dirty="0" smtClean="0"/>
+              <a:t>标记</a:t>
+            </a:r>
+            <a:r>
+              <a:rPr lang="en-US" altLang="zh-CN" dirty="0" smtClean="0"/>
+              <a:t>-</a:t>
+            </a:r>
+            <a:r>
+              <a:rPr lang="zh-CN" altLang="en-US" dirty="0" smtClean="0"/>
+              <a:t>整理算法</a:t>
+            </a:r>
+            <a:endParaRPr lang="zh-CN" altLang="en-US" dirty="0"/>
+          </a:p>
+        </p:txBody>
+      </p:sp>
+      <p:pic>
+        <p:nvPicPr>
+          <p:cNvPr id="3074" name="Picture 2" descr="C:\Users\Administrator\Desktop\标记-整理.png"/>
+          <p:cNvPicPr>
+            <a:picLocks noGrp="1" noChangeAspect="1" noChangeArrowheads="1"/>
+          </p:cNvPicPr>
+          <p:nvPr>
+            <p:ph idx="1"/>
+          </p:nvPr>
+        </p:nvPicPr>
+        <p:blipFill>
+          <a:blip r:embed="rId2" cstate="print"/>
+          <a:srcRect/>
+          <a:stretch>
+            <a:fillRect/>
+          </a:stretch>
+        </p:blipFill>
+        <p:spPr bwMode="auto">
+          <a:xfrm>
+            <a:off x="657714" y="1777467"/>
+            <a:ext cx="7828572" cy="4171429"/>
+          </a:xfrm>
+          <a:prstGeom prst="rect">
+            <a:avLst/>
+          </a:prstGeom>
+          <a:noFill/>
+        </p:spPr>
+      </p:pic>
+    </p:spTree>
+  </p:cSld>
+  <p:clrMapOvr>
+    <a:masterClrMapping/>
+  </p:clrMapOvr>
 </p:sld>
 </file>
 

--- a/aboutGC/src/files/GC.pptx
+++ b/aboutGC/src/files/GC.pptx
@@ -13,6 +13,7 @@
     <p:sldId id="261" r:id="rId7"/>
     <p:sldId id="262" r:id="rId8"/>
     <p:sldId id="263" r:id="rId9"/>
+    <p:sldId id="264" r:id="rId10"/>
   </p:sldIdLst>
   <p:sldSz cx="9144000" cy="6858000" type="screen4x3"/>
   <p:notesSz cx="6858000" cy="9144000"/>
@@ -111,6 +112,22 @@
       </a:defRPr>
     </a:lvl9pPr>
   </p:defaultTextStyle>
+  <p:extLst>
+    <p:ext uri="{EFAFB233-063F-42B5-8137-9DF3F51BA10A}">
+      <p15:sldGuideLst xmlns:p15="http://schemas.microsoft.com/office/powerpoint/2012/main">
+        <p15:guide id="1" orient="horz" pos="2160">
+          <p15:clr>
+            <a:srgbClr val="A4A3A4"/>
+          </p15:clr>
+        </p15:guide>
+        <p15:guide id="2" pos="2880">
+          <p15:clr>
+            <a:srgbClr val="A4A3A4"/>
+          </p15:clr>
+        </p15:guide>
+      </p15:sldGuideLst>
+    </p:ext>
+  </p:extLst>
 </p:presentation>
 </file>
 
@@ -152,10 +169,9 @@
           <a:lstStyle/>
           <a:p>
             <a:r>
-              <a:rPr lang="en-US" smtClean="0"/>
+              <a:rPr lang="en-US"/>
               <a:t>Click to edit Master title style</a:t>
             </a:r>
-            <a:endParaRPr lang="en-US"/>
           </a:p>
         </p:txBody>
       </p:sp>
@@ -271,10 +287,9 @@
           </a:lstStyle>
           <a:p>
             <a:r>
-              <a:rPr lang="en-US" smtClean="0"/>
+              <a:rPr lang="en-US"/>
               <a:t>Click to edit Master subtitle style</a:t>
             </a:r>
-            <a:endParaRPr lang="en-US"/>
           </a:p>
         </p:txBody>
       </p:sp>
@@ -296,7 +311,7 @@
             <a:fld id="{1D8BD707-D9CF-40AE-B4C6-C98DA3205C09}" type="datetimeFigureOut">
               <a:rPr lang="en-US" smtClean="0"/>
               <a:pPr/>
-              <a:t>8/25/2018</a:t>
+              <a:t>8/27/2018</a:t>
             </a:fld>
             <a:endParaRPr lang="en-US"/>
           </a:p>
@@ -386,10 +401,9 @@
           <a:lstStyle/>
           <a:p>
             <a:r>
-              <a:rPr lang="en-US" smtClean="0"/>
+              <a:rPr lang="en-US"/>
               <a:t>Click to edit Master title style</a:t>
             </a:r>
-            <a:endParaRPr lang="en-US"/>
           </a:p>
         </p:txBody>
       </p:sp>
@@ -410,38 +424,37 @@
           <a:p>
             <a:pPr lvl="0"/>
             <a:r>
-              <a:rPr lang="en-US" smtClean="0"/>
+              <a:rPr lang="en-US"/>
               <a:t>Click to edit Master text styles</a:t>
             </a:r>
           </a:p>
           <a:p>
             <a:pPr lvl="1"/>
             <a:r>
-              <a:rPr lang="en-US" smtClean="0"/>
+              <a:rPr lang="en-US"/>
               <a:t>Second level</a:t>
             </a:r>
           </a:p>
           <a:p>
             <a:pPr lvl="2"/>
             <a:r>
-              <a:rPr lang="en-US" smtClean="0"/>
+              <a:rPr lang="en-US"/>
               <a:t>Third level</a:t>
             </a:r>
           </a:p>
           <a:p>
             <a:pPr lvl="3"/>
             <a:r>
-              <a:rPr lang="en-US" smtClean="0"/>
+              <a:rPr lang="en-US"/>
               <a:t>Fourth level</a:t>
             </a:r>
           </a:p>
           <a:p>
             <a:pPr lvl="4"/>
             <a:r>
-              <a:rPr lang="en-US" smtClean="0"/>
+              <a:rPr lang="en-US"/>
               <a:t>Fifth level</a:t>
             </a:r>
-            <a:endParaRPr lang="en-US"/>
           </a:p>
         </p:txBody>
       </p:sp>
@@ -463,7 +476,7 @@
             <a:fld id="{1D8BD707-D9CF-40AE-B4C6-C98DA3205C09}" type="datetimeFigureOut">
               <a:rPr lang="en-US" smtClean="0"/>
               <a:pPr/>
-              <a:t>8/25/2018</a:t>
+              <a:t>8/27/2018</a:t>
             </a:fld>
             <a:endParaRPr lang="en-US"/>
           </a:p>
@@ -558,10 +571,9 @@
           <a:lstStyle/>
           <a:p>
             <a:r>
-              <a:rPr lang="en-US" smtClean="0"/>
+              <a:rPr lang="en-US"/>
               <a:t>Click to edit Master title style</a:t>
             </a:r>
-            <a:endParaRPr lang="en-US"/>
           </a:p>
         </p:txBody>
       </p:sp>
@@ -587,38 +599,37 @@
           <a:p>
             <a:pPr lvl="0"/>
             <a:r>
-              <a:rPr lang="en-US" smtClean="0"/>
+              <a:rPr lang="en-US"/>
               <a:t>Click to edit Master text styles</a:t>
             </a:r>
           </a:p>
           <a:p>
             <a:pPr lvl="1"/>
             <a:r>
-              <a:rPr lang="en-US" smtClean="0"/>
+              <a:rPr lang="en-US"/>
               <a:t>Second level</a:t>
             </a:r>
           </a:p>
           <a:p>
             <a:pPr lvl="2"/>
             <a:r>
-              <a:rPr lang="en-US" smtClean="0"/>
+              <a:rPr lang="en-US"/>
               <a:t>Third level</a:t>
             </a:r>
           </a:p>
           <a:p>
             <a:pPr lvl="3"/>
             <a:r>
-              <a:rPr lang="en-US" smtClean="0"/>
+              <a:rPr lang="en-US"/>
               <a:t>Fourth level</a:t>
             </a:r>
           </a:p>
           <a:p>
             <a:pPr lvl="4"/>
             <a:r>
-              <a:rPr lang="en-US" smtClean="0"/>
+              <a:rPr lang="en-US"/>
               <a:t>Fifth level</a:t>
             </a:r>
-            <a:endParaRPr lang="en-US"/>
           </a:p>
         </p:txBody>
       </p:sp>
@@ -640,7 +651,7 @@
             <a:fld id="{1D8BD707-D9CF-40AE-B4C6-C98DA3205C09}" type="datetimeFigureOut">
               <a:rPr lang="en-US" smtClean="0"/>
               <a:pPr/>
-              <a:t>8/25/2018</a:t>
+              <a:t>8/27/2018</a:t>
             </a:fld>
             <a:endParaRPr lang="en-US"/>
           </a:p>
@@ -730,10 +741,9 @@
           <a:lstStyle/>
           <a:p>
             <a:r>
-              <a:rPr lang="en-US" smtClean="0"/>
+              <a:rPr lang="en-US"/>
               <a:t>Click to edit Master title style</a:t>
             </a:r>
-            <a:endParaRPr lang="en-US"/>
           </a:p>
         </p:txBody>
       </p:sp>
@@ -754,38 +764,37 @@
           <a:p>
             <a:pPr lvl="0"/>
             <a:r>
-              <a:rPr lang="en-US" smtClean="0"/>
+              <a:rPr lang="en-US"/>
               <a:t>Click to edit Master text styles</a:t>
             </a:r>
           </a:p>
           <a:p>
             <a:pPr lvl="1"/>
             <a:r>
-              <a:rPr lang="en-US" smtClean="0"/>
+              <a:rPr lang="en-US"/>
               <a:t>Second level</a:t>
             </a:r>
           </a:p>
           <a:p>
             <a:pPr lvl="2"/>
             <a:r>
-              <a:rPr lang="en-US" smtClean="0"/>
+              <a:rPr lang="en-US"/>
               <a:t>Third level</a:t>
             </a:r>
           </a:p>
           <a:p>
             <a:pPr lvl="3"/>
             <a:r>
-              <a:rPr lang="en-US" smtClean="0"/>
+              <a:rPr lang="en-US"/>
               <a:t>Fourth level</a:t>
             </a:r>
           </a:p>
           <a:p>
             <a:pPr lvl="4"/>
             <a:r>
-              <a:rPr lang="en-US" smtClean="0"/>
+              <a:rPr lang="en-US"/>
               <a:t>Fifth level</a:t>
             </a:r>
-            <a:endParaRPr lang="en-US"/>
           </a:p>
         </p:txBody>
       </p:sp>
@@ -807,7 +816,7 @@
             <a:fld id="{1D8BD707-D9CF-40AE-B4C6-C98DA3205C09}" type="datetimeFigureOut">
               <a:rPr lang="en-US" smtClean="0"/>
               <a:pPr/>
-              <a:t>8/25/2018</a:t>
+              <a:t>8/27/2018</a:t>
             </a:fld>
             <a:endParaRPr lang="en-US"/>
           </a:p>
@@ -906,10 +915,9 @@
           </a:lstStyle>
           <a:p>
             <a:r>
-              <a:rPr lang="en-US" smtClean="0"/>
+              <a:rPr lang="en-US"/>
               <a:t>Click to edit Master title style</a:t>
             </a:r>
-            <a:endParaRPr lang="en-US"/>
           </a:p>
         </p:txBody>
       </p:sp>
@@ -1026,7 +1034,7 @@
           <a:p>
             <a:pPr lvl="0"/>
             <a:r>
-              <a:rPr lang="en-US" smtClean="0"/>
+              <a:rPr lang="en-US"/>
               <a:t>Click to edit Master text styles</a:t>
             </a:r>
           </a:p>
@@ -1050,7 +1058,7 @@
             <a:fld id="{1D8BD707-D9CF-40AE-B4C6-C98DA3205C09}" type="datetimeFigureOut">
               <a:rPr lang="en-US" smtClean="0"/>
               <a:pPr/>
-              <a:t>8/25/2018</a:t>
+              <a:t>8/27/2018</a:t>
             </a:fld>
             <a:endParaRPr lang="en-US"/>
           </a:p>
@@ -1140,10 +1148,9 @@
           <a:lstStyle/>
           <a:p>
             <a:r>
-              <a:rPr lang="en-US" smtClean="0"/>
+              <a:rPr lang="en-US"/>
               <a:t>Click to edit Master title style</a:t>
             </a:r>
-            <a:endParaRPr lang="en-US"/>
           </a:p>
         </p:txBody>
       </p:sp>
@@ -1197,38 +1204,37 @@
           <a:p>
             <a:pPr lvl="0"/>
             <a:r>
-              <a:rPr lang="en-US" smtClean="0"/>
+              <a:rPr lang="en-US"/>
               <a:t>Click to edit Master text styles</a:t>
             </a:r>
           </a:p>
           <a:p>
             <a:pPr lvl="1"/>
             <a:r>
-              <a:rPr lang="en-US" smtClean="0"/>
+              <a:rPr lang="en-US"/>
               <a:t>Second level</a:t>
             </a:r>
           </a:p>
           <a:p>
             <a:pPr lvl="2"/>
             <a:r>
-              <a:rPr lang="en-US" smtClean="0"/>
+              <a:rPr lang="en-US"/>
               <a:t>Third level</a:t>
             </a:r>
           </a:p>
           <a:p>
             <a:pPr lvl="3"/>
             <a:r>
-              <a:rPr lang="en-US" smtClean="0"/>
+              <a:rPr lang="en-US"/>
               <a:t>Fourth level</a:t>
             </a:r>
           </a:p>
           <a:p>
             <a:pPr lvl="4"/>
             <a:r>
-              <a:rPr lang="en-US" smtClean="0"/>
+              <a:rPr lang="en-US"/>
               <a:t>Fifth level</a:t>
             </a:r>
-            <a:endParaRPr lang="en-US"/>
           </a:p>
         </p:txBody>
       </p:sp>
@@ -1282,38 +1288,37 @@
           <a:p>
             <a:pPr lvl="0"/>
             <a:r>
-              <a:rPr lang="en-US" smtClean="0"/>
+              <a:rPr lang="en-US"/>
               <a:t>Click to edit Master text styles</a:t>
             </a:r>
           </a:p>
           <a:p>
             <a:pPr lvl="1"/>
             <a:r>
-              <a:rPr lang="en-US" smtClean="0"/>
+              <a:rPr lang="en-US"/>
               <a:t>Second level</a:t>
             </a:r>
           </a:p>
           <a:p>
             <a:pPr lvl="2"/>
             <a:r>
-              <a:rPr lang="en-US" smtClean="0"/>
+              <a:rPr lang="en-US"/>
               <a:t>Third level</a:t>
             </a:r>
           </a:p>
           <a:p>
             <a:pPr lvl="3"/>
             <a:r>
-              <a:rPr lang="en-US" smtClean="0"/>
+              <a:rPr lang="en-US"/>
               <a:t>Fourth level</a:t>
             </a:r>
           </a:p>
           <a:p>
             <a:pPr lvl="4"/>
             <a:r>
-              <a:rPr lang="en-US" smtClean="0"/>
+              <a:rPr lang="en-US"/>
               <a:t>Fifth level</a:t>
             </a:r>
-            <a:endParaRPr lang="en-US"/>
           </a:p>
         </p:txBody>
       </p:sp>
@@ -1335,7 +1340,7 @@
             <a:fld id="{1D8BD707-D9CF-40AE-B4C6-C98DA3205C09}" type="datetimeFigureOut">
               <a:rPr lang="en-US" smtClean="0"/>
               <a:pPr/>
-              <a:t>8/25/2018</a:t>
+              <a:t>8/27/2018</a:t>
             </a:fld>
             <a:endParaRPr lang="en-US"/>
           </a:p>
@@ -1429,10 +1434,9 @@
           </a:lstStyle>
           <a:p>
             <a:r>
-              <a:rPr lang="en-US" smtClean="0"/>
+              <a:rPr lang="en-US"/>
               <a:t>Click to edit Master title style</a:t>
             </a:r>
-            <a:endParaRPr lang="en-US"/>
           </a:p>
         </p:txBody>
       </p:sp>
@@ -1495,7 +1499,7 @@
           <a:p>
             <a:pPr lvl="0"/>
             <a:r>
-              <a:rPr lang="en-US" smtClean="0"/>
+              <a:rPr lang="en-US"/>
               <a:t>Click to edit Master text styles</a:t>
             </a:r>
           </a:p>
@@ -1551,38 +1555,37 @@
           <a:p>
             <a:pPr lvl="0"/>
             <a:r>
-              <a:rPr lang="en-US" smtClean="0"/>
+              <a:rPr lang="en-US"/>
               <a:t>Click to edit Master text styles</a:t>
             </a:r>
           </a:p>
           <a:p>
             <a:pPr lvl="1"/>
             <a:r>
-              <a:rPr lang="en-US" smtClean="0"/>
+              <a:rPr lang="en-US"/>
               <a:t>Second level</a:t>
             </a:r>
           </a:p>
           <a:p>
             <a:pPr lvl="2"/>
             <a:r>
-              <a:rPr lang="en-US" smtClean="0"/>
+              <a:rPr lang="en-US"/>
               <a:t>Third level</a:t>
             </a:r>
           </a:p>
           <a:p>
             <a:pPr lvl="3"/>
             <a:r>
-              <a:rPr lang="en-US" smtClean="0"/>
+              <a:rPr lang="en-US"/>
               <a:t>Fourth level</a:t>
             </a:r>
           </a:p>
           <a:p>
             <a:pPr lvl="4"/>
             <a:r>
-              <a:rPr lang="en-US" smtClean="0"/>
+              <a:rPr lang="en-US"/>
               <a:t>Fifth level</a:t>
             </a:r>
-            <a:endParaRPr lang="en-US"/>
           </a:p>
         </p:txBody>
       </p:sp>
@@ -1645,7 +1648,7 @@
           <a:p>
             <a:pPr lvl="0"/>
             <a:r>
-              <a:rPr lang="en-US" smtClean="0"/>
+              <a:rPr lang="en-US"/>
               <a:t>Click to edit Master text styles</a:t>
             </a:r>
           </a:p>
@@ -1701,38 +1704,37 @@
           <a:p>
             <a:pPr lvl="0"/>
             <a:r>
-              <a:rPr lang="en-US" smtClean="0"/>
+              <a:rPr lang="en-US"/>
               <a:t>Click to edit Master text styles</a:t>
             </a:r>
           </a:p>
           <a:p>
             <a:pPr lvl="1"/>
             <a:r>
-              <a:rPr lang="en-US" smtClean="0"/>
+              <a:rPr lang="en-US"/>
               <a:t>Second level</a:t>
             </a:r>
           </a:p>
           <a:p>
             <a:pPr lvl="2"/>
             <a:r>
-              <a:rPr lang="en-US" smtClean="0"/>
+              <a:rPr lang="en-US"/>
               <a:t>Third level</a:t>
             </a:r>
           </a:p>
           <a:p>
             <a:pPr lvl="3"/>
             <a:r>
-              <a:rPr lang="en-US" smtClean="0"/>
+              <a:rPr lang="en-US"/>
               <a:t>Fourth level</a:t>
             </a:r>
           </a:p>
           <a:p>
             <a:pPr lvl="4"/>
             <a:r>
-              <a:rPr lang="en-US" smtClean="0"/>
+              <a:rPr lang="en-US"/>
               <a:t>Fifth level</a:t>
             </a:r>
-            <a:endParaRPr lang="en-US"/>
           </a:p>
         </p:txBody>
       </p:sp>
@@ -1754,7 +1756,7 @@
             <a:fld id="{1D8BD707-D9CF-40AE-B4C6-C98DA3205C09}" type="datetimeFigureOut">
               <a:rPr lang="en-US" smtClean="0"/>
               <a:pPr/>
-              <a:t>8/25/2018</a:t>
+              <a:t>8/27/2018</a:t>
             </a:fld>
             <a:endParaRPr lang="en-US"/>
           </a:p>
@@ -1844,10 +1846,9 @@
           <a:lstStyle/>
           <a:p>
             <a:r>
-              <a:rPr lang="en-US" smtClean="0"/>
+              <a:rPr lang="en-US"/>
               <a:t>Click to edit Master title style</a:t>
             </a:r>
-            <a:endParaRPr lang="en-US"/>
           </a:p>
         </p:txBody>
       </p:sp>
@@ -1869,7 +1870,7 @@
             <a:fld id="{1D8BD707-D9CF-40AE-B4C6-C98DA3205C09}" type="datetimeFigureOut">
               <a:rPr lang="en-US" smtClean="0"/>
               <a:pPr/>
-              <a:t>8/25/2018</a:t>
+              <a:t>8/27/2018</a:t>
             </a:fld>
             <a:endParaRPr lang="en-US"/>
           </a:p>
@@ -1961,7 +1962,7 @@
             <a:fld id="{1D8BD707-D9CF-40AE-B4C6-C98DA3205C09}" type="datetimeFigureOut">
               <a:rPr lang="en-US" smtClean="0"/>
               <a:pPr/>
-              <a:t>8/25/2018</a:t>
+              <a:t>8/27/2018</a:t>
             </a:fld>
             <a:endParaRPr lang="en-US"/>
           </a:p>
@@ -2060,10 +2061,9 @@
           </a:lstStyle>
           <a:p>
             <a:r>
-              <a:rPr lang="en-US" smtClean="0"/>
+              <a:rPr lang="en-US"/>
               <a:t>Click to edit Master title style</a:t>
             </a:r>
-            <a:endParaRPr lang="en-US"/>
           </a:p>
         </p:txBody>
       </p:sp>
@@ -2117,38 +2117,37 @@
           <a:p>
             <a:pPr lvl="0"/>
             <a:r>
-              <a:rPr lang="en-US" smtClean="0"/>
+              <a:rPr lang="en-US"/>
               <a:t>Click to edit Master text styles</a:t>
             </a:r>
           </a:p>
           <a:p>
             <a:pPr lvl="1"/>
             <a:r>
-              <a:rPr lang="en-US" smtClean="0"/>
+              <a:rPr lang="en-US"/>
               <a:t>Second level</a:t>
             </a:r>
           </a:p>
           <a:p>
             <a:pPr lvl="2"/>
             <a:r>
-              <a:rPr lang="en-US" smtClean="0"/>
+              <a:rPr lang="en-US"/>
               <a:t>Third level</a:t>
             </a:r>
           </a:p>
           <a:p>
             <a:pPr lvl="3"/>
             <a:r>
-              <a:rPr lang="en-US" smtClean="0"/>
+              <a:rPr lang="en-US"/>
               <a:t>Fourth level</a:t>
             </a:r>
           </a:p>
           <a:p>
             <a:pPr lvl="4"/>
             <a:r>
-              <a:rPr lang="en-US" smtClean="0"/>
+              <a:rPr lang="en-US"/>
               <a:t>Fifth level</a:t>
             </a:r>
-            <a:endParaRPr lang="en-US"/>
           </a:p>
         </p:txBody>
       </p:sp>
@@ -2211,7 +2210,7 @@
           <a:p>
             <a:pPr lvl="0"/>
             <a:r>
-              <a:rPr lang="en-US" smtClean="0"/>
+              <a:rPr lang="en-US"/>
               <a:t>Click to edit Master text styles</a:t>
             </a:r>
           </a:p>
@@ -2235,7 +2234,7 @@
             <a:fld id="{1D8BD707-D9CF-40AE-B4C6-C98DA3205C09}" type="datetimeFigureOut">
               <a:rPr lang="en-US" smtClean="0"/>
               <a:pPr/>
-              <a:t>8/25/2018</a:t>
+              <a:t>8/27/2018</a:t>
             </a:fld>
             <a:endParaRPr lang="en-US"/>
           </a:p>
@@ -2334,10 +2333,9 @@
           </a:lstStyle>
           <a:p>
             <a:r>
-              <a:rPr lang="en-US" smtClean="0"/>
+              <a:rPr lang="en-US"/>
               <a:t>Click to edit Master title style</a:t>
             </a:r>
-            <a:endParaRPr lang="en-US"/>
           </a:p>
         </p:txBody>
       </p:sp>
@@ -2461,7 +2459,7 @@
           <a:p>
             <a:pPr lvl="0"/>
             <a:r>
-              <a:rPr lang="en-US" smtClean="0"/>
+              <a:rPr lang="en-US"/>
               <a:t>Click to edit Master text styles</a:t>
             </a:r>
           </a:p>
@@ -2485,7 +2483,7 @@
             <a:fld id="{1D8BD707-D9CF-40AE-B4C6-C98DA3205C09}" type="datetimeFigureOut">
               <a:rPr lang="en-US" smtClean="0"/>
               <a:pPr/>
-              <a:t>8/25/2018</a:t>
+              <a:t>8/27/2018</a:t>
             </a:fld>
             <a:endParaRPr lang="en-US"/>
           </a:p>
@@ -2614,10 +2612,9 @@
           <a:lstStyle/>
           <a:p>
             <a:r>
-              <a:rPr lang="en-US" smtClean="0"/>
+              <a:rPr lang="en-US"/>
               <a:t>Click to edit Master title style</a:t>
             </a:r>
-            <a:endParaRPr lang="en-US"/>
           </a:p>
         </p:txBody>
       </p:sp>
@@ -2648,38 +2645,37 @@
           <a:p>
             <a:pPr lvl="0"/>
             <a:r>
-              <a:rPr lang="en-US" smtClean="0"/>
+              <a:rPr lang="en-US"/>
               <a:t>Click to edit Master text styles</a:t>
             </a:r>
           </a:p>
           <a:p>
             <a:pPr lvl="1"/>
             <a:r>
-              <a:rPr lang="en-US" smtClean="0"/>
+              <a:rPr lang="en-US"/>
               <a:t>Second level</a:t>
             </a:r>
           </a:p>
           <a:p>
             <a:pPr lvl="2"/>
             <a:r>
-              <a:rPr lang="en-US" smtClean="0"/>
+              <a:rPr lang="en-US"/>
               <a:t>Third level</a:t>
             </a:r>
           </a:p>
           <a:p>
             <a:pPr lvl="3"/>
             <a:r>
-              <a:rPr lang="en-US" smtClean="0"/>
+              <a:rPr lang="en-US"/>
               <a:t>Fourth level</a:t>
             </a:r>
           </a:p>
           <a:p>
             <a:pPr lvl="4"/>
             <a:r>
-              <a:rPr lang="en-US" smtClean="0"/>
+              <a:rPr lang="en-US"/>
               <a:t>Fifth level</a:t>
             </a:r>
-            <a:endParaRPr lang="en-US"/>
           </a:p>
         </p:txBody>
       </p:sp>
@@ -2719,7 +2715,7 @@
             <a:fld id="{1D8BD707-D9CF-40AE-B4C6-C98DA3205C09}" type="datetimeFigureOut">
               <a:rPr lang="en-US" smtClean="0"/>
               <a:pPr/>
-              <a:t>8/25/2018</a:t>
+              <a:t>8/27/2018</a:t>
             </a:fld>
             <a:endParaRPr lang="en-US"/>
           </a:p>
@@ -3106,14 +3102,13 @@
           <a:lstStyle/>
           <a:p>
             <a:r>
-              <a:rPr lang="en-US" altLang="zh-CN" dirty="0" smtClean="0"/>
+              <a:rPr lang="en-US" altLang="zh-CN" dirty="0"/>
               <a:t>JVM</a:t>
             </a:r>
             <a:r>
-              <a:rPr lang="zh-CN" altLang="en-US" dirty="0" smtClean="0"/>
+              <a:rPr lang="zh-CN" altLang="en-US" dirty="0"/>
               <a:t>之</a:t>
             </a:r>
-            <a:endParaRPr lang="zh-CN" altLang="en-US" dirty="0"/>
           </a:p>
         </p:txBody>
       </p:sp>
@@ -3133,10 +3128,9 @@
           <a:lstStyle/>
           <a:p>
             <a:r>
-              <a:rPr lang="zh-CN" altLang="en-US" dirty="0" smtClean="0"/>
+              <a:rPr lang="zh-CN" altLang="en-US" dirty="0"/>
               <a:t>垃圾回收机制</a:t>
             </a:r>
-            <a:endParaRPr lang="zh-CN" altLang="en-US" dirty="0"/>
           </a:p>
         </p:txBody>
       </p:sp>
@@ -3145,13 +3139,6 @@
   <p:clrMapOvr>
     <a:masterClrMapping/>
   </p:clrMapOvr>
-  <p:timing>
-    <p:tnLst>
-      <p:par>
-        <p:cTn id="1" dur="indefinite" restart="never" nodeType="tmRoot"/>
-      </p:par>
-    </p:tnLst>
-  </p:timing>
 </p:sld>
 </file>
 
@@ -3189,10 +3176,9 @@
           <a:p>
             <a:pPr algn="l"/>
             <a:r>
-              <a:rPr lang="zh-CN" altLang="en-US" dirty="0" smtClean="0"/>
+              <a:rPr lang="zh-CN" altLang="en-US" dirty="0"/>
               <a:t>几个关键词</a:t>
             </a:r>
-            <a:endParaRPr lang="zh-CN" altLang="en-US" dirty="0"/>
           </a:p>
         </p:txBody>
       </p:sp>
@@ -3212,46 +3198,46 @@
           <a:lstStyle/>
           <a:p>
             <a:r>
-              <a:rPr lang="en-US" altLang="zh-CN" dirty="0" smtClean="0">
+              <a:rPr lang="en-US" altLang="zh-CN" dirty="0">
                 <a:hlinkClick r:id="rId2" action="ppaction://hlinksldjump"/>
               </a:rPr>
               <a:t>GC Roots</a:t>
             </a:r>
-            <a:endParaRPr lang="en-US" altLang="zh-CN" dirty="0" smtClean="0"/>
-          </a:p>
-          <a:p>
-            <a:r>
-              <a:rPr lang="en-US" altLang="zh-CN" dirty="0" smtClean="0"/>
+            <a:endParaRPr lang="en-US" altLang="zh-CN" dirty="0"/>
+          </a:p>
+          <a:p>
+            <a:r>
+              <a:rPr lang="en-US" altLang="zh-CN" dirty="0"/>
               <a:t>Stop the World</a:t>
             </a:r>
           </a:p>
           <a:p>
             <a:r>
-              <a:rPr lang="en-US" altLang="zh-CN" dirty="0" smtClean="0"/>
+              <a:rPr lang="en-US" altLang="zh-CN" dirty="0"/>
               <a:t>Safe point</a:t>
             </a:r>
           </a:p>
           <a:p>
             <a:r>
-              <a:rPr lang="en-US" altLang="zh-CN" dirty="0" smtClean="0"/>
+              <a:rPr lang="en-US" altLang="zh-CN" dirty="0"/>
               <a:t>Safe Region</a:t>
             </a:r>
           </a:p>
           <a:p>
             <a:r>
-              <a:rPr lang="en-US" altLang="zh-CN" dirty="0" smtClean="0"/>
+              <a:rPr lang="en-US" altLang="zh-CN" dirty="0"/>
               <a:t>Minor GC</a:t>
             </a:r>
           </a:p>
           <a:p>
             <a:r>
-              <a:rPr lang="en-US" altLang="zh-CN" dirty="0" smtClean="0"/>
+              <a:rPr lang="en-US" altLang="zh-CN" dirty="0"/>
               <a:t>Major GC</a:t>
             </a:r>
           </a:p>
           <a:p>
             <a:r>
-              <a:rPr lang="en-US" altLang="zh-CN" dirty="0" smtClean="0"/>
+              <a:rPr lang="en-US" altLang="zh-CN" dirty="0"/>
               <a:t>Full GC</a:t>
             </a:r>
             <a:endParaRPr lang="zh-CN" altLang="en-US" dirty="0"/>
@@ -3263,13 +3249,6 @@
   <p:clrMapOvr>
     <a:masterClrMapping/>
   </p:clrMapOvr>
-  <p:timing>
-    <p:tnLst>
-      <p:par>
-        <p:cTn id="1" dur="indefinite" restart="never" nodeType="tmRoot"/>
-      </p:par>
-    </p:tnLst>
-  </p:timing>
 </p:sld>
 </file>
 
@@ -3307,10 +3286,9 @@
           <a:p>
             <a:pPr algn="l"/>
             <a:r>
-              <a:rPr lang="zh-CN" altLang="en-US" dirty="0" smtClean="0"/>
+              <a:rPr lang="zh-CN" altLang="en-US" dirty="0"/>
               <a:t>常见的几种垃圾收集算法</a:t>
             </a:r>
-            <a:endParaRPr lang="zh-CN" altLang="en-US" dirty="0"/>
           </a:p>
         </p:txBody>
       </p:sp>
@@ -3330,37 +3308,39 @@
           <a:lstStyle/>
           <a:p>
             <a:r>
-              <a:rPr lang="zh-CN" altLang="en-US" dirty="0" smtClean="0">
+              <a:rPr lang="zh-CN" altLang="en-US" dirty="0">
                 <a:hlinkClick r:id="rId2" action="ppaction://hlinksldjump"/>
               </a:rPr>
               <a:t>标记</a:t>
             </a:r>
             <a:r>
-              <a:rPr lang="en-US" altLang="zh-CN" dirty="0" smtClean="0">
+              <a:rPr lang="en-US" altLang="zh-CN" dirty="0">
                 <a:hlinkClick r:id="rId2" action="ppaction://hlinksldjump"/>
               </a:rPr>
               <a:t>-</a:t>
             </a:r>
             <a:r>
-              <a:rPr lang="zh-CN" altLang="en-US" dirty="0" smtClean="0">
+              <a:rPr lang="zh-CN" altLang="en-US" dirty="0">
                 <a:hlinkClick r:id="rId2" action="ppaction://hlinksldjump"/>
               </a:rPr>
               <a:t>清除算法</a:t>
             </a:r>
-            <a:endParaRPr lang="en-US" altLang="zh-CN" dirty="0" smtClean="0"/>
-          </a:p>
-          <a:p>
-            <a:r>
-              <a:rPr lang="zh-CN" altLang="en-US" dirty="0" smtClean="0">
+            <a:endParaRPr lang="en-US" altLang="zh-CN" dirty="0"/>
+          </a:p>
+          <a:p>
+            <a:r>
+              <a:rPr lang="zh-CN" altLang="en-US" dirty="0">
                 <a:hlinkClick r:id="rId3" action="ppaction://hlinksldjump"/>
               </a:rPr>
               <a:t>复制算法</a:t>
             </a:r>
-            <a:endParaRPr lang="en-US" altLang="zh-CN" dirty="0" smtClean="0"/>
-          </a:p>
-          <a:p>
-            <a:r>
-              <a:rPr lang="zh-CN" altLang="en-US" dirty="0" smtClean="0"/>
+            <a:endParaRPr lang="en-US" altLang="zh-CN" dirty="0"/>
+          </a:p>
+          <a:p>
+            <a:r>
+              <a:rPr lang="zh-CN" altLang="en-US" dirty="0">
+                <a:hlinkClick r:id="rId4" action="ppaction://hlinksldjump"/>
+              </a:rPr>
               <a:t>标记整理算法</a:t>
             </a:r>
             <a:endParaRPr lang="zh-CN" altLang="en-US" dirty="0"/>
@@ -3409,10 +3389,9 @@
           <a:p>
             <a:pPr algn="l"/>
             <a:r>
-              <a:rPr lang="zh-CN" altLang="en-US" dirty="0" smtClean="0"/>
+              <a:rPr lang="zh-CN" altLang="en-US" dirty="0"/>
               <a:t>垃圾收集器</a:t>
             </a:r>
-            <a:endParaRPr lang="zh-CN" altLang="en-US" dirty="0"/>
           </a:p>
         </p:txBody>
       </p:sp>
@@ -3429,44 +3408,44 @@
         <p:spPr/>
         <p:txBody>
           <a:bodyPr>
-            <a:normAutofit fontScale="92500" lnSpcReduction="10000"/>
+            <a:normAutofit fontScale="85000" lnSpcReduction="10000"/>
           </a:bodyPr>
           <a:lstStyle/>
           <a:p>
             <a:r>
-              <a:rPr lang="zh-CN" altLang="en-US" dirty="0" smtClean="0"/>
+              <a:rPr lang="zh-CN" altLang="en-US" dirty="0"/>
               <a:t>年轻代收集器</a:t>
             </a:r>
-            <a:endParaRPr lang="en-US" altLang="zh-CN" dirty="0" smtClean="0"/>
+            <a:endParaRPr lang="en-US" altLang="zh-CN" dirty="0"/>
           </a:p>
           <a:p>
             <a:pPr>
               <a:buNone/>
             </a:pPr>
             <a:r>
-              <a:rPr lang="en-US" altLang="zh-CN" dirty="0" smtClean="0"/>
+              <a:rPr lang="en-US" altLang="zh-CN" dirty="0"/>
               <a:t>	</a:t>
             </a:r>
             <a:r>
-              <a:rPr lang="en-US" altLang="zh-CN" b="1" dirty="0" smtClean="0"/>
+              <a:rPr lang="en-US" altLang="zh-CN" b="1" dirty="0"/>
               <a:t>Serial</a:t>
             </a:r>
             <a:r>
-              <a:rPr lang="zh-CN" altLang="en-US" b="1" dirty="0" smtClean="0"/>
+              <a:rPr lang="zh-CN" altLang="en-US" b="1" dirty="0"/>
               <a:t>收集器</a:t>
             </a:r>
-            <a:endParaRPr lang="en-US" altLang="zh-CN" b="1" dirty="0" smtClean="0"/>
+            <a:endParaRPr lang="en-US" altLang="zh-CN" b="1" dirty="0"/>
           </a:p>
           <a:p>
             <a:pPr>
               <a:buNone/>
             </a:pPr>
             <a:r>
-              <a:rPr lang="en-US" altLang="zh-CN" b="1" dirty="0" smtClean="0"/>
+              <a:rPr lang="en-US" altLang="zh-CN" b="1" dirty="0"/>
               <a:t>    ParNew</a:t>
             </a:r>
             <a:r>
-              <a:rPr lang="zh-CN" altLang="en-US" b="1" dirty="0" smtClean="0"/>
+              <a:rPr lang="zh-CN" altLang="en-US" b="1" dirty="0"/>
               <a:t>收集器</a:t>
             </a:r>
           </a:p>
@@ -3475,50 +3454,46 @@
               <a:buNone/>
             </a:pPr>
             <a:r>
-              <a:rPr lang="en-US" altLang="zh-CN" b="1" dirty="0" smtClean="0"/>
+              <a:rPr lang="en-US" altLang="zh-CN" b="1" dirty="0"/>
               <a:t>	Parallel Scavenge</a:t>
             </a:r>
             <a:r>
-              <a:rPr lang="zh-CN" altLang="en-US" b="1" dirty="0" smtClean="0"/>
-              <a:t>收</a:t>
-            </a:r>
-            <a:r>
-              <a:rPr lang="zh-CN" altLang="en-US" b="1" smtClean="0"/>
-              <a:t>集器</a:t>
-            </a:r>
-            <a:endParaRPr lang="en-US" altLang="zh-CN" dirty="0" smtClean="0"/>
-          </a:p>
-          <a:p>
-            <a:r>
-              <a:rPr lang="zh-CN" altLang="en-US" dirty="0" smtClean="0"/>
+              <a:rPr lang="zh-CN" altLang="en-US" b="1" dirty="0"/>
+              <a:t>收集器</a:t>
+            </a:r>
+            <a:endParaRPr lang="en-US" altLang="zh-CN" dirty="0"/>
+          </a:p>
+          <a:p>
+            <a:r>
+              <a:rPr lang="zh-CN" altLang="en-US" dirty="0"/>
               <a:t>老年代收集器</a:t>
             </a:r>
-            <a:endParaRPr lang="en-US" altLang="zh-CN" dirty="0" smtClean="0"/>
+            <a:endParaRPr lang="en-US" altLang="zh-CN" dirty="0"/>
           </a:p>
           <a:p>
             <a:pPr>
               <a:buNone/>
             </a:pPr>
             <a:r>
-              <a:rPr lang="en-US" altLang="zh-CN" b="1" dirty="0" smtClean="0"/>
+              <a:rPr lang="en-US" altLang="zh-CN" b="1" dirty="0"/>
               <a:t>	Serial Old</a:t>
             </a:r>
             <a:r>
-              <a:rPr lang="zh-CN" altLang="en-US" b="1" dirty="0" smtClean="0"/>
+              <a:rPr lang="zh-CN" altLang="en-US" b="1" dirty="0"/>
               <a:t>收集器</a:t>
             </a:r>
-            <a:endParaRPr lang="en-US" altLang="zh-CN" b="1" dirty="0" smtClean="0"/>
+            <a:endParaRPr lang="en-US" altLang="zh-CN" b="1" dirty="0"/>
           </a:p>
           <a:p>
             <a:pPr>
               <a:buNone/>
             </a:pPr>
             <a:r>
-              <a:rPr lang="en-US" altLang="zh-CN" b="1" dirty="0" smtClean="0"/>
+              <a:rPr lang="en-US" altLang="zh-CN" b="1" dirty="0"/>
               <a:t>	CMS</a:t>
             </a:r>
             <a:r>
-              <a:rPr lang="zh-CN" altLang="en-US" b="1" dirty="0" smtClean="0"/>
+              <a:rPr lang="zh-CN" altLang="en-US" b="1" dirty="0"/>
               <a:t>收集器</a:t>
             </a:r>
           </a:p>
@@ -3527,13 +3502,25 @@
               <a:buNone/>
             </a:pPr>
             <a:r>
-              <a:rPr lang="en-US" altLang="zh-CN" b="1" dirty="0" smtClean="0"/>
+              <a:rPr lang="en-US" altLang="zh-CN" b="1" dirty="0">
+                <a:hlinkClick r:id="rId2"/>
+              </a:rPr>
               <a:t>https://www.cnblogs.com/duke2016/p/6250766.html</a:t>
             </a:r>
-            <a:endParaRPr lang="zh-CN" altLang="en-US" b="1" dirty="0" smtClean="0"/>
-          </a:p>
-          <a:p>
-            <a:endParaRPr lang="en-US" altLang="zh-CN" dirty="0" smtClean="0"/>
+            <a:endParaRPr lang="en-US" altLang="zh-CN" b="1" dirty="0"/>
+          </a:p>
+          <a:p>
+            <a:pPr>
+              <a:buNone/>
+            </a:pPr>
+            <a:r>
+              <a:rPr lang="en-US" altLang="zh-CN" b="1" dirty="0"/>
+              <a:t>https://www.cnblogs.com/piwenjun/p/5482715.html</a:t>
+            </a:r>
+            <a:endParaRPr lang="zh-CN" altLang="en-US" b="1" dirty="0"/>
+          </a:p>
+          <a:p>
+            <a:endParaRPr lang="en-US" altLang="zh-CN" dirty="0"/>
           </a:p>
         </p:txBody>
       </p:sp>
@@ -3597,31 +3584,30 @@
           <a:lstStyle/>
           <a:p>
             <a:r>
-              <a:rPr lang="zh-CN" altLang="en-US" dirty="0" smtClean="0"/>
+              <a:rPr lang="zh-CN" altLang="en-US" dirty="0"/>
               <a:t>虚拟机栈中引用的对象</a:t>
             </a:r>
-            <a:endParaRPr lang="en-US" altLang="zh-CN" dirty="0" smtClean="0"/>
-          </a:p>
-          <a:p>
-            <a:r>
-              <a:rPr lang="zh-CN" altLang="en-US" dirty="0" smtClean="0"/>
+            <a:endParaRPr lang="en-US" altLang="zh-CN" dirty="0"/>
+          </a:p>
+          <a:p>
+            <a:r>
+              <a:rPr lang="zh-CN" altLang="en-US" dirty="0"/>
               <a:t>方法区中类静态属性引用的对象</a:t>
             </a:r>
-            <a:endParaRPr lang="en-US" altLang="zh-CN" dirty="0" smtClean="0"/>
-          </a:p>
-          <a:p>
-            <a:r>
-              <a:rPr lang="zh-CN" altLang="en-US" dirty="0" smtClean="0"/>
+            <a:endParaRPr lang="en-US" altLang="zh-CN" dirty="0"/>
+          </a:p>
+          <a:p>
+            <a:r>
+              <a:rPr lang="zh-CN" altLang="en-US" dirty="0"/>
               <a:t>方法区中常量引用的对象</a:t>
             </a:r>
-            <a:endParaRPr lang="en-US" altLang="zh-CN" dirty="0" smtClean="0"/>
-          </a:p>
-          <a:p>
-            <a:r>
-              <a:rPr lang="zh-CN" altLang="en-US" dirty="0" smtClean="0"/>
+            <a:endParaRPr lang="en-US" altLang="zh-CN" dirty="0"/>
+          </a:p>
+          <a:p>
+            <a:r>
+              <a:rPr lang="zh-CN" altLang="en-US" dirty="0"/>
               <a:t>本地方法栈中引用的对象</a:t>
             </a:r>
-            <a:endParaRPr lang="zh-CN" altLang="en-US" dirty="0"/>
           </a:p>
         </p:txBody>
       </p:sp>
@@ -3672,13 +3658,6 @@
   <p:clrMapOvr>
     <a:masterClrMapping/>
   </p:clrMapOvr>
-  <p:timing>
-    <p:tnLst>
-      <p:par>
-        <p:cTn id="1" dur="indefinite" restart="never" nodeType="tmRoot"/>
-      </p:par>
-    </p:tnLst>
-  </p:timing>
 </p:sld>
 </file>
 
@@ -3716,22 +3695,17 @@
           <a:p>
             <a:pPr algn="l"/>
             <a:r>
-              <a:rPr lang="zh-CN" altLang="en-US" dirty="0" smtClean="0"/>
-              <a:t>标</a:t>
-            </a:r>
-            <a:r>
-              <a:rPr lang="zh-CN" altLang="en-US" dirty="0" smtClean="0"/>
-              <a:t>记</a:t>
-            </a:r>
-            <a:r>
-              <a:rPr lang="en-US" altLang="zh-CN" dirty="0" smtClean="0"/>
+              <a:rPr lang="zh-CN" altLang="en-US" dirty="0"/>
+              <a:t>标记</a:t>
+            </a:r>
+            <a:r>
+              <a:rPr lang="en-US" altLang="zh-CN" dirty="0"/>
               <a:t>-</a:t>
             </a:r>
             <a:r>
-              <a:rPr lang="zh-CN" altLang="en-US" dirty="0" smtClean="0"/>
+              <a:rPr lang="zh-CN" altLang="en-US" dirty="0"/>
               <a:t>清除算法</a:t>
             </a:r>
-            <a:endParaRPr lang="zh-CN" altLang="en-US" dirty="0"/>
           </a:p>
         </p:txBody>
       </p:sp>
@@ -3812,18 +3786,14 @@
           <a:lstStyle/>
           <a:p>
             <a:r>
-              <a:rPr lang="en-US" altLang="zh-CN" sz="3200" dirty="0" smtClean="0"/>
+              <a:rPr lang="en-US" altLang="zh-CN" sz="3200" dirty="0"/>
               <a:t>1</a:t>
             </a:r>
             <a:r>
-              <a:rPr lang="zh-CN" altLang="zh-CN" sz="3200" dirty="0" smtClean="0"/>
-              <a:t>、效率问题，不管是标记还是清除，效率都不高</a:t>
-            </a:r>
-            <a:r>
-              <a:rPr lang="zh-CN" altLang="zh-CN" sz="3200" dirty="0" smtClean="0"/>
-              <a:t>；</a:t>
-            </a:r>
-            <a:endParaRPr lang="en-US" altLang="zh-CN" sz="3200" dirty="0" smtClean="0"/>
+              <a:rPr lang="zh-CN" altLang="zh-CN" sz="3200" dirty="0"/>
+              <a:t>、效率问题，不管是标记还是清除，效率都不高；</a:t>
+            </a:r>
+            <a:endParaRPr lang="en-US" altLang="zh-CN" sz="3200" dirty="0"/>
           </a:p>
         </p:txBody>
       </p:sp>
@@ -3850,22 +3820,21 @@
           <a:lstStyle/>
           <a:p>
             <a:r>
-              <a:rPr lang="en-US" altLang="zh-CN" sz="2800" dirty="0" smtClean="0"/>
+              <a:rPr lang="en-US" altLang="zh-CN" sz="2800" dirty="0"/>
               <a:t>2</a:t>
             </a:r>
             <a:r>
-              <a:rPr lang="zh-CN" altLang="zh-CN" sz="2800" dirty="0" smtClean="0"/>
+              <a:rPr lang="zh-CN" altLang="zh-CN" sz="2800" dirty="0"/>
               <a:t>、空间问题，标记清除之后，会留下很多不连续的内存碎片，而空间碎片的增多不利于大对象的分配，可能会提前触发一次</a:t>
             </a:r>
             <a:r>
-              <a:rPr lang="en-US" altLang="zh-CN" sz="2800" dirty="0" smtClean="0"/>
+              <a:rPr lang="en-US" altLang="zh-CN" sz="2800" dirty="0"/>
               <a:t>GC</a:t>
             </a:r>
             <a:r>
-              <a:rPr lang="zh-CN" altLang="en-US" sz="2800" dirty="0" smtClean="0"/>
+              <a:rPr lang="zh-CN" altLang="en-US" sz="2800" dirty="0"/>
               <a:t>；</a:t>
             </a:r>
-            <a:endParaRPr lang="zh-CN" altLang="en-US" sz="2800" dirty="0" smtClean="0"/>
           </a:p>
         </p:txBody>
       </p:sp>
@@ -3953,10 +3922,9 @@
           <a:p>
             <a:pPr algn="l"/>
             <a:r>
-              <a:rPr lang="zh-CN" altLang="en-US" dirty="0" smtClean="0"/>
+              <a:rPr lang="zh-CN" altLang="en-US" dirty="0"/>
               <a:t>复制算法</a:t>
             </a:r>
-            <a:endParaRPr lang="zh-CN" altLang="en-US" dirty="0"/>
           </a:p>
         </p:txBody>
       </p:sp>
@@ -4072,18 +4040,17 @@
           <a:p>
             <a:pPr algn="l"/>
             <a:r>
-              <a:rPr lang="zh-CN" altLang="en-US" dirty="0" smtClean="0"/>
+              <a:rPr lang="zh-CN" altLang="en-US" dirty="0"/>
               <a:t>标记</a:t>
             </a:r>
             <a:r>
-              <a:rPr lang="en-US" altLang="zh-CN" dirty="0" smtClean="0"/>
+              <a:rPr lang="en-US" altLang="zh-CN" dirty="0"/>
               <a:t>-</a:t>
             </a:r>
             <a:r>
-              <a:rPr lang="zh-CN" altLang="en-US" dirty="0" smtClean="0"/>
+              <a:rPr lang="zh-CN" altLang="en-US" dirty="0"/>
               <a:t>整理算法</a:t>
             </a:r>
-            <a:endParaRPr lang="zh-CN" altLang="en-US" dirty="0"/>
           </a:p>
         </p:txBody>
       </p:sp>
@@ -4115,7 +4082,215 @@
           <a:noFill/>
         </p:spPr>
       </p:pic>
+      <p:sp>
+        <p:nvSpPr>
+          <p:cNvPr id="4" name="左箭头 4">
+            <a:hlinkClick r:id="rId3" action="ppaction://hlinksldjump"/>
+            <a:extLst>
+              <a:ext uri="{FF2B5EF4-FFF2-40B4-BE49-F238E27FC236}">
+                <a16:creationId xmlns:a16="http://schemas.microsoft.com/office/drawing/2014/main" id="{208352A4-260F-46D1-A9C5-EC039A6D0748}"/>
+              </a:ext>
+            </a:extLst>
+          </p:cNvPr>
+          <p:cNvSpPr/>
+          <p:nvPr/>
+        </p:nvSpPr>
+        <p:spPr>
+          <a:xfrm>
+            <a:off x="8029086" y="756704"/>
+            <a:ext cx="457200" cy="304800"/>
+          </a:xfrm>
+          <a:prstGeom prst="leftArrow">
+            <a:avLst/>
+          </a:prstGeom>
+        </p:spPr>
+        <p:style>
+          <a:lnRef idx="2">
+            <a:schemeClr val="accent1">
+              <a:shade val="50000"/>
+            </a:schemeClr>
+          </a:lnRef>
+          <a:fillRef idx="1">
+            <a:schemeClr val="accent1"/>
+          </a:fillRef>
+          <a:effectRef idx="0">
+            <a:schemeClr val="accent1"/>
+          </a:effectRef>
+          <a:fontRef idx="minor">
+            <a:schemeClr val="lt1"/>
+          </a:fontRef>
+        </p:style>
+        <p:txBody>
+          <a:bodyPr rtlCol="0" anchor="ctr"/>
+          <a:lstStyle/>
+          <a:p>
+            <a:pPr algn="ctr"/>
+            <a:endParaRPr lang="zh-CN" altLang="en-US"/>
+          </a:p>
+        </p:txBody>
+      </p:sp>
     </p:spTree>
+  </p:cSld>
+  <p:clrMapOvr>
+    <a:masterClrMapping/>
+  </p:clrMapOvr>
+</p:sld>
+</file>
+
+<file path=ppt/slides/slide9.xml><?xml version="1.0" encoding="utf-8"?>
+<p:sld xmlns:a="http://schemas.openxmlformats.org/drawingml/2006/main" xmlns:r="http://schemas.openxmlformats.org/officeDocument/2006/relationships" xmlns:p="http://schemas.openxmlformats.org/presentationml/2006/main">
+  <p:cSld>
+    <p:spTree>
+      <p:nvGrpSpPr>
+        <p:cNvPr id="1" name=""/>
+        <p:cNvGrpSpPr/>
+        <p:nvPr/>
+      </p:nvGrpSpPr>
+      <p:grpSpPr>
+        <a:xfrm>
+          <a:off x="0" y="0"/>
+          <a:ext cx="0" cy="0"/>
+          <a:chOff x="0" y="0"/>
+          <a:chExt cx="0" cy="0"/>
+        </a:xfrm>
+      </p:grpSpPr>
+      <p:sp>
+        <p:nvSpPr>
+          <p:cNvPr id="2" name="标题 1">
+            <a:extLst>
+              <a:ext uri="{FF2B5EF4-FFF2-40B4-BE49-F238E27FC236}">
+                <a16:creationId xmlns:a16="http://schemas.microsoft.com/office/drawing/2014/main" id="{0BBCF635-C089-4C25-BD08-2F460258D05A}"/>
+              </a:ext>
+            </a:extLst>
+          </p:cNvPr>
+          <p:cNvSpPr>
+            <a:spLocks noGrp="1"/>
+          </p:cNvSpPr>
+          <p:nvPr>
+            <p:ph type="title"/>
+          </p:nvPr>
+        </p:nvSpPr>
+        <p:spPr/>
+        <p:txBody>
+          <a:bodyPr>
+            <a:normAutofit/>
+          </a:bodyPr>
+          <a:lstStyle/>
+          <a:p>
+            <a:pPr algn="l"/>
+            <a:r>
+              <a:rPr lang="en-US" altLang="zh-CN" b="1" dirty="0"/>
+              <a:t>Serial</a:t>
+            </a:r>
+            <a:r>
+              <a:rPr lang="zh-CN" altLang="en-US" b="1" dirty="0"/>
+              <a:t>收集器</a:t>
+            </a:r>
+            <a:endParaRPr lang="zh-CN" altLang="en-US" dirty="0"/>
+          </a:p>
+        </p:txBody>
+      </p:sp>
+      <p:sp>
+        <p:nvSpPr>
+          <p:cNvPr id="3" name="内容占位符 2">
+            <a:extLst>
+              <a:ext uri="{FF2B5EF4-FFF2-40B4-BE49-F238E27FC236}">
+                <a16:creationId xmlns:a16="http://schemas.microsoft.com/office/drawing/2014/main" id="{33BFE2DE-1CD7-4098-9716-2F2A3BFB43F3}"/>
+              </a:ext>
+            </a:extLst>
+          </p:cNvPr>
+          <p:cNvSpPr>
+            <a:spLocks noGrp="1"/>
+          </p:cNvSpPr>
+          <p:nvPr>
+            <p:ph idx="1"/>
+          </p:nvPr>
+        </p:nvSpPr>
+        <p:spPr/>
+        <p:txBody>
+          <a:bodyPr/>
+          <a:lstStyle/>
+          <a:p>
+            <a:r>
+              <a:rPr lang="zh-CN" altLang="en-US" dirty="0"/>
+              <a:t>单线程，简单高效</a:t>
+            </a:r>
+            <a:endParaRPr lang="en-US" altLang="zh-CN" dirty="0"/>
+          </a:p>
+          <a:p>
+            <a:r>
+              <a:rPr lang="zh-CN" altLang="en-US" dirty="0"/>
+              <a:t>暂停用户线程，直到收集完成</a:t>
+            </a:r>
+            <a:endParaRPr lang="en-US" altLang="zh-CN" dirty="0"/>
+          </a:p>
+          <a:p>
+            <a:r>
+              <a:rPr lang="en-US" altLang="zh-CN" dirty="0"/>
+              <a:t>-XX:+</a:t>
+            </a:r>
+            <a:r>
+              <a:rPr lang="en-US" altLang="zh-CN" dirty="0" err="1"/>
+              <a:t>UseSerialGC</a:t>
+            </a:r>
+            <a:endParaRPr lang="en-US" altLang="zh-CN" dirty="0"/>
+          </a:p>
+          <a:p>
+            <a:pPr marL="0" indent="0">
+              <a:buNone/>
+            </a:pPr>
+            <a:endParaRPr lang="en-US" altLang="zh-CN" dirty="0"/>
+          </a:p>
+          <a:p>
+            <a:pPr marL="0" indent="0">
+              <a:buNone/>
+            </a:pPr>
+            <a:endParaRPr lang="zh-CN" altLang="en-US" dirty="0"/>
+          </a:p>
+        </p:txBody>
+      </p:sp>
+      <p:pic>
+        <p:nvPicPr>
+          <p:cNvPr id="5" name="图片 4">
+            <a:extLst>
+              <a:ext uri="{FF2B5EF4-FFF2-40B4-BE49-F238E27FC236}">
+                <a16:creationId xmlns:a16="http://schemas.microsoft.com/office/drawing/2014/main" id="{6D129BC6-18E1-4BBF-A750-6BA5E45AFD49}"/>
+              </a:ext>
+            </a:extLst>
+          </p:cNvPr>
+          <p:cNvPicPr>
+            <a:picLocks noChangeAspect="1"/>
+          </p:cNvPicPr>
+          <p:nvPr/>
+        </p:nvPicPr>
+        <p:blipFill>
+          <a:blip r:embed="rId2">
+            <a:extLst>
+              <a:ext uri="{28A0092B-C50C-407E-A947-70E740481C1C}">
+                <a14:useLocalDpi xmlns:a14="http://schemas.microsoft.com/office/drawing/2010/main" val="0"/>
+              </a:ext>
+            </a:extLst>
+          </a:blip>
+          <a:stretch>
+            <a:fillRect/>
+          </a:stretch>
+        </p:blipFill>
+        <p:spPr>
+          <a:xfrm>
+            <a:off x="609600" y="3505200"/>
+            <a:ext cx="3452159" cy="1920406"/>
+          </a:xfrm>
+          <a:prstGeom prst="rect">
+            <a:avLst/>
+          </a:prstGeom>
+        </p:spPr>
+      </p:pic>
+    </p:spTree>
+    <p:extLst>
+      <p:ext uri="{BB962C8B-B14F-4D97-AF65-F5344CB8AC3E}">
+        <p14:creationId xmlns:p14="http://schemas.microsoft.com/office/powerpoint/2010/main" val="1895809678"/>
+      </p:ext>
+    </p:extLst>
   </p:cSld>
   <p:clrMapOvr>
     <a:masterClrMapping/>

--- a/aboutGC/src/files/GC.pptx
+++ b/aboutGC/src/files/GC.pptx
@@ -14,6 +14,10 @@
     <p:sldId id="262" r:id="rId8"/>
     <p:sldId id="263" r:id="rId9"/>
     <p:sldId id="264" r:id="rId10"/>
+    <p:sldId id="265" r:id="rId11"/>
+    <p:sldId id="266" r:id="rId12"/>
+    <p:sldId id="267" r:id="rId13"/>
+    <p:sldId id="268" r:id="rId14"/>
   </p:sldIdLst>
   <p:sldSz cx="9144000" cy="6858000" type="screen4x3"/>
   <p:notesSz cx="6858000" cy="9144000"/>
@@ -311,7 +315,7 @@
             <a:fld id="{1D8BD707-D9CF-40AE-B4C6-C98DA3205C09}" type="datetimeFigureOut">
               <a:rPr lang="en-US" smtClean="0"/>
               <a:pPr/>
-              <a:t>8/27/2018</a:t>
+              <a:t>8/28/2018</a:t>
             </a:fld>
             <a:endParaRPr lang="en-US"/>
           </a:p>
@@ -476,7 +480,7 @@
             <a:fld id="{1D8BD707-D9CF-40AE-B4C6-C98DA3205C09}" type="datetimeFigureOut">
               <a:rPr lang="en-US" smtClean="0"/>
               <a:pPr/>
-              <a:t>8/27/2018</a:t>
+              <a:t>8/28/2018</a:t>
             </a:fld>
             <a:endParaRPr lang="en-US"/>
           </a:p>
@@ -651,7 +655,7 @@
             <a:fld id="{1D8BD707-D9CF-40AE-B4C6-C98DA3205C09}" type="datetimeFigureOut">
               <a:rPr lang="en-US" smtClean="0"/>
               <a:pPr/>
-              <a:t>8/27/2018</a:t>
+              <a:t>8/28/2018</a:t>
             </a:fld>
             <a:endParaRPr lang="en-US"/>
           </a:p>
@@ -816,7 +820,7 @@
             <a:fld id="{1D8BD707-D9CF-40AE-B4C6-C98DA3205C09}" type="datetimeFigureOut">
               <a:rPr lang="en-US" smtClean="0"/>
               <a:pPr/>
-              <a:t>8/27/2018</a:t>
+              <a:t>8/28/2018</a:t>
             </a:fld>
             <a:endParaRPr lang="en-US"/>
           </a:p>
@@ -1058,7 +1062,7 @@
             <a:fld id="{1D8BD707-D9CF-40AE-B4C6-C98DA3205C09}" type="datetimeFigureOut">
               <a:rPr lang="en-US" smtClean="0"/>
               <a:pPr/>
-              <a:t>8/27/2018</a:t>
+              <a:t>8/28/2018</a:t>
             </a:fld>
             <a:endParaRPr lang="en-US"/>
           </a:p>
@@ -1340,7 +1344,7 @@
             <a:fld id="{1D8BD707-D9CF-40AE-B4C6-C98DA3205C09}" type="datetimeFigureOut">
               <a:rPr lang="en-US" smtClean="0"/>
               <a:pPr/>
-              <a:t>8/27/2018</a:t>
+              <a:t>8/28/2018</a:t>
             </a:fld>
             <a:endParaRPr lang="en-US"/>
           </a:p>
@@ -1756,7 +1760,7 @@
             <a:fld id="{1D8BD707-D9CF-40AE-B4C6-C98DA3205C09}" type="datetimeFigureOut">
               <a:rPr lang="en-US" smtClean="0"/>
               <a:pPr/>
-              <a:t>8/27/2018</a:t>
+              <a:t>8/28/2018</a:t>
             </a:fld>
             <a:endParaRPr lang="en-US"/>
           </a:p>
@@ -1870,7 +1874,7 @@
             <a:fld id="{1D8BD707-D9CF-40AE-B4C6-C98DA3205C09}" type="datetimeFigureOut">
               <a:rPr lang="en-US" smtClean="0"/>
               <a:pPr/>
-              <a:t>8/27/2018</a:t>
+              <a:t>8/28/2018</a:t>
             </a:fld>
             <a:endParaRPr lang="en-US"/>
           </a:p>
@@ -1962,7 +1966,7 @@
             <a:fld id="{1D8BD707-D9CF-40AE-B4C6-C98DA3205C09}" type="datetimeFigureOut">
               <a:rPr lang="en-US" smtClean="0"/>
               <a:pPr/>
-              <a:t>8/27/2018</a:t>
+              <a:t>8/28/2018</a:t>
             </a:fld>
             <a:endParaRPr lang="en-US"/>
           </a:p>
@@ -2234,7 +2238,7 @@
             <a:fld id="{1D8BD707-D9CF-40AE-B4C6-C98DA3205C09}" type="datetimeFigureOut">
               <a:rPr lang="en-US" smtClean="0"/>
               <a:pPr/>
-              <a:t>8/27/2018</a:t>
+              <a:t>8/28/2018</a:t>
             </a:fld>
             <a:endParaRPr lang="en-US"/>
           </a:p>
@@ -2483,7 +2487,7 @@
             <a:fld id="{1D8BD707-D9CF-40AE-B4C6-C98DA3205C09}" type="datetimeFigureOut">
               <a:rPr lang="en-US" smtClean="0"/>
               <a:pPr/>
-              <a:t>8/27/2018</a:t>
+              <a:t>8/28/2018</a:t>
             </a:fld>
             <a:endParaRPr lang="en-US"/>
           </a:p>
@@ -2715,7 +2719,7 @@
             <a:fld id="{1D8BD707-D9CF-40AE-B4C6-C98DA3205C09}" type="datetimeFigureOut">
               <a:rPr lang="en-US" smtClean="0"/>
               <a:pPr/>
-              <a:t>8/27/2018</a:t>
+              <a:t>8/28/2018</a:t>
             </a:fld>
             <a:endParaRPr lang="en-US"/>
           </a:p>
@@ -3142,6 +3146,865 @@
 </p:sld>
 </file>
 
+<file path=ppt/slides/slide10.xml><?xml version="1.0" encoding="utf-8"?>
+<p:sld xmlns:a="http://schemas.openxmlformats.org/drawingml/2006/main" xmlns:r="http://schemas.openxmlformats.org/officeDocument/2006/relationships" xmlns:p="http://schemas.openxmlformats.org/presentationml/2006/main">
+  <p:cSld>
+    <p:spTree>
+      <p:nvGrpSpPr>
+        <p:cNvPr id="1" name=""/>
+        <p:cNvGrpSpPr/>
+        <p:nvPr/>
+      </p:nvGrpSpPr>
+      <p:grpSpPr>
+        <a:xfrm>
+          <a:off x="0" y="0"/>
+          <a:ext cx="0" cy="0"/>
+          <a:chOff x="0" y="0"/>
+          <a:chExt cx="0" cy="0"/>
+        </a:xfrm>
+      </p:grpSpPr>
+      <p:sp>
+        <p:nvSpPr>
+          <p:cNvPr id="2" name="标题 1">
+            <a:extLst>
+              <a:ext uri="{FF2B5EF4-FFF2-40B4-BE49-F238E27FC236}">
+                <a16:creationId xmlns:a16="http://schemas.microsoft.com/office/drawing/2014/main" id="{966D96AB-6425-435D-BB04-A364B0892657}"/>
+              </a:ext>
+            </a:extLst>
+          </p:cNvPr>
+          <p:cNvSpPr>
+            <a:spLocks noGrp="1"/>
+          </p:cNvSpPr>
+          <p:nvPr>
+            <p:ph type="title"/>
+          </p:nvPr>
+        </p:nvSpPr>
+        <p:spPr/>
+        <p:txBody>
+          <a:bodyPr>
+            <a:normAutofit/>
+          </a:bodyPr>
+          <a:lstStyle/>
+          <a:p>
+            <a:pPr algn="l"/>
+            <a:r>
+              <a:rPr lang="en-US" altLang="zh-CN" b="1" dirty="0" err="1"/>
+              <a:t>ParNew</a:t>
+            </a:r>
+            <a:r>
+              <a:rPr lang="zh-CN" altLang="en-US" b="1" dirty="0"/>
+              <a:t>收集器</a:t>
+            </a:r>
+            <a:endParaRPr lang="zh-CN" altLang="en-US" dirty="0"/>
+          </a:p>
+        </p:txBody>
+      </p:sp>
+      <p:sp>
+        <p:nvSpPr>
+          <p:cNvPr id="3" name="内容占位符 2">
+            <a:extLst>
+              <a:ext uri="{FF2B5EF4-FFF2-40B4-BE49-F238E27FC236}">
+                <a16:creationId xmlns:a16="http://schemas.microsoft.com/office/drawing/2014/main" id="{A3EBCC99-C444-4CAD-9859-B51B67A2977D}"/>
+              </a:ext>
+            </a:extLst>
+          </p:cNvPr>
+          <p:cNvSpPr>
+            <a:spLocks noGrp="1"/>
+          </p:cNvSpPr>
+          <p:nvPr>
+            <p:ph idx="1"/>
+          </p:nvPr>
+        </p:nvSpPr>
+        <p:spPr/>
+        <p:txBody>
+          <a:bodyPr/>
+          <a:lstStyle/>
+          <a:p>
+            <a:r>
+              <a:rPr lang="en-US" altLang="zh-CN" dirty="0"/>
+              <a:t>Serial</a:t>
+            </a:r>
+            <a:r>
+              <a:rPr lang="zh-CN" altLang="en-US" dirty="0"/>
+              <a:t>收集器的多线程版本</a:t>
+            </a:r>
+            <a:endParaRPr lang="en-US" altLang="zh-CN" dirty="0"/>
+          </a:p>
+          <a:p>
+            <a:r>
+              <a:rPr lang="zh-CN" altLang="en-US" dirty="0"/>
+              <a:t>并行收集，同样会</a:t>
+            </a:r>
+            <a:r>
+              <a:rPr lang="en-US" altLang="zh-CN" dirty="0" err="1"/>
+              <a:t>stw</a:t>
+            </a:r>
+            <a:endParaRPr lang="en-US" altLang="zh-CN" dirty="0"/>
+          </a:p>
+          <a:p>
+            <a:r>
+              <a:rPr lang="zh-CN" altLang="en-US" dirty="0"/>
+              <a:t>和</a:t>
+            </a:r>
+            <a:r>
+              <a:rPr lang="en-US" altLang="zh-CN" dirty="0"/>
+              <a:t>CMS</a:t>
+            </a:r>
+            <a:r>
+              <a:rPr lang="zh-CN" altLang="en-US" dirty="0"/>
+              <a:t>收集器配合使用</a:t>
+            </a:r>
+            <a:endParaRPr lang="en-US" altLang="zh-CN" dirty="0"/>
+          </a:p>
+          <a:p>
+            <a:r>
+              <a:rPr lang="en-US" altLang="zh-CN" dirty="0"/>
+              <a:t>-XX:+</a:t>
+            </a:r>
+            <a:r>
+              <a:rPr lang="en-US" altLang="zh-CN" dirty="0" err="1"/>
+              <a:t>UseParNewGC</a:t>
+            </a:r>
+            <a:endParaRPr lang="en-US" altLang="zh-CN" dirty="0"/>
+          </a:p>
+          <a:p>
+            <a:pPr marL="0" indent="0">
+              <a:buNone/>
+            </a:pPr>
+            <a:endParaRPr lang="en-US" altLang="zh-CN" dirty="0"/>
+          </a:p>
+        </p:txBody>
+      </p:sp>
+      <p:pic>
+        <p:nvPicPr>
+          <p:cNvPr id="5" name="图片 4">
+            <a:extLst>
+              <a:ext uri="{FF2B5EF4-FFF2-40B4-BE49-F238E27FC236}">
+                <a16:creationId xmlns:a16="http://schemas.microsoft.com/office/drawing/2014/main" id="{ECE47001-CBAF-4EE4-B6B3-A8841664156C}"/>
+              </a:ext>
+            </a:extLst>
+          </p:cNvPr>
+          <p:cNvPicPr>
+            <a:picLocks noChangeAspect="1"/>
+          </p:cNvPicPr>
+          <p:nvPr/>
+        </p:nvPicPr>
+        <p:blipFill>
+          <a:blip r:embed="rId2">
+            <a:extLst>
+              <a:ext uri="{28A0092B-C50C-407E-A947-70E740481C1C}">
+                <a14:useLocalDpi xmlns:a14="http://schemas.microsoft.com/office/drawing/2010/main" val="0"/>
+              </a:ext>
+            </a:extLst>
+          </a:blip>
+          <a:stretch>
+            <a:fillRect/>
+          </a:stretch>
+        </p:blipFill>
+        <p:spPr>
+          <a:xfrm>
+            <a:off x="533400" y="4000391"/>
+            <a:ext cx="3581710" cy="2308334"/>
+          </a:xfrm>
+          <a:prstGeom prst="rect">
+            <a:avLst/>
+          </a:prstGeom>
+        </p:spPr>
+      </p:pic>
+      <p:sp>
+        <p:nvSpPr>
+          <p:cNvPr id="6" name="左箭头 5">
+            <a:hlinkClick r:id="rId3" action="ppaction://hlinksldjump"/>
+            <a:extLst>
+              <a:ext uri="{FF2B5EF4-FFF2-40B4-BE49-F238E27FC236}">
+                <a16:creationId xmlns:a16="http://schemas.microsoft.com/office/drawing/2014/main" id="{26058217-30C0-4D5C-A4C2-12FAC3837631}"/>
+              </a:ext>
+            </a:extLst>
+          </p:cNvPr>
+          <p:cNvSpPr/>
+          <p:nvPr/>
+        </p:nvSpPr>
+        <p:spPr>
+          <a:xfrm>
+            <a:off x="7772400" y="693738"/>
+            <a:ext cx="457200" cy="304800"/>
+          </a:xfrm>
+          <a:prstGeom prst="leftArrow">
+            <a:avLst/>
+          </a:prstGeom>
+        </p:spPr>
+        <p:style>
+          <a:lnRef idx="2">
+            <a:schemeClr val="accent1">
+              <a:shade val="50000"/>
+            </a:schemeClr>
+          </a:lnRef>
+          <a:fillRef idx="1">
+            <a:schemeClr val="accent1"/>
+          </a:fillRef>
+          <a:effectRef idx="0">
+            <a:schemeClr val="accent1"/>
+          </a:effectRef>
+          <a:fontRef idx="minor">
+            <a:schemeClr val="lt1"/>
+          </a:fontRef>
+        </p:style>
+        <p:txBody>
+          <a:bodyPr rtlCol="0" anchor="ctr"/>
+          <a:lstStyle/>
+          <a:p>
+            <a:pPr algn="ctr"/>
+            <a:endParaRPr lang="zh-CN" altLang="en-US"/>
+          </a:p>
+        </p:txBody>
+      </p:sp>
+    </p:spTree>
+    <p:extLst>
+      <p:ext uri="{BB962C8B-B14F-4D97-AF65-F5344CB8AC3E}">
+        <p14:creationId xmlns:p14="http://schemas.microsoft.com/office/powerpoint/2010/main" val="560909710"/>
+      </p:ext>
+    </p:extLst>
+  </p:cSld>
+  <p:clrMapOvr>
+    <a:masterClrMapping/>
+  </p:clrMapOvr>
+</p:sld>
+</file>
+
+<file path=ppt/slides/slide11.xml><?xml version="1.0" encoding="utf-8"?>
+<p:sld xmlns:a="http://schemas.openxmlformats.org/drawingml/2006/main" xmlns:r="http://schemas.openxmlformats.org/officeDocument/2006/relationships" xmlns:p="http://schemas.openxmlformats.org/presentationml/2006/main">
+  <p:cSld>
+    <p:spTree>
+      <p:nvGrpSpPr>
+        <p:cNvPr id="1" name=""/>
+        <p:cNvGrpSpPr/>
+        <p:nvPr/>
+      </p:nvGrpSpPr>
+      <p:grpSpPr>
+        <a:xfrm>
+          <a:off x="0" y="0"/>
+          <a:ext cx="0" cy="0"/>
+          <a:chOff x="0" y="0"/>
+          <a:chExt cx="0" cy="0"/>
+        </a:xfrm>
+      </p:grpSpPr>
+      <p:sp>
+        <p:nvSpPr>
+          <p:cNvPr id="2" name="标题 1">
+            <a:extLst>
+              <a:ext uri="{FF2B5EF4-FFF2-40B4-BE49-F238E27FC236}">
+                <a16:creationId xmlns:a16="http://schemas.microsoft.com/office/drawing/2014/main" id="{9073C971-EEED-4C72-80F1-545AC93B7E01}"/>
+              </a:ext>
+            </a:extLst>
+          </p:cNvPr>
+          <p:cNvSpPr>
+            <a:spLocks noGrp="1"/>
+          </p:cNvSpPr>
+          <p:nvPr>
+            <p:ph type="title"/>
+          </p:nvPr>
+        </p:nvSpPr>
+        <p:spPr/>
+        <p:txBody>
+          <a:bodyPr>
+            <a:normAutofit/>
+          </a:bodyPr>
+          <a:lstStyle/>
+          <a:p>
+            <a:pPr algn="l"/>
+            <a:r>
+              <a:rPr lang="en-US" altLang="zh-CN" b="1" dirty="0"/>
+              <a:t>Parallel Scavenge</a:t>
+            </a:r>
+            <a:r>
+              <a:rPr lang="zh-CN" altLang="en-US" b="1" dirty="0"/>
+              <a:t>收集器</a:t>
+            </a:r>
+            <a:endParaRPr lang="zh-CN" altLang="en-US" dirty="0"/>
+          </a:p>
+        </p:txBody>
+      </p:sp>
+      <p:sp>
+        <p:nvSpPr>
+          <p:cNvPr id="3" name="内容占位符 2">
+            <a:extLst>
+              <a:ext uri="{FF2B5EF4-FFF2-40B4-BE49-F238E27FC236}">
+                <a16:creationId xmlns:a16="http://schemas.microsoft.com/office/drawing/2014/main" id="{B1182472-B277-43D1-A2B8-A43F7557957A}"/>
+              </a:ext>
+            </a:extLst>
+          </p:cNvPr>
+          <p:cNvSpPr>
+            <a:spLocks noGrp="1"/>
+          </p:cNvSpPr>
+          <p:nvPr>
+            <p:ph idx="1"/>
+          </p:nvPr>
+        </p:nvSpPr>
+        <p:spPr/>
+        <p:txBody>
+          <a:bodyPr>
+            <a:normAutofit lnSpcReduction="10000"/>
+          </a:bodyPr>
+          <a:lstStyle/>
+          <a:p>
+            <a:r>
+              <a:rPr lang="zh-CN" altLang="en-US" dirty="0"/>
+              <a:t>并行多线程收集</a:t>
+            </a:r>
+            <a:endParaRPr lang="en-US" altLang="zh-CN" dirty="0"/>
+          </a:p>
+          <a:p>
+            <a:r>
+              <a:rPr lang="zh-CN" altLang="en-US" dirty="0"/>
+              <a:t>可控的吞吐量</a:t>
+            </a:r>
+            <a:endParaRPr lang="en-US" altLang="zh-CN" dirty="0"/>
+          </a:p>
+          <a:p>
+            <a:pPr marL="0" indent="0">
+              <a:buNone/>
+            </a:pPr>
+            <a:r>
+              <a:rPr lang="en-US" altLang="zh-CN" dirty="0"/>
+              <a:t>	-</a:t>
+            </a:r>
+            <a:r>
+              <a:rPr lang="en-US" altLang="zh-CN" dirty="0" err="1"/>
+              <a:t>XX:MaxGCPauseMillis</a:t>
+            </a:r>
+            <a:endParaRPr lang="en-US" altLang="zh-CN" dirty="0"/>
+          </a:p>
+          <a:p>
+            <a:pPr marL="0" indent="0">
+              <a:buNone/>
+            </a:pPr>
+            <a:r>
+              <a:rPr lang="en-US" altLang="zh-CN" dirty="0"/>
+              <a:t>	-</a:t>
+            </a:r>
+            <a:r>
+              <a:rPr lang="en-US" altLang="zh-CN" dirty="0" err="1"/>
+              <a:t>XX:GCTimeRatio</a:t>
+            </a:r>
+            <a:endParaRPr lang="en-US" altLang="zh-CN" dirty="0"/>
+          </a:p>
+          <a:p>
+            <a:r>
+              <a:rPr lang="zh-CN" altLang="en-US" dirty="0"/>
+              <a:t>自适应调节策略</a:t>
+            </a:r>
+            <a:endParaRPr lang="en-US" altLang="zh-CN" dirty="0"/>
+          </a:p>
+          <a:p>
+            <a:pPr marL="0" indent="0">
+              <a:buNone/>
+            </a:pPr>
+            <a:r>
+              <a:rPr lang="en-US" altLang="zh-CN" dirty="0"/>
+              <a:t>	-</a:t>
+            </a:r>
+            <a:r>
+              <a:rPr lang="en-US" altLang="zh-CN" dirty="0" err="1"/>
+              <a:t>XX:UseAdaptiveSizePolicy</a:t>
+            </a:r>
+            <a:endParaRPr lang="en-US" altLang="zh-CN" dirty="0"/>
+          </a:p>
+          <a:p>
+            <a:r>
+              <a:rPr lang="en-US" altLang="zh-CN" dirty="0"/>
+              <a:t>-XX:+</a:t>
+            </a:r>
+            <a:r>
+              <a:rPr lang="en-US" altLang="zh-CN" dirty="0" err="1"/>
+              <a:t>UseParallelGC</a:t>
+            </a:r>
+            <a:endParaRPr lang="en-US" altLang="zh-CN" dirty="0"/>
+          </a:p>
+          <a:p>
+            <a:pPr marL="0" indent="0">
+              <a:buNone/>
+            </a:pPr>
+            <a:r>
+              <a:rPr lang="en-US" altLang="zh-CN" dirty="0"/>
+              <a:t>	</a:t>
+            </a:r>
+          </a:p>
+        </p:txBody>
+      </p:sp>
+      <p:sp>
+        <p:nvSpPr>
+          <p:cNvPr id="4" name="左箭头 5">
+            <a:hlinkClick r:id="rId2" action="ppaction://hlinksldjump"/>
+            <a:extLst>
+              <a:ext uri="{FF2B5EF4-FFF2-40B4-BE49-F238E27FC236}">
+                <a16:creationId xmlns:a16="http://schemas.microsoft.com/office/drawing/2014/main" id="{5B9C67A9-3B37-46A1-8F2C-769A98984446}"/>
+              </a:ext>
+            </a:extLst>
+          </p:cNvPr>
+          <p:cNvSpPr/>
+          <p:nvPr/>
+        </p:nvSpPr>
+        <p:spPr>
+          <a:xfrm>
+            <a:off x="7772400" y="693738"/>
+            <a:ext cx="457200" cy="304800"/>
+          </a:xfrm>
+          <a:prstGeom prst="leftArrow">
+            <a:avLst/>
+          </a:prstGeom>
+        </p:spPr>
+        <p:style>
+          <a:lnRef idx="2">
+            <a:schemeClr val="accent1">
+              <a:shade val="50000"/>
+            </a:schemeClr>
+          </a:lnRef>
+          <a:fillRef idx="1">
+            <a:schemeClr val="accent1"/>
+          </a:fillRef>
+          <a:effectRef idx="0">
+            <a:schemeClr val="accent1"/>
+          </a:effectRef>
+          <a:fontRef idx="minor">
+            <a:schemeClr val="lt1"/>
+          </a:fontRef>
+        </p:style>
+        <p:txBody>
+          <a:bodyPr rtlCol="0" anchor="ctr"/>
+          <a:lstStyle/>
+          <a:p>
+            <a:pPr algn="ctr"/>
+            <a:endParaRPr lang="zh-CN" altLang="en-US"/>
+          </a:p>
+        </p:txBody>
+      </p:sp>
+      <p:sp>
+        <p:nvSpPr>
+          <p:cNvPr id="5" name="对话气泡: 椭圆形 4">
+            <a:extLst>
+              <a:ext uri="{FF2B5EF4-FFF2-40B4-BE49-F238E27FC236}">
+                <a16:creationId xmlns:a16="http://schemas.microsoft.com/office/drawing/2014/main" id="{2973463D-8026-4C2B-B7FE-79FEB9DDB008}"/>
+              </a:ext>
+            </a:extLst>
+          </p:cNvPr>
+          <p:cNvSpPr/>
+          <p:nvPr/>
+        </p:nvSpPr>
+        <p:spPr>
+          <a:xfrm>
+            <a:off x="5410200" y="2514600"/>
+            <a:ext cx="2895600" cy="850641"/>
+          </a:xfrm>
+          <a:prstGeom prst="wedgeEllipseCallout">
+            <a:avLst>
+              <a:gd name="adj1" fmla="val -83669"/>
+              <a:gd name="adj2" fmla="val 64694"/>
+            </a:avLst>
+          </a:prstGeom>
+        </p:spPr>
+        <p:style>
+          <a:lnRef idx="2">
+            <a:schemeClr val="accent1">
+              <a:shade val="50000"/>
+            </a:schemeClr>
+          </a:lnRef>
+          <a:fillRef idx="1">
+            <a:schemeClr val="accent1"/>
+          </a:fillRef>
+          <a:effectRef idx="0">
+            <a:schemeClr val="accent1"/>
+          </a:effectRef>
+          <a:fontRef idx="minor">
+            <a:schemeClr val="lt1"/>
+          </a:fontRef>
+        </p:style>
+        <p:txBody>
+          <a:bodyPr rtlCol="0" anchor="ctr"/>
+          <a:lstStyle/>
+          <a:p>
+            <a:pPr algn="ctr"/>
+            <a:r>
+              <a:rPr lang="en-US" altLang="zh-CN" dirty="0"/>
+              <a:t>1/(1+GCTimeRatio)</a:t>
+            </a:r>
+          </a:p>
+          <a:p>
+            <a:pPr algn="ctr"/>
+            <a:r>
+              <a:rPr lang="zh-CN" altLang="en-US" dirty="0"/>
+              <a:t>默认为</a:t>
+            </a:r>
+            <a:r>
+              <a:rPr lang="en-US" altLang="zh-CN" dirty="0"/>
+              <a:t>99</a:t>
+            </a:r>
+            <a:endParaRPr lang="zh-CN" altLang="en-US" dirty="0"/>
+          </a:p>
+        </p:txBody>
+      </p:sp>
+    </p:spTree>
+    <p:extLst>
+      <p:ext uri="{BB962C8B-B14F-4D97-AF65-F5344CB8AC3E}">
+        <p14:creationId xmlns:p14="http://schemas.microsoft.com/office/powerpoint/2010/main" val="108880471"/>
+      </p:ext>
+    </p:extLst>
+  </p:cSld>
+  <p:clrMapOvr>
+    <a:masterClrMapping/>
+  </p:clrMapOvr>
+</p:sld>
+</file>
+
+<file path=ppt/slides/slide12.xml><?xml version="1.0" encoding="utf-8"?>
+<p:sld xmlns:a="http://schemas.openxmlformats.org/drawingml/2006/main" xmlns:r="http://schemas.openxmlformats.org/officeDocument/2006/relationships" xmlns:p="http://schemas.openxmlformats.org/presentationml/2006/main">
+  <p:cSld>
+    <p:spTree>
+      <p:nvGrpSpPr>
+        <p:cNvPr id="1" name=""/>
+        <p:cNvGrpSpPr/>
+        <p:nvPr/>
+      </p:nvGrpSpPr>
+      <p:grpSpPr>
+        <a:xfrm>
+          <a:off x="0" y="0"/>
+          <a:ext cx="0" cy="0"/>
+          <a:chOff x="0" y="0"/>
+          <a:chExt cx="0" cy="0"/>
+        </a:xfrm>
+      </p:grpSpPr>
+      <p:sp>
+        <p:nvSpPr>
+          <p:cNvPr id="2" name="标题 1">
+            <a:extLst>
+              <a:ext uri="{FF2B5EF4-FFF2-40B4-BE49-F238E27FC236}">
+                <a16:creationId xmlns:a16="http://schemas.microsoft.com/office/drawing/2014/main" id="{FFA27CBC-C892-463A-B5F5-106526BAD980}"/>
+              </a:ext>
+            </a:extLst>
+          </p:cNvPr>
+          <p:cNvSpPr>
+            <a:spLocks noGrp="1"/>
+          </p:cNvSpPr>
+          <p:nvPr>
+            <p:ph type="title"/>
+          </p:nvPr>
+        </p:nvSpPr>
+        <p:spPr/>
+        <p:txBody>
+          <a:bodyPr>
+            <a:normAutofit/>
+          </a:bodyPr>
+          <a:lstStyle/>
+          <a:p>
+            <a:pPr algn="l"/>
+            <a:r>
+              <a:rPr lang="en-US" altLang="zh-CN" b="1" dirty="0"/>
+              <a:t>Serial Old</a:t>
+            </a:r>
+            <a:r>
+              <a:rPr lang="zh-CN" altLang="en-US" b="1" dirty="0"/>
+              <a:t>收集器</a:t>
+            </a:r>
+            <a:endParaRPr lang="zh-CN" altLang="en-US" dirty="0"/>
+          </a:p>
+        </p:txBody>
+      </p:sp>
+      <p:sp>
+        <p:nvSpPr>
+          <p:cNvPr id="3" name="内容占位符 2">
+            <a:extLst>
+              <a:ext uri="{FF2B5EF4-FFF2-40B4-BE49-F238E27FC236}">
+                <a16:creationId xmlns:a16="http://schemas.microsoft.com/office/drawing/2014/main" id="{9498E08D-D1F1-4FD4-82BF-E786686AD1C8}"/>
+              </a:ext>
+            </a:extLst>
+          </p:cNvPr>
+          <p:cNvSpPr>
+            <a:spLocks noGrp="1"/>
+          </p:cNvSpPr>
+          <p:nvPr>
+            <p:ph idx="1"/>
+          </p:nvPr>
+        </p:nvSpPr>
+        <p:spPr/>
+        <p:txBody>
+          <a:bodyPr/>
+          <a:lstStyle/>
+          <a:p>
+            <a:r>
+              <a:rPr lang="en-US" altLang="zh-CN" dirty="0"/>
+              <a:t>Serial</a:t>
+            </a:r>
+            <a:r>
+              <a:rPr lang="zh-CN" altLang="en-US" dirty="0"/>
+              <a:t>收集器的老年代版本，单线程</a:t>
+            </a:r>
+            <a:endParaRPr lang="en-US" altLang="zh-CN" dirty="0"/>
+          </a:p>
+          <a:p>
+            <a:r>
+              <a:rPr lang="zh-CN" altLang="en-US" dirty="0"/>
+              <a:t>标记</a:t>
+            </a:r>
+            <a:r>
+              <a:rPr lang="en-US" altLang="zh-CN" dirty="0"/>
+              <a:t>-</a:t>
+            </a:r>
+            <a:r>
+              <a:rPr lang="zh-CN" altLang="en-US" dirty="0"/>
+              <a:t>整理算法，会导致</a:t>
+            </a:r>
+            <a:r>
+              <a:rPr lang="en-US" altLang="zh-CN" dirty="0" err="1"/>
+              <a:t>stw</a:t>
+            </a:r>
+            <a:endParaRPr lang="en-US" altLang="zh-CN" dirty="0"/>
+          </a:p>
+          <a:p>
+            <a:r>
+              <a:rPr lang="en-US" altLang="zh-CN" dirty="0"/>
+              <a:t>CMS</a:t>
+            </a:r>
+            <a:r>
+              <a:rPr lang="zh-CN" altLang="en-US" dirty="0"/>
+              <a:t>收集器的预备方案</a:t>
+            </a:r>
+            <a:endParaRPr lang="en-US" altLang="zh-CN" dirty="0"/>
+          </a:p>
+          <a:p>
+            <a:r>
+              <a:rPr lang="en-US" altLang="zh-CN" dirty="0"/>
+              <a:t>-XX:+</a:t>
+            </a:r>
+            <a:r>
+              <a:rPr lang="en-US" altLang="zh-CN" dirty="0" err="1"/>
+              <a:t>UseSerialGC</a:t>
+            </a:r>
+            <a:endParaRPr lang="en-US" altLang="zh-CN" dirty="0"/>
+          </a:p>
+          <a:p>
+            <a:endParaRPr lang="zh-CN" altLang="en-US" dirty="0"/>
+          </a:p>
+        </p:txBody>
+      </p:sp>
+      <p:sp>
+        <p:nvSpPr>
+          <p:cNvPr id="4" name="左箭头 5">
+            <a:hlinkClick r:id="rId2" action="ppaction://hlinksldjump"/>
+            <a:extLst>
+              <a:ext uri="{FF2B5EF4-FFF2-40B4-BE49-F238E27FC236}">
+                <a16:creationId xmlns:a16="http://schemas.microsoft.com/office/drawing/2014/main" id="{3F6C7E9A-56A4-432B-B9C8-A9C0825B7DAB}"/>
+              </a:ext>
+            </a:extLst>
+          </p:cNvPr>
+          <p:cNvSpPr/>
+          <p:nvPr/>
+        </p:nvSpPr>
+        <p:spPr>
+          <a:xfrm>
+            <a:off x="7772400" y="693738"/>
+            <a:ext cx="457200" cy="304800"/>
+          </a:xfrm>
+          <a:prstGeom prst="leftArrow">
+            <a:avLst/>
+          </a:prstGeom>
+        </p:spPr>
+        <p:style>
+          <a:lnRef idx="2">
+            <a:schemeClr val="accent1">
+              <a:shade val="50000"/>
+            </a:schemeClr>
+          </a:lnRef>
+          <a:fillRef idx="1">
+            <a:schemeClr val="accent1"/>
+          </a:fillRef>
+          <a:effectRef idx="0">
+            <a:schemeClr val="accent1"/>
+          </a:effectRef>
+          <a:fontRef idx="minor">
+            <a:schemeClr val="lt1"/>
+          </a:fontRef>
+        </p:style>
+        <p:txBody>
+          <a:bodyPr rtlCol="0" anchor="ctr"/>
+          <a:lstStyle/>
+          <a:p>
+            <a:pPr algn="ctr"/>
+            <a:endParaRPr lang="zh-CN" altLang="en-US"/>
+          </a:p>
+        </p:txBody>
+      </p:sp>
+    </p:spTree>
+    <p:extLst>
+      <p:ext uri="{BB962C8B-B14F-4D97-AF65-F5344CB8AC3E}">
+        <p14:creationId xmlns:p14="http://schemas.microsoft.com/office/powerpoint/2010/main" val="1873710870"/>
+      </p:ext>
+    </p:extLst>
+  </p:cSld>
+  <p:clrMapOvr>
+    <a:masterClrMapping/>
+  </p:clrMapOvr>
+</p:sld>
+</file>
+
+<file path=ppt/slides/slide13.xml><?xml version="1.0" encoding="utf-8"?>
+<p:sld xmlns:a="http://schemas.openxmlformats.org/drawingml/2006/main" xmlns:r="http://schemas.openxmlformats.org/officeDocument/2006/relationships" xmlns:p="http://schemas.openxmlformats.org/presentationml/2006/main">
+  <p:cSld>
+    <p:spTree>
+      <p:nvGrpSpPr>
+        <p:cNvPr id="1" name=""/>
+        <p:cNvGrpSpPr/>
+        <p:nvPr/>
+      </p:nvGrpSpPr>
+      <p:grpSpPr>
+        <a:xfrm>
+          <a:off x="0" y="0"/>
+          <a:ext cx="0" cy="0"/>
+          <a:chOff x="0" y="0"/>
+          <a:chExt cx="0" cy="0"/>
+        </a:xfrm>
+      </p:grpSpPr>
+      <p:sp>
+        <p:nvSpPr>
+          <p:cNvPr id="2" name="标题 1">
+            <a:extLst>
+              <a:ext uri="{FF2B5EF4-FFF2-40B4-BE49-F238E27FC236}">
+                <a16:creationId xmlns:a16="http://schemas.microsoft.com/office/drawing/2014/main" id="{BF16C68A-DB07-4946-A549-BF6514E7C6E1}"/>
+              </a:ext>
+            </a:extLst>
+          </p:cNvPr>
+          <p:cNvSpPr>
+            <a:spLocks noGrp="1"/>
+          </p:cNvSpPr>
+          <p:nvPr>
+            <p:ph type="title"/>
+          </p:nvPr>
+        </p:nvSpPr>
+        <p:spPr/>
+        <p:txBody>
+          <a:bodyPr>
+            <a:normAutofit/>
+          </a:bodyPr>
+          <a:lstStyle/>
+          <a:p>
+            <a:pPr algn="l"/>
+            <a:r>
+              <a:rPr lang="en-US" altLang="zh-CN" b="1" dirty="0"/>
+              <a:t>Parallel Old</a:t>
+            </a:r>
+            <a:r>
+              <a:rPr lang="zh-CN" altLang="en-US" b="1" dirty="0"/>
+              <a:t>收集器</a:t>
+            </a:r>
+            <a:endParaRPr lang="zh-CN" altLang="en-US" dirty="0"/>
+          </a:p>
+        </p:txBody>
+      </p:sp>
+      <p:sp>
+        <p:nvSpPr>
+          <p:cNvPr id="3" name="内容占位符 2">
+            <a:extLst>
+              <a:ext uri="{FF2B5EF4-FFF2-40B4-BE49-F238E27FC236}">
+                <a16:creationId xmlns:a16="http://schemas.microsoft.com/office/drawing/2014/main" id="{737E5BF8-AF39-440A-8362-41E62DF65F2C}"/>
+              </a:ext>
+            </a:extLst>
+          </p:cNvPr>
+          <p:cNvSpPr>
+            <a:spLocks noGrp="1"/>
+          </p:cNvSpPr>
+          <p:nvPr>
+            <p:ph idx="1"/>
+          </p:nvPr>
+        </p:nvSpPr>
+        <p:spPr/>
+        <p:txBody>
+          <a:bodyPr/>
+          <a:lstStyle/>
+          <a:p>
+            <a:r>
+              <a:rPr lang="en-US" altLang="zh-CN" dirty="0"/>
+              <a:t>Parallel Scavenge</a:t>
+            </a:r>
+            <a:r>
+              <a:rPr lang="zh-CN" altLang="en-US" dirty="0"/>
+              <a:t>收集器的老年代版本</a:t>
+            </a:r>
+            <a:endParaRPr lang="en-US" altLang="zh-CN" dirty="0"/>
+          </a:p>
+          <a:p>
+            <a:r>
+              <a:rPr lang="zh-CN" altLang="en-US" dirty="0"/>
+              <a:t>标记</a:t>
+            </a:r>
+            <a:r>
+              <a:rPr lang="en-US" altLang="zh-CN" dirty="0"/>
+              <a:t>-</a:t>
+            </a:r>
+            <a:r>
+              <a:rPr lang="zh-CN" altLang="en-US" dirty="0"/>
+              <a:t>清理算法</a:t>
+            </a:r>
+          </a:p>
+        </p:txBody>
+      </p:sp>
+      <p:sp>
+        <p:nvSpPr>
+          <p:cNvPr id="4" name="左箭头 5">
+            <a:hlinkClick r:id="rId2" action="ppaction://hlinksldjump"/>
+            <a:extLst>
+              <a:ext uri="{FF2B5EF4-FFF2-40B4-BE49-F238E27FC236}">
+                <a16:creationId xmlns:a16="http://schemas.microsoft.com/office/drawing/2014/main" id="{98086F78-F9F2-4E47-99D6-DED75EC29744}"/>
+              </a:ext>
+            </a:extLst>
+          </p:cNvPr>
+          <p:cNvSpPr/>
+          <p:nvPr/>
+        </p:nvSpPr>
+        <p:spPr>
+          <a:xfrm>
+            <a:off x="7772400" y="693738"/>
+            <a:ext cx="457200" cy="304800"/>
+          </a:xfrm>
+          <a:prstGeom prst="leftArrow">
+            <a:avLst/>
+          </a:prstGeom>
+        </p:spPr>
+        <p:style>
+          <a:lnRef idx="2">
+            <a:schemeClr val="accent1">
+              <a:shade val="50000"/>
+            </a:schemeClr>
+          </a:lnRef>
+          <a:fillRef idx="1">
+            <a:schemeClr val="accent1"/>
+          </a:fillRef>
+          <a:effectRef idx="0">
+            <a:schemeClr val="accent1"/>
+          </a:effectRef>
+          <a:fontRef idx="minor">
+            <a:schemeClr val="lt1"/>
+          </a:fontRef>
+        </p:style>
+        <p:txBody>
+          <a:bodyPr rtlCol="0" anchor="ctr"/>
+          <a:lstStyle/>
+          <a:p>
+            <a:pPr algn="ctr"/>
+            <a:endParaRPr lang="zh-CN" altLang="en-US"/>
+          </a:p>
+        </p:txBody>
+      </p:sp>
+    </p:spTree>
+    <p:extLst>
+      <p:ext uri="{BB962C8B-B14F-4D97-AF65-F5344CB8AC3E}">
+        <p14:creationId xmlns:p14="http://schemas.microsoft.com/office/powerpoint/2010/main" val="2049829842"/>
+      </p:ext>
+    </p:extLst>
+  </p:cSld>
+  <p:clrMapOvr>
+    <a:masterClrMapping/>
+  </p:clrMapOvr>
+</p:sld>
+</file>
+
 <file path=ppt/slides/slide2.xml><?xml version="1.0" encoding="utf-8"?>
 <p:sld xmlns:a="http://schemas.openxmlformats.org/drawingml/2006/main" xmlns:r="http://schemas.openxmlformats.org/officeDocument/2006/relationships" xmlns:p="http://schemas.openxmlformats.org/presentationml/2006/main">
   <p:cSld>
@@ -3408,7 +4271,7 @@
         <p:spPr/>
         <p:txBody>
           <a:bodyPr>
-            <a:normAutofit fontScale="85000" lnSpcReduction="10000"/>
+            <a:normAutofit lnSpcReduction="10000"/>
           </a:bodyPr>
           <a:lstStyle/>
           <a:p>
@@ -3427,97 +4290,126 @@
               <a:t>	</a:t>
             </a:r>
             <a:r>
+              <a:rPr lang="en-US" altLang="zh-CN" b="1" dirty="0">
+                <a:hlinkClick r:id="rId2" action="ppaction://hlinksldjump"/>
+              </a:rPr>
+              <a:t>Serial</a:t>
+            </a:r>
+            <a:r>
+              <a:rPr lang="zh-CN" altLang="en-US" b="1" dirty="0">
+                <a:hlinkClick r:id="rId2" action="ppaction://hlinksldjump"/>
+              </a:rPr>
+              <a:t>收集器</a:t>
+            </a:r>
+            <a:endParaRPr lang="en-US" altLang="zh-CN" b="1" dirty="0"/>
+          </a:p>
+          <a:p>
+            <a:pPr>
+              <a:buNone/>
+            </a:pPr>
+            <a:r>
               <a:rPr lang="en-US" altLang="zh-CN" b="1" dirty="0"/>
-              <a:t>Serial</a:t>
+              <a:t>    </a:t>
+            </a:r>
+            <a:r>
+              <a:rPr lang="en-US" altLang="zh-CN" b="1" dirty="0">
+                <a:hlinkClick r:id="rId3" action="ppaction://hlinksldjump"/>
+              </a:rPr>
+              <a:t>ParNew</a:t>
+            </a:r>
+            <a:r>
+              <a:rPr lang="zh-CN" altLang="en-US" b="1" dirty="0">
+                <a:hlinkClick r:id="rId3" action="ppaction://hlinksldjump"/>
+              </a:rPr>
+              <a:t>收集器</a:t>
+            </a:r>
+            <a:endParaRPr lang="zh-CN" altLang="en-US" b="1" dirty="0"/>
+          </a:p>
+          <a:p>
+            <a:pPr>
+              <a:buNone/>
+            </a:pPr>
+            <a:r>
+              <a:rPr lang="en-US" altLang="zh-CN" b="1" dirty="0"/>
+              <a:t>	</a:t>
+            </a:r>
+            <a:r>
+              <a:rPr lang="en-US" altLang="zh-CN" b="1" dirty="0">
+                <a:hlinkClick r:id="rId4" action="ppaction://hlinksldjump"/>
+              </a:rPr>
+              <a:t>Parallel Scavenge</a:t>
+            </a:r>
+            <a:r>
+              <a:rPr lang="zh-CN" altLang="en-US" b="1" dirty="0">
+                <a:hlinkClick r:id="rId4" action="ppaction://hlinksldjump"/>
+              </a:rPr>
+              <a:t>收集器</a:t>
+            </a:r>
+            <a:endParaRPr lang="en-US" altLang="zh-CN" dirty="0"/>
+          </a:p>
+          <a:p>
+            <a:r>
+              <a:rPr lang="zh-CN" altLang="en-US" dirty="0"/>
+              <a:t>老年代收集器</a:t>
+            </a:r>
+            <a:endParaRPr lang="en-US" altLang="zh-CN" dirty="0"/>
+          </a:p>
+          <a:p>
+            <a:pPr>
+              <a:buNone/>
+            </a:pPr>
+            <a:r>
+              <a:rPr lang="en-US" altLang="zh-CN" b="1" dirty="0"/>
+              <a:t>	</a:t>
+            </a:r>
+            <a:r>
+              <a:rPr lang="en-US" altLang="zh-CN" b="1" dirty="0">
+                <a:hlinkClick r:id="rId5" action="ppaction://hlinksldjump"/>
+              </a:rPr>
+              <a:t>Serial Old</a:t>
+            </a:r>
+            <a:r>
+              <a:rPr lang="zh-CN" altLang="en-US" b="1" dirty="0">
+                <a:hlinkClick r:id="rId5" action="ppaction://hlinksldjump"/>
+              </a:rPr>
+              <a:t>收集器</a:t>
+            </a:r>
+            <a:endParaRPr lang="en-US" altLang="zh-CN" b="1" dirty="0"/>
+          </a:p>
+          <a:p>
+            <a:pPr>
+              <a:buNone/>
+            </a:pPr>
+            <a:r>
+              <a:rPr lang="en-US" altLang="zh-CN" b="1" dirty="0"/>
+              <a:t>	</a:t>
+            </a:r>
+            <a:r>
+              <a:rPr lang="en-US" altLang="zh-CN" b="1" dirty="0">
+                <a:hlinkClick r:id="rId6" action="ppaction://hlinksldjump"/>
+              </a:rPr>
+              <a:t>Parallel Old</a:t>
+            </a:r>
+            <a:r>
+              <a:rPr lang="zh-CN" altLang="en-US" b="1" dirty="0">
+                <a:hlinkClick r:id="rId6" action="ppaction://hlinksldjump"/>
+              </a:rPr>
+              <a:t>收集器</a:t>
+            </a:r>
+            <a:endParaRPr lang="en-US" altLang="zh-CN" b="1" dirty="0"/>
+          </a:p>
+          <a:p>
+            <a:pPr>
+              <a:buNone/>
+            </a:pPr>
+            <a:r>
+              <a:rPr lang="en-US" altLang="zh-CN" b="1" dirty="0"/>
+              <a:t>	CMS</a:t>
             </a:r>
             <a:r>
               <a:rPr lang="zh-CN" altLang="en-US" b="1" dirty="0"/>
               <a:t>收集器</a:t>
             </a:r>
-            <a:endParaRPr lang="en-US" altLang="zh-CN" b="1" dirty="0"/>
-          </a:p>
-          <a:p>
-            <a:pPr>
-              <a:buNone/>
-            </a:pPr>
-            <a:r>
-              <a:rPr lang="en-US" altLang="zh-CN" b="1" dirty="0"/>
-              <a:t>    ParNew</a:t>
-            </a:r>
-            <a:r>
-              <a:rPr lang="zh-CN" altLang="en-US" b="1" dirty="0"/>
-              <a:t>收集器</a:t>
-            </a:r>
-          </a:p>
-          <a:p>
-            <a:pPr>
-              <a:buNone/>
-            </a:pPr>
-            <a:r>
-              <a:rPr lang="en-US" altLang="zh-CN" b="1" dirty="0"/>
-              <a:t>	Parallel Scavenge</a:t>
-            </a:r>
-            <a:r>
-              <a:rPr lang="zh-CN" altLang="en-US" b="1" dirty="0"/>
-              <a:t>收集器</a:t>
-            </a:r>
-            <a:endParaRPr lang="en-US" altLang="zh-CN" dirty="0"/>
-          </a:p>
-          <a:p>
-            <a:r>
-              <a:rPr lang="zh-CN" altLang="en-US" dirty="0"/>
-              <a:t>老年代收集器</a:t>
-            </a:r>
-            <a:endParaRPr lang="en-US" altLang="zh-CN" dirty="0"/>
-          </a:p>
-          <a:p>
-            <a:pPr>
-              <a:buNone/>
-            </a:pPr>
-            <a:r>
-              <a:rPr lang="en-US" altLang="zh-CN" b="1" dirty="0"/>
-              <a:t>	Serial Old</a:t>
-            </a:r>
-            <a:r>
-              <a:rPr lang="zh-CN" altLang="en-US" b="1" dirty="0"/>
-              <a:t>收集器</a:t>
-            </a:r>
-            <a:endParaRPr lang="en-US" altLang="zh-CN" b="1" dirty="0"/>
-          </a:p>
-          <a:p>
-            <a:pPr>
-              <a:buNone/>
-            </a:pPr>
-            <a:r>
-              <a:rPr lang="en-US" altLang="zh-CN" b="1" dirty="0"/>
-              <a:t>	CMS</a:t>
-            </a:r>
-            <a:r>
-              <a:rPr lang="zh-CN" altLang="en-US" b="1" dirty="0"/>
-              <a:t>收集器</a:t>
-            </a:r>
-          </a:p>
-          <a:p>
-            <a:pPr>
-              <a:buNone/>
-            </a:pPr>
-            <a:r>
-              <a:rPr lang="en-US" altLang="zh-CN" b="1" dirty="0">
-                <a:hlinkClick r:id="rId2"/>
-              </a:rPr>
-              <a:t>https://www.cnblogs.com/duke2016/p/6250766.html</a:t>
-            </a:r>
-            <a:endParaRPr lang="en-US" altLang="zh-CN" b="1" dirty="0"/>
-          </a:p>
-          <a:p>
-            <a:pPr>
-              <a:buNone/>
-            </a:pPr>
-            <a:r>
-              <a:rPr lang="en-US" altLang="zh-CN" b="1" dirty="0"/>
-              <a:t>https://www.cnblogs.com/piwenjun/p/5482715.html</a:t>
-            </a:r>
-            <a:endParaRPr lang="zh-CN" altLang="en-US" b="1" dirty="0"/>
           </a:p>
           <a:p>
             <a:endParaRPr lang="en-US" altLang="zh-CN" dirty="0"/>
@@ -4226,6 +5118,25 @@
           </a:p>
           <a:p>
             <a:r>
+              <a:rPr lang="en-US" altLang="zh-CN" dirty="0" err="1"/>
+              <a:t>Jvm</a:t>
+            </a:r>
+            <a:r>
+              <a:rPr lang="zh-CN" altLang="en-US" dirty="0"/>
+              <a:t>运行在</a:t>
+            </a:r>
+            <a:r>
+              <a:rPr lang="en-US" altLang="zh-CN" dirty="0"/>
+              <a:t>client</a:t>
+            </a:r>
+            <a:r>
+              <a:rPr lang="zh-CN" altLang="en-US" dirty="0"/>
+              <a:t>模式下的默认收集器</a:t>
+            </a:r>
+            <a:endParaRPr lang="en-US" altLang="zh-CN" dirty="0"/>
+          </a:p>
+          <a:p>
+            <a:r>
               <a:rPr lang="en-US" altLang="zh-CN" dirty="0"/>
               <a:t>-XX:+</a:t>
             </a:r>
@@ -4277,7 +5188,7 @@
         </p:blipFill>
         <p:spPr>
           <a:xfrm>
-            <a:off x="609600" y="3505200"/>
+            <a:off x="609600" y="3962400"/>
             <a:ext cx="3452159" cy="1920406"/>
           </a:xfrm>
           <a:prstGeom prst="rect">
@@ -4285,6 +5196,53 @@
           </a:prstGeom>
         </p:spPr>
       </p:pic>
+      <p:sp>
+        <p:nvSpPr>
+          <p:cNvPr id="6" name="左箭头 5">
+            <a:hlinkClick r:id="rId3" action="ppaction://hlinksldjump"/>
+            <a:extLst>
+              <a:ext uri="{FF2B5EF4-FFF2-40B4-BE49-F238E27FC236}">
+                <a16:creationId xmlns:a16="http://schemas.microsoft.com/office/drawing/2014/main" id="{E9544EBE-2ECB-49FB-A249-6E939AABB355}"/>
+              </a:ext>
+            </a:extLst>
+          </p:cNvPr>
+          <p:cNvSpPr/>
+          <p:nvPr/>
+        </p:nvSpPr>
+        <p:spPr>
+          <a:xfrm>
+            <a:off x="7772400" y="693738"/>
+            <a:ext cx="457200" cy="304800"/>
+          </a:xfrm>
+          <a:prstGeom prst="leftArrow">
+            <a:avLst/>
+          </a:prstGeom>
+        </p:spPr>
+        <p:style>
+          <a:lnRef idx="2">
+            <a:schemeClr val="accent1">
+              <a:shade val="50000"/>
+            </a:schemeClr>
+          </a:lnRef>
+          <a:fillRef idx="1">
+            <a:schemeClr val="accent1"/>
+          </a:fillRef>
+          <a:effectRef idx="0">
+            <a:schemeClr val="accent1"/>
+          </a:effectRef>
+          <a:fontRef idx="minor">
+            <a:schemeClr val="lt1"/>
+          </a:fontRef>
+        </p:style>
+        <p:txBody>
+          <a:bodyPr rtlCol="0" anchor="ctr"/>
+          <a:lstStyle/>
+          <a:p>
+            <a:pPr algn="ctr"/>
+            <a:endParaRPr lang="zh-CN" altLang="en-US"/>
+          </a:p>
+        </p:txBody>
+      </p:sp>
     </p:spTree>
     <p:extLst>
       <p:ext uri="{BB962C8B-B14F-4D97-AF65-F5344CB8AC3E}">

--- a/aboutGC/src/files/GC.pptx
+++ b/aboutGC/src/files/GC.pptx
@@ -18,6 +18,15 @@
     <p:sldId id="266" r:id="rId12"/>
     <p:sldId id="267" r:id="rId13"/>
     <p:sldId id="268" r:id="rId14"/>
+    <p:sldId id="269" r:id="rId15"/>
+    <p:sldId id="270" r:id="rId16"/>
+    <p:sldId id="271" r:id="rId17"/>
+    <p:sldId id="272" r:id="rId18"/>
+    <p:sldId id="273" r:id="rId19"/>
+    <p:sldId id="274" r:id="rId20"/>
+    <p:sldId id="275" r:id="rId21"/>
+    <p:sldId id="276" r:id="rId22"/>
+    <p:sldId id="277" r:id="rId23"/>
   </p:sldIdLst>
   <p:sldSz cx="9144000" cy="6858000" type="screen4x3"/>
   <p:notesSz cx="6858000" cy="9144000"/>
@@ -315,7 +324,7 @@
             <a:fld id="{1D8BD707-D9CF-40AE-B4C6-C98DA3205C09}" type="datetimeFigureOut">
               <a:rPr lang="en-US" smtClean="0"/>
               <a:pPr/>
-              <a:t>8/28/2018</a:t>
+              <a:t>8/29/2018</a:t>
             </a:fld>
             <a:endParaRPr lang="en-US"/>
           </a:p>
@@ -480,7 +489,7 @@
             <a:fld id="{1D8BD707-D9CF-40AE-B4C6-C98DA3205C09}" type="datetimeFigureOut">
               <a:rPr lang="en-US" smtClean="0"/>
               <a:pPr/>
-              <a:t>8/28/2018</a:t>
+              <a:t>8/29/2018</a:t>
             </a:fld>
             <a:endParaRPr lang="en-US"/>
           </a:p>
@@ -655,7 +664,7 @@
             <a:fld id="{1D8BD707-D9CF-40AE-B4C6-C98DA3205C09}" type="datetimeFigureOut">
               <a:rPr lang="en-US" smtClean="0"/>
               <a:pPr/>
-              <a:t>8/28/2018</a:t>
+              <a:t>8/29/2018</a:t>
             </a:fld>
             <a:endParaRPr lang="en-US"/>
           </a:p>
@@ -820,7 +829,7 @@
             <a:fld id="{1D8BD707-D9CF-40AE-B4C6-C98DA3205C09}" type="datetimeFigureOut">
               <a:rPr lang="en-US" smtClean="0"/>
               <a:pPr/>
-              <a:t>8/28/2018</a:t>
+              <a:t>8/29/2018</a:t>
             </a:fld>
             <a:endParaRPr lang="en-US"/>
           </a:p>
@@ -1062,7 +1071,7 @@
             <a:fld id="{1D8BD707-D9CF-40AE-B4C6-C98DA3205C09}" type="datetimeFigureOut">
               <a:rPr lang="en-US" smtClean="0"/>
               <a:pPr/>
-              <a:t>8/28/2018</a:t>
+              <a:t>8/29/2018</a:t>
             </a:fld>
             <a:endParaRPr lang="en-US"/>
           </a:p>
@@ -1344,7 +1353,7 @@
             <a:fld id="{1D8BD707-D9CF-40AE-B4C6-C98DA3205C09}" type="datetimeFigureOut">
               <a:rPr lang="en-US" smtClean="0"/>
               <a:pPr/>
-              <a:t>8/28/2018</a:t>
+              <a:t>8/29/2018</a:t>
             </a:fld>
             <a:endParaRPr lang="en-US"/>
           </a:p>
@@ -1760,7 +1769,7 @@
             <a:fld id="{1D8BD707-D9CF-40AE-B4C6-C98DA3205C09}" type="datetimeFigureOut">
               <a:rPr lang="en-US" smtClean="0"/>
               <a:pPr/>
-              <a:t>8/28/2018</a:t>
+              <a:t>8/29/2018</a:t>
             </a:fld>
             <a:endParaRPr lang="en-US"/>
           </a:p>
@@ -1874,7 +1883,7 @@
             <a:fld id="{1D8BD707-D9CF-40AE-B4C6-C98DA3205C09}" type="datetimeFigureOut">
               <a:rPr lang="en-US" smtClean="0"/>
               <a:pPr/>
-              <a:t>8/28/2018</a:t>
+              <a:t>8/29/2018</a:t>
             </a:fld>
             <a:endParaRPr lang="en-US"/>
           </a:p>
@@ -1966,7 +1975,7 @@
             <a:fld id="{1D8BD707-D9CF-40AE-B4C6-C98DA3205C09}" type="datetimeFigureOut">
               <a:rPr lang="en-US" smtClean="0"/>
               <a:pPr/>
-              <a:t>8/28/2018</a:t>
+              <a:t>8/29/2018</a:t>
             </a:fld>
             <a:endParaRPr lang="en-US"/>
           </a:p>
@@ -2238,7 +2247,7 @@
             <a:fld id="{1D8BD707-D9CF-40AE-B4C6-C98DA3205C09}" type="datetimeFigureOut">
               <a:rPr lang="en-US" smtClean="0"/>
               <a:pPr/>
-              <a:t>8/28/2018</a:t>
+              <a:t>8/29/2018</a:t>
             </a:fld>
             <a:endParaRPr lang="en-US"/>
           </a:p>
@@ -2487,7 +2496,7 @@
             <a:fld id="{1D8BD707-D9CF-40AE-B4C6-C98DA3205C09}" type="datetimeFigureOut">
               <a:rPr lang="en-US" smtClean="0"/>
               <a:pPr/>
-              <a:t>8/28/2018</a:t>
+              <a:t>8/29/2018</a:t>
             </a:fld>
             <a:endParaRPr lang="en-US"/>
           </a:p>
@@ -2719,7 +2728,7 @@
             <a:fld id="{1D8BD707-D9CF-40AE-B4C6-C98DA3205C09}" type="datetimeFigureOut">
               <a:rPr lang="en-US" smtClean="0"/>
               <a:pPr/>
-              <a:t>8/28/2018</a:t>
+              <a:t>8/29/2018</a:t>
             </a:fld>
             <a:endParaRPr lang="en-US"/>
           </a:p>
@@ -3942,6 +3951,18 @@
               <a:rPr lang="zh-CN" altLang="en-US" dirty="0"/>
               <a:t>清理算法</a:t>
             </a:r>
+            <a:endParaRPr lang="en-US" altLang="zh-CN" dirty="0"/>
+          </a:p>
+          <a:p>
+            <a:r>
+              <a:rPr lang="en-US" altLang="zh-CN" dirty="0"/>
+              <a:t>-XX:+</a:t>
+            </a:r>
+            <a:r>
+              <a:rPr lang="en-US" altLang="zh-CN" dirty="0" err="1"/>
+              <a:t>UseParallelOldGC</a:t>
+            </a:r>
+            <a:endParaRPr lang="zh-CN" altLang="en-US" dirty="0"/>
           </a:p>
         </p:txBody>
       </p:sp>
@@ -3996,6 +4017,1532 @@
     <p:extLst>
       <p:ext uri="{BB962C8B-B14F-4D97-AF65-F5344CB8AC3E}">
         <p14:creationId xmlns:p14="http://schemas.microsoft.com/office/powerpoint/2010/main" val="2049829842"/>
+      </p:ext>
+    </p:extLst>
+  </p:cSld>
+  <p:clrMapOvr>
+    <a:masterClrMapping/>
+  </p:clrMapOvr>
+</p:sld>
+</file>
+
+<file path=ppt/slides/slide14.xml><?xml version="1.0" encoding="utf-8"?>
+<p:sld xmlns:a="http://schemas.openxmlformats.org/drawingml/2006/main" xmlns:r="http://schemas.openxmlformats.org/officeDocument/2006/relationships" xmlns:p="http://schemas.openxmlformats.org/presentationml/2006/main">
+  <p:cSld>
+    <p:spTree>
+      <p:nvGrpSpPr>
+        <p:cNvPr id="1" name=""/>
+        <p:cNvGrpSpPr/>
+        <p:nvPr/>
+      </p:nvGrpSpPr>
+      <p:grpSpPr>
+        <a:xfrm>
+          <a:off x="0" y="0"/>
+          <a:ext cx="0" cy="0"/>
+          <a:chOff x="0" y="0"/>
+          <a:chExt cx="0" cy="0"/>
+        </a:xfrm>
+      </p:grpSpPr>
+      <p:sp>
+        <p:nvSpPr>
+          <p:cNvPr id="2" name="标题 1">
+            <a:extLst>
+              <a:ext uri="{FF2B5EF4-FFF2-40B4-BE49-F238E27FC236}">
+                <a16:creationId xmlns:a16="http://schemas.microsoft.com/office/drawing/2014/main" id="{3A73DC53-2EC5-48F2-8705-E376232546B5}"/>
+              </a:ext>
+            </a:extLst>
+          </p:cNvPr>
+          <p:cNvSpPr>
+            <a:spLocks noGrp="1"/>
+          </p:cNvSpPr>
+          <p:nvPr>
+            <p:ph type="title"/>
+          </p:nvPr>
+        </p:nvSpPr>
+        <p:spPr/>
+        <p:txBody>
+          <a:bodyPr>
+            <a:normAutofit/>
+          </a:bodyPr>
+          <a:lstStyle/>
+          <a:p>
+            <a:pPr algn="l"/>
+            <a:r>
+              <a:rPr lang="en-US" altLang="zh-CN" b="1" dirty="0"/>
+              <a:t>CMS</a:t>
+            </a:r>
+            <a:r>
+              <a:rPr lang="zh-CN" altLang="en-US" b="1" dirty="0"/>
+              <a:t>收集器</a:t>
+            </a:r>
+            <a:endParaRPr lang="zh-CN" altLang="en-US" dirty="0"/>
+          </a:p>
+        </p:txBody>
+      </p:sp>
+      <p:sp>
+        <p:nvSpPr>
+          <p:cNvPr id="3" name="内容占位符 2">
+            <a:extLst>
+              <a:ext uri="{FF2B5EF4-FFF2-40B4-BE49-F238E27FC236}">
+                <a16:creationId xmlns:a16="http://schemas.microsoft.com/office/drawing/2014/main" id="{5B1AB840-317A-43BF-BAFA-A0D52570E462}"/>
+              </a:ext>
+            </a:extLst>
+          </p:cNvPr>
+          <p:cNvSpPr>
+            <a:spLocks noGrp="1"/>
+          </p:cNvSpPr>
+          <p:nvPr>
+            <p:ph idx="1"/>
+          </p:nvPr>
+        </p:nvSpPr>
+        <p:spPr>
+          <a:xfrm>
+            <a:off x="457200" y="1600200"/>
+            <a:ext cx="8229600" cy="4525963"/>
+          </a:xfrm>
+        </p:spPr>
+        <p:txBody>
+          <a:bodyPr>
+            <a:normAutofit lnSpcReduction="10000"/>
+          </a:bodyPr>
+          <a:lstStyle/>
+          <a:p>
+            <a:r>
+              <a:rPr lang="zh-CN" altLang="en-US" dirty="0"/>
+              <a:t>追求最短回收停顿时间</a:t>
+            </a:r>
+            <a:endParaRPr lang="en-US" altLang="zh-CN" dirty="0"/>
+          </a:p>
+          <a:p>
+            <a:r>
+              <a:rPr lang="zh-CN" altLang="en-US" dirty="0"/>
+              <a:t>标记</a:t>
+            </a:r>
+            <a:r>
+              <a:rPr lang="en-US" altLang="zh-CN" dirty="0"/>
+              <a:t>-</a:t>
+            </a:r>
+            <a:r>
+              <a:rPr lang="zh-CN" altLang="en-US" dirty="0"/>
+              <a:t>清除算法</a:t>
+            </a:r>
+            <a:endParaRPr lang="en-US" altLang="zh-CN" dirty="0"/>
+          </a:p>
+          <a:p>
+            <a:r>
+              <a:rPr lang="en-US" altLang="zh-CN" dirty="0"/>
+              <a:t>-XX:+</a:t>
+            </a:r>
+            <a:r>
+              <a:rPr lang="en-US" altLang="zh-CN" dirty="0" err="1"/>
+              <a:t>UseConcMarkSweepGC</a:t>
+            </a:r>
+            <a:endParaRPr lang="en-US" altLang="zh-CN" dirty="0"/>
+          </a:p>
+          <a:p>
+            <a:r>
+              <a:rPr lang="zh-CN" altLang="en-US" dirty="0">
+                <a:hlinkClick r:id="rId2" action="ppaction://hlinksldjump"/>
+              </a:rPr>
+              <a:t>收集过程</a:t>
+            </a:r>
+            <a:endParaRPr lang="en-US" altLang="zh-CN" dirty="0"/>
+          </a:p>
+          <a:p>
+            <a:r>
+              <a:rPr lang="zh-CN" altLang="en-US" dirty="0"/>
+              <a:t>产生浮动垃圾</a:t>
+            </a:r>
+            <a:endParaRPr lang="en-US" altLang="zh-CN" dirty="0"/>
+          </a:p>
+          <a:p>
+            <a:pPr marL="0" indent="0">
+              <a:buNone/>
+            </a:pPr>
+            <a:r>
+              <a:rPr lang="en-US" altLang="zh-CN" dirty="0"/>
+              <a:t>	-</a:t>
+            </a:r>
+            <a:r>
+              <a:rPr lang="en-US" altLang="zh-CN" dirty="0" err="1"/>
+              <a:t>XX:CMSInitiatingOccupancyFraction</a:t>
+            </a:r>
+            <a:endParaRPr lang="en-US" altLang="zh-CN" dirty="0"/>
+          </a:p>
+          <a:p>
+            <a:r>
+              <a:rPr lang="zh-CN" altLang="en-US" dirty="0"/>
+              <a:t>内存碎片</a:t>
+            </a:r>
+            <a:r>
+              <a:rPr lang="en-US" altLang="zh-CN" dirty="0"/>
+              <a:t>		</a:t>
+            </a:r>
+          </a:p>
+          <a:p>
+            <a:pPr marL="0" indent="0">
+              <a:buNone/>
+            </a:pPr>
+            <a:r>
+              <a:rPr lang="en-US" altLang="zh-CN" dirty="0"/>
+              <a:t>	-XX:+</a:t>
+            </a:r>
+            <a:r>
+              <a:rPr lang="en-US" altLang="zh-CN" dirty="0" err="1"/>
+              <a:t>UseCMSCompactAtFullCollection</a:t>
+            </a:r>
+            <a:endParaRPr lang="en-US" altLang="zh-CN" dirty="0"/>
+          </a:p>
+          <a:p>
+            <a:pPr marL="0" indent="0">
+              <a:buNone/>
+            </a:pPr>
+            <a:endParaRPr lang="en-US" altLang="zh-CN" dirty="0"/>
+          </a:p>
+          <a:p>
+            <a:pPr marL="0" indent="0">
+              <a:buNone/>
+            </a:pPr>
+            <a:endParaRPr lang="zh-CN" altLang="en-US" dirty="0"/>
+          </a:p>
+        </p:txBody>
+      </p:sp>
+      <p:sp>
+        <p:nvSpPr>
+          <p:cNvPr id="15" name="左箭头 5">
+            <a:hlinkClick r:id="rId3" action="ppaction://hlinksldjump"/>
+            <a:extLst>
+              <a:ext uri="{FF2B5EF4-FFF2-40B4-BE49-F238E27FC236}">
+                <a16:creationId xmlns:a16="http://schemas.microsoft.com/office/drawing/2014/main" id="{CA85F01B-C80E-440A-921B-AB919ED3E63D}"/>
+              </a:ext>
+            </a:extLst>
+          </p:cNvPr>
+          <p:cNvSpPr/>
+          <p:nvPr/>
+        </p:nvSpPr>
+        <p:spPr>
+          <a:xfrm>
+            <a:off x="7772400" y="693738"/>
+            <a:ext cx="457200" cy="304800"/>
+          </a:xfrm>
+          <a:prstGeom prst="leftArrow">
+            <a:avLst/>
+          </a:prstGeom>
+        </p:spPr>
+        <p:style>
+          <a:lnRef idx="2">
+            <a:schemeClr val="accent1">
+              <a:shade val="50000"/>
+            </a:schemeClr>
+          </a:lnRef>
+          <a:fillRef idx="1">
+            <a:schemeClr val="accent1"/>
+          </a:fillRef>
+          <a:effectRef idx="0">
+            <a:schemeClr val="accent1"/>
+          </a:effectRef>
+          <a:fontRef idx="minor">
+            <a:schemeClr val="lt1"/>
+          </a:fontRef>
+        </p:style>
+        <p:txBody>
+          <a:bodyPr rtlCol="0" anchor="ctr"/>
+          <a:lstStyle/>
+          <a:p>
+            <a:pPr algn="ctr"/>
+            <a:endParaRPr lang="zh-CN" altLang="en-US"/>
+          </a:p>
+        </p:txBody>
+      </p:sp>
+    </p:spTree>
+    <p:extLst>
+      <p:ext uri="{BB962C8B-B14F-4D97-AF65-F5344CB8AC3E}">
+        <p14:creationId xmlns:p14="http://schemas.microsoft.com/office/powerpoint/2010/main" val="1681475144"/>
+      </p:ext>
+    </p:extLst>
+  </p:cSld>
+  <p:clrMapOvr>
+    <a:masterClrMapping/>
+  </p:clrMapOvr>
+</p:sld>
+</file>
+
+<file path=ppt/slides/slide15.xml><?xml version="1.0" encoding="utf-8"?>
+<p:sld xmlns:a="http://schemas.openxmlformats.org/drawingml/2006/main" xmlns:r="http://schemas.openxmlformats.org/officeDocument/2006/relationships" xmlns:p="http://schemas.openxmlformats.org/presentationml/2006/main">
+  <p:cSld>
+    <p:spTree>
+      <p:nvGrpSpPr>
+        <p:cNvPr id="1" name=""/>
+        <p:cNvGrpSpPr/>
+        <p:nvPr/>
+      </p:nvGrpSpPr>
+      <p:grpSpPr>
+        <a:xfrm>
+          <a:off x="0" y="0"/>
+          <a:ext cx="0" cy="0"/>
+          <a:chOff x="0" y="0"/>
+          <a:chExt cx="0" cy="0"/>
+        </a:xfrm>
+      </p:grpSpPr>
+      <p:sp>
+        <p:nvSpPr>
+          <p:cNvPr id="2" name="标题 1">
+            <a:extLst>
+              <a:ext uri="{FF2B5EF4-FFF2-40B4-BE49-F238E27FC236}">
+                <a16:creationId xmlns:a16="http://schemas.microsoft.com/office/drawing/2014/main" id="{5A428923-FE8D-4A5E-8399-448CA56F73FD}"/>
+              </a:ext>
+            </a:extLst>
+          </p:cNvPr>
+          <p:cNvSpPr>
+            <a:spLocks noGrp="1"/>
+          </p:cNvSpPr>
+          <p:nvPr>
+            <p:ph type="title"/>
+          </p:nvPr>
+        </p:nvSpPr>
+        <p:spPr/>
+        <p:txBody>
+          <a:bodyPr/>
+          <a:lstStyle/>
+          <a:p>
+            <a:pPr algn="l"/>
+            <a:r>
+              <a:rPr lang="en-US" altLang="zh-CN" b="1" dirty="0"/>
+              <a:t>CMS</a:t>
+            </a:r>
+            <a:r>
+              <a:rPr lang="zh-CN" altLang="en-US" b="1" dirty="0"/>
+              <a:t>收集器收集过程</a:t>
+            </a:r>
+            <a:endParaRPr lang="zh-CN" altLang="en-US" dirty="0"/>
+          </a:p>
+        </p:txBody>
+      </p:sp>
+      <p:sp>
+        <p:nvSpPr>
+          <p:cNvPr id="3" name="内容占位符 2">
+            <a:extLst>
+              <a:ext uri="{FF2B5EF4-FFF2-40B4-BE49-F238E27FC236}">
+                <a16:creationId xmlns:a16="http://schemas.microsoft.com/office/drawing/2014/main" id="{FE7C129F-4EDC-4808-A20C-9B8EC77CEBA5}"/>
+              </a:ext>
+            </a:extLst>
+          </p:cNvPr>
+          <p:cNvSpPr>
+            <a:spLocks noGrp="1"/>
+          </p:cNvSpPr>
+          <p:nvPr>
+            <p:ph idx="1"/>
+          </p:nvPr>
+        </p:nvSpPr>
+        <p:spPr/>
+        <p:txBody>
+          <a:bodyPr/>
+          <a:lstStyle/>
+          <a:p>
+            <a:endParaRPr lang="zh-CN" altLang="en-US" dirty="0"/>
+          </a:p>
+        </p:txBody>
+      </p:sp>
+      <p:pic>
+        <p:nvPicPr>
+          <p:cNvPr id="4" name="图片 3">
+            <a:extLst>
+              <a:ext uri="{FF2B5EF4-FFF2-40B4-BE49-F238E27FC236}">
+                <a16:creationId xmlns:a16="http://schemas.microsoft.com/office/drawing/2014/main" id="{D754A6D3-370F-4B5E-9D4E-405A899962F1}"/>
+              </a:ext>
+            </a:extLst>
+          </p:cNvPr>
+          <p:cNvPicPr>
+            <a:picLocks noChangeAspect="1"/>
+          </p:cNvPicPr>
+          <p:nvPr/>
+        </p:nvPicPr>
+        <p:blipFill>
+          <a:blip r:embed="rId2">
+            <a:extLst>
+              <a:ext uri="{28A0092B-C50C-407E-A947-70E740481C1C}">
+                <a14:useLocalDpi xmlns:a14="http://schemas.microsoft.com/office/drawing/2010/main" val="0"/>
+              </a:ext>
+            </a:extLst>
+          </a:blip>
+          <a:stretch>
+            <a:fillRect/>
+          </a:stretch>
+        </p:blipFill>
+        <p:spPr>
+          <a:xfrm>
+            <a:off x="499231" y="3200400"/>
+            <a:ext cx="8145537" cy="1600200"/>
+          </a:xfrm>
+          <a:prstGeom prst="rect">
+            <a:avLst/>
+          </a:prstGeom>
+        </p:spPr>
+      </p:pic>
+      <p:sp>
+        <p:nvSpPr>
+          <p:cNvPr id="5" name="椭圆 4">
+            <a:extLst>
+              <a:ext uri="{FF2B5EF4-FFF2-40B4-BE49-F238E27FC236}">
+                <a16:creationId xmlns:a16="http://schemas.microsoft.com/office/drawing/2014/main" id="{117DD586-C6B2-4DBA-AA7F-0F4FA470D20B}"/>
+              </a:ext>
+            </a:extLst>
+          </p:cNvPr>
+          <p:cNvSpPr/>
+          <p:nvPr/>
+        </p:nvSpPr>
+        <p:spPr>
+          <a:xfrm>
+            <a:off x="2329498" y="3657600"/>
+            <a:ext cx="990600" cy="609600"/>
+          </a:xfrm>
+          <a:prstGeom prst="ellipse">
+            <a:avLst/>
+          </a:prstGeom>
+          <a:noFill/>
+          <a:ln>
+            <a:solidFill>
+              <a:srgbClr val="FF0000"/>
+            </a:solidFill>
+          </a:ln>
+        </p:spPr>
+        <p:style>
+          <a:lnRef idx="2">
+            <a:schemeClr val="accent1">
+              <a:shade val="50000"/>
+            </a:schemeClr>
+          </a:lnRef>
+          <a:fillRef idx="1">
+            <a:schemeClr val="accent1"/>
+          </a:fillRef>
+          <a:effectRef idx="0">
+            <a:schemeClr val="accent1"/>
+          </a:effectRef>
+          <a:fontRef idx="minor">
+            <a:schemeClr val="lt1"/>
+          </a:fontRef>
+        </p:style>
+        <p:txBody>
+          <a:bodyPr rtlCol="0" anchor="ctr"/>
+          <a:lstStyle/>
+          <a:p>
+            <a:pPr algn="ctr"/>
+            <a:endParaRPr lang="zh-CN" altLang="en-US"/>
+          </a:p>
+        </p:txBody>
+      </p:sp>
+      <p:sp>
+        <p:nvSpPr>
+          <p:cNvPr id="6" name="椭圆 5">
+            <a:extLst>
+              <a:ext uri="{FF2B5EF4-FFF2-40B4-BE49-F238E27FC236}">
+                <a16:creationId xmlns:a16="http://schemas.microsoft.com/office/drawing/2014/main" id="{F0BC573B-6D5D-47A4-9A1F-20956D9E54B9}"/>
+              </a:ext>
+            </a:extLst>
+          </p:cNvPr>
+          <p:cNvSpPr/>
+          <p:nvPr/>
+        </p:nvSpPr>
+        <p:spPr>
+          <a:xfrm>
+            <a:off x="3358976" y="4114800"/>
+            <a:ext cx="1295400" cy="609600"/>
+          </a:xfrm>
+          <a:prstGeom prst="ellipse">
+            <a:avLst/>
+          </a:prstGeom>
+          <a:noFill/>
+          <a:ln>
+            <a:solidFill>
+              <a:srgbClr val="FF0000"/>
+            </a:solidFill>
+          </a:ln>
+        </p:spPr>
+        <p:style>
+          <a:lnRef idx="2">
+            <a:schemeClr val="accent1">
+              <a:shade val="50000"/>
+            </a:schemeClr>
+          </a:lnRef>
+          <a:fillRef idx="1">
+            <a:schemeClr val="accent1"/>
+          </a:fillRef>
+          <a:effectRef idx="0">
+            <a:schemeClr val="accent1"/>
+          </a:effectRef>
+          <a:fontRef idx="minor">
+            <a:schemeClr val="lt1"/>
+          </a:fontRef>
+        </p:style>
+        <p:txBody>
+          <a:bodyPr rtlCol="0" anchor="ctr"/>
+          <a:lstStyle/>
+          <a:p>
+            <a:pPr algn="ctr"/>
+            <a:endParaRPr lang="zh-CN" altLang="en-US"/>
+          </a:p>
+        </p:txBody>
+      </p:sp>
+      <p:sp>
+        <p:nvSpPr>
+          <p:cNvPr id="7" name="椭圆 6">
+            <a:extLst>
+              <a:ext uri="{FF2B5EF4-FFF2-40B4-BE49-F238E27FC236}">
+                <a16:creationId xmlns:a16="http://schemas.microsoft.com/office/drawing/2014/main" id="{E3470D79-5A95-417F-81B8-77B414450ABE}"/>
+              </a:ext>
+            </a:extLst>
+          </p:cNvPr>
+          <p:cNvSpPr/>
+          <p:nvPr/>
+        </p:nvSpPr>
+        <p:spPr>
+          <a:xfrm>
+            <a:off x="4730576" y="3276600"/>
+            <a:ext cx="990600" cy="533400"/>
+          </a:xfrm>
+          <a:prstGeom prst="ellipse">
+            <a:avLst/>
+          </a:prstGeom>
+          <a:noFill/>
+          <a:ln>
+            <a:solidFill>
+              <a:srgbClr val="FF0000"/>
+            </a:solidFill>
+          </a:ln>
+        </p:spPr>
+        <p:style>
+          <a:lnRef idx="2">
+            <a:schemeClr val="accent1">
+              <a:shade val="50000"/>
+            </a:schemeClr>
+          </a:lnRef>
+          <a:fillRef idx="1">
+            <a:schemeClr val="accent1"/>
+          </a:fillRef>
+          <a:effectRef idx="0">
+            <a:schemeClr val="accent1"/>
+          </a:effectRef>
+          <a:fontRef idx="minor">
+            <a:schemeClr val="lt1"/>
+          </a:fontRef>
+        </p:style>
+        <p:txBody>
+          <a:bodyPr rtlCol="0" anchor="ctr"/>
+          <a:lstStyle/>
+          <a:p>
+            <a:pPr algn="ctr"/>
+            <a:endParaRPr lang="zh-CN" altLang="en-US"/>
+          </a:p>
+        </p:txBody>
+      </p:sp>
+      <p:sp>
+        <p:nvSpPr>
+          <p:cNvPr id="8" name="椭圆 7">
+            <a:extLst>
+              <a:ext uri="{FF2B5EF4-FFF2-40B4-BE49-F238E27FC236}">
+                <a16:creationId xmlns:a16="http://schemas.microsoft.com/office/drawing/2014/main" id="{335A8BC2-1B9C-468D-ABC5-3109A5DF30EA}"/>
+              </a:ext>
+            </a:extLst>
+          </p:cNvPr>
+          <p:cNvSpPr/>
+          <p:nvPr/>
+        </p:nvSpPr>
+        <p:spPr>
+          <a:xfrm>
+            <a:off x="5797376" y="4069702"/>
+            <a:ext cx="1219200" cy="609600"/>
+          </a:xfrm>
+          <a:prstGeom prst="ellipse">
+            <a:avLst/>
+          </a:prstGeom>
+          <a:noFill/>
+          <a:ln>
+            <a:solidFill>
+              <a:srgbClr val="FF0000"/>
+            </a:solidFill>
+          </a:ln>
+        </p:spPr>
+        <p:style>
+          <a:lnRef idx="2">
+            <a:schemeClr val="accent1">
+              <a:shade val="50000"/>
+            </a:schemeClr>
+          </a:lnRef>
+          <a:fillRef idx="1">
+            <a:schemeClr val="accent1"/>
+          </a:fillRef>
+          <a:effectRef idx="0">
+            <a:schemeClr val="accent1"/>
+          </a:effectRef>
+          <a:fontRef idx="minor">
+            <a:schemeClr val="lt1"/>
+          </a:fontRef>
+        </p:style>
+        <p:txBody>
+          <a:bodyPr rtlCol="0" anchor="ctr"/>
+          <a:lstStyle/>
+          <a:p>
+            <a:pPr algn="ctr"/>
+            <a:endParaRPr lang="zh-CN" altLang="en-US"/>
+          </a:p>
+        </p:txBody>
+      </p:sp>
+      <p:sp>
+        <p:nvSpPr>
+          <p:cNvPr id="9" name="对话气泡: 矩形 8">
+            <a:extLst>
+              <a:ext uri="{FF2B5EF4-FFF2-40B4-BE49-F238E27FC236}">
+                <a16:creationId xmlns:a16="http://schemas.microsoft.com/office/drawing/2014/main" id="{11A97F52-2AA2-4D4C-B8CB-49337D7C8EC9}"/>
+              </a:ext>
+            </a:extLst>
+          </p:cNvPr>
+          <p:cNvSpPr/>
+          <p:nvPr/>
+        </p:nvSpPr>
+        <p:spPr>
+          <a:xfrm>
+            <a:off x="856083" y="2694538"/>
+            <a:ext cx="1905000" cy="571500"/>
+          </a:xfrm>
+          <a:prstGeom prst="wedgeRectCallout">
+            <a:avLst>
+              <a:gd name="adj1" fmla="val 48718"/>
+              <a:gd name="adj2" fmla="val 116378"/>
+            </a:avLst>
+          </a:prstGeom>
+        </p:spPr>
+        <p:style>
+          <a:lnRef idx="2">
+            <a:schemeClr val="accent1">
+              <a:shade val="50000"/>
+            </a:schemeClr>
+          </a:lnRef>
+          <a:fillRef idx="1">
+            <a:schemeClr val="accent1"/>
+          </a:fillRef>
+          <a:effectRef idx="0">
+            <a:schemeClr val="accent1"/>
+          </a:effectRef>
+          <a:fontRef idx="minor">
+            <a:schemeClr val="lt1"/>
+          </a:fontRef>
+        </p:style>
+        <p:txBody>
+          <a:bodyPr rtlCol="0" anchor="ctr"/>
+          <a:lstStyle/>
+          <a:p>
+            <a:pPr algn="ctr"/>
+            <a:r>
+              <a:rPr lang="en-US" altLang="zh-CN" sz="1600" dirty="0"/>
+              <a:t>GC Roots</a:t>
+            </a:r>
+            <a:r>
+              <a:rPr lang="zh-CN" altLang="zh-CN" sz="1600" dirty="0"/>
+              <a:t>可以直接关联到对象的标记</a:t>
+            </a:r>
+            <a:endParaRPr lang="zh-CN" altLang="en-US" sz="1600" dirty="0"/>
+          </a:p>
+        </p:txBody>
+      </p:sp>
+      <p:sp>
+        <p:nvSpPr>
+          <p:cNvPr id="10" name="对话气泡: 矩形 9">
+            <a:extLst>
+              <a:ext uri="{FF2B5EF4-FFF2-40B4-BE49-F238E27FC236}">
+                <a16:creationId xmlns:a16="http://schemas.microsoft.com/office/drawing/2014/main" id="{D1F9FD49-26D5-4428-9801-DAAB62451DAA}"/>
+              </a:ext>
+            </a:extLst>
+          </p:cNvPr>
+          <p:cNvSpPr/>
+          <p:nvPr/>
+        </p:nvSpPr>
+        <p:spPr>
+          <a:xfrm>
+            <a:off x="1553590" y="4906963"/>
+            <a:ext cx="2286000" cy="571500"/>
+          </a:xfrm>
+          <a:prstGeom prst="wedgeRectCallout">
+            <a:avLst>
+              <a:gd name="adj1" fmla="val 39167"/>
+              <a:gd name="adj2" fmla="val -86071"/>
+            </a:avLst>
+          </a:prstGeom>
+        </p:spPr>
+        <p:style>
+          <a:lnRef idx="2">
+            <a:schemeClr val="accent1">
+              <a:shade val="50000"/>
+            </a:schemeClr>
+          </a:lnRef>
+          <a:fillRef idx="1">
+            <a:schemeClr val="accent1"/>
+          </a:fillRef>
+          <a:effectRef idx="0">
+            <a:schemeClr val="accent1"/>
+          </a:effectRef>
+          <a:fontRef idx="minor">
+            <a:schemeClr val="lt1"/>
+          </a:fontRef>
+        </p:style>
+        <p:txBody>
+          <a:bodyPr rtlCol="0" anchor="ctr"/>
+          <a:lstStyle/>
+          <a:p>
+            <a:pPr algn="ctr"/>
+            <a:r>
+              <a:rPr lang="zh-CN" altLang="zh-CN" dirty="0"/>
+              <a:t>从</a:t>
+            </a:r>
+            <a:r>
+              <a:rPr lang="en-US" altLang="zh-CN" dirty="0"/>
+              <a:t>GC Roots </a:t>
+            </a:r>
+            <a:r>
+              <a:rPr lang="zh-CN" altLang="zh-CN" dirty="0"/>
+              <a:t>出发标记出所有可达的对象</a:t>
+            </a:r>
+            <a:endParaRPr lang="zh-CN" altLang="en-US" dirty="0"/>
+          </a:p>
+        </p:txBody>
+      </p:sp>
+      <p:sp>
+        <p:nvSpPr>
+          <p:cNvPr id="11" name="对话气泡: 矩形 10">
+            <a:extLst>
+              <a:ext uri="{FF2B5EF4-FFF2-40B4-BE49-F238E27FC236}">
+                <a16:creationId xmlns:a16="http://schemas.microsoft.com/office/drawing/2014/main" id="{C924F5C4-5796-49EF-AB12-9A7E44E4E922}"/>
+              </a:ext>
+            </a:extLst>
+          </p:cNvPr>
+          <p:cNvSpPr/>
+          <p:nvPr/>
+        </p:nvSpPr>
+        <p:spPr>
+          <a:xfrm>
+            <a:off x="4654376" y="2476500"/>
+            <a:ext cx="2157014" cy="602602"/>
+          </a:xfrm>
+          <a:prstGeom prst="wedgeRectCallout">
+            <a:avLst>
+              <a:gd name="adj1" fmla="val -33378"/>
+              <a:gd name="adj2" fmla="val 79532"/>
+            </a:avLst>
+          </a:prstGeom>
+        </p:spPr>
+        <p:style>
+          <a:lnRef idx="2">
+            <a:schemeClr val="accent1">
+              <a:shade val="50000"/>
+            </a:schemeClr>
+          </a:lnRef>
+          <a:fillRef idx="1">
+            <a:schemeClr val="accent1"/>
+          </a:fillRef>
+          <a:effectRef idx="0">
+            <a:schemeClr val="accent1"/>
+          </a:effectRef>
+          <a:fontRef idx="minor">
+            <a:schemeClr val="lt1"/>
+          </a:fontRef>
+        </p:style>
+        <p:txBody>
+          <a:bodyPr rtlCol="0" anchor="ctr"/>
+          <a:lstStyle/>
+          <a:p>
+            <a:pPr algn="ctr"/>
+            <a:r>
+              <a:rPr lang="zh-CN" altLang="zh-CN" dirty="0"/>
+              <a:t>标记变动的那部分记录进行修正</a:t>
+            </a:r>
+            <a:endParaRPr lang="zh-CN" altLang="en-US" dirty="0"/>
+          </a:p>
+        </p:txBody>
+      </p:sp>
+      <p:sp>
+        <p:nvSpPr>
+          <p:cNvPr id="12" name="对话气泡: 矩形 11">
+            <a:extLst>
+              <a:ext uri="{FF2B5EF4-FFF2-40B4-BE49-F238E27FC236}">
+                <a16:creationId xmlns:a16="http://schemas.microsoft.com/office/drawing/2014/main" id="{76180203-8BF5-44DD-8850-5C7D1CE31000}"/>
+              </a:ext>
+            </a:extLst>
+          </p:cNvPr>
+          <p:cNvSpPr/>
+          <p:nvPr/>
+        </p:nvSpPr>
+        <p:spPr>
+          <a:xfrm>
+            <a:off x="6201790" y="4921898"/>
+            <a:ext cx="2004614" cy="523130"/>
+          </a:xfrm>
+          <a:prstGeom prst="wedgeRectCallout">
+            <a:avLst>
+              <a:gd name="adj1" fmla="val -37589"/>
+              <a:gd name="adj2" fmla="val -87951"/>
+            </a:avLst>
+          </a:prstGeom>
+        </p:spPr>
+        <p:style>
+          <a:lnRef idx="2">
+            <a:schemeClr val="accent1">
+              <a:shade val="50000"/>
+            </a:schemeClr>
+          </a:lnRef>
+          <a:fillRef idx="1">
+            <a:schemeClr val="accent1"/>
+          </a:fillRef>
+          <a:effectRef idx="0">
+            <a:schemeClr val="accent1"/>
+          </a:effectRef>
+          <a:fontRef idx="minor">
+            <a:schemeClr val="lt1"/>
+          </a:fontRef>
+        </p:style>
+        <p:txBody>
+          <a:bodyPr rtlCol="0" anchor="ctr"/>
+          <a:lstStyle/>
+          <a:p>
+            <a:pPr algn="ctr"/>
+            <a:r>
+              <a:rPr lang="zh-CN" altLang="en-US" dirty="0"/>
+              <a:t>标记清除算法进行清除</a:t>
+            </a:r>
+          </a:p>
+        </p:txBody>
+      </p:sp>
+      <p:sp>
+        <p:nvSpPr>
+          <p:cNvPr id="14" name="左箭头 5">
+            <a:hlinkClick r:id="rId3" action="ppaction://hlinksldjump"/>
+            <a:extLst>
+              <a:ext uri="{FF2B5EF4-FFF2-40B4-BE49-F238E27FC236}">
+                <a16:creationId xmlns:a16="http://schemas.microsoft.com/office/drawing/2014/main" id="{74118FD8-39C1-4EF6-A3C3-AF2D31D87C74}"/>
+              </a:ext>
+            </a:extLst>
+          </p:cNvPr>
+          <p:cNvSpPr/>
+          <p:nvPr/>
+        </p:nvSpPr>
+        <p:spPr>
+          <a:xfrm>
+            <a:off x="7772400" y="693738"/>
+            <a:ext cx="457200" cy="304800"/>
+          </a:xfrm>
+          <a:prstGeom prst="leftArrow">
+            <a:avLst/>
+          </a:prstGeom>
+        </p:spPr>
+        <p:style>
+          <a:lnRef idx="2">
+            <a:schemeClr val="accent1">
+              <a:shade val="50000"/>
+            </a:schemeClr>
+          </a:lnRef>
+          <a:fillRef idx="1">
+            <a:schemeClr val="accent1"/>
+          </a:fillRef>
+          <a:effectRef idx="0">
+            <a:schemeClr val="accent1"/>
+          </a:effectRef>
+          <a:fontRef idx="minor">
+            <a:schemeClr val="lt1"/>
+          </a:fontRef>
+        </p:style>
+        <p:txBody>
+          <a:bodyPr rtlCol="0" anchor="ctr"/>
+          <a:lstStyle/>
+          <a:p>
+            <a:pPr algn="ctr"/>
+            <a:endParaRPr lang="zh-CN" altLang="en-US"/>
+          </a:p>
+        </p:txBody>
+      </p:sp>
+    </p:spTree>
+    <p:extLst>
+      <p:ext uri="{BB962C8B-B14F-4D97-AF65-F5344CB8AC3E}">
+        <p14:creationId xmlns:p14="http://schemas.microsoft.com/office/powerpoint/2010/main" val="3361928043"/>
+      </p:ext>
+    </p:extLst>
+  </p:cSld>
+  <p:clrMapOvr>
+    <a:masterClrMapping/>
+  </p:clrMapOvr>
+</p:sld>
+</file>
+
+<file path=ppt/slides/slide16.xml><?xml version="1.0" encoding="utf-8"?>
+<p:sld xmlns:a="http://schemas.openxmlformats.org/drawingml/2006/main" xmlns:r="http://schemas.openxmlformats.org/officeDocument/2006/relationships" xmlns:p="http://schemas.openxmlformats.org/presentationml/2006/main">
+  <p:cSld>
+    <p:spTree>
+      <p:nvGrpSpPr>
+        <p:cNvPr id="1" name=""/>
+        <p:cNvGrpSpPr/>
+        <p:nvPr/>
+      </p:nvGrpSpPr>
+      <p:grpSpPr>
+        <a:xfrm>
+          <a:off x="0" y="0"/>
+          <a:ext cx="0" cy="0"/>
+          <a:chOff x="0" y="0"/>
+          <a:chExt cx="0" cy="0"/>
+        </a:xfrm>
+      </p:grpSpPr>
+      <p:sp>
+        <p:nvSpPr>
+          <p:cNvPr id="2" name="标题 1">
+            <a:extLst>
+              <a:ext uri="{FF2B5EF4-FFF2-40B4-BE49-F238E27FC236}">
+                <a16:creationId xmlns:a16="http://schemas.microsoft.com/office/drawing/2014/main" id="{75C2E6E7-62F7-4375-B3C8-119094AC0A16}"/>
+              </a:ext>
+            </a:extLst>
+          </p:cNvPr>
+          <p:cNvSpPr>
+            <a:spLocks noGrp="1"/>
+          </p:cNvSpPr>
+          <p:nvPr>
+            <p:ph type="title"/>
+          </p:nvPr>
+        </p:nvSpPr>
+        <p:spPr/>
+        <p:txBody>
+          <a:bodyPr/>
+          <a:lstStyle/>
+          <a:p>
+            <a:pPr algn="l"/>
+            <a:r>
+              <a:rPr lang="en-US" altLang="zh-CN" b="1" dirty="0"/>
+              <a:t>G1</a:t>
+            </a:r>
+            <a:r>
+              <a:rPr lang="zh-CN" altLang="en-US" b="1" dirty="0"/>
+              <a:t>收集器</a:t>
+            </a:r>
+          </a:p>
+        </p:txBody>
+      </p:sp>
+      <p:sp>
+        <p:nvSpPr>
+          <p:cNvPr id="3" name="内容占位符 2">
+            <a:extLst>
+              <a:ext uri="{FF2B5EF4-FFF2-40B4-BE49-F238E27FC236}">
+                <a16:creationId xmlns:a16="http://schemas.microsoft.com/office/drawing/2014/main" id="{7A34441A-29FF-47A7-B7A6-D8A56A8F9754}"/>
+              </a:ext>
+            </a:extLst>
+          </p:cNvPr>
+          <p:cNvSpPr>
+            <a:spLocks noGrp="1"/>
+          </p:cNvSpPr>
+          <p:nvPr>
+            <p:ph idx="1"/>
+          </p:nvPr>
+        </p:nvSpPr>
+        <p:spPr/>
+        <p:txBody>
+          <a:bodyPr>
+            <a:normAutofit/>
+          </a:bodyPr>
+          <a:lstStyle/>
+          <a:p>
+            <a:r>
+              <a:rPr lang="zh-CN" altLang="en-US" dirty="0"/>
+              <a:t>分区</a:t>
+            </a:r>
+            <a:endParaRPr lang="en-US" altLang="zh-CN" dirty="0"/>
+          </a:p>
+          <a:p>
+            <a:r>
+              <a:rPr lang="zh-CN" altLang="en-US" dirty="0"/>
+              <a:t>逻辑分代</a:t>
+            </a:r>
+            <a:endParaRPr lang="en-US" altLang="zh-CN" dirty="0"/>
+          </a:p>
+          <a:p>
+            <a:r>
+              <a:rPr lang="en-US" altLang="zh-CN" dirty="0" err="1"/>
+              <a:t>RSet</a:t>
+            </a:r>
+            <a:endParaRPr lang="en-US" altLang="zh-CN" dirty="0"/>
+          </a:p>
+          <a:p>
+            <a:r>
+              <a:rPr lang="en-US" altLang="zh-CN" dirty="0" err="1"/>
+              <a:t>Cset</a:t>
+            </a:r>
+            <a:endParaRPr lang="en-US" altLang="zh-CN" dirty="0"/>
+          </a:p>
+          <a:p>
+            <a:r>
+              <a:rPr lang="zh-CN" altLang="en-US" dirty="0"/>
+              <a:t>收集过程</a:t>
+            </a:r>
+          </a:p>
+        </p:txBody>
+      </p:sp>
+    </p:spTree>
+    <p:extLst>
+      <p:ext uri="{BB962C8B-B14F-4D97-AF65-F5344CB8AC3E}">
+        <p14:creationId xmlns:p14="http://schemas.microsoft.com/office/powerpoint/2010/main" val="2941754394"/>
+      </p:ext>
+    </p:extLst>
+  </p:cSld>
+  <p:clrMapOvr>
+    <a:masterClrMapping/>
+  </p:clrMapOvr>
+</p:sld>
+</file>
+
+<file path=ppt/slides/slide17.xml><?xml version="1.0" encoding="utf-8"?>
+<p:sld xmlns:a="http://schemas.openxmlformats.org/drawingml/2006/main" xmlns:r="http://schemas.openxmlformats.org/officeDocument/2006/relationships" xmlns:p="http://schemas.openxmlformats.org/presentationml/2006/main">
+  <p:cSld>
+    <p:spTree>
+      <p:nvGrpSpPr>
+        <p:cNvPr id="1" name=""/>
+        <p:cNvGrpSpPr/>
+        <p:nvPr/>
+      </p:nvGrpSpPr>
+      <p:grpSpPr>
+        <a:xfrm>
+          <a:off x="0" y="0"/>
+          <a:ext cx="0" cy="0"/>
+          <a:chOff x="0" y="0"/>
+          <a:chExt cx="0" cy="0"/>
+        </a:xfrm>
+      </p:grpSpPr>
+      <p:sp>
+        <p:nvSpPr>
+          <p:cNvPr id="2" name="标题 1">
+            <a:extLst>
+              <a:ext uri="{FF2B5EF4-FFF2-40B4-BE49-F238E27FC236}">
+                <a16:creationId xmlns:a16="http://schemas.microsoft.com/office/drawing/2014/main" id="{20A6D4E9-CA10-421E-A956-8CD59555386E}"/>
+              </a:ext>
+            </a:extLst>
+          </p:cNvPr>
+          <p:cNvSpPr>
+            <a:spLocks noGrp="1"/>
+          </p:cNvSpPr>
+          <p:nvPr>
+            <p:ph type="title"/>
+          </p:nvPr>
+        </p:nvSpPr>
+        <p:spPr/>
+        <p:txBody>
+          <a:bodyPr/>
+          <a:lstStyle/>
+          <a:p>
+            <a:pPr algn="l"/>
+            <a:r>
+              <a:rPr lang="en-US" altLang="zh-CN" b="1" dirty="0"/>
+              <a:t>G1</a:t>
+            </a:r>
+            <a:r>
+              <a:rPr lang="zh-CN" altLang="en-US" b="1" dirty="0"/>
+              <a:t>收集器</a:t>
+            </a:r>
+            <a:r>
+              <a:rPr lang="en-US" altLang="zh-CN" b="1" dirty="0"/>
+              <a:t>-</a:t>
+            </a:r>
+            <a:r>
+              <a:rPr lang="zh-CN" altLang="en-US" b="1" dirty="0"/>
+              <a:t>分区</a:t>
+            </a:r>
+          </a:p>
+        </p:txBody>
+      </p:sp>
+      <p:pic>
+        <p:nvPicPr>
+          <p:cNvPr id="4" name="内容占位符 3">
+            <a:extLst>
+              <a:ext uri="{FF2B5EF4-FFF2-40B4-BE49-F238E27FC236}">
+                <a16:creationId xmlns:a16="http://schemas.microsoft.com/office/drawing/2014/main" id="{CDE372E3-3044-4DAE-BBFF-FE000657BCF2}"/>
+              </a:ext>
+            </a:extLst>
+          </p:cNvPr>
+          <p:cNvPicPr>
+            <a:picLocks noGrp="1" noChangeAspect="1"/>
+          </p:cNvPicPr>
+          <p:nvPr>
+            <p:ph idx="1"/>
+          </p:nvPr>
+        </p:nvPicPr>
+        <p:blipFill>
+          <a:blip r:embed="rId2">
+            <a:extLst>
+              <a:ext uri="{28A0092B-C50C-407E-A947-70E740481C1C}">
+                <a14:useLocalDpi xmlns:a14="http://schemas.microsoft.com/office/drawing/2010/main" val="0"/>
+              </a:ext>
+            </a:extLst>
+          </a:blip>
+          <a:stretch>
+            <a:fillRect/>
+          </a:stretch>
+        </p:blipFill>
+        <p:spPr>
+          <a:xfrm>
+            <a:off x="762000" y="1981200"/>
+            <a:ext cx="7391400" cy="3758339"/>
+          </a:xfrm>
+          <a:prstGeom prst="rect">
+            <a:avLst/>
+          </a:prstGeom>
+        </p:spPr>
+      </p:pic>
+      <p:sp>
+        <p:nvSpPr>
+          <p:cNvPr id="5" name="椭圆 4">
+            <a:extLst>
+              <a:ext uri="{FF2B5EF4-FFF2-40B4-BE49-F238E27FC236}">
+                <a16:creationId xmlns:a16="http://schemas.microsoft.com/office/drawing/2014/main" id="{6EB16C0B-74FC-4F27-B746-CAA43D6532CE}"/>
+              </a:ext>
+            </a:extLst>
+          </p:cNvPr>
+          <p:cNvSpPr/>
+          <p:nvPr/>
+        </p:nvSpPr>
+        <p:spPr>
+          <a:xfrm>
+            <a:off x="533400" y="2667000"/>
+            <a:ext cx="2362200" cy="1524000"/>
+          </a:xfrm>
+          <a:prstGeom prst="ellipse">
+            <a:avLst/>
+          </a:prstGeom>
+          <a:noFill/>
+          <a:ln>
+            <a:solidFill>
+              <a:srgbClr val="FF0000"/>
+            </a:solidFill>
+          </a:ln>
+        </p:spPr>
+        <p:style>
+          <a:lnRef idx="2">
+            <a:schemeClr val="accent1">
+              <a:shade val="50000"/>
+            </a:schemeClr>
+          </a:lnRef>
+          <a:fillRef idx="1">
+            <a:schemeClr val="accent1"/>
+          </a:fillRef>
+          <a:effectRef idx="0">
+            <a:schemeClr val="accent1"/>
+          </a:effectRef>
+          <a:fontRef idx="minor">
+            <a:schemeClr val="lt1"/>
+          </a:fontRef>
+        </p:style>
+        <p:txBody>
+          <a:bodyPr rtlCol="0" anchor="ctr"/>
+          <a:lstStyle/>
+          <a:p>
+            <a:pPr algn="ctr"/>
+            <a:endParaRPr lang="zh-CN" altLang="en-US"/>
+          </a:p>
+        </p:txBody>
+      </p:sp>
+    </p:spTree>
+    <p:extLst>
+      <p:ext uri="{BB962C8B-B14F-4D97-AF65-F5344CB8AC3E}">
+        <p14:creationId xmlns:p14="http://schemas.microsoft.com/office/powerpoint/2010/main" val="1492727705"/>
+      </p:ext>
+    </p:extLst>
+  </p:cSld>
+  <p:clrMapOvr>
+    <a:masterClrMapping/>
+  </p:clrMapOvr>
+</p:sld>
+</file>
+
+<file path=ppt/slides/slide18.xml><?xml version="1.0" encoding="utf-8"?>
+<p:sld xmlns:a="http://schemas.openxmlformats.org/drawingml/2006/main" xmlns:r="http://schemas.openxmlformats.org/officeDocument/2006/relationships" xmlns:p="http://schemas.openxmlformats.org/presentationml/2006/main">
+  <p:cSld>
+    <p:spTree>
+      <p:nvGrpSpPr>
+        <p:cNvPr id="1" name=""/>
+        <p:cNvGrpSpPr/>
+        <p:nvPr/>
+      </p:nvGrpSpPr>
+      <p:grpSpPr>
+        <a:xfrm>
+          <a:off x="0" y="0"/>
+          <a:ext cx="0" cy="0"/>
+          <a:chOff x="0" y="0"/>
+          <a:chExt cx="0" cy="0"/>
+        </a:xfrm>
+      </p:grpSpPr>
+      <p:sp>
+        <p:nvSpPr>
+          <p:cNvPr id="2" name="标题 1">
+            <a:extLst>
+              <a:ext uri="{FF2B5EF4-FFF2-40B4-BE49-F238E27FC236}">
+                <a16:creationId xmlns:a16="http://schemas.microsoft.com/office/drawing/2014/main" id="{FCAF8E58-32EC-45E2-B7FE-D2B9281C2863}"/>
+              </a:ext>
+            </a:extLst>
+          </p:cNvPr>
+          <p:cNvSpPr>
+            <a:spLocks noGrp="1"/>
+          </p:cNvSpPr>
+          <p:nvPr>
+            <p:ph type="title"/>
+          </p:nvPr>
+        </p:nvSpPr>
+        <p:spPr/>
+        <p:txBody>
+          <a:bodyPr/>
+          <a:lstStyle/>
+          <a:p>
+            <a:pPr algn="l"/>
+            <a:r>
+              <a:rPr lang="en-US" altLang="zh-CN" b="1" dirty="0"/>
+              <a:t>G1</a:t>
+            </a:r>
+            <a:r>
+              <a:rPr lang="zh-CN" altLang="en-US" b="1" dirty="0"/>
+              <a:t>收集器</a:t>
+            </a:r>
+            <a:r>
+              <a:rPr lang="en-US" altLang="zh-CN" b="1" dirty="0"/>
+              <a:t>-</a:t>
+            </a:r>
+            <a:r>
+              <a:rPr lang="zh-CN" altLang="en-US" b="1" dirty="0"/>
+              <a:t>逻辑分代</a:t>
+            </a:r>
+          </a:p>
+        </p:txBody>
+      </p:sp>
+      <p:sp>
+        <p:nvSpPr>
+          <p:cNvPr id="3" name="内容占位符 2">
+            <a:extLst>
+              <a:ext uri="{FF2B5EF4-FFF2-40B4-BE49-F238E27FC236}">
+                <a16:creationId xmlns:a16="http://schemas.microsoft.com/office/drawing/2014/main" id="{988C178E-E1C1-4C13-912C-0126A11D9C2A}"/>
+              </a:ext>
+            </a:extLst>
+          </p:cNvPr>
+          <p:cNvSpPr>
+            <a:spLocks noGrp="1"/>
+          </p:cNvSpPr>
+          <p:nvPr>
+            <p:ph idx="1"/>
+          </p:nvPr>
+        </p:nvSpPr>
+        <p:spPr/>
+        <p:txBody>
+          <a:bodyPr/>
+          <a:lstStyle/>
+          <a:p>
+            <a:r>
+              <a:rPr lang="zh-CN" altLang="en-US" dirty="0"/>
+              <a:t>原收集器内存分布</a:t>
+            </a:r>
+            <a:endParaRPr lang="en-US" altLang="zh-CN" dirty="0"/>
+          </a:p>
+          <a:p>
+            <a:endParaRPr lang="en-US" altLang="zh-CN" dirty="0"/>
+          </a:p>
+          <a:p>
+            <a:endParaRPr lang="en-US" altLang="zh-CN" dirty="0"/>
+          </a:p>
+          <a:p>
+            <a:endParaRPr lang="en-US" altLang="zh-CN" dirty="0"/>
+          </a:p>
+          <a:p>
+            <a:r>
+              <a:rPr lang="en-US" altLang="zh-CN" dirty="0"/>
+              <a:t>G1</a:t>
+            </a:r>
+            <a:r>
+              <a:rPr lang="zh-CN" altLang="en-US" dirty="0"/>
+              <a:t>收集器的内存分布</a:t>
+            </a:r>
+            <a:endParaRPr lang="en-US" altLang="zh-CN" dirty="0"/>
+          </a:p>
+          <a:p>
+            <a:endParaRPr lang="zh-CN" altLang="en-US" dirty="0"/>
+          </a:p>
+        </p:txBody>
+      </p:sp>
+      <p:pic>
+        <p:nvPicPr>
+          <p:cNvPr id="4" name="图片 3">
+            <a:extLst>
+              <a:ext uri="{FF2B5EF4-FFF2-40B4-BE49-F238E27FC236}">
+                <a16:creationId xmlns:a16="http://schemas.microsoft.com/office/drawing/2014/main" id="{BF31DB11-19EF-40AD-9E57-FED7959D3F88}"/>
+              </a:ext>
+            </a:extLst>
+          </p:cNvPr>
+          <p:cNvPicPr>
+            <a:picLocks noChangeAspect="1"/>
+          </p:cNvPicPr>
+          <p:nvPr/>
+        </p:nvPicPr>
+        <p:blipFill>
+          <a:blip r:embed="rId2"/>
+          <a:stretch>
+            <a:fillRect/>
+          </a:stretch>
+        </p:blipFill>
+        <p:spPr>
+          <a:xfrm>
+            <a:off x="1049854" y="2590800"/>
+            <a:ext cx="7044291" cy="1143000"/>
+          </a:xfrm>
+          <a:prstGeom prst="rect">
+            <a:avLst/>
+          </a:prstGeom>
+        </p:spPr>
+      </p:pic>
+      <p:pic>
+        <p:nvPicPr>
+          <p:cNvPr id="7" name="图片 6">
+            <a:extLst>
+              <a:ext uri="{FF2B5EF4-FFF2-40B4-BE49-F238E27FC236}">
+                <a16:creationId xmlns:a16="http://schemas.microsoft.com/office/drawing/2014/main" id="{0CCE3A2D-4574-43C1-B829-781DBA2F9FA6}"/>
+              </a:ext>
+            </a:extLst>
+          </p:cNvPr>
+          <p:cNvPicPr>
+            <a:picLocks noChangeAspect="1"/>
+          </p:cNvPicPr>
+          <p:nvPr/>
+        </p:nvPicPr>
+        <p:blipFill>
+          <a:blip r:embed="rId3">
+            <a:extLst>
+              <a:ext uri="{28A0092B-C50C-407E-A947-70E740481C1C}">
+                <a14:useLocalDpi xmlns:a14="http://schemas.microsoft.com/office/drawing/2010/main" val="0"/>
+              </a:ext>
+            </a:extLst>
+          </a:blip>
+          <a:stretch>
+            <a:fillRect/>
+          </a:stretch>
+        </p:blipFill>
+        <p:spPr>
+          <a:xfrm>
+            <a:off x="5029200" y="3863181"/>
+            <a:ext cx="2827265" cy="2819644"/>
+          </a:xfrm>
+          <a:prstGeom prst="rect">
+            <a:avLst/>
+          </a:prstGeom>
+        </p:spPr>
+      </p:pic>
+      <p:sp>
+        <p:nvSpPr>
+          <p:cNvPr id="8" name="椭圆 7">
+            <a:extLst>
+              <a:ext uri="{FF2B5EF4-FFF2-40B4-BE49-F238E27FC236}">
+                <a16:creationId xmlns:a16="http://schemas.microsoft.com/office/drawing/2014/main" id="{B349CFF5-955A-4998-BBD5-64DA3D012B39}"/>
+              </a:ext>
+            </a:extLst>
+          </p:cNvPr>
+          <p:cNvSpPr/>
+          <p:nvPr/>
+        </p:nvSpPr>
+        <p:spPr>
+          <a:xfrm>
+            <a:off x="4953000" y="5943600"/>
+            <a:ext cx="914400" cy="457200"/>
+          </a:xfrm>
+          <a:prstGeom prst="ellipse">
+            <a:avLst/>
+          </a:prstGeom>
+          <a:noFill/>
+          <a:ln>
+            <a:solidFill>
+              <a:srgbClr val="FF0000"/>
+            </a:solidFill>
+          </a:ln>
+        </p:spPr>
+        <p:style>
+          <a:lnRef idx="2">
+            <a:schemeClr val="accent1">
+              <a:shade val="50000"/>
+            </a:schemeClr>
+          </a:lnRef>
+          <a:fillRef idx="1">
+            <a:schemeClr val="accent1"/>
+          </a:fillRef>
+          <a:effectRef idx="0">
+            <a:schemeClr val="accent1"/>
+          </a:effectRef>
+          <a:fontRef idx="minor">
+            <a:schemeClr val="lt1"/>
+          </a:fontRef>
+        </p:style>
+        <p:txBody>
+          <a:bodyPr rtlCol="0" anchor="ctr"/>
+          <a:lstStyle/>
+          <a:p>
+            <a:pPr algn="ctr"/>
+            <a:endParaRPr lang="zh-CN" altLang="en-US"/>
+          </a:p>
+        </p:txBody>
+      </p:sp>
+      <p:sp>
+        <p:nvSpPr>
+          <p:cNvPr id="9" name="椭圆 8">
+            <a:extLst>
+              <a:ext uri="{FF2B5EF4-FFF2-40B4-BE49-F238E27FC236}">
+                <a16:creationId xmlns:a16="http://schemas.microsoft.com/office/drawing/2014/main" id="{3BCD8313-04F9-45F9-9C1A-6330E669DBED}"/>
+              </a:ext>
+            </a:extLst>
+          </p:cNvPr>
+          <p:cNvSpPr/>
+          <p:nvPr/>
+        </p:nvSpPr>
+        <p:spPr>
+          <a:xfrm>
+            <a:off x="5943600" y="5562600"/>
+            <a:ext cx="1295400" cy="457200"/>
+          </a:xfrm>
+          <a:prstGeom prst="ellipse">
+            <a:avLst/>
+          </a:prstGeom>
+          <a:noFill/>
+          <a:ln>
+            <a:solidFill>
+              <a:srgbClr val="FF0000"/>
+            </a:solidFill>
+          </a:ln>
+        </p:spPr>
+        <p:style>
+          <a:lnRef idx="2">
+            <a:schemeClr val="accent1">
+              <a:shade val="50000"/>
+            </a:schemeClr>
+          </a:lnRef>
+          <a:fillRef idx="1">
+            <a:schemeClr val="accent1"/>
+          </a:fillRef>
+          <a:effectRef idx="0">
+            <a:schemeClr val="accent1"/>
+          </a:effectRef>
+          <a:fontRef idx="minor">
+            <a:schemeClr val="lt1"/>
+          </a:fontRef>
+        </p:style>
+        <p:txBody>
+          <a:bodyPr rtlCol="0" anchor="ctr"/>
+          <a:lstStyle/>
+          <a:p>
+            <a:pPr algn="ctr"/>
+            <a:endParaRPr lang="zh-CN" altLang="en-US"/>
+          </a:p>
+        </p:txBody>
+      </p:sp>
+    </p:spTree>
+    <p:extLst>
+      <p:ext uri="{BB962C8B-B14F-4D97-AF65-F5344CB8AC3E}">
+        <p14:creationId xmlns:p14="http://schemas.microsoft.com/office/powerpoint/2010/main" val="2415414456"/>
+      </p:ext>
+    </p:extLst>
+  </p:cSld>
+  <p:clrMapOvr>
+    <a:masterClrMapping/>
+  </p:clrMapOvr>
+</p:sld>
+</file>
+
+<file path=ppt/slides/slide19.xml><?xml version="1.0" encoding="utf-8"?>
+<p:sld xmlns:a="http://schemas.openxmlformats.org/drawingml/2006/main" xmlns:r="http://schemas.openxmlformats.org/officeDocument/2006/relationships" xmlns:p="http://schemas.openxmlformats.org/presentationml/2006/main">
+  <p:cSld>
+    <p:spTree>
+      <p:nvGrpSpPr>
+        <p:cNvPr id="1" name=""/>
+        <p:cNvGrpSpPr/>
+        <p:nvPr/>
+      </p:nvGrpSpPr>
+      <p:grpSpPr>
+        <a:xfrm>
+          <a:off x="0" y="0"/>
+          <a:ext cx="0" cy="0"/>
+          <a:chOff x="0" y="0"/>
+          <a:chExt cx="0" cy="0"/>
+        </a:xfrm>
+      </p:grpSpPr>
+      <p:sp>
+        <p:nvSpPr>
+          <p:cNvPr id="2" name="标题 1">
+            <a:extLst>
+              <a:ext uri="{FF2B5EF4-FFF2-40B4-BE49-F238E27FC236}">
+                <a16:creationId xmlns:a16="http://schemas.microsoft.com/office/drawing/2014/main" id="{8C511997-0293-4615-8113-EC849C5DE669}"/>
+              </a:ext>
+            </a:extLst>
+          </p:cNvPr>
+          <p:cNvSpPr>
+            <a:spLocks noGrp="1"/>
+          </p:cNvSpPr>
+          <p:nvPr>
+            <p:ph type="title"/>
+          </p:nvPr>
+        </p:nvSpPr>
+        <p:spPr/>
+        <p:txBody>
+          <a:bodyPr/>
+          <a:lstStyle/>
+          <a:p>
+            <a:pPr algn="l"/>
+            <a:r>
+              <a:rPr lang="en-US" altLang="zh-CN" b="1" dirty="0"/>
+              <a:t>G1</a:t>
+            </a:r>
+            <a:r>
+              <a:rPr lang="zh-CN" altLang="en-US" b="1" dirty="0"/>
+              <a:t>收集器</a:t>
+            </a:r>
+            <a:r>
+              <a:rPr lang="en-US" altLang="zh-CN" b="1" dirty="0"/>
+              <a:t>-</a:t>
+            </a:r>
+            <a:r>
+              <a:rPr lang="en-US" altLang="zh-CN" b="1" dirty="0" err="1"/>
+              <a:t>RSet</a:t>
+            </a:r>
+            <a:endParaRPr lang="zh-CN" altLang="en-US" dirty="0"/>
+          </a:p>
+        </p:txBody>
+      </p:sp>
+      <p:sp>
+        <p:nvSpPr>
+          <p:cNvPr id="3" name="内容占位符 2">
+            <a:extLst>
+              <a:ext uri="{FF2B5EF4-FFF2-40B4-BE49-F238E27FC236}">
+                <a16:creationId xmlns:a16="http://schemas.microsoft.com/office/drawing/2014/main" id="{6B30ED33-F707-43D0-956D-AA290177DF72}"/>
+              </a:ext>
+            </a:extLst>
+          </p:cNvPr>
+          <p:cNvSpPr>
+            <a:spLocks noGrp="1"/>
+          </p:cNvSpPr>
+          <p:nvPr>
+            <p:ph idx="1"/>
+          </p:nvPr>
+        </p:nvSpPr>
+        <p:spPr/>
+        <p:txBody>
+          <a:bodyPr/>
+          <a:lstStyle/>
+          <a:p>
+            <a:r>
+              <a:rPr lang="zh-CN" altLang="en-US" dirty="0"/>
+              <a:t>对象引用的记忆集合</a:t>
+            </a:r>
+            <a:endParaRPr lang="en-US" altLang="zh-CN" dirty="0"/>
+          </a:p>
+          <a:p>
+            <a:r>
+              <a:rPr lang="zh-CN" altLang="en-US" dirty="0"/>
+              <a:t>便于快速扫描定位存活对象</a:t>
+            </a:r>
+          </a:p>
+        </p:txBody>
+      </p:sp>
+    </p:spTree>
+    <p:extLst>
+      <p:ext uri="{BB962C8B-B14F-4D97-AF65-F5344CB8AC3E}">
+        <p14:creationId xmlns:p14="http://schemas.microsoft.com/office/powerpoint/2010/main" val="3883894175"/>
       </p:ext>
     </p:extLst>
   </p:cSld>
@@ -4115,6 +5662,401 @@
 </p:sld>
 </file>
 
+<file path=ppt/slides/slide20.xml><?xml version="1.0" encoding="utf-8"?>
+<p:sld xmlns:a="http://schemas.openxmlformats.org/drawingml/2006/main" xmlns:r="http://schemas.openxmlformats.org/officeDocument/2006/relationships" xmlns:p="http://schemas.openxmlformats.org/presentationml/2006/main">
+  <p:cSld>
+    <p:spTree>
+      <p:nvGrpSpPr>
+        <p:cNvPr id="1" name=""/>
+        <p:cNvGrpSpPr/>
+        <p:nvPr/>
+      </p:nvGrpSpPr>
+      <p:grpSpPr>
+        <a:xfrm>
+          <a:off x="0" y="0"/>
+          <a:ext cx="0" cy="0"/>
+          <a:chOff x="0" y="0"/>
+          <a:chExt cx="0" cy="0"/>
+        </a:xfrm>
+      </p:grpSpPr>
+      <p:sp>
+        <p:nvSpPr>
+          <p:cNvPr id="2" name="标题 1">
+            <a:extLst>
+              <a:ext uri="{FF2B5EF4-FFF2-40B4-BE49-F238E27FC236}">
+                <a16:creationId xmlns:a16="http://schemas.microsoft.com/office/drawing/2014/main" id="{FDF6F3FD-CD9B-47E1-B3C8-1C7BFD4B5D8B}"/>
+              </a:ext>
+            </a:extLst>
+          </p:cNvPr>
+          <p:cNvSpPr>
+            <a:spLocks noGrp="1"/>
+          </p:cNvSpPr>
+          <p:nvPr>
+            <p:ph type="title"/>
+          </p:nvPr>
+        </p:nvSpPr>
+        <p:spPr/>
+        <p:txBody>
+          <a:bodyPr/>
+          <a:lstStyle/>
+          <a:p>
+            <a:pPr algn="l"/>
+            <a:r>
+              <a:rPr lang="en-US" altLang="zh-CN" b="1" dirty="0"/>
+              <a:t>G1</a:t>
+            </a:r>
+            <a:r>
+              <a:rPr lang="zh-CN" altLang="en-US" b="1" dirty="0"/>
+              <a:t>收集器</a:t>
+            </a:r>
+            <a:r>
+              <a:rPr lang="en-US" altLang="zh-CN" b="1" dirty="0"/>
+              <a:t>-</a:t>
+            </a:r>
+            <a:r>
+              <a:rPr lang="en-US" altLang="zh-CN" b="1" dirty="0" err="1"/>
+              <a:t>CSet</a:t>
+            </a:r>
+            <a:endParaRPr lang="zh-CN" altLang="en-US" dirty="0"/>
+          </a:p>
+        </p:txBody>
+      </p:sp>
+      <p:sp>
+        <p:nvSpPr>
+          <p:cNvPr id="3" name="内容占位符 2">
+            <a:extLst>
+              <a:ext uri="{FF2B5EF4-FFF2-40B4-BE49-F238E27FC236}">
+                <a16:creationId xmlns:a16="http://schemas.microsoft.com/office/drawing/2014/main" id="{32D35116-6FE5-4A81-AD2D-079BBD102AFD}"/>
+              </a:ext>
+            </a:extLst>
+          </p:cNvPr>
+          <p:cNvSpPr>
+            <a:spLocks noGrp="1"/>
+          </p:cNvSpPr>
+          <p:nvPr>
+            <p:ph idx="1"/>
+          </p:nvPr>
+        </p:nvSpPr>
+        <p:spPr/>
+        <p:txBody>
+          <a:bodyPr/>
+          <a:lstStyle/>
+          <a:p>
+            <a:r>
+              <a:rPr lang="zh-CN" altLang="en-US" dirty="0"/>
+              <a:t>收集集合</a:t>
+            </a:r>
+          </a:p>
+        </p:txBody>
+      </p:sp>
+      <p:pic>
+        <p:nvPicPr>
+          <p:cNvPr id="7" name="图片 6">
+            <a:extLst>
+              <a:ext uri="{FF2B5EF4-FFF2-40B4-BE49-F238E27FC236}">
+                <a16:creationId xmlns:a16="http://schemas.microsoft.com/office/drawing/2014/main" id="{64DF75A3-DC77-44C5-BDB5-455004991A3E}"/>
+              </a:ext>
+            </a:extLst>
+          </p:cNvPr>
+          <p:cNvPicPr>
+            <a:picLocks noChangeAspect="1"/>
+          </p:cNvPicPr>
+          <p:nvPr/>
+        </p:nvPicPr>
+        <p:blipFill>
+          <a:blip r:embed="rId2">
+            <a:extLst>
+              <a:ext uri="{28A0092B-C50C-407E-A947-70E740481C1C}">
+                <a14:useLocalDpi xmlns:a14="http://schemas.microsoft.com/office/drawing/2010/main" val="0"/>
+              </a:ext>
+            </a:extLst>
+          </a:blip>
+          <a:stretch>
+            <a:fillRect/>
+          </a:stretch>
+        </p:blipFill>
+        <p:spPr>
+          <a:xfrm>
+            <a:off x="1143000" y="2438400"/>
+            <a:ext cx="4389500" cy="3238781"/>
+          </a:xfrm>
+          <a:prstGeom prst="rect">
+            <a:avLst/>
+          </a:prstGeom>
+        </p:spPr>
+      </p:pic>
+    </p:spTree>
+    <p:extLst>
+      <p:ext uri="{BB962C8B-B14F-4D97-AF65-F5344CB8AC3E}">
+        <p14:creationId xmlns:p14="http://schemas.microsoft.com/office/powerpoint/2010/main" val="3377401321"/>
+      </p:ext>
+    </p:extLst>
+  </p:cSld>
+  <p:clrMapOvr>
+    <a:masterClrMapping/>
+  </p:clrMapOvr>
+</p:sld>
+</file>
+
+<file path=ppt/slides/slide21.xml><?xml version="1.0" encoding="utf-8"?>
+<p:sld xmlns:a="http://schemas.openxmlformats.org/drawingml/2006/main" xmlns:r="http://schemas.openxmlformats.org/officeDocument/2006/relationships" xmlns:p="http://schemas.openxmlformats.org/presentationml/2006/main">
+  <p:cSld>
+    <p:spTree>
+      <p:nvGrpSpPr>
+        <p:cNvPr id="1" name=""/>
+        <p:cNvGrpSpPr/>
+        <p:nvPr/>
+      </p:nvGrpSpPr>
+      <p:grpSpPr>
+        <a:xfrm>
+          <a:off x="0" y="0"/>
+          <a:ext cx="0" cy="0"/>
+          <a:chOff x="0" y="0"/>
+          <a:chExt cx="0" cy="0"/>
+        </a:xfrm>
+      </p:grpSpPr>
+      <p:sp>
+        <p:nvSpPr>
+          <p:cNvPr id="2" name="标题 1">
+            <a:extLst>
+              <a:ext uri="{FF2B5EF4-FFF2-40B4-BE49-F238E27FC236}">
+                <a16:creationId xmlns:a16="http://schemas.microsoft.com/office/drawing/2014/main" id="{824BFFBD-BF3F-4C61-BAF2-1FD115B334F5}"/>
+              </a:ext>
+            </a:extLst>
+          </p:cNvPr>
+          <p:cNvSpPr>
+            <a:spLocks noGrp="1"/>
+          </p:cNvSpPr>
+          <p:nvPr>
+            <p:ph type="title"/>
+          </p:nvPr>
+        </p:nvSpPr>
+        <p:spPr/>
+        <p:txBody>
+          <a:bodyPr/>
+          <a:lstStyle/>
+          <a:p>
+            <a:pPr algn="l"/>
+            <a:r>
+              <a:rPr lang="en-US" altLang="zh-CN" b="1" dirty="0"/>
+              <a:t>G1</a:t>
+            </a:r>
+            <a:r>
+              <a:rPr lang="zh-CN" altLang="en-US" b="1" dirty="0"/>
+              <a:t>收集器</a:t>
+            </a:r>
+            <a:r>
+              <a:rPr lang="en-US" altLang="zh-CN" b="1" dirty="0"/>
+              <a:t>-</a:t>
+            </a:r>
+            <a:r>
+              <a:rPr lang="zh-CN" altLang="en-US" b="1" dirty="0"/>
+              <a:t>收集过程</a:t>
+            </a:r>
+            <a:endParaRPr lang="zh-CN" altLang="en-US" dirty="0"/>
+          </a:p>
+        </p:txBody>
+      </p:sp>
+      <p:sp>
+        <p:nvSpPr>
+          <p:cNvPr id="3" name="内容占位符 2">
+            <a:extLst>
+              <a:ext uri="{FF2B5EF4-FFF2-40B4-BE49-F238E27FC236}">
+                <a16:creationId xmlns:a16="http://schemas.microsoft.com/office/drawing/2014/main" id="{67CDA350-2B7B-40BB-B7F9-BB7830F4CA79}"/>
+              </a:ext>
+            </a:extLst>
+          </p:cNvPr>
+          <p:cNvSpPr>
+            <a:spLocks noGrp="1"/>
+          </p:cNvSpPr>
+          <p:nvPr>
+            <p:ph idx="1"/>
+          </p:nvPr>
+        </p:nvSpPr>
+        <p:spPr/>
+        <p:txBody>
+          <a:bodyPr/>
+          <a:lstStyle/>
+          <a:p>
+            <a:r>
+              <a:rPr lang="en-US" altLang="zh-CN" dirty="0"/>
+              <a:t>-</a:t>
+            </a:r>
+            <a:r>
+              <a:rPr lang="en-US" altLang="zh-CN" dirty="0" err="1"/>
+              <a:t>XX:MaxGCPauseMillis</a:t>
+            </a:r>
+            <a:endParaRPr lang="en-US" altLang="zh-CN" dirty="0"/>
+          </a:p>
+          <a:p>
+            <a:endParaRPr lang="zh-CN" altLang="en-US" dirty="0"/>
+          </a:p>
+        </p:txBody>
+      </p:sp>
+      <p:pic>
+        <p:nvPicPr>
+          <p:cNvPr id="5" name="图片 4">
+            <a:extLst>
+              <a:ext uri="{FF2B5EF4-FFF2-40B4-BE49-F238E27FC236}">
+                <a16:creationId xmlns:a16="http://schemas.microsoft.com/office/drawing/2014/main" id="{03AA2CB2-ECE9-46DB-80CB-F2A58E87DEF5}"/>
+              </a:ext>
+            </a:extLst>
+          </p:cNvPr>
+          <p:cNvPicPr>
+            <a:picLocks noChangeAspect="1"/>
+          </p:cNvPicPr>
+          <p:nvPr/>
+        </p:nvPicPr>
+        <p:blipFill>
+          <a:blip r:embed="rId2">
+            <a:extLst>
+              <a:ext uri="{28A0092B-C50C-407E-A947-70E740481C1C}">
+                <a14:useLocalDpi xmlns:a14="http://schemas.microsoft.com/office/drawing/2010/main" val="0"/>
+              </a:ext>
+            </a:extLst>
+          </a:blip>
+          <a:stretch>
+            <a:fillRect/>
+          </a:stretch>
+        </p:blipFill>
+        <p:spPr>
+          <a:xfrm>
+            <a:off x="329227" y="3200400"/>
+            <a:ext cx="8485545" cy="1828800"/>
+          </a:xfrm>
+          <a:prstGeom prst="rect">
+            <a:avLst/>
+          </a:prstGeom>
+        </p:spPr>
+      </p:pic>
+    </p:spTree>
+    <p:extLst>
+      <p:ext uri="{BB962C8B-B14F-4D97-AF65-F5344CB8AC3E}">
+        <p14:creationId xmlns:p14="http://schemas.microsoft.com/office/powerpoint/2010/main" val="2353165220"/>
+      </p:ext>
+    </p:extLst>
+  </p:cSld>
+  <p:clrMapOvr>
+    <a:masterClrMapping/>
+  </p:clrMapOvr>
+</p:sld>
+</file>
+
+<file path=ppt/slides/slide22.xml><?xml version="1.0" encoding="utf-8"?>
+<p:sld xmlns:a="http://schemas.openxmlformats.org/drawingml/2006/main" xmlns:r="http://schemas.openxmlformats.org/officeDocument/2006/relationships" xmlns:p="http://schemas.openxmlformats.org/presentationml/2006/main">
+  <p:cSld>
+    <p:spTree>
+      <p:nvGrpSpPr>
+        <p:cNvPr id="1" name=""/>
+        <p:cNvGrpSpPr/>
+        <p:nvPr/>
+      </p:nvGrpSpPr>
+      <p:grpSpPr>
+        <a:xfrm>
+          <a:off x="0" y="0"/>
+          <a:ext cx="0" cy="0"/>
+          <a:chOff x="0" y="0"/>
+          <a:chExt cx="0" cy="0"/>
+        </a:xfrm>
+      </p:grpSpPr>
+      <p:sp>
+        <p:nvSpPr>
+          <p:cNvPr id="4" name="矩形 3">
+            <a:extLst>
+              <a:ext uri="{FF2B5EF4-FFF2-40B4-BE49-F238E27FC236}">
+                <a16:creationId xmlns:a16="http://schemas.microsoft.com/office/drawing/2014/main" id="{AEE1DA9F-D225-4332-8994-DB2E39000712}"/>
+              </a:ext>
+            </a:extLst>
+          </p:cNvPr>
+          <p:cNvSpPr/>
+          <p:nvPr/>
+        </p:nvSpPr>
+        <p:spPr>
+          <a:xfrm>
+            <a:off x="1653903" y="2967335"/>
+            <a:ext cx="5836193" cy="923330"/>
+          </a:xfrm>
+          <a:prstGeom prst="rect">
+            <a:avLst/>
+          </a:prstGeom>
+          <a:noFill/>
+        </p:spPr>
+        <p:txBody>
+          <a:bodyPr wrap="square" lIns="91440" tIns="45720" rIns="91440" bIns="45720">
+            <a:spAutoFit/>
+          </a:bodyPr>
+          <a:lstStyle/>
+          <a:p>
+            <a:pPr algn="ctr"/>
+            <a:r>
+              <a:rPr lang="en-US" altLang="zh-CN" sz="5400" b="0" cap="none" spc="0" dirty="0">
+                <a:ln w="0"/>
+                <a:gradFill>
+                  <a:gsLst>
+                    <a:gs pos="0">
+                      <a:schemeClr val="accent5">
+                        <a:lumMod val="50000"/>
+                      </a:schemeClr>
+                    </a:gs>
+                    <a:gs pos="50000">
+                      <a:schemeClr val="accent5"/>
+                    </a:gs>
+                    <a:gs pos="100000">
+                      <a:schemeClr val="accent5">
+                        <a:lumMod val="60000"/>
+                        <a:lumOff val="40000"/>
+                      </a:schemeClr>
+                    </a:gs>
+                  </a:gsLst>
+                  <a:lin ang="5400000"/>
+                </a:gradFill>
+                <a:effectLst>
+                  <a:reflection blurRad="6350" stA="53000" endA="300" endPos="35500" dir="5400000" sy="-90000" algn="bl" rotWithShape="0"/>
+                </a:effectLst>
+              </a:rPr>
+              <a:t>Thanks</a:t>
+            </a:r>
+            <a:endParaRPr lang="zh-CN" altLang="en-US" sz="5400" b="0" cap="none" spc="0" dirty="0">
+              <a:ln w="0"/>
+              <a:gradFill>
+                <a:gsLst>
+                  <a:gs pos="0">
+                    <a:schemeClr val="accent5">
+                      <a:lumMod val="50000"/>
+                    </a:schemeClr>
+                  </a:gs>
+                  <a:gs pos="50000">
+                    <a:schemeClr val="accent5"/>
+                  </a:gs>
+                  <a:gs pos="100000">
+                    <a:schemeClr val="accent5">
+                      <a:lumMod val="60000"/>
+                      <a:lumOff val="40000"/>
+                    </a:schemeClr>
+                  </a:gs>
+                </a:gsLst>
+                <a:lin ang="5400000"/>
+              </a:gradFill>
+              <a:effectLst>
+                <a:reflection blurRad="6350" stA="53000" endA="300" endPos="35500" dir="5400000" sy="-90000" algn="bl" rotWithShape="0"/>
+              </a:effectLst>
+            </a:endParaRPr>
+          </a:p>
+        </p:txBody>
+      </p:sp>
+    </p:spTree>
+    <p:extLst>
+      <p:ext uri="{BB962C8B-B14F-4D97-AF65-F5344CB8AC3E}">
+        <p14:creationId xmlns:p14="http://schemas.microsoft.com/office/powerpoint/2010/main" val="2565851004"/>
+      </p:ext>
+    </p:extLst>
+  </p:cSld>
+  <p:clrMapOvr>
+    <a:masterClrMapping/>
+  </p:clrMapOvr>
+</p:sld>
+</file>
+
 <file path=ppt/slides/slide3.xml><?xml version="1.0" encoding="utf-8"?>
 <p:sld xmlns:a="http://schemas.openxmlformats.org/drawingml/2006/main" xmlns:r="http://schemas.openxmlformats.org/officeDocument/2006/relationships" xmlns:p="http://schemas.openxmlformats.org/presentationml/2006/main">
   <p:cSld>
@@ -4404,12 +6346,21 @@
             </a:pPr>
             <a:r>
               <a:rPr lang="en-US" altLang="zh-CN" b="1" dirty="0"/>
-              <a:t>	CMS</a:t>
-            </a:r>
-            <a:r>
-              <a:rPr lang="zh-CN" altLang="en-US" b="1" dirty="0"/>
+              <a:t>	</a:t>
+            </a:r>
+            <a:r>
+              <a:rPr lang="en-US" altLang="zh-CN" b="1" dirty="0">
+                <a:hlinkClick r:id="rId7" action="ppaction://hlinksldjump"/>
+              </a:rPr>
+              <a:t>CMS</a:t>
+            </a:r>
+            <a:r>
+              <a:rPr lang="zh-CN" altLang="en-US" b="1" dirty="0">
+                <a:hlinkClick r:id="rId7" action="ppaction://hlinksldjump"/>
+              </a:rPr>
               <a:t>收集器</a:t>
             </a:r>
+            <a:endParaRPr lang="zh-CN" altLang="en-US" b="1" dirty="0"/>
           </a:p>
           <a:p>
             <a:endParaRPr lang="en-US" altLang="zh-CN" dirty="0"/>

--- a/aboutGC/src/files/GC.pptx
+++ b/aboutGC/src/files/GC.pptx
@@ -127,7 +127,7 @@
   </p:defaultTextStyle>
   <p:extLst>
     <p:ext uri="{EFAFB233-063F-42B5-8137-9DF3F51BA10A}">
-      <p15:sldGuideLst xmlns:p15="http://schemas.microsoft.com/office/powerpoint/2012/main">
+      <p15:sldGuideLst xmlns="" xmlns:p15="http://schemas.microsoft.com/office/powerpoint/2012/main">
         <p15:guide id="1" orient="horz" pos="2160">
           <p15:clr>
             <a:srgbClr val="A4A3A4"/>
@@ -324,7 +324,7 @@
             <a:fld id="{1D8BD707-D9CF-40AE-B4C6-C98DA3205C09}" type="datetimeFigureOut">
               <a:rPr lang="en-US" smtClean="0"/>
               <a:pPr/>
-              <a:t>8/29/2018</a:t>
+              <a:t>9/18/2018</a:t>
             </a:fld>
             <a:endParaRPr lang="en-US"/>
           </a:p>
@@ -489,7 +489,7 @@
             <a:fld id="{1D8BD707-D9CF-40AE-B4C6-C98DA3205C09}" type="datetimeFigureOut">
               <a:rPr lang="en-US" smtClean="0"/>
               <a:pPr/>
-              <a:t>8/29/2018</a:t>
+              <a:t>9/18/2018</a:t>
             </a:fld>
             <a:endParaRPr lang="en-US"/>
           </a:p>
@@ -664,7 +664,7 @@
             <a:fld id="{1D8BD707-D9CF-40AE-B4C6-C98DA3205C09}" type="datetimeFigureOut">
               <a:rPr lang="en-US" smtClean="0"/>
               <a:pPr/>
-              <a:t>8/29/2018</a:t>
+              <a:t>9/18/2018</a:t>
             </a:fld>
             <a:endParaRPr lang="en-US"/>
           </a:p>
@@ -829,7 +829,7 @@
             <a:fld id="{1D8BD707-D9CF-40AE-B4C6-C98DA3205C09}" type="datetimeFigureOut">
               <a:rPr lang="en-US" smtClean="0"/>
               <a:pPr/>
-              <a:t>8/29/2018</a:t>
+              <a:t>9/18/2018</a:t>
             </a:fld>
             <a:endParaRPr lang="en-US"/>
           </a:p>
@@ -1071,7 +1071,7 @@
             <a:fld id="{1D8BD707-D9CF-40AE-B4C6-C98DA3205C09}" type="datetimeFigureOut">
               <a:rPr lang="en-US" smtClean="0"/>
               <a:pPr/>
-              <a:t>8/29/2018</a:t>
+              <a:t>9/18/2018</a:t>
             </a:fld>
             <a:endParaRPr lang="en-US"/>
           </a:p>
@@ -1353,7 +1353,7 @@
             <a:fld id="{1D8BD707-D9CF-40AE-B4C6-C98DA3205C09}" type="datetimeFigureOut">
               <a:rPr lang="en-US" smtClean="0"/>
               <a:pPr/>
-              <a:t>8/29/2018</a:t>
+              <a:t>9/18/2018</a:t>
             </a:fld>
             <a:endParaRPr lang="en-US"/>
           </a:p>
@@ -1769,7 +1769,7 @@
             <a:fld id="{1D8BD707-D9CF-40AE-B4C6-C98DA3205C09}" type="datetimeFigureOut">
               <a:rPr lang="en-US" smtClean="0"/>
               <a:pPr/>
-              <a:t>8/29/2018</a:t>
+              <a:t>9/18/2018</a:t>
             </a:fld>
             <a:endParaRPr lang="en-US"/>
           </a:p>
@@ -1883,7 +1883,7 @@
             <a:fld id="{1D8BD707-D9CF-40AE-B4C6-C98DA3205C09}" type="datetimeFigureOut">
               <a:rPr lang="en-US" smtClean="0"/>
               <a:pPr/>
-              <a:t>8/29/2018</a:t>
+              <a:t>9/18/2018</a:t>
             </a:fld>
             <a:endParaRPr lang="en-US"/>
           </a:p>
@@ -1975,7 +1975,7 @@
             <a:fld id="{1D8BD707-D9CF-40AE-B4C6-C98DA3205C09}" type="datetimeFigureOut">
               <a:rPr lang="en-US" smtClean="0"/>
               <a:pPr/>
-              <a:t>8/29/2018</a:t>
+              <a:t>9/18/2018</a:t>
             </a:fld>
             <a:endParaRPr lang="en-US"/>
           </a:p>
@@ -2247,7 +2247,7 @@
             <a:fld id="{1D8BD707-D9CF-40AE-B4C6-C98DA3205C09}" type="datetimeFigureOut">
               <a:rPr lang="en-US" smtClean="0"/>
               <a:pPr/>
-              <a:t>8/29/2018</a:t>
+              <a:t>9/18/2018</a:t>
             </a:fld>
             <a:endParaRPr lang="en-US"/>
           </a:p>
@@ -2496,7 +2496,7 @@
             <a:fld id="{1D8BD707-D9CF-40AE-B4C6-C98DA3205C09}" type="datetimeFigureOut">
               <a:rPr lang="en-US" smtClean="0"/>
               <a:pPr/>
-              <a:t>8/29/2018</a:t>
+              <a:t>9/18/2018</a:t>
             </a:fld>
             <a:endParaRPr lang="en-US"/>
           </a:p>
@@ -2728,7 +2728,7 @@
             <a:fld id="{1D8BD707-D9CF-40AE-B4C6-C98DA3205C09}" type="datetimeFigureOut">
               <a:rPr lang="en-US" smtClean="0"/>
               <a:pPr/>
-              <a:t>8/29/2018</a:t>
+              <a:t>9/18/2018</a:t>
             </a:fld>
             <a:endParaRPr lang="en-US"/>
           </a:p>
@@ -3115,13 +3115,10 @@
           <a:lstStyle/>
           <a:p>
             <a:r>
-              <a:rPr lang="en-US" altLang="zh-CN" dirty="0"/>
+              <a:rPr lang="en-US" altLang="zh-CN" smtClean="0"/>
               <a:t>JVM</a:t>
             </a:r>
-            <a:r>
-              <a:rPr lang="zh-CN" altLang="en-US" dirty="0"/>
-              <a:t>之</a:t>
-            </a:r>
+            <a:endParaRPr lang="zh-CN" altLang="en-US" dirty="0"/>
           </a:p>
         </p:txBody>
       </p:sp>
@@ -3152,6 +3149,13 @@
   <p:clrMapOvr>
     <a:masterClrMapping/>
   </p:clrMapOvr>
+  <p:timing>
+    <p:tnLst>
+      <p:par>
+        <p:cTn id="1" dur="indefinite" restart="never" nodeType="tmRoot"/>
+      </p:par>
+    </p:tnLst>
+  </p:timing>
 </p:sld>
 </file>
 
@@ -3177,7 +3181,7 @@
           <p:cNvPr id="2" name="标题 1">
             <a:extLst>
               <a:ext uri="{FF2B5EF4-FFF2-40B4-BE49-F238E27FC236}">
-                <a16:creationId xmlns:a16="http://schemas.microsoft.com/office/drawing/2014/main" id="{966D96AB-6425-435D-BB04-A364B0892657}"/>
+                <a16:creationId xmlns="" xmlns:a16="http://schemas.microsoft.com/office/drawing/2014/main" id="{966D96AB-6425-435D-BB04-A364B0892657}"/>
               </a:ext>
             </a:extLst>
           </p:cNvPr>
@@ -3213,7 +3217,7 @@
           <p:cNvPr id="3" name="内容占位符 2">
             <a:extLst>
               <a:ext uri="{FF2B5EF4-FFF2-40B4-BE49-F238E27FC236}">
-                <a16:creationId xmlns:a16="http://schemas.microsoft.com/office/drawing/2014/main" id="{A3EBCC99-C444-4CAD-9859-B51B67A2977D}"/>
+                <a16:creationId xmlns="" xmlns:a16="http://schemas.microsoft.com/office/drawing/2014/main" id="{A3EBCC99-C444-4CAD-9859-B51B67A2977D}"/>
               </a:ext>
             </a:extLst>
           </p:cNvPr>
@@ -3289,7 +3293,7 @@
           <p:cNvPr id="5" name="图片 4">
             <a:extLst>
               <a:ext uri="{FF2B5EF4-FFF2-40B4-BE49-F238E27FC236}">
-                <a16:creationId xmlns:a16="http://schemas.microsoft.com/office/drawing/2014/main" id="{ECE47001-CBAF-4EE4-B6B3-A8841664156C}"/>
+                <a16:creationId xmlns="" xmlns:a16="http://schemas.microsoft.com/office/drawing/2014/main" id="{ECE47001-CBAF-4EE4-B6B3-A8841664156C}"/>
               </a:ext>
             </a:extLst>
           </p:cNvPr>
@@ -3299,10 +3303,10 @@
           <p:nvPr/>
         </p:nvPicPr>
         <p:blipFill>
-          <a:blip r:embed="rId2">
+          <a:blip r:embed="rId2" cstate="print">
             <a:extLst>
               <a:ext uri="{28A0092B-C50C-407E-A947-70E740481C1C}">
-                <a14:useLocalDpi xmlns:a14="http://schemas.microsoft.com/office/drawing/2010/main" val="0"/>
+                <a14:useLocalDpi xmlns="" xmlns:a14="http://schemas.microsoft.com/office/drawing/2010/main" val="0"/>
               </a:ext>
             </a:extLst>
           </a:blip>
@@ -3326,7 +3330,7 @@
             <a:hlinkClick r:id="rId3" action="ppaction://hlinksldjump"/>
             <a:extLst>
               <a:ext uri="{FF2B5EF4-FFF2-40B4-BE49-F238E27FC236}">
-                <a16:creationId xmlns:a16="http://schemas.microsoft.com/office/drawing/2014/main" id="{26058217-30C0-4D5C-A4C2-12FAC3837631}"/>
+                <a16:creationId xmlns="" xmlns:a16="http://schemas.microsoft.com/office/drawing/2014/main" id="{26058217-30C0-4D5C-A4C2-12FAC3837631}"/>
               </a:ext>
             </a:extLst>
           </p:cNvPr>
@@ -3370,13 +3374,340 @@
     </p:spTree>
     <p:extLst>
       <p:ext uri="{BB962C8B-B14F-4D97-AF65-F5344CB8AC3E}">
-        <p14:creationId xmlns:p14="http://schemas.microsoft.com/office/powerpoint/2010/main" val="560909710"/>
+        <p14:creationId xmlns="" xmlns:p14="http://schemas.microsoft.com/office/powerpoint/2010/main" val="560909710"/>
       </p:ext>
     </p:extLst>
   </p:cSld>
   <p:clrMapOvr>
     <a:masterClrMapping/>
   </p:clrMapOvr>
+  <p:timing>
+    <p:tnLst>
+      <p:par>
+        <p:cTn id="1" dur="indefinite" restart="never" nodeType="tmRoot">
+          <p:childTnLst>
+            <p:seq concurrent="1" nextAc="seek">
+              <p:cTn id="2" dur="indefinite" nodeType="mainSeq">
+                <p:childTnLst>
+                  <p:par>
+                    <p:cTn id="3" fill="hold">
+                      <p:stCondLst>
+                        <p:cond delay="indefinite"/>
+                      </p:stCondLst>
+                      <p:childTnLst>
+                        <p:par>
+                          <p:cTn id="4" fill="hold">
+                            <p:stCondLst>
+                              <p:cond delay="0"/>
+                            </p:stCondLst>
+                            <p:childTnLst>
+                              <p:par>
+                                <p:cTn id="5" presetID="4" presetClass="entr" presetSubtype="16" fill="hold" nodeType="clickEffect">
+                                  <p:stCondLst>
+                                    <p:cond delay="0"/>
+                                  </p:stCondLst>
+                                  <p:childTnLst>
+                                    <p:set>
+                                      <p:cBhvr>
+                                        <p:cTn id="6" dur="1" fill="hold">
+                                          <p:stCondLst>
+                                            <p:cond delay="0"/>
+                                          </p:stCondLst>
+                                        </p:cTn>
+                                        <p:tgtEl>
+                                          <p:spTgt spid="5"/>
+                                        </p:tgtEl>
+                                        <p:attrNameLst>
+                                          <p:attrName>style.visibility</p:attrName>
+                                        </p:attrNameLst>
+                                      </p:cBhvr>
+                                      <p:to>
+                                        <p:strVal val="visible"/>
+                                      </p:to>
+                                    </p:set>
+                                    <p:animEffect transition="in" filter="box(in)">
+                                      <p:cBhvr>
+                                        <p:cTn id="7" dur="500"/>
+                                        <p:tgtEl>
+                                          <p:spTgt spid="5"/>
+                                        </p:tgtEl>
+                                      </p:cBhvr>
+                                    </p:animEffect>
+                                  </p:childTnLst>
+                                </p:cTn>
+                              </p:par>
+                            </p:childTnLst>
+                          </p:cTn>
+                        </p:par>
+                      </p:childTnLst>
+                    </p:cTn>
+                  </p:par>
+                  <p:par>
+                    <p:cTn id="8" fill="hold">
+                      <p:stCondLst>
+                        <p:cond delay="indefinite"/>
+                      </p:stCondLst>
+                      <p:childTnLst>
+                        <p:par>
+                          <p:cTn id="9" fill="hold">
+                            <p:stCondLst>
+                              <p:cond delay="0"/>
+                            </p:stCondLst>
+                            <p:childTnLst>
+                              <p:par>
+                                <p:cTn id="10" presetID="3" presetClass="entr" presetSubtype="10" fill="hold" nodeType="clickEffect">
+                                  <p:stCondLst>
+                                    <p:cond delay="0"/>
+                                  </p:stCondLst>
+                                  <p:childTnLst>
+                                    <p:set>
+                                      <p:cBhvr>
+                                        <p:cTn id="11" dur="1" fill="hold">
+                                          <p:stCondLst>
+                                            <p:cond delay="0"/>
+                                          </p:stCondLst>
+                                        </p:cTn>
+                                        <p:tgtEl>
+                                          <p:spTgt spid="3">
+                                            <p:txEl>
+                                              <p:pRg st="0" end="0"/>
+                                            </p:txEl>
+                                          </p:spTgt>
+                                        </p:tgtEl>
+                                        <p:attrNameLst>
+                                          <p:attrName>style.visibility</p:attrName>
+                                        </p:attrNameLst>
+                                      </p:cBhvr>
+                                      <p:to>
+                                        <p:strVal val="visible"/>
+                                      </p:to>
+                                    </p:set>
+                                    <p:animEffect transition="in" filter="blinds(horizontal)">
+                                      <p:cBhvr>
+                                        <p:cTn id="12" dur="500"/>
+                                        <p:tgtEl>
+                                          <p:spTgt spid="3">
+                                            <p:txEl>
+                                              <p:pRg st="0" end="0"/>
+                                            </p:txEl>
+                                          </p:spTgt>
+                                        </p:tgtEl>
+                                      </p:cBhvr>
+                                    </p:animEffect>
+                                  </p:childTnLst>
+                                </p:cTn>
+                              </p:par>
+                            </p:childTnLst>
+                          </p:cTn>
+                        </p:par>
+                      </p:childTnLst>
+                    </p:cTn>
+                  </p:par>
+                  <p:par>
+                    <p:cTn id="13" fill="hold">
+                      <p:stCondLst>
+                        <p:cond delay="indefinite"/>
+                      </p:stCondLst>
+                      <p:childTnLst>
+                        <p:par>
+                          <p:cTn id="14" fill="hold">
+                            <p:stCondLst>
+                              <p:cond delay="0"/>
+                            </p:stCondLst>
+                            <p:childTnLst>
+                              <p:par>
+                                <p:cTn id="15" presetID="3" presetClass="entr" presetSubtype="10" fill="hold" nodeType="clickEffect">
+                                  <p:stCondLst>
+                                    <p:cond delay="0"/>
+                                  </p:stCondLst>
+                                  <p:childTnLst>
+                                    <p:set>
+                                      <p:cBhvr>
+                                        <p:cTn id="16" dur="1" fill="hold">
+                                          <p:stCondLst>
+                                            <p:cond delay="0"/>
+                                          </p:stCondLst>
+                                        </p:cTn>
+                                        <p:tgtEl>
+                                          <p:spTgt spid="3">
+                                            <p:txEl>
+                                              <p:pRg st="1" end="1"/>
+                                            </p:txEl>
+                                          </p:spTgt>
+                                        </p:tgtEl>
+                                        <p:attrNameLst>
+                                          <p:attrName>style.visibility</p:attrName>
+                                        </p:attrNameLst>
+                                      </p:cBhvr>
+                                      <p:to>
+                                        <p:strVal val="visible"/>
+                                      </p:to>
+                                    </p:set>
+                                    <p:animEffect transition="in" filter="blinds(horizontal)">
+                                      <p:cBhvr>
+                                        <p:cTn id="17" dur="500"/>
+                                        <p:tgtEl>
+                                          <p:spTgt spid="3">
+                                            <p:txEl>
+                                              <p:pRg st="1" end="1"/>
+                                            </p:txEl>
+                                          </p:spTgt>
+                                        </p:tgtEl>
+                                      </p:cBhvr>
+                                    </p:animEffect>
+                                  </p:childTnLst>
+                                </p:cTn>
+                              </p:par>
+                            </p:childTnLst>
+                          </p:cTn>
+                        </p:par>
+                      </p:childTnLst>
+                    </p:cTn>
+                  </p:par>
+                  <p:par>
+                    <p:cTn id="18" fill="hold">
+                      <p:stCondLst>
+                        <p:cond delay="indefinite"/>
+                      </p:stCondLst>
+                      <p:childTnLst>
+                        <p:par>
+                          <p:cTn id="19" fill="hold">
+                            <p:stCondLst>
+                              <p:cond delay="0"/>
+                            </p:stCondLst>
+                            <p:childTnLst>
+                              <p:par>
+                                <p:cTn id="20" presetID="3" presetClass="entr" presetSubtype="10" fill="hold" nodeType="clickEffect">
+                                  <p:stCondLst>
+                                    <p:cond delay="0"/>
+                                  </p:stCondLst>
+                                  <p:childTnLst>
+                                    <p:set>
+                                      <p:cBhvr>
+                                        <p:cTn id="21" dur="1" fill="hold">
+                                          <p:stCondLst>
+                                            <p:cond delay="0"/>
+                                          </p:stCondLst>
+                                        </p:cTn>
+                                        <p:tgtEl>
+                                          <p:spTgt spid="3">
+                                            <p:txEl>
+                                              <p:pRg st="2" end="2"/>
+                                            </p:txEl>
+                                          </p:spTgt>
+                                        </p:tgtEl>
+                                        <p:attrNameLst>
+                                          <p:attrName>style.visibility</p:attrName>
+                                        </p:attrNameLst>
+                                      </p:cBhvr>
+                                      <p:to>
+                                        <p:strVal val="visible"/>
+                                      </p:to>
+                                    </p:set>
+                                    <p:animEffect transition="in" filter="blinds(horizontal)">
+                                      <p:cBhvr>
+                                        <p:cTn id="22" dur="500"/>
+                                        <p:tgtEl>
+                                          <p:spTgt spid="3">
+                                            <p:txEl>
+                                              <p:pRg st="2" end="2"/>
+                                            </p:txEl>
+                                          </p:spTgt>
+                                        </p:tgtEl>
+                                      </p:cBhvr>
+                                    </p:animEffect>
+                                  </p:childTnLst>
+                                </p:cTn>
+                              </p:par>
+                            </p:childTnLst>
+                          </p:cTn>
+                        </p:par>
+                      </p:childTnLst>
+                    </p:cTn>
+                  </p:par>
+                  <p:par>
+                    <p:cTn id="23" fill="hold">
+                      <p:stCondLst>
+                        <p:cond delay="indefinite"/>
+                      </p:stCondLst>
+                      <p:childTnLst>
+                        <p:par>
+                          <p:cTn id="24" fill="hold">
+                            <p:stCondLst>
+                              <p:cond delay="0"/>
+                            </p:stCondLst>
+                            <p:childTnLst>
+                              <p:par>
+                                <p:cTn id="25" presetID="3" presetClass="entr" presetSubtype="10" fill="hold" nodeType="clickEffect">
+                                  <p:stCondLst>
+                                    <p:cond delay="0"/>
+                                  </p:stCondLst>
+                                  <p:childTnLst>
+                                    <p:set>
+                                      <p:cBhvr>
+                                        <p:cTn id="26" dur="1" fill="hold">
+                                          <p:stCondLst>
+                                            <p:cond delay="0"/>
+                                          </p:stCondLst>
+                                        </p:cTn>
+                                        <p:tgtEl>
+                                          <p:spTgt spid="3">
+                                            <p:txEl>
+                                              <p:pRg st="3" end="3"/>
+                                            </p:txEl>
+                                          </p:spTgt>
+                                        </p:tgtEl>
+                                        <p:attrNameLst>
+                                          <p:attrName>style.visibility</p:attrName>
+                                        </p:attrNameLst>
+                                      </p:cBhvr>
+                                      <p:to>
+                                        <p:strVal val="visible"/>
+                                      </p:to>
+                                    </p:set>
+                                    <p:animEffect transition="in" filter="blinds(horizontal)">
+                                      <p:cBhvr>
+                                        <p:cTn id="27" dur="500"/>
+                                        <p:tgtEl>
+                                          <p:spTgt spid="3">
+                                            <p:txEl>
+                                              <p:pRg st="3" end="3"/>
+                                            </p:txEl>
+                                          </p:spTgt>
+                                        </p:tgtEl>
+                                      </p:cBhvr>
+                                    </p:animEffect>
+                                  </p:childTnLst>
+                                </p:cTn>
+                              </p:par>
+                            </p:childTnLst>
+                          </p:cTn>
+                        </p:par>
+                      </p:childTnLst>
+                    </p:cTn>
+                  </p:par>
+                </p:childTnLst>
+              </p:cTn>
+              <p:prevCondLst>
+                <p:cond evt="onPrev" delay="0">
+                  <p:tgtEl>
+                    <p:sldTgt/>
+                  </p:tgtEl>
+                </p:cond>
+              </p:prevCondLst>
+              <p:nextCondLst>
+                <p:cond evt="onNext" delay="0">
+                  <p:tgtEl>
+                    <p:sldTgt/>
+                  </p:tgtEl>
+                </p:cond>
+              </p:nextCondLst>
+            </p:seq>
+          </p:childTnLst>
+        </p:cTn>
+      </p:par>
+    </p:tnLst>
+  </p:timing>
 </p:sld>
 </file>
 
@@ -3402,7 +3733,7 @@
           <p:cNvPr id="2" name="标题 1">
             <a:extLst>
               <a:ext uri="{FF2B5EF4-FFF2-40B4-BE49-F238E27FC236}">
-                <a16:creationId xmlns:a16="http://schemas.microsoft.com/office/drawing/2014/main" id="{9073C971-EEED-4C72-80F1-545AC93B7E01}"/>
+                <a16:creationId xmlns="" xmlns:a16="http://schemas.microsoft.com/office/drawing/2014/main" id="{9073C971-EEED-4C72-80F1-545AC93B7E01}"/>
               </a:ext>
             </a:extLst>
           </p:cNvPr>
@@ -3438,7 +3769,7 @@
           <p:cNvPr id="3" name="内容占位符 2">
             <a:extLst>
               <a:ext uri="{FF2B5EF4-FFF2-40B4-BE49-F238E27FC236}">
-                <a16:creationId xmlns:a16="http://schemas.microsoft.com/office/drawing/2014/main" id="{B1182472-B277-43D1-A2B8-A43F7557957A}"/>
+                <a16:creationId xmlns="" xmlns:a16="http://schemas.microsoft.com/office/drawing/2014/main" id="{B1182472-B277-43D1-A2B8-A43F7557957A}"/>
               </a:ext>
             </a:extLst>
           </p:cNvPr>
@@ -3546,7 +3877,7 @@
             <a:hlinkClick r:id="rId2" action="ppaction://hlinksldjump"/>
             <a:extLst>
               <a:ext uri="{FF2B5EF4-FFF2-40B4-BE49-F238E27FC236}">
-                <a16:creationId xmlns:a16="http://schemas.microsoft.com/office/drawing/2014/main" id="{5B9C67A9-3B37-46A1-8F2C-769A98984446}"/>
+                <a16:creationId xmlns="" xmlns:a16="http://schemas.microsoft.com/office/drawing/2014/main" id="{5B9C67A9-3B37-46A1-8F2C-769A98984446}"/>
               </a:ext>
             </a:extLst>
           </p:cNvPr>
@@ -3592,7 +3923,7 @@
           <p:cNvPr id="5" name="对话气泡: 椭圆形 4">
             <a:extLst>
               <a:ext uri="{FF2B5EF4-FFF2-40B4-BE49-F238E27FC236}">
-                <a16:creationId xmlns:a16="http://schemas.microsoft.com/office/drawing/2014/main" id="{2973463D-8026-4C2B-B7FE-79FEB9DDB008}"/>
+                <a16:creationId xmlns="" xmlns:a16="http://schemas.microsoft.com/office/drawing/2014/main" id="{2973463D-8026-4C2B-B7FE-79FEB9DDB008}"/>
               </a:ext>
             </a:extLst>
           </p:cNvPr>
@@ -3654,13 +3985,834 @@
     </p:spTree>
     <p:extLst>
       <p:ext uri="{BB962C8B-B14F-4D97-AF65-F5344CB8AC3E}">
-        <p14:creationId xmlns:p14="http://schemas.microsoft.com/office/powerpoint/2010/main" val="108880471"/>
+        <p14:creationId xmlns="" xmlns:p14="http://schemas.microsoft.com/office/powerpoint/2010/main" val="108880471"/>
       </p:ext>
     </p:extLst>
   </p:cSld>
   <p:clrMapOvr>
     <a:masterClrMapping/>
   </p:clrMapOvr>
+  <p:timing>
+    <p:tnLst>
+      <p:par>
+        <p:cTn id="1" dur="indefinite" restart="never" nodeType="tmRoot">
+          <p:childTnLst>
+            <p:seq concurrent="1" nextAc="seek">
+              <p:cTn id="2" dur="indefinite" nodeType="mainSeq">
+                <p:childTnLst>
+                  <p:par>
+                    <p:cTn id="3" fill="hold">
+                      <p:stCondLst>
+                        <p:cond delay="indefinite"/>
+                      </p:stCondLst>
+                      <p:childTnLst>
+                        <p:par>
+                          <p:cTn id="4" fill="hold">
+                            <p:stCondLst>
+                              <p:cond delay="0"/>
+                            </p:stCondLst>
+                            <p:childTnLst>
+                              <p:par>
+                                <p:cTn id="5" presetID="3" presetClass="entr" presetSubtype="10" fill="hold" nodeType="clickEffect">
+                                  <p:stCondLst>
+                                    <p:cond delay="0"/>
+                                  </p:stCondLst>
+                                  <p:childTnLst>
+                                    <p:set>
+                                      <p:cBhvr>
+                                        <p:cTn id="6" dur="1" fill="hold">
+                                          <p:stCondLst>
+                                            <p:cond delay="0"/>
+                                          </p:stCondLst>
+                                        </p:cTn>
+                                        <p:tgtEl>
+                                          <p:spTgt spid="3">
+                                            <p:txEl>
+                                              <p:pRg st="0" end="0"/>
+                                            </p:txEl>
+                                          </p:spTgt>
+                                        </p:tgtEl>
+                                        <p:attrNameLst>
+                                          <p:attrName>style.visibility</p:attrName>
+                                        </p:attrNameLst>
+                                      </p:cBhvr>
+                                      <p:to>
+                                        <p:strVal val="visible"/>
+                                      </p:to>
+                                    </p:set>
+                                    <p:animEffect transition="in" filter="blinds(horizontal)">
+                                      <p:cBhvr>
+                                        <p:cTn id="7" dur="500"/>
+                                        <p:tgtEl>
+                                          <p:spTgt spid="3">
+                                            <p:txEl>
+                                              <p:pRg st="0" end="0"/>
+                                            </p:txEl>
+                                          </p:spTgt>
+                                        </p:tgtEl>
+                                      </p:cBhvr>
+                                    </p:animEffect>
+                                  </p:childTnLst>
+                                </p:cTn>
+                              </p:par>
+                            </p:childTnLst>
+                          </p:cTn>
+                        </p:par>
+                      </p:childTnLst>
+                    </p:cTn>
+                  </p:par>
+                  <p:par>
+                    <p:cTn id="8" fill="hold">
+                      <p:stCondLst>
+                        <p:cond delay="indefinite"/>
+                      </p:stCondLst>
+                      <p:childTnLst>
+                        <p:par>
+                          <p:cTn id="9" fill="hold">
+                            <p:stCondLst>
+                              <p:cond delay="0"/>
+                            </p:stCondLst>
+                            <p:childTnLst>
+                              <p:par>
+                                <p:cTn id="10" presetID="3" presetClass="entr" presetSubtype="10" fill="hold" nodeType="clickEffect">
+                                  <p:stCondLst>
+                                    <p:cond delay="0"/>
+                                  </p:stCondLst>
+                                  <p:childTnLst>
+                                    <p:set>
+                                      <p:cBhvr>
+                                        <p:cTn id="11" dur="1" fill="hold">
+                                          <p:stCondLst>
+                                            <p:cond delay="0"/>
+                                          </p:stCondLst>
+                                        </p:cTn>
+                                        <p:tgtEl>
+                                          <p:spTgt spid="3">
+                                            <p:txEl>
+                                              <p:pRg st="1" end="1"/>
+                                            </p:txEl>
+                                          </p:spTgt>
+                                        </p:tgtEl>
+                                        <p:attrNameLst>
+                                          <p:attrName>style.visibility</p:attrName>
+                                        </p:attrNameLst>
+                                      </p:cBhvr>
+                                      <p:to>
+                                        <p:strVal val="visible"/>
+                                      </p:to>
+                                    </p:set>
+                                    <p:animEffect transition="in" filter="blinds(horizontal)">
+                                      <p:cBhvr>
+                                        <p:cTn id="12" dur="500"/>
+                                        <p:tgtEl>
+                                          <p:spTgt spid="3">
+                                            <p:txEl>
+                                              <p:pRg st="1" end="1"/>
+                                            </p:txEl>
+                                          </p:spTgt>
+                                        </p:tgtEl>
+                                      </p:cBhvr>
+                                    </p:animEffect>
+                                  </p:childTnLst>
+                                </p:cTn>
+                              </p:par>
+                            </p:childTnLst>
+                          </p:cTn>
+                        </p:par>
+                      </p:childTnLst>
+                    </p:cTn>
+                  </p:par>
+                  <p:par>
+                    <p:cTn id="13" fill="hold">
+                      <p:stCondLst>
+                        <p:cond delay="indefinite"/>
+                      </p:stCondLst>
+                      <p:childTnLst>
+                        <p:par>
+                          <p:cTn id="14" fill="hold">
+                            <p:stCondLst>
+                              <p:cond delay="0"/>
+                            </p:stCondLst>
+                            <p:childTnLst>
+                              <p:par>
+                                <p:cTn id="15" presetID="29" presetClass="entr" presetSubtype="0" fill="hold" nodeType="clickEffect">
+                                  <p:stCondLst>
+                                    <p:cond delay="0"/>
+                                  </p:stCondLst>
+                                  <p:childTnLst>
+                                    <p:set>
+                                      <p:cBhvr>
+                                        <p:cTn id="16" dur="1" fill="hold">
+                                          <p:stCondLst>
+                                            <p:cond delay="0"/>
+                                          </p:stCondLst>
+                                        </p:cTn>
+                                        <p:tgtEl>
+                                          <p:spTgt spid="3">
+                                            <p:txEl>
+                                              <p:pRg st="2" end="2"/>
+                                            </p:txEl>
+                                          </p:spTgt>
+                                        </p:tgtEl>
+                                        <p:attrNameLst>
+                                          <p:attrName>style.visibility</p:attrName>
+                                        </p:attrNameLst>
+                                      </p:cBhvr>
+                                      <p:to>
+                                        <p:strVal val="visible"/>
+                                      </p:to>
+                                    </p:set>
+                                    <p:anim calcmode="lin" valueType="num">
+                                      <p:cBhvr>
+                                        <p:cTn id="17" dur="1000" fill="hold"/>
+                                        <p:tgtEl>
+                                          <p:spTgt spid="3">
+                                            <p:txEl>
+                                              <p:pRg st="2" end="2"/>
+                                            </p:txEl>
+                                          </p:spTgt>
+                                        </p:tgtEl>
+                                        <p:attrNameLst>
+                                          <p:attrName>ppt_x</p:attrName>
+                                        </p:attrNameLst>
+                                      </p:cBhvr>
+                                      <p:tavLst>
+                                        <p:tav tm="0">
+                                          <p:val>
+                                            <p:strVal val="#ppt_x-.2"/>
+                                          </p:val>
+                                        </p:tav>
+                                        <p:tav tm="100000">
+                                          <p:val>
+                                            <p:strVal val="#ppt_x"/>
+                                          </p:val>
+                                        </p:tav>
+                                      </p:tavLst>
+                                    </p:anim>
+                                    <p:anim calcmode="lin" valueType="num">
+                                      <p:cBhvr>
+                                        <p:cTn id="18" dur="1000" fill="hold"/>
+                                        <p:tgtEl>
+                                          <p:spTgt spid="3">
+                                            <p:txEl>
+                                              <p:pRg st="2" end="2"/>
+                                            </p:txEl>
+                                          </p:spTgt>
+                                        </p:tgtEl>
+                                        <p:attrNameLst>
+                                          <p:attrName>ppt_y</p:attrName>
+                                        </p:attrNameLst>
+                                      </p:cBhvr>
+                                      <p:tavLst>
+                                        <p:tav tm="0">
+                                          <p:val>
+                                            <p:strVal val="#ppt_y"/>
+                                          </p:val>
+                                        </p:tav>
+                                        <p:tav tm="100000">
+                                          <p:val>
+                                            <p:strVal val="#ppt_y"/>
+                                          </p:val>
+                                        </p:tav>
+                                      </p:tavLst>
+                                    </p:anim>
+                                    <p:animEffect transition="in" filter="wipe(right)" prLst="gradientSize: 0.1">
+                                      <p:cBhvr>
+                                        <p:cTn id="19" dur="1000"/>
+                                        <p:tgtEl>
+                                          <p:spTgt spid="3">
+                                            <p:txEl>
+                                              <p:pRg st="2" end="2"/>
+                                            </p:txEl>
+                                          </p:spTgt>
+                                        </p:tgtEl>
+                                      </p:cBhvr>
+                                    </p:animEffect>
+                                  </p:childTnLst>
+                                </p:cTn>
+                              </p:par>
+                            </p:childTnLst>
+                          </p:cTn>
+                        </p:par>
+                      </p:childTnLst>
+                    </p:cTn>
+                  </p:par>
+                  <p:par>
+                    <p:cTn id="20" fill="hold">
+                      <p:stCondLst>
+                        <p:cond delay="indefinite"/>
+                      </p:stCondLst>
+                      <p:childTnLst>
+                        <p:par>
+                          <p:cTn id="21" fill="hold">
+                            <p:stCondLst>
+                              <p:cond delay="0"/>
+                            </p:stCondLst>
+                            <p:childTnLst>
+                              <p:par>
+                                <p:cTn id="22" presetID="29" presetClass="entr" presetSubtype="0" fill="hold" nodeType="clickEffect">
+                                  <p:stCondLst>
+                                    <p:cond delay="0"/>
+                                  </p:stCondLst>
+                                  <p:childTnLst>
+                                    <p:set>
+                                      <p:cBhvr>
+                                        <p:cTn id="23" dur="1" fill="hold">
+                                          <p:stCondLst>
+                                            <p:cond delay="0"/>
+                                          </p:stCondLst>
+                                        </p:cTn>
+                                        <p:tgtEl>
+                                          <p:spTgt spid="3">
+                                            <p:txEl>
+                                              <p:pRg st="3" end="3"/>
+                                            </p:txEl>
+                                          </p:spTgt>
+                                        </p:tgtEl>
+                                        <p:attrNameLst>
+                                          <p:attrName>style.visibility</p:attrName>
+                                        </p:attrNameLst>
+                                      </p:cBhvr>
+                                      <p:to>
+                                        <p:strVal val="visible"/>
+                                      </p:to>
+                                    </p:set>
+                                    <p:anim calcmode="lin" valueType="num">
+                                      <p:cBhvr>
+                                        <p:cTn id="24" dur="1000" fill="hold"/>
+                                        <p:tgtEl>
+                                          <p:spTgt spid="3">
+                                            <p:txEl>
+                                              <p:pRg st="3" end="3"/>
+                                            </p:txEl>
+                                          </p:spTgt>
+                                        </p:tgtEl>
+                                        <p:attrNameLst>
+                                          <p:attrName>ppt_x</p:attrName>
+                                        </p:attrNameLst>
+                                      </p:cBhvr>
+                                      <p:tavLst>
+                                        <p:tav tm="0">
+                                          <p:val>
+                                            <p:strVal val="#ppt_x-.2"/>
+                                          </p:val>
+                                        </p:tav>
+                                        <p:tav tm="100000">
+                                          <p:val>
+                                            <p:strVal val="#ppt_x"/>
+                                          </p:val>
+                                        </p:tav>
+                                      </p:tavLst>
+                                    </p:anim>
+                                    <p:anim calcmode="lin" valueType="num">
+                                      <p:cBhvr>
+                                        <p:cTn id="25" dur="1000" fill="hold"/>
+                                        <p:tgtEl>
+                                          <p:spTgt spid="3">
+                                            <p:txEl>
+                                              <p:pRg st="3" end="3"/>
+                                            </p:txEl>
+                                          </p:spTgt>
+                                        </p:tgtEl>
+                                        <p:attrNameLst>
+                                          <p:attrName>ppt_y</p:attrName>
+                                        </p:attrNameLst>
+                                      </p:cBhvr>
+                                      <p:tavLst>
+                                        <p:tav tm="0">
+                                          <p:val>
+                                            <p:strVal val="#ppt_y"/>
+                                          </p:val>
+                                        </p:tav>
+                                        <p:tav tm="100000">
+                                          <p:val>
+                                            <p:strVal val="#ppt_y"/>
+                                          </p:val>
+                                        </p:tav>
+                                      </p:tavLst>
+                                    </p:anim>
+                                    <p:animEffect transition="in" filter="wipe(right)" prLst="gradientSize: 0.1">
+                                      <p:cBhvr>
+                                        <p:cTn id="26" dur="1000"/>
+                                        <p:tgtEl>
+                                          <p:spTgt spid="3">
+                                            <p:txEl>
+                                              <p:pRg st="3" end="3"/>
+                                            </p:txEl>
+                                          </p:spTgt>
+                                        </p:tgtEl>
+                                      </p:cBhvr>
+                                    </p:animEffect>
+                                  </p:childTnLst>
+                                </p:cTn>
+                              </p:par>
+                            </p:childTnLst>
+                          </p:cTn>
+                        </p:par>
+                      </p:childTnLst>
+                    </p:cTn>
+                  </p:par>
+                  <p:par>
+                    <p:cTn id="27" fill="hold">
+                      <p:stCondLst>
+                        <p:cond delay="indefinite"/>
+                      </p:stCondLst>
+                      <p:childTnLst>
+                        <p:par>
+                          <p:cTn id="28" fill="hold">
+                            <p:stCondLst>
+                              <p:cond delay="0"/>
+                            </p:stCondLst>
+                            <p:childTnLst>
+                              <p:par>
+                                <p:cTn id="29" presetID="54" presetClass="entr" presetSubtype="0" accel="100000" fill="hold" grpId="0" nodeType="clickEffect">
+                                  <p:stCondLst>
+                                    <p:cond delay="0"/>
+                                  </p:stCondLst>
+                                  <p:childTnLst>
+                                    <p:set>
+                                      <p:cBhvr>
+                                        <p:cTn id="30" dur="1" fill="hold">
+                                          <p:stCondLst>
+                                            <p:cond delay="0"/>
+                                          </p:stCondLst>
+                                        </p:cTn>
+                                        <p:tgtEl>
+                                          <p:spTgt spid="5"/>
+                                        </p:tgtEl>
+                                        <p:attrNameLst>
+                                          <p:attrName>style.visibility</p:attrName>
+                                        </p:attrNameLst>
+                                      </p:cBhvr>
+                                      <p:to>
+                                        <p:strVal val="visible"/>
+                                      </p:to>
+                                    </p:set>
+                                    <p:anim calcmode="lin" valueType="num">
+                                      <p:cBhvr>
+                                        <p:cTn id="31" dur="500" fill="hold"/>
+                                        <p:tgtEl>
+                                          <p:spTgt spid="5"/>
+                                        </p:tgtEl>
+                                        <p:attrNameLst>
+                                          <p:attrName>ppt_w</p:attrName>
+                                        </p:attrNameLst>
+                                      </p:cBhvr>
+                                      <p:tavLst>
+                                        <p:tav tm="0">
+                                          <p:val>
+                                            <p:strVal val="#ppt_w*0.05"/>
+                                          </p:val>
+                                        </p:tav>
+                                        <p:tav tm="100000">
+                                          <p:val>
+                                            <p:strVal val="#ppt_w"/>
+                                          </p:val>
+                                        </p:tav>
+                                      </p:tavLst>
+                                    </p:anim>
+                                    <p:anim calcmode="lin" valueType="num">
+                                      <p:cBhvr>
+                                        <p:cTn id="32" dur="500" fill="hold"/>
+                                        <p:tgtEl>
+                                          <p:spTgt spid="5"/>
+                                        </p:tgtEl>
+                                        <p:attrNameLst>
+                                          <p:attrName>ppt_h</p:attrName>
+                                        </p:attrNameLst>
+                                      </p:cBhvr>
+                                      <p:tavLst>
+                                        <p:tav tm="0">
+                                          <p:val>
+                                            <p:strVal val="#ppt_h"/>
+                                          </p:val>
+                                        </p:tav>
+                                        <p:tav tm="100000">
+                                          <p:val>
+                                            <p:strVal val="#ppt_h"/>
+                                          </p:val>
+                                        </p:tav>
+                                      </p:tavLst>
+                                    </p:anim>
+                                    <p:anim calcmode="lin" valueType="num">
+                                      <p:cBhvr>
+                                        <p:cTn id="33" dur="500" fill="hold"/>
+                                        <p:tgtEl>
+                                          <p:spTgt spid="5"/>
+                                        </p:tgtEl>
+                                        <p:attrNameLst>
+                                          <p:attrName>ppt_x</p:attrName>
+                                        </p:attrNameLst>
+                                      </p:cBhvr>
+                                      <p:tavLst>
+                                        <p:tav tm="0">
+                                          <p:val>
+                                            <p:strVal val="#ppt_x-.2"/>
+                                          </p:val>
+                                        </p:tav>
+                                        <p:tav tm="100000">
+                                          <p:val>
+                                            <p:strVal val="#ppt_x"/>
+                                          </p:val>
+                                        </p:tav>
+                                      </p:tavLst>
+                                    </p:anim>
+                                    <p:anim calcmode="lin" valueType="num">
+                                      <p:cBhvr>
+                                        <p:cTn id="34" dur="500" fill="hold"/>
+                                        <p:tgtEl>
+                                          <p:spTgt spid="5"/>
+                                        </p:tgtEl>
+                                        <p:attrNameLst>
+                                          <p:attrName>ppt_y</p:attrName>
+                                        </p:attrNameLst>
+                                      </p:cBhvr>
+                                      <p:tavLst>
+                                        <p:tav tm="0">
+                                          <p:val>
+                                            <p:strVal val="#ppt_y"/>
+                                          </p:val>
+                                        </p:tav>
+                                        <p:tav tm="100000">
+                                          <p:val>
+                                            <p:strVal val="#ppt_y"/>
+                                          </p:val>
+                                        </p:tav>
+                                      </p:tavLst>
+                                    </p:anim>
+                                    <p:animEffect transition="in" filter="fade">
+                                      <p:cBhvr>
+                                        <p:cTn id="35" dur="500"/>
+                                        <p:tgtEl>
+                                          <p:spTgt spid="5"/>
+                                        </p:tgtEl>
+                                      </p:cBhvr>
+                                    </p:animEffect>
+                                  </p:childTnLst>
+                                </p:cTn>
+                              </p:par>
+                            </p:childTnLst>
+                          </p:cTn>
+                        </p:par>
+                      </p:childTnLst>
+                    </p:cTn>
+                  </p:par>
+                  <p:par>
+                    <p:cTn id="36" fill="hold">
+                      <p:stCondLst>
+                        <p:cond delay="indefinite"/>
+                      </p:stCondLst>
+                      <p:childTnLst>
+                        <p:par>
+                          <p:cTn id="37" fill="hold">
+                            <p:stCondLst>
+                              <p:cond delay="0"/>
+                            </p:stCondLst>
+                            <p:childTnLst>
+                              <p:par>
+                                <p:cTn id="38" presetID="3" presetClass="entr" presetSubtype="10" fill="hold" nodeType="clickEffect">
+                                  <p:stCondLst>
+                                    <p:cond delay="0"/>
+                                  </p:stCondLst>
+                                  <p:childTnLst>
+                                    <p:set>
+                                      <p:cBhvr>
+                                        <p:cTn id="39" dur="1" fill="hold">
+                                          <p:stCondLst>
+                                            <p:cond delay="0"/>
+                                          </p:stCondLst>
+                                        </p:cTn>
+                                        <p:tgtEl>
+                                          <p:spTgt spid="3">
+                                            <p:txEl>
+                                              <p:pRg st="4" end="4"/>
+                                            </p:txEl>
+                                          </p:spTgt>
+                                        </p:tgtEl>
+                                        <p:attrNameLst>
+                                          <p:attrName>style.visibility</p:attrName>
+                                        </p:attrNameLst>
+                                      </p:cBhvr>
+                                      <p:to>
+                                        <p:strVal val="visible"/>
+                                      </p:to>
+                                    </p:set>
+                                    <p:animEffect transition="in" filter="blinds(horizontal)">
+                                      <p:cBhvr>
+                                        <p:cTn id="40" dur="500"/>
+                                        <p:tgtEl>
+                                          <p:spTgt spid="3">
+                                            <p:txEl>
+                                              <p:pRg st="4" end="4"/>
+                                            </p:txEl>
+                                          </p:spTgt>
+                                        </p:tgtEl>
+                                      </p:cBhvr>
+                                    </p:animEffect>
+                                  </p:childTnLst>
+                                </p:cTn>
+                              </p:par>
+                            </p:childTnLst>
+                          </p:cTn>
+                        </p:par>
+                      </p:childTnLst>
+                    </p:cTn>
+                  </p:par>
+                  <p:par>
+                    <p:cTn id="41" fill="hold">
+                      <p:stCondLst>
+                        <p:cond delay="indefinite"/>
+                      </p:stCondLst>
+                      <p:childTnLst>
+                        <p:par>
+                          <p:cTn id="42" fill="hold">
+                            <p:stCondLst>
+                              <p:cond delay="0"/>
+                            </p:stCondLst>
+                            <p:childTnLst>
+                              <p:par>
+                                <p:cTn id="43" presetID="29" presetClass="entr" presetSubtype="0" fill="hold" nodeType="clickEffect">
+                                  <p:stCondLst>
+                                    <p:cond delay="0"/>
+                                  </p:stCondLst>
+                                  <p:childTnLst>
+                                    <p:set>
+                                      <p:cBhvr>
+                                        <p:cTn id="44" dur="1" fill="hold">
+                                          <p:stCondLst>
+                                            <p:cond delay="0"/>
+                                          </p:stCondLst>
+                                        </p:cTn>
+                                        <p:tgtEl>
+                                          <p:spTgt spid="3">
+                                            <p:txEl>
+                                              <p:pRg st="5" end="5"/>
+                                            </p:txEl>
+                                          </p:spTgt>
+                                        </p:tgtEl>
+                                        <p:attrNameLst>
+                                          <p:attrName>style.visibility</p:attrName>
+                                        </p:attrNameLst>
+                                      </p:cBhvr>
+                                      <p:to>
+                                        <p:strVal val="visible"/>
+                                      </p:to>
+                                    </p:set>
+                                    <p:anim calcmode="lin" valueType="num">
+                                      <p:cBhvr>
+                                        <p:cTn id="45" dur="1000" fill="hold"/>
+                                        <p:tgtEl>
+                                          <p:spTgt spid="3">
+                                            <p:txEl>
+                                              <p:pRg st="5" end="5"/>
+                                            </p:txEl>
+                                          </p:spTgt>
+                                        </p:tgtEl>
+                                        <p:attrNameLst>
+                                          <p:attrName>ppt_x</p:attrName>
+                                        </p:attrNameLst>
+                                      </p:cBhvr>
+                                      <p:tavLst>
+                                        <p:tav tm="0">
+                                          <p:val>
+                                            <p:strVal val="#ppt_x-.2"/>
+                                          </p:val>
+                                        </p:tav>
+                                        <p:tav tm="100000">
+                                          <p:val>
+                                            <p:strVal val="#ppt_x"/>
+                                          </p:val>
+                                        </p:tav>
+                                      </p:tavLst>
+                                    </p:anim>
+                                    <p:anim calcmode="lin" valueType="num">
+                                      <p:cBhvr>
+                                        <p:cTn id="46" dur="1000" fill="hold"/>
+                                        <p:tgtEl>
+                                          <p:spTgt spid="3">
+                                            <p:txEl>
+                                              <p:pRg st="5" end="5"/>
+                                            </p:txEl>
+                                          </p:spTgt>
+                                        </p:tgtEl>
+                                        <p:attrNameLst>
+                                          <p:attrName>ppt_y</p:attrName>
+                                        </p:attrNameLst>
+                                      </p:cBhvr>
+                                      <p:tavLst>
+                                        <p:tav tm="0">
+                                          <p:val>
+                                            <p:strVal val="#ppt_y"/>
+                                          </p:val>
+                                        </p:tav>
+                                        <p:tav tm="100000">
+                                          <p:val>
+                                            <p:strVal val="#ppt_y"/>
+                                          </p:val>
+                                        </p:tav>
+                                      </p:tavLst>
+                                    </p:anim>
+                                    <p:animEffect transition="in" filter="wipe(right)" prLst="gradientSize: 0.1">
+                                      <p:cBhvr>
+                                        <p:cTn id="47" dur="1000"/>
+                                        <p:tgtEl>
+                                          <p:spTgt spid="3">
+                                            <p:txEl>
+                                              <p:pRg st="5" end="5"/>
+                                            </p:txEl>
+                                          </p:spTgt>
+                                        </p:tgtEl>
+                                      </p:cBhvr>
+                                    </p:animEffect>
+                                  </p:childTnLst>
+                                </p:cTn>
+                              </p:par>
+                            </p:childTnLst>
+                          </p:cTn>
+                        </p:par>
+                      </p:childTnLst>
+                    </p:cTn>
+                  </p:par>
+                  <p:par>
+                    <p:cTn id="48" fill="hold">
+                      <p:stCondLst>
+                        <p:cond delay="indefinite"/>
+                      </p:stCondLst>
+                      <p:childTnLst>
+                        <p:par>
+                          <p:cTn id="49" fill="hold">
+                            <p:stCondLst>
+                              <p:cond delay="0"/>
+                            </p:stCondLst>
+                            <p:childTnLst>
+                              <p:par>
+                                <p:cTn id="50" presetID="29" presetClass="entr" presetSubtype="0" fill="hold" nodeType="clickEffect">
+                                  <p:stCondLst>
+                                    <p:cond delay="0"/>
+                                  </p:stCondLst>
+                                  <p:childTnLst>
+                                    <p:set>
+                                      <p:cBhvr>
+                                        <p:cTn id="51" dur="1" fill="hold">
+                                          <p:stCondLst>
+                                            <p:cond delay="0"/>
+                                          </p:stCondLst>
+                                        </p:cTn>
+                                        <p:tgtEl>
+                                          <p:spTgt spid="3">
+                                            <p:txEl>
+                                              <p:pRg st="6" end="6"/>
+                                            </p:txEl>
+                                          </p:spTgt>
+                                        </p:tgtEl>
+                                        <p:attrNameLst>
+                                          <p:attrName>style.visibility</p:attrName>
+                                        </p:attrNameLst>
+                                      </p:cBhvr>
+                                      <p:to>
+                                        <p:strVal val="visible"/>
+                                      </p:to>
+                                    </p:set>
+                                    <p:anim calcmode="lin" valueType="num">
+                                      <p:cBhvr>
+                                        <p:cTn id="52" dur="1000" fill="hold"/>
+                                        <p:tgtEl>
+                                          <p:spTgt spid="3">
+                                            <p:txEl>
+                                              <p:pRg st="6" end="6"/>
+                                            </p:txEl>
+                                          </p:spTgt>
+                                        </p:tgtEl>
+                                        <p:attrNameLst>
+                                          <p:attrName>ppt_x</p:attrName>
+                                        </p:attrNameLst>
+                                      </p:cBhvr>
+                                      <p:tavLst>
+                                        <p:tav tm="0">
+                                          <p:val>
+                                            <p:strVal val="#ppt_x-.2"/>
+                                          </p:val>
+                                        </p:tav>
+                                        <p:tav tm="100000">
+                                          <p:val>
+                                            <p:strVal val="#ppt_x"/>
+                                          </p:val>
+                                        </p:tav>
+                                      </p:tavLst>
+                                    </p:anim>
+                                    <p:anim calcmode="lin" valueType="num">
+                                      <p:cBhvr>
+                                        <p:cTn id="53" dur="1000" fill="hold"/>
+                                        <p:tgtEl>
+                                          <p:spTgt spid="3">
+                                            <p:txEl>
+                                              <p:pRg st="6" end="6"/>
+                                            </p:txEl>
+                                          </p:spTgt>
+                                        </p:tgtEl>
+                                        <p:attrNameLst>
+                                          <p:attrName>ppt_y</p:attrName>
+                                        </p:attrNameLst>
+                                      </p:cBhvr>
+                                      <p:tavLst>
+                                        <p:tav tm="0">
+                                          <p:val>
+                                            <p:strVal val="#ppt_y"/>
+                                          </p:val>
+                                        </p:tav>
+                                        <p:tav tm="100000">
+                                          <p:val>
+                                            <p:strVal val="#ppt_y"/>
+                                          </p:val>
+                                        </p:tav>
+                                      </p:tavLst>
+                                    </p:anim>
+                                    <p:animEffect transition="in" filter="wipe(right)" prLst="gradientSize: 0.1">
+                                      <p:cBhvr>
+                                        <p:cTn id="54" dur="1000"/>
+                                        <p:tgtEl>
+                                          <p:spTgt spid="3">
+                                            <p:txEl>
+                                              <p:pRg st="6" end="6"/>
+                                            </p:txEl>
+                                          </p:spTgt>
+                                        </p:tgtEl>
+                                      </p:cBhvr>
+                                    </p:animEffect>
+                                  </p:childTnLst>
+                                </p:cTn>
+                              </p:par>
+                            </p:childTnLst>
+                          </p:cTn>
+                        </p:par>
+                      </p:childTnLst>
+                    </p:cTn>
+                  </p:par>
+                </p:childTnLst>
+              </p:cTn>
+              <p:prevCondLst>
+                <p:cond evt="onPrev" delay="0">
+                  <p:tgtEl>
+                    <p:sldTgt/>
+                  </p:tgtEl>
+                </p:cond>
+              </p:prevCondLst>
+              <p:nextCondLst>
+                <p:cond evt="onNext" delay="0">
+                  <p:tgtEl>
+                    <p:sldTgt/>
+                  </p:tgtEl>
+                </p:cond>
+              </p:nextCondLst>
+            </p:seq>
+          </p:childTnLst>
+        </p:cTn>
+      </p:par>
+    </p:tnLst>
+    <p:bldLst>
+      <p:bldP spid="5" grpId="0" animBg="1"/>
+    </p:bldLst>
+  </p:timing>
 </p:sld>
 </file>
 
@@ -3686,7 +4838,7 @@
           <p:cNvPr id="2" name="标题 1">
             <a:extLst>
               <a:ext uri="{FF2B5EF4-FFF2-40B4-BE49-F238E27FC236}">
-                <a16:creationId xmlns:a16="http://schemas.microsoft.com/office/drawing/2014/main" id="{FFA27CBC-C892-463A-B5F5-106526BAD980}"/>
+                <a16:creationId xmlns="" xmlns:a16="http://schemas.microsoft.com/office/drawing/2014/main" id="{FFA27CBC-C892-463A-B5F5-106526BAD980}"/>
               </a:ext>
             </a:extLst>
           </p:cNvPr>
@@ -3722,7 +4874,7 @@
           <p:cNvPr id="3" name="内容占位符 2">
             <a:extLst>
               <a:ext uri="{FF2B5EF4-FFF2-40B4-BE49-F238E27FC236}">
-                <a16:creationId xmlns:a16="http://schemas.microsoft.com/office/drawing/2014/main" id="{9498E08D-D1F1-4FD4-82BF-E786686AD1C8}"/>
+                <a16:creationId xmlns="" xmlns:a16="http://schemas.microsoft.com/office/drawing/2014/main" id="{9498E08D-D1F1-4FD4-82BF-E786686AD1C8}"/>
               </a:ext>
             </a:extLst>
           </p:cNvPr>
@@ -3800,7 +4952,7 @@
             <a:hlinkClick r:id="rId2" action="ppaction://hlinksldjump"/>
             <a:extLst>
               <a:ext uri="{FF2B5EF4-FFF2-40B4-BE49-F238E27FC236}">
-                <a16:creationId xmlns:a16="http://schemas.microsoft.com/office/drawing/2014/main" id="{3F6C7E9A-56A4-432B-B9C8-A9C0825B7DAB}"/>
+                <a16:creationId xmlns="" xmlns:a16="http://schemas.microsoft.com/office/drawing/2014/main" id="{3F6C7E9A-56A4-432B-B9C8-A9C0825B7DAB}"/>
               </a:ext>
             </a:extLst>
           </p:cNvPr>
@@ -3844,13 +4996,435 @@
     </p:spTree>
     <p:extLst>
       <p:ext uri="{BB962C8B-B14F-4D97-AF65-F5344CB8AC3E}">
-        <p14:creationId xmlns:p14="http://schemas.microsoft.com/office/powerpoint/2010/main" val="1873710870"/>
+        <p14:creationId xmlns="" xmlns:p14="http://schemas.microsoft.com/office/powerpoint/2010/main" val="1873710870"/>
       </p:ext>
     </p:extLst>
   </p:cSld>
   <p:clrMapOvr>
     <a:masterClrMapping/>
   </p:clrMapOvr>
+  <p:timing>
+    <p:tnLst>
+      <p:par>
+        <p:cTn id="1" dur="indefinite" restart="never" nodeType="tmRoot">
+          <p:childTnLst>
+            <p:seq concurrent="1" nextAc="seek">
+              <p:cTn id="2" dur="indefinite" nodeType="mainSeq">
+                <p:childTnLst>
+                  <p:par>
+                    <p:cTn id="3" fill="hold">
+                      <p:stCondLst>
+                        <p:cond delay="indefinite"/>
+                      </p:stCondLst>
+                      <p:childTnLst>
+                        <p:par>
+                          <p:cTn id="4" fill="hold">
+                            <p:stCondLst>
+                              <p:cond delay="0"/>
+                            </p:stCondLst>
+                            <p:childTnLst>
+                              <p:par>
+                                <p:cTn id="5" presetID="3" presetClass="entr" presetSubtype="10" fill="hold" nodeType="clickEffect">
+                                  <p:stCondLst>
+                                    <p:cond delay="0"/>
+                                  </p:stCondLst>
+                                  <p:childTnLst>
+                                    <p:set>
+                                      <p:cBhvr>
+                                        <p:cTn id="6" dur="1" fill="hold">
+                                          <p:stCondLst>
+                                            <p:cond delay="0"/>
+                                          </p:stCondLst>
+                                        </p:cTn>
+                                        <p:tgtEl>
+                                          <p:spTgt spid="3">
+                                            <p:txEl>
+                                              <p:pRg st="0" end="0"/>
+                                            </p:txEl>
+                                          </p:spTgt>
+                                        </p:tgtEl>
+                                        <p:attrNameLst>
+                                          <p:attrName>style.visibility</p:attrName>
+                                        </p:attrNameLst>
+                                      </p:cBhvr>
+                                      <p:to>
+                                        <p:strVal val="visible"/>
+                                      </p:to>
+                                    </p:set>
+                                    <p:animEffect transition="in" filter="blinds(horizontal)">
+                                      <p:cBhvr>
+                                        <p:cTn id="7" dur="500"/>
+                                        <p:tgtEl>
+                                          <p:spTgt spid="3">
+                                            <p:txEl>
+                                              <p:pRg st="0" end="0"/>
+                                            </p:txEl>
+                                          </p:spTgt>
+                                        </p:tgtEl>
+                                      </p:cBhvr>
+                                    </p:animEffect>
+                                  </p:childTnLst>
+                                </p:cTn>
+                              </p:par>
+                            </p:childTnLst>
+                          </p:cTn>
+                        </p:par>
+                      </p:childTnLst>
+                    </p:cTn>
+                  </p:par>
+                  <p:par>
+                    <p:cTn id="8" fill="hold">
+                      <p:stCondLst>
+                        <p:cond delay="indefinite"/>
+                      </p:stCondLst>
+                      <p:childTnLst>
+                        <p:par>
+                          <p:cTn id="9" fill="hold">
+                            <p:stCondLst>
+                              <p:cond delay="0"/>
+                            </p:stCondLst>
+                            <p:childTnLst>
+                              <p:par>
+                                <p:cTn id="10" presetID="3" presetClass="entr" presetSubtype="10" fill="hold" nodeType="clickEffect">
+                                  <p:stCondLst>
+                                    <p:cond delay="0"/>
+                                  </p:stCondLst>
+                                  <p:childTnLst>
+                                    <p:set>
+                                      <p:cBhvr>
+                                        <p:cTn id="11" dur="1" fill="hold">
+                                          <p:stCondLst>
+                                            <p:cond delay="0"/>
+                                          </p:stCondLst>
+                                        </p:cTn>
+                                        <p:tgtEl>
+                                          <p:spTgt spid="3">
+                                            <p:txEl>
+                                              <p:pRg st="1" end="1"/>
+                                            </p:txEl>
+                                          </p:spTgt>
+                                        </p:tgtEl>
+                                        <p:attrNameLst>
+                                          <p:attrName>style.visibility</p:attrName>
+                                        </p:attrNameLst>
+                                      </p:cBhvr>
+                                      <p:to>
+                                        <p:strVal val="visible"/>
+                                      </p:to>
+                                    </p:set>
+                                    <p:animEffect transition="in" filter="blinds(horizontal)">
+                                      <p:cBhvr>
+                                        <p:cTn id="12" dur="500"/>
+                                        <p:tgtEl>
+                                          <p:spTgt spid="3">
+                                            <p:txEl>
+                                              <p:pRg st="1" end="1"/>
+                                            </p:txEl>
+                                          </p:spTgt>
+                                        </p:tgtEl>
+                                      </p:cBhvr>
+                                    </p:animEffect>
+                                  </p:childTnLst>
+                                </p:cTn>
+                              </p:par>
+                            </p:childTnLst>
+                          </p:cTn>
+                        </p:par>
+                      </p:childTnLst>
+                    </p:cTn>
+                  </p:par>
+                  <p:par>
+                    <p:cTn id="13" fill="hold">
+                      <p:stCondLst>
+                        <p:cond delay="indefinite"/>
+                      </p:stCondLst>
+                      <p:childTnLst>
+                        <p:par>
+                          <p:cTn id="14" fill="hold">
+                            <p:stCondLst>
+                              <p:cond delay="0"/>
+                            </p:stCondLst>
+                            <p:childTnLst>
+                              <p:par>
+                                <p:cTn id="15" presetID="3" presetClass="entr" presetSubtype="10" fill="hold" nodeType="clickEffect">
+                                  <p:stCondLst>
+                                    <p:cond delay="0"/>
+                                  </p:stCondLst>
+                                  <p:childTnLst>
+                                    <p:set>
+                                      <p:cBhvr>
+                                        <p:cTn id="16" dur="1" fill="hold">
+                                          <p:stCondLst>
+                                            <p:cond delay="0"/>
+                                          </p:stCondLst>
+                                        </p:cTn>
+                                        <p:tgtEl>
+                                          <p:spTgt spid="3">
+                                            <p:txEl>
+                                              <p:pRg st="2" end="2"/>
+                                            </p:txEl>
+                                          </p:spTgt>
+                                        </p:tgtEl>
+                                        <p:attrNameLst>
+                                          <p:attrName>style.visibility</p:attrName>
+                                        </p:attrNameLst>
+                                      </p:cBhvr>
+                                      <p:to>
+                                        <p:strVal val="visible"/>
+                                      </p:to>
+                                    </p:set>
+                                    <p:animEffect transition="in" filter="blinds(horizontal)">
+                                      <p:cBhvr>
+                                        <p:cTn id="17" dur="500"/>
+                                        <p:tgtEl>
+                                          <p:spTgt spid="3">
+                                            <p:txEl>
+                                              <p:pRg st="2" end="2"/>
+                                            </p:txEl>
+                                          </p:spTgt>
+                                        </p:tgtEl>
+                                      </p:cBhvr>
+                                    </p:animEffect>
+                                  </p:childTnLst>
+                                </p:cTn>
+                              </p:par>
+                            </p:childTnLst>
+                          </p:cTn>
+                        </p:par>
+                      </p:childTnLst>
+                    </p:cTn>
+                  </p:par>
+                  <p:par>
+                    <p:cTn id="18" fill="hold">
+                      <p:stCondLst>
+                        <p:cond delay="indefinite"/>
+                      </p:stCondLst>
+                      <p:childTnLst>
+                        <p:par>
+                          <p:cTn id="19" fill="hold">
+                            <p:stCondLst>
+                              <p:cond delay="0"/>
+                            </p:stCondLst>
+                            <p:childTnLst>
+                              <p:par>
+                                <p:cTn id="20" presetID="31" presetClass="entr" presetSubtype="0" fill="hold" nodeType="clickEffect">
+                                  <p:stCondLst>
+                                    <p:cond delay="0"/>
+                                  </p:stCondLst>
+                                  <p:iterate type="lt">
+                                    <p:tmPct val="5000"/>
+                                  </p:iterate>
+                                  <p:childTnLst>
+                                    <p:set>
+                                      <p:cBhvr>
+                                        <p:cTn id="21" dur="1" fill="hold">
+                                          <p:stCondLst>
+                                            <p:cond delay="0"/>
+                                          </p:stCondLst>
+                                        </p:cTn>
+                                        <p:tgtEl>
+                                          <p:spTgt spid="3">
+                                            <p:txEl>
+                                              <p:pRg st="3" end="3"/>
+                                            </p:txEl>
+                                          </p:spTgt>
+                                        </p:tgtEl>
+                                        <p:attrNameLst>
+                                          <p:attrName>style.visibility</p:attrName>
+                                        </p:attrNameLst>
+                                      </p:cBhvr>
+                                      <p:to>
+                                        <p:strVal val="visible"/>
+                                      </p:to>
+                                    </p:set>
+                                    <p:anim calcmode="lin" valueType="num">
+                                      <p:cBhvr>
+                                        <p:cTn id="22" dur="1000" fill="hold"/>
+                                        <p:tgtEl>
+                                          <p:spTgt spid="3">
+                                            <p:txEl>
+                                              <p:pRg st="3" end="3"/>
+                                            </p:txEl>
+                                          </p:spTgt>
+                                        </p:tgtEl>
+                                        <p:attrNameLst>
+                                          <p:attrName>ppt_w</p:attrName>
+                                        </p:attrNameLst>
+                                      </p:cBhvr>
+                                      <p:tavLst>
+                                        <p:tav tm="0">
+                                          <p:val>
+                                            <p:fltVal val="0"/>
+                                          </p:val>
+                                        </p:tav>
+                                        <p:tav tm="100000">
+                                          <p:val>
+                                            <p:strVal val="#ppt_w"/>
+                                          </p:val>
+                                        </p:tav>
+                                      </p:tavLst>
+                                    </p:anim>
+                                    <p:anim calcmode="lin" valueType="num">
+                                      <p:cBhvr>
+                                        <p:cTn id="23" dur="1000" fill="hold"/>
+                                        <p:tgtEl>
+                                          <p:spTgt spid="3">
+                                            <p:txEl>
+                                              <p:pRg st="3" end="3"/>
+                                            </p:txEl>
+                                          </p:spTgt>
+                                        </p:tgtEl>
+                                        <p:attrNameLst>
+                                          <p:attrName>ppt_h</p:attrName>
+                                        </p:attrNameLst>
+                                      </p:cBhvr>
+                                      <p:tavLst>
+                                        <p:tav tm="0">
+                                          <p:val>
+                                            <p:fltVal val="0"/>
+                                          </p:val>
+                                        </p:tav>
+                                        <p:tav tm="100000">
+                                          <p:val>
+                                            <p:strVal val="#ppt_h"/>
+                                          </p:val>
+                                        </p:tav>
+                                      </p:tavLst>
+                                    </p:anim>
+                                    <p:anim calcmode="lin" valueType="num">
+                                      <p:cBhvr>
+                                        <p:cTn id="24" dur="1000" fill="hold"/>
+                                        <p:tgtEl>
+                                          <p:spTgt spid="3">
+                                            <p:txEl>
+                                              <p:pRg st="3" end="3"/>
+                                            </p:txEl>
+                                          </p:spTgt>
+                                        </p:tgtEl>
+                                        <p:attrNameLst>
+                                          <p:attrName>style.rotation</p:attrName>
+                                        </p:attrNameLst>
+                                      </p:cBhvr>
+                                      <p:tavLst>
+                                        <p:tav tm="0">
+                                          <p:val>
+                                            <p:fltVal val="90"/>
+                                          </p:val>
+                                        </p:tav>
+                                        <p:tav tm="100000">
+                                          <p:val>
+                                            <p:fltVal val="0"/>
+                                          </p:val>
+                                        </p:tav>
+                                      </p:tavLst>
+                                    </p:anim>
+                                    <p:animEffect transition="in" filter="fade">
+                                      <p:cBhvr>
+                                        <p:cTn id="25" dur="1000"/>
+                                        <p:tgtEl>
+                                          <p:spTgt spid="3">
+                                            <p:txEl>
+                                              <p:pRg st="3" end="3"/>
+                                            </p:txEl>
+                                          </p:spTgt>
+                                        </p:tgtEl>
+                                      </p:cBhvr>
+                                    </p:animEffect>
+                                  </p:childTnLst>
+                                </p:cTn>
+                              </p:par>
+                            </p:childTnLst>
+                          </p:cTn>
+                        </p:par>
+                      </p:childTnLst>
+                    </p:cTn>
+                  </p:par>
+                  <p:par>
+                    <p:cTn id="26" fill="hold">
+                      <p:stCondLst>
+                        <p:cond delay="indefinite"/>
+                      </p:stCondLst>
+                      <p:childTnLst>
+                        <p:par>
+                          <p:cTn id="27" fill="hold">
+                            <p:stCondLst>
+                              <p:cond delay="0"/>
+                            </p:stCondLst>
+                            <p:childTnLst>
+                              <p:par>
+                                <p:cTn id="28" presetID="3" presetClass="entr" presetSubtype="10" fill="hold" nodeType="clickEffect">
+                                  <p:stCondLst>
+                                    <p:cond delay="0"/>
+                                  </p:stCondLst>
+                                  <p:iterate type="lt">
+                                    <p:tmPct val="0"/>
+                                  </p:iterate>
+                                  <p:childTnLst>
+                                    <p:set>
+                                      <p:cBhvr>
+                                        <p:cTn id="29" dur="1" fill="hold">
+                                          <p:stCondLst>
+                                            <p:cond delay="0"/>
+                                          </p:stCondLst>
+                                        </p:cTn>
+                                        <p:tgtEl>
+                                          <p:spTgt spid="3">
+                                            <p:txEl>
+                                              <p:pRg st="3" end="3"/>
+                                            </p:txEl>
+                                          </p:spTgt>
+                                        </p:tgtEl>
+                                        <p:attrNameLst>
+                                          <p:attrName>style.visibility</p:attrName>
+                                        </p:attrNameLst>
+                                      </p:cBhvr>
+                                      <p:to>
+                                        <p:strVal val="visible"/>
+                                      </p:to>
+                                    </p:set>
+                                    <p:animEffect transition="in" filter="blinds(horizontal)">
+                                      <p:cBhvr>
+                                        <p:cTn id="30" dur="500"/>
+                                        <p:tgtEl>
+                                          <p:spTgt spid="3">
+                                            <p:txEl>
+                                              <p:pRg st="3" end="3"/>
+                                            </p:txEl>
+                                          </p:spTgt>
+                                        </p:tgtEl>
+                                      </p:cBhvr>
+                                    </p:animEffect>
+                                  </p:childTnLst>
+                                </p:cTn>
+                              </p:par>
+                            </p:childTnLst>
+                          </p:cTn>
+                        </p:par>
+                      </p:childTnLst>
+                    </p:cTn>
+                  </p:par>
+                </p:childTnLst>
+              </p:cTn>
+              <p:prevCondLst>
+                <p:cond evt="onPrev" delay="0">
+                  <p:tgtEl>
+                    <p:sldTgt/>
+                  </p:tgtEl>
+                </p:cond>
+              </p:prevCondLst>
+              <p:nextCondLst>
+                <p:cond evt="onNext" delay="0">
+                  <p:tgtEl>
+                    <p:sldTgt/>
+                  </p:tgtEl>
+                </p:cond>
+              </p:nextCondLst>
+            </p:seq>
+          </p:childTnLst>
+        </p:cTn>
+      </p:par>
+    </p:tnLst>
+  </p:timing>
 </p:sld>
 </file>
 
@@ -3876,7 +5450,7 @@
           <p:cNvPr id="2" name="标题 1">
             <a:extLst>
               <a:ext uri="{FF2B5EF4-FFF2-40B4-BE49-F238E27FC236}">
-                <a16:creationId xmlns:a16="http://schemas.microsoft.com/office/drawing/2014/main" id="{BF16C68A-DB07-4946-A549-BF6514E7C6E1}"/>
+                <a16:creationId xmlns="" xmlns:a16="http://schemas.microsoft.com/office/drawing/2014/main" id="{BF16C68A-DB07-4946-A549-BF6514E7C6E1}"/>
               </a:ext>
             </a:extLst>
           </p:cNvPr>
@@ -3912,7 +5486,7 @@
           <p:cNvPr id="3" name="内容占位符 2">
             <a:extLst>
               <a:ext uri="{FF2B5EF4-FFF2-40B4-BE49-F238E27FC236}">
-                <a16:creationId xmlns:a16="http://schemas.microsoft.com/office/drawing/2014/main" id="{737E5BF8-AF39-440A-8362-41E62DF65F2C}"/>
+                <a16:creationId xmlns="" xmlns:a16="http://schemas.microsoft.com/office/drawing/2014/main" id="{737E5BF8-AF39-440A-8362-41E62DF65F2C}"/>
               </a:ext>
             </a:extLst>
           </p:cNvPr>
@@ -3972,7 +5546,7 @@
             <a:hlinkClick r:id="rId2" action="ppaction://hlinksldjump"/>
             <a:extLst>
               <a:ext uri="{FF2B5EF4-FFF2-40B4-BE49-F238E27FC236}">
-                <a16:creationId xmlns:a16="http://schemas.microsoft.com/office/drawing/2014/main" id="{98086F78-F9F2-4E47-99D6-DED75EC29744}"/>
+                <a16:creationId xmlns="" xmlns:a16="http://schemas.microsoft.com/office/drawing/2014/main" id="{98086F78-F9F2-4E47-99D6-DED75EC29744}"/>
               </a:ext>
             </a:extLst>
           </p:cNvPr>
@@ -4016,13 +5590,226 @@
     </p:spTree>
     <p:extLst>
       <p:ext uri="{BB962C8B-B14F-4D97-AF65-F5344CB8AC3E}">
-        <p14:creationId xmlns:p14="http://schemas.microsoft.com/office/powerpoint/2010/main" val="2049829842"/>
+        <p14:creationId xmlns="" xmlns:p14="http://schemas.microsoft.com/office/powerpoint/2010/main" val="2049829842"/>
       </p:ext>
     </p:extLst>
   </p:cSld>
   <p:clrMapOvr>
     <a:masterClrMapping/>
   </p:clrMapOvr>
+  <p:timing>
+    <p:tnLst>
+      <p:par>
+        <p:cTn id="1" dur="indefinite" restart="never" nodeType="tmRoot">
+          <p:childTnLst>
+            <p:seq concurrent="1" nextAc="seek">
+              <p:cTn id="2" dur="indefinite" nodeType="mainSeq">
+                <p:childTnLst>
+                  <p:par>
+                    <p:cTn id="3" fill="hold">
+                      <p:stCondLst>
+                        <p:cond delay="indefinite"/>
+                      </p:stCondLst>
+                      <p:childTnLst>
+                        <p:par>
+                          <p:cTn id="4" fill="hold">
+                            <p:stCondLst>
+                              <p:cond delay="0"/>
+                            </p:stCondLst>
+                            <p:childTnLst>
+                              <p:par>
+                                <p:cTn id="5" presetID="3" presetClass="entr" presetSubtype="10" fill="hold" nodeType="clickEffect">
+                                  <p:stCondLst>
+                                    <p:cond delay="0"/>
+                                  </p:stCondLst>
+                                  <p:childTnLst>
+                                    <p:set>
+                                      <p:cBhvr>
+                                        <p:cTn id="6" dur="1" fill="hold">
+                                          <p:stCondLst>
+                                            <p:cond delay="0"/>
+                                          </p:stCondLst>
+                                        </p:cTn>
+                                        <p:tgtEl>
+                                          <p:spTgt spid="3">
+                                            <p:txEl>
+                                              <p:pRg st="0" end="0"/>
+                                            </p:txEl>
+                                          </p:spTgt>
+                                        </p:tgtEl>
+                                        <p:attrNameLst>
+                                          <p:attrName>style.visibility</p:attrName>
+                                        </p:attrNameLst>
+                                      </p:cBhvr>
+                                      <p:to>
+                                        <p:strVal val="visible"/>
+                                      </p:to>
+                                    </p:set>
+                                    <p:animEffect transition="in" filter="blinds(horizontal)">
+                                      <p:cBhvr>
+                                        <p:cTn id="7" dur="500"/>
+                                        <p:tgtEl>
+                                          <p:spTgt spid="3">
+                                            <p:txEl>
+                                              <p:pRg st="0" end="0"/>
+                                            </p:txEl>
+                                          </p:spTgt>
+                                        </p:tgtEl>
+                                      </p:cBhvr>
+                                    </p:animEffect>
+                                  </p:childTnLst>
+                                </p:cTn>
+                              </p:par>
+                            </p:childTnLst>
+                          </p:cTn>
+                        </p:par>
+                      </p:childTnLst>
+                    </p:cTn>
+                  </p:par>
+                  <p:par>
+                    <p:cTn id="8" fill="hold">
+                      <p:stCondLst>
+                        <p:cond delay="indefinite"/>
+                      </p:stCondLst>
+                      <p:childTnLst>
+                        <p:par>
+                          <p:cTn id="9" fill="hold">
+                            <p:stCondLst>
+                              <p:cond delay="0"/>
+                            </p:stCondLst>
+                            <p:childTnLst>
+                              <p:par>
+                                <p:cTn id="10" presetID="3" presetClass="entr" presetSubtype="10" fill="hold" nodeType="clickEffect">
+                                  <p:stCondLst>
+                                    <p:cond delay="0"/>
+                                  </p:stCondLst>
+                                  <p:childTnLst>
+                                    <p:set>
+                                      <p:cBhvr>
+                                        <p:cTn id="11" dur="1" fill="hold">
+                                          <p:stCondLst>
+                                            <p:cond delay="0"/>
+                                          </p:stCondLst>
+                                        </p:cTn>
+                                        <p:tgtEl>
+                                          <p:spTgt spid="3">
+                                            <p:txEl>
+                                              <p:pRg st="1" end="1"/>
+                                            </p:txEl>
+                                          </p:spTgt>
+                                        </p:tgtEl>
+                                        <p:attrNameLst>
+                                          <p:attrName>style.visibility</p:attrName>
+                                        </p:attrNameLst>
+                                      </p:cBhvr>
+                                      <p:to>
+                                        <p:strVal val="visible"/>
+                                      </p:to>
+                                    </p:set>
+                                    <p:animEffect transition="in" filter="blinds(horizontal)">
+                                      <p:cBhvr>
+                                        <p:cTn id="12" dur="500"/>
+                                        <p:tgtEl>
+                                          <p:spTgt spid="3">
+                                            <p:txEl>
+                                              <p:pRg st="1" end="1"/>
+                                            </p:txEl>
+                                          </p:spTgt>
+                                        </p:tgtEl>
+                                      </p:cBhvr>
+                                    </p:animEffect>
+                                  </p:childTnLst>
+                                </p:cTn>
+                              </p:par>
+                            </p:childTnLst>
+                          </p:cTn>
+                        </p:par>
+                      </p:childTnLst>
+                    </p:cTn>
+                  </p:par>
+                  <p:par>
+                    <p:cTn id="13" fill="hold">
+                      <p:stCondLst>
+                        <p:cond delay="indefinite"/>
+                      </p:stCondLst>
+                      <p:childTnLst>
+                        <p:par>
+                          <p:cTn id="14" fill="hold">
+                            <p:stCondLst>
+                              <p:cond delay="0"/>
+                            </p:stCondLst>
+                            <p:childTnLst>
+                              <p:par>
+                                <p:cTn id="15" presetID="3" presetClass="entr" presetSubtype="10" fill="hold" nodeType="clickEffect">
+                                  <p:stCondLst>
+                                    <p:cond delay="0"/>
+                                  </p:stCondLst>
+                                  <p:childTnLst>
+                                    <p:set>
+                                      <p:cBhvr>
+                                        <p:cTn id="16" dur="1" fill="hold">
+                                          <p:stCondLst>
+                                            <p:cond delay="0"/>
+                                          </p:stCondLst>
+                                        </p:cTn>
+                                        <p:tgtEl>
+                                          <p:spTgt spid="3">
+                                            <p:txEl>
+                                              <p:pRg st="2" end="2"/>
+                                            </p:txEl>
+                                          </p:spTgt>
+                                        </p:tgtEl>
+                                        <p:attrNameLst>
+                                          <p:attrName>style.visibility</p:attrName>
+                                        </p:attrNameLst>
+                                      </p:cBhvr>
+                                      <p:to>
+                                        <p:strVal val="visible"/>
+                                      </p:to>
+                                    </p:set>
+                                    <p:animEffect transition="in" filter="blinds(horizontal)">
+                                      <p:cBhvr>
+                                        <p:cTn id="17" dur="500"/>
+                                        <p:tgtEl>
+                                          <p:spTgt spid="3">
+                                            <p:txEl>
+                                              <p:pRg st="2" end="2"/>
+                                            </p:txEl>
+                                          </p:spTgt>
+                                        </p:tgtEl>
+                                      </p:cBhvr>
+                                    </p:animEffect>
+                                  </p:childTnLst>
+                                </p:cTn>
+                              </p:par>
+                            </p:childTnLst>
+                          </p:cTn>
+                        </p:par>
+                      </p:childTnLst>
+                    </p:cTn>
+                  </p:par>
+                </p:childTnLst>
+              </p:cTn>
+              <p:prevCondLst>
+                <p:cond evt="onPrev" delay="0">
+                  <p:tgtEl>
+                    <p:sldTgt/>
+                  </p:tgtEl>
+                </p:cond>
+              </p:prevCondLst>
+              <p:nextCondLst>
+                <p:cond evt="onNext" delay="0">
+                  <p:tgtEl>
+                    <p:sldTgt/>
+                  </p:tgtEl>
+                </p:cond>
+              </p:nextCondLst>
+            </p:seq>
+          </p:childTnLst>
+        </p:cTn>
+      </p:par>
+    </p:tnLst>
+  </p:timing>
 </p:sld>
 </file>
 
@@ -4048,7 +5835,7 @@
           <p:cNvPr id="2" name="标题 1">
             <a:extLst>
               <a:ext uri="{FF2B5EF4-FFF2-40B4-BE49-F238E27FC236}">
-                <a16:creationId xmlns:a16="http://schemas.microsoft.com/office/drawing/2014/main" id="{3A73DC53-2EC5-48F2-8705-E376232546B5}"/>
+                <a16:creationId xmlns="" xmlns:a16="http://schemas.microsoft.com/office/drawing/2014/main" id="{3A73DC53-2EC5-48F2-8705-E376232546B5}"/>
               </a:ext>
             </a:extLst>
           </p:cNvPr>
@@ -4084,7 +5871,7 @@
           <p:cNvPr id="3" name="内容占位符 2">
             <a:extLst>
               <a:ext uri="{FF2B5EF4-FFF2-40B4-BE49-F238E27FC236}">
-                <a16:creationId xmlns:a16="http://schemas.microsoft.com/office/drawing/2014/main" id="{5B1AB840-317A-43BF-BAFA-A0D52570E462}"/>
+                <a16:creationId xmlns="" xmlns:a16="http://schemas.microsoft.com/office/drawing/2014/main" id="{5B1AB840-317A-43BF-BAFA-A0D52570E462}"/>
               </a:ext>
             </a:extLst>
           </p:cNvPr>
@@ -4213,7 +6000,7 @@
             <a:hlinkClick r:id="rId3" action="ppaction://hlinksldjump"/>
             <a:extLst>
               <a:ext uri="{FF2B5EF4-FFF2-40B4-BE49-F238E27FC236}">
-                <a16:creationId xmlns:a16="http://schemas.microsoft.com/office/drawing/2014/main" id="{CA85F01B-C80E-440A-921B-AB919ED3E63D}"/>
+                <a16:creationId xmlns="" xmlns:a16="http://schemas.microsoft.com/office/drawing/2014/main" id="{CA85F01B-C80E-440A-921B-AB919ED3E63D}"/>
               </a:ext>
             </a:extLst>
           </p:cNvPr>
@@ -4257,13 +6044,639 @@
     </p:spTree>
     <p:extLst>
       <p:ext uri="{BB962C8B-B14F-4D97-AF65-F5344CB8AC3E}">
-        <p14:creationId xmlns:p14="http://schemas.microsoft.com/office/powerpoint/2010/main" val="1681475144"/>
+        <p14:creationId xmlns="" xmlns:p14="http://schemas.microsoft.com/office/powerpoint/2010/main" val="1681475144"/>
       </p:ext>
     </p:extLst>
   </p:cSld>
   <p:clrMapOvr>
     <a:masterClrMapping/>
   </p:clrMapOvr>
+  <p:timing>
+    <p:tnLst>
+      <p:par>
+        <p:cTn id="1" dur="indefinite" restart="never" nodeType="tmRoot">
+          <p:childTnLst>
+            <p:seq concurrent="1" nextAc="seek">
+              <p:cTn id="2" dur="indefinite" nodeType="mainSeq">
+                <p:childTnLst>
+                  <p:par>
+                    <p:cTn id="3" fill="hold">
+                      <p:stCondLst>
+                        <p:cond delay="indefinite"/>
+                      </p:stCondLst>
+                      <p:childTnLst>
+                        <p:par>
+                          <p:cTn id="4" fill="hold">
+                            <p:stCondLst>
+                              <p:cond delay="0"/>
+                            </p:stCondLst>
+                            <p:childTnLst>
+                              <p:par>
+                                <p:cTn id="5" presetID="3" presetClass="entr" presetSubtype="10" fill="hold" nodeType="clickEffect">
+                                  <p:stCondLst>
+                                    <p:cond delay="0"/>
+                                  </p:stCondLst>
+                                  <p:childTnLst>
+                                    <p:set>
+                                      <p:cBhvr>
+                                        <p:cTn id="6" dur="1" fill="hold">
+                                          <p:stCondLst>
+                                            <p:cond delay="0"/>
+                                          </p:stCondLst>
+                                        </p:cTn>
+                                        <p:tgtEl>
+                                          <p:spTgt spid="3">
+                                            <p:txEl>
+                                              <p:pRg st="0" end="0"/>
+                                            </p:txEl>
+                                          </p:spTgt>
+                                        </p:tgtEl>
+                                        <p:attrNameLst>
+                                          <p:attrName>style.visibility</p:attrName>
+                                        </p:attrNameLst>
+                                      </p:cBhvr>
+                                      <p:to>
+                                        <p:strVal val="visible"/>
+                                      </p:to>
+                                    </p:set>
+                                    <p:animEffect transition="in" filter="blinds(horizontal)">
+                                      <p:cBhvr>
+                                        <p:cTn id="7" dur="500"/>
+                                        <p:tgtEl>
+                                          <p:spTgt spid="3">
+                                            <p:txEl>
+                                              <p:pRg st="0" end="0"/>
+                                            </p:txEl>
+                                          </p:spTgt>
+                                        </p:tgtEl>
+                                      </p:cBhvr>
+                                    </p:animEffect>
+                                  </p:childTnLst>
+                                </p:cTn>
+                              </p:par>
+                            </p:childTnLst>
+                          </p:cTn>
+                        </p:par>
+                      </p:childTnLst>
+                    </p:cTn>
+                  </p:par>
+                  <p:par>
+                    <p:cTn id="8" fill="hold">
+                      <p:stCondLst>
+                        <p:cond delay="indefinite"/>
+                      </p:stCondLst>
+                      <p:childTnLst>
+                        <p:par>
+                          <p:cTn id="9" fill="hold">
+                            <p:stCondLst>
+                              <p:cond delay="0"/>
+                            </p:stCondLst>
+                            <p:childTnLst>
+                              <p:par>
+                                <p:cTn id="10" presetID="3" presetClass="entr" presetSubtype="10" fill="hold" nodeType="clickEffect">
+                                  <p:stCondLst>
+                                    <p:cond delay="0"/>
+                                  </p:stCondLst>
+                                  <p:childTnLst>
+                                    <p:set>
+                                      <p:cBhvr>
+                                        <p:cTn id="11" dur="1" fill="hold">
+                                          <p:stCondLst>
+                                            <p:cond delay="0"/>
+                                          </p:stCondLst>
+                                        </p:cTn>
+                                        <p:tgtEl>
+                                          <p:spTgt spid="3">
+                                            <p:txEl>
+                                              <p:pRg st="1" end="1"/>
+                                            </p:txEl>
+                                          </p:spTgt>
+                                        </p:tgtEl>
+                                        <p:attrNameLst>
+                                          <p:attrName>style.visibility</p:attrName>
+                                        </p:attrNameLst>
+                                      </p:cBhvr>
+                                      <p:to>
+                                        <p:strVal val="visible"/>
+                                      </p:to>
+                                    </p:set>
+                                    <p:animEffect transition="in" filter="blinds(horizontal)">
+                                      <p:cBhvr>
+                                        <p:cTn id="12" dur="500"/>
+                                        <p:tgtEl>
+                                          <p:spTgt spid="3">
+                                            <p:txEl>
+                                              <p:pRg st="1" end="1"/>
+                                            </p:txEl>
+                                          </p:spTgt>
+                                        </p:tgtEl>
+                                      </p:cBhvr>
+                                    </p:animEffect>
+                                  </p:childTnLst>
+                                </p:cTn>
+                              </p:par>
+                            </p:childTnLst>
+                          </p:cTn>
+                        </p:par>
+                      </p:childTnLst>
+                    </p:cTn>
+                  </p:par>
+                  <p:par>
+                    <p:cTn id="13" fill="hold">
+                      <p:stCondLst>
+                        <p:cond delay="indefinite"/>
+                      </p:stCondLst>
+                      <p:childTnLst>
+                        <p:par>
+                          <p:cTn id="14" fill="hold">
+                            <p:stCondLst>
+                              <p:cond delay="0"/>
+                            </p:stCondLst>
+                            <p:childTnLst>
+                              <p:par>
+                                <p:cTn id="15" presetID="3" presetClass="entr" presetSubtype="10" fill="hold" nodeType="clickEffect">
+                                  <p:stCondLst>
+                                    <p:cond delay="0"/>
+                                  </p:stCondLst>
+                                  <p:childTnLst>
+                                    <p:set>
+                                      <p:cBhvr>
+                                        <p:cTn id="16" dur="1" fill="hold">
+                                          <p:stCondLst>
+                                            <p:cond delay="0"/>
+                                          </p:stCondLst>
+                                        </p:cTn>
+                                        <p:tgtEl>
+                                          <p:spTgt spid="3">
+                                            <p:txEl>
+                                              <p:pRg st="2" end="2"/>
+                                            </p:txEl>
+                                          </p:spTgt>
+                                        </p:tgtEl>
+                                        <p:attrNameLst>
+                                          <p:attrName>style.visibility</p:attrName>
+                                        </p:attrNameLst>
+                                      </p:cBhvr>
+                                      <p:to>
+                                        <p:strVal val="visible"/>
+                                      </p:to>
+                                    </p:set>
+                                    <p:animEffect transition="in" filter="blinds(horizontal)">
+                                      <p:cBhvr>
+                                        <p:cTn id="17" dur="500"/>
+                                        <p:tgtEl>
+                                          <p:spTgt spid="3">
+                                            <p:txEl>
+                                              <p:pRg st="2" end="2"/>
+                                            </p:txEl>
+                                          </p:spTgt>
+                                        </p:tgtEl>
+                                      </p:cBhvr>
+                                    </p:animEffect>
+                                  </p:childTnLst>
+                                </p:cTn>
+                              </p:par>
+                            </p:childTnLst>
+                          </p:cTn>
+                        </p:par>
+                      </p:childTnLst>
+                    </p:cTn>
+                  </p:par>
+                  <p:par>
+                    <p:cTn id="18" fill="hold">
+                      <p:stCondLst>
+                        <p:cond delay="indefinite"/>
+                      </p:stCondLst>
+                      <p:childTnLst>
+                        <p:par>
+                          <p:cTn id="19" fill="hold">
+                            <p:stCondLst>
+                              <p:cond delay="0"/>
+                            </p:stCondLst>
+                            <p:childTnLst>
+                              <p:par>
+                                <p:cTn id="20" presetID="3" presetClass="entr" presetSubtype="10" fill="hold" nodeType="clickEffect">
+                                  <p:stCondLst>
+                                    <p:cond delay="0"/>
+                                  </p:stCondLst>
+                                  <p:childTnLst>
+                                    <p:set>
+                                      <p:cBhvr>
+                                        <p:cTn id="21" dur="1" fill="hold">
+                                          <p:stCondLst>
+                                            <p:cond delay="0"/>
+                                          </p:stCondLst>
+                                        </p:cTn>
+                                        <p:tgtEl>
+                                          <p:spTgt spid="3">
+                                            <p:txEl>
+                                              <p:pRg st="3" end="3"/>
+                                            </p:txEl>
+                                          </p:spTgt>
+                                        </p:tgtEl>
+                                        <p:attrNameLst>
+                                          <p:attrName>style.visibility</p:attrName>
+                                        </p:attrNameLst>
+                                      </p:cBhvr>
+                                      <p:to>
+                                        <p:strVal val="visible"/>
+                                      </p:to>
+                                    </p:set>
+                                    <p:animEffect transition="in" filter="blinds(horizontal)">
+                                      <p:cBhvr>
+                                        <p:cTn id="22" dur="500"/>
+                                        <p:tgtEl>
+                                          <p:spTgt spid="3">
+                                            <p:txEl>
+                                              <p:pRg st="3" end="3"/>
+                                            </p:txEl>
+                                          </p:spTgt>
+                                        </p:tgtEl>
+                                      </p:cBhvr>
+                                    </p:animEffect>
+                                  </p:childTnLst>
+                                </p:cTn>
+                              </p:par>
+                            </p:childTnLst>
+                          </p:cTn>
+                        </p:par>
+                      </p:childTnLst>
+                    </p:cTn>
+                  </p:par>
+                  <p:par>
+                    <p:cTn id="23" fill="hold">
+                      <p:stCondLst>
+                        <p:cond delay="indefinite"/>
+                      </p:stCondLst>
+                      <p:childTnLst>
+                        <p:par>
+                          <p:cTn id="24" fill="hold">
+                            <p:stCondLst>
+                              <p:cond delay="0"/>
+                            </p:stCondLst>
+                            <p:childTnLst>
+                              <p:par>
+                                <p:cTn id="25" presetID="3" presetClass="entr" presetSubtype="10" fill="hold" nodeType="clickEffect">
+                                  <p:stCondLst>
+                                    <p:cond delay="0"/>
+                                  </p:stCondLst>
+                                  <p:childTnLst>
+                                    <p:set>
+                                      <p:cBhvr>
+                                        <p:cTn id="26" dur="1" fill="hold">
+                                          <p:stCondLst>
+                                            <p:cond delay="0"/>
+                                          </p:stCondLst>
+                                        </p:cTn>
+                                        <p:tgtEl>
+                                          <p:spTgt spid="3">
+                                            <p:txEl>
+                                              <p:pRg st="4" end="4"/>
+                                            </p:txEl>
+                                          </p:spTgt>
+                                        </p:tgtEl>
+                                        <p:attrNameLst>
+                                          <p:attrName>style.visibility</p:attrName>
+                                        </p:attrNameLst>
+                                      </p:cBhvr>
+                                      <p:to>
+                                        <p:strVal val="visible"/>
+                                      </p:to>
+                                    </p:set>
+                                    <p:animEffect transition="in" filter="blinds(horizontal)">
+                                      <p:cBhvr>
+                                        <p:cTn id="27" dur="500"/>
+                                        <p:tgtEl>
+                                          <p:spTgt spid="3">
+                                            <p:txEl>
+                                              <p:pRg st="4" end="4"/>
+                                            </p:txEl>
+                                          </p:spTgt>
+                                        </p:tgtEl>
+                                      </p:cBhvr>
+                                    </p:animEffect>
+                                  </p:childTnLst>
+                                </p:cTn>
+                              </p:par>
+                            </p:childTnLst>
+                          </p:cTn>
+                        </p:par>
+                      </p:childTnLst>
+                    </p:cTn>
+                  </p:par>
+                  <p:par>
+                    <p:cTn id="28" fill="hold">
+                      <p:stCondLst>
+                        <p:cond delay="indefinite"/>
+                      </p:stCondLst>
+                      <p:childTnLst>
+                        <p:par>
+                          <p:cTn id="29" fill="hold">
+                            <p:stCondLst>
+                              <p:cond delay="0"/>
+                            </p:stCondLst>
+                            <p:childTnLst>
+                              <p:par>
+                                <p:cTn id="30" presetID="29" presetClass="entr" presetSubtype="0" fill="hold" nodeType="clickEffect">
+                                  <p:stCondLst>
+                                    <p:cond delay="0"/>
+                                  </p:stCondLst>
+                                  <p:childTnLst>
+                                    <p:set>
+                                      <p:cBhvr>
+                                        <p:cTn id="31" dur="1" fill="hold">
+                                          <p:stCondLst>
+                                            <p:cond delay="0"/>
+                                          </p:stCondLst>
+                                        </p:cTn>
+                                        <p:tgtEl>
+                                          <p:spTgt spid="3">
+                                            <p:txEl>
+                                              <p:pRg st="5" end="5"/>
+                                            </p:txEl>
+                                          </p:spTgt>
+                                        </p:tgtEl>
+                                        <p:attrNameLst>
+                                          <p:attrName>style.visibility</p:attrName>
+                                        </p:attrNameLst>
+                                      </p:cBhvr>
+                                      <p:to>
+                                        <p:strVal val="visible"/>
+                                      </p:to>
+                                    </p:set>
+                                    <p:anim calcmode="lin" valueType="num">
+                                      <p:cBhvr>
+                                        <p:cTn id="32" dur="1000" fill="hold"/>
+                                        <p:tgtEl>
+                                          <p:spTgt spid="3">
+                                            <p:txEl>
+                                              <p:pRg st="5" end="5"/>
+                                            </p:txEl>
+                                          </p:spTgt>
+                                        </p:tgtEl>
+                                        <p:attrNameLst>
+                                          <p:attrName>ppt_x</p:attrName>
+                                        </p:attrNameLst>
+                                      </p:cBhvr>
+                                      <p:tavLst>
+                                        <p:tav tm="0">
+                                          <p:val>
+                                            <p:strVal val="#ppt_x-.2"/>
+                                          </p:val>
+                                        </p:tav>
+                                        <p:tav tm="100000">
+                                          <p:val>
+                                            <p:strVal val="#ppt_x"/>
+                                          </p:val>
+                                        </p:tav>
+                                      </p:tavLst>
+                                    </p:anim>
+                                    <p:anim calcmode="lin" valueType="num">
+                                      <p:cBhvr>
+                                        <p:cTn id="33" dur="1000" fill="hold"/>
+                                        <p:tgtEl>
+                                          <p:spTgt spid="3">
+                                            <p:txEl>
+                                              <p:pRg st="5" end="5"/>
+                                            </p:txEl>
+                                          </p:spTgt>
+                                        </p:tgtEl>
+                                        <p:attrNameLst>
+                                          <p:attrName>ppt_y</p:attrName>
+                                        </p:attrNameLst>
+                                      </p:cBhvr>
+                                      <p:tavLst>
+                                        <p:tav tm="0">
+                                          <p:val>
+                                            <p:strVal val="#ppt_y"/>
+                                          </p:val>
+                                        </p:tav>
+                                        <p:tav tm="100000">
+                                          <p:val>
+                                            <p:strVal val="#ppt_y"/>
+                                          </p:val>
+                                        </p:tav>
+                                      </p:tavLst>
+                                    </p:anim>
+                                    <p:animEffect transition="in" filter="wipe(right)" prLst="gradientSize: 0.1">
+                                      <p:cBhvr>
+                                        <p:cTn id="34" dur="1000"/>
+                                        <p:tgtEl>
+                                          <p:spTgt spid="3">
+                                            <p:txEl>
+                                              <p:pRg st="5" end="5"/>
+                                            </p:txEl>
+                                          </p:spTgt>
+                                        </p:tgtEl>
+                                      </p:cBhvr>
+                                    </p:animEffect>
+                                  </p:childTnLst>
+                                </p:cTn>
+                              </p:par>
+                            </p:childTnLst>
+                          </p:cTn>
+                        </p:par>
+                      </p:childTnLst>
+                    </p:cTn>
+                  </p:par>
+                  <p:par>
+                    <p:cTn id="35" fill="hold">
+                      <p:stCondLst>
+                        <p:cond delay="indefinite"/>
+                      </p:stCondLst>
+                      <p:childTnLst>
+                        <p:par>
+                          <p:cTn id="36" fill="hold">
+                            <p:stCondLst>
+                              <p:cond delay="0"/>
+                            </p:stCondLst>
+                            <p:childTnLst>
+                              <p:par>
+                                <p:cTn id="37" presetID="3" presetClass="entr" presetSubtype="10" fill="hold" nodeType="clickEffect">
+                                  <p:stCondLst>
+                                    <p:cond delay="0"/>
+                                  </p:stCondLst>
+                                  <p:childTnLst>
+                                    <p:set>
+                                      <p:cBhvr>
+                                        <p:cTn id="38" dur="1" fill="hold">
+                                          <p:stCondLst>
+                                            <p:cond delay="0"/>
+                                          </p:stCondLst>
+                                        </p:cTn>
+                                        <p:tgtEl>
+                                          <p:spTgt spid="3">
+                                            <p:txEl>
+                                              <p:pRg st="6" end="6"/>
+                                            </p:txEl>
+                                          </p:spTgt>
+                                        </p:tgtEl>
+                                        <p:attrNameLst>
+                                          <p:attrName>style.visibility</p:attrName>
+                                        </p:attrNameLst>
+                                      </p:cBhvr>
+                                      <p:to>
+                                        <p:strVal val="visible"/>
+                                      </p:to>
+                                    </p:set>
+                                    <p:animEffect transition="in" filter="blinds(horizontal)">
+                                      <p:cBhvr>
+                                        <p:cTn id="39" dur="500"/>
+                                        <p:tgtEl>
+                                          <p:spTgt spid="3">
+                                            <p:txEl>
+                                              <p:pRg st="6" end="6"/>
+                                            </p:txEl>
+                                          </p:spTgt>
+                                        </p:tgtEl>
+                                      </p:cBhvr>
+                                    </p:animEffect>
+                                  </p:childTnLst>
+                                </p:cTn>
+                              </p:par>
+                            </p:childTnLst>
+                          </p:cTn>
+                        </p:par>
+                      </p:childTnLst>
+                    </p:cTn>
+                  </p:par>
+                  <p:par>
+                    <p:cTn id="40" fill="hold">
+                      <p:stCondLst>
+                        <p:cond delay="indefinite"/>
+                      </p:stCondLst>
+                      <p:childTnLst>
+                        <p:par>
+                          <p:cTn id="41" fill="hold">
+                            <p:stCondLst>
+                              <p:cond delay="0"/>
+                            </p:stCondLst>
+                            <p:childTnLst>
+                              <p:par>
+                                <p:cTn id="42" presetID="29" presetClass="entr" presetSubtype="0" fill="hold" nodeType="clickEffect">
+                                  <p:stCondLst>
+                                    <p:cond delay="0"/>
+                                  </p:stCondLst>
+                                  <p:childTnLst>
+                                    <p:set>
+                                      <p:cBhvr>
+                                        <p:cTn id="43" dur="1" fill="hold">
+                                          <p:stCondLst>
+                                            <p:cond delay="0"/>
+                                          </p:stCondLst>
+                                        </p:cTn>
+                                        <p:tgtEl>
+                                          <p:spTgt spid="3">
+                                            <p:txEl>
+                                              <p:pRg st="7" end="7"/>
+                                            </p:txEl>
+                                          </p:spTgt>
+                                        </p:tgtEl>
+                                        <p:attrNameLst>
+                                          <p:attrName>style.visibility</p:attrName>
+                                        </p:attrNameLst>
+                                      </p:cBhvr>
+                                      <p:to>
+                                        <p:strVal val="visible"/>
+                                      </p:to>
+                                    </p:set>
+                                    <p:anim calcmode="lin" valueType="num">
+                                      <p:cBhvr>
+                                        <p:cTn id="44" dur="1000" fill="hold"/>
+                                        <p:tgtEl>
+                                          <p:spTgt spid="3">
+                                            <p:txEl>
+                                              <p:pRg st="7" end="7"/>
+                                            </p:txEl>
+                                          </p:spTgt>
+                                        </p:tgtEl>
+                                        <p:attrNameLst>
+                                          <p:attrName>ppt_x</p:attrName>
+                                        </p:attrNameLst>
+                                      </p:cBhvr>
+                                      <p:tavLst>
+                                        <p:tav tm="0">
+                                          <p:val>
+                                            <p:strVal val="#ppt_x-.2"/>
+                                          </p:val>
+                                        </p:tav>
+                                        <p:tav tm="100000">
+                                          <p:val>
+                                            <p:strVal val="#ppt_x"/>
+                                          </p:val>
+                                        </p:tav>
+                                      </p:tavLst>
+                                    </p:anim>
+                                    <p:anim calcmode="lin" valueType="num">
+                                      <p:cBhvr>
+                                        <p:cTn id="45" dur="1000" fill="hold"/>
+                                        <p:tgtEl>
+                                          <p:spTgt spid="3">
+                                            <p:txEl>
+                                              <p:pRg st="7" end="7"/>
+                                            </p:txEl>
+                                          </p:spTgt>
+                                        </p:tgtEl>
+                                        <p:attrNameLst>
+                                          <p:attrName>ppt_y</p:attrName>
+                                        </p:attrNameLst>
+                                      </p:cBhvr>
+                                      <p:tavLst>
+                                        <p:tav tm="0">
+                                          <p:val>
+                                            <p:strVal val="#ppt_y"/>
+                                          </p:val>
+                                        </p:tav>
+                                        <p:tav tm="100000">
+                                          <p:val>
+                                            <p:strVal val="#ppt_y"/>
+                                          </p:val>
+                                        </p:tav>
+                                      </p:tavLst>
+                                    </p:anim>
+                                    <p:animEffect transition="in" filter="wipe(right)" prLst="gradientSize: 0.1">
+                                      <p:cBhvr>
+                                        <p:cTn id="46" dur="1000"/>
+                                        <p:tgtEl>
+                                          <p:spTgt spid="3">
+                                            <p:txEl>
+                                              <p:pRg st="7" end="7"/>
+                                            </p:txEl>
+                                          </p:spTgt>
+                                        </p:tgtEl>
+                                      </p:cBhvr>
+                                    </p:animEffect>
+                                  </p:childTnLst>
+                                </p:cTn>
+                              </p:par>
+                            </p:childTnLst>
+                          </p:cTn>
+                        </p:par>
+                      </p:childTnLst>
+                    </p:cTn>
+                  </p:par>
+                </p:childTnLst>
+              </p:cTn>
+              <p:prevCondLst>
+                <p:cond evt="onPrev" delay="0">
+                  <p:tgtEl>
+                    <p:sldTgt/>
+                  </p:tgtEl>
+                </p:cond>
+              </p:prevCondLst>
+              <p:nextCondLst>
+                <p:cond evt="onNext" delay="0">
+                  <p:tgtEl>
+                    <p:sldTgt/>
+                  </p:tgtEl>
+                </p:cond>
+              </p:nextCondLst>
+            </p:seq>
+          </p:childTnLst>
+        </p:cTn>
+      </p:par>
+    </p:tnLst>
+  </p:timing>
 </p:sld>
 </file>
 
@@ -4289,7 +6702,7 @@
           <p:cNvPr id="2" name="标题 1">
             <a:extLst>
               <a:ext uri="{FF2B5EF4-FFF2-40B4-BE49-F238E27FC236}">
-                <a16:creationId xmlns:a16="http://schemas.microsoft.com/office/drawing/2014/main" id="{5A428923-FE8D-4A5E-8399-448CA56F73FD}"/>
+                <a16:creationId xmlns="" xmlns:a16="http://schemas.microsoft.com/office/drawing/2014/main" id="{5A428923-FE8D-4A5E-8399-448CA56F73FD}"/>
               </a:ext>
             </a:extLst>
           </p:cNvPr>
@@ -4323,7 +6736,7 @@
           <p:cNvPr id="3" name="内容占位符 2">
             <a:extLst>
               <a:ext uri="{FF2B5EF4-FFF2-40B4-BE49-F238E27FC236}">
-                <a16:creationId xmlns:a16="http://schemas.microsoft.com/office/drawing/2014/main" id="{FE7C129F-4EDC-4808-A20C-9B8EC77CEBA5}"/>
+                <a16:creationId xmlns="" xmlns:a16="http://schemas.microsoft.com/office/drawing/2014/main" id="{FE7C129F-4EDC-4808-A20C-9B8EC77CEBA5}"/>
               </a:ext>
             </a:extLst>
           </p:cNvPr>
@@ -4348,7 +6761,7 @@
           <p:cNvPr id="4" name="图片 3">
             <a:extLst>
               <a:ext uri="{FF2B5EF4-FFF2-40B4-BE49-F238E27FC236}">
-                <a16:creationId xmlns:a16="http://schemas.microsoft.com/office/drawing/2014/main" id="{D754A6D3-370F-4B5E-9D4E-405A899962F1}"/>
+                <a16:creationId xmlns="" xmlns:a16="http://schemas.microsoft.com/office/drawing/2014/main" id="{D754A6D3-370F-4B5E-9D4E-405A899962F1}"/>
               </a:ext>
             </a:extLst>
           </p:cNvPr>
@@ -4358,10 +6771,10 @@
           <p:nvPr/>
         </p:nvPicPr>
         <p:blipFill>
-          <a:blip r:embed="rId2">
+          <a:blip r:embed="rId2" cstate="print">
             <a:extLst>
               <a:ext uri="{28A0092B-C50C-407E-A947-70E740481C1C}">
-                <a14:useLocalDpi xmlns:a14="http://schemas.microsoft.com/office/drawing/2010/main" val="0"/>
+                <a14:useLocalDpi xmlns="" xmlns:a14="http://schemas.microsoft.com/office/drawing/2010/main" val="0"/>
               </a:ext>
             </a:extLst>
           </a:blip>
@@ -4384,7 +6797,7 @@
           <p:cNvPr id="5" name="椭圆 4">
             <a:extLst>
               <a:ext uri="{FF2B5EF4-FFF2-40B4-BE49-F238E27FC236}">
-                <a16:creationId xmlns:a16="http://schemas.microsoft.com/office/drawing/2014/main" id="{117DD586-C6B2-4DBA-AA7F-0F4FA470D20B}"/>
+                <a16:creationId xmlns="" xmlns:a16="http://schemas.microsoft.com/office/drawing/2014/main" id="{117DD586-C6B2-4DBA-AA7F-0F4FA470D20B}"/>
               </a:ext>
             </a:extLst>
           </p:cNvPr>
@@ -4436,7 +6849,7 @@
           <p:cNvPr id="6" name="椭圆 5">
             <a:extLst>
               <a:ext uri="{FF2B5EF4-FFF2-40B4-BE49-F238E27FC236}">
-                <a16:creationId xmlns:a16="http://schemas.microsoft.com/office/drawing/2014/main" id="{F0BC573B-6D5D-47A4-9A1F-20956D9E54B9}"/>
+                <a16:creationId xmlns="" xmlns:a16="http://schemas.microsoft.com/office/drawing/2014/main" id="{F0BC573B-6D5D-47A4-9A1F-20956D9E54B9}"/>
               </a:ext>
             </a:extLst>
           </p:cNvPr>
@@ -4488,7 +6901,7 @@
           <p:cNvPr id="7" name="椭圆 6">
             <a:extLst>
               <a:ext uri="{FF2B5EF4-FFF2-40B4-BE49-F238E27FC236}">
-                <a16:creationId xmlns:a16="http://schemas.microsoft.com/office/drawing/2014/main" id="{E3470D79-5A95-417F-81B8-77B414450ABE}"/>
+                <a16:creationId xmlns="" xmlns:a16="http://schemas.microsoft.com/office/drawing/2014/main" id="{E3470D79-5A95-417F-81B8-77B414450ABE}"/>
               </a:ext>
             </a:extLst>
           </p:cNvPr>
@@ -4540,7 +6953,7 @@
           <p:cNvPr id="8" name="椭圆 7">
             <a:extLst>
               <a:ext uri="{FF2B5EF4-FFF2-40B4-BE49-F238E27FC236}">
-                <a16:creationId xmlns:a16="http://schemas.microsoft.com/office/drawing/2014/main" id="{335A8BC2-1B9C-468D-ABC5-3109A5DF30EA}"/>
+                <a16:creationId xmlns="" xmlns:a16="http://schemas.microsoft.com/office/drawing/2014/main" id="{335A8BC2-1B9C-468D-ABC5-3109A5DF30EA}"/>
               </a:ext>
             </a:extLst>
           </p:cNvPr>
@@ -4592,7 +7005,7 @@
           <p:cNvPr id="9" name="对话气泡: 矩形 8">
             <a:extLst>
               <a:ext uri="{FF2B5EF4-FFF2-40B4-BE49-F238E27FC236}">
-                <a16:creationId xmlns:a16="http://schemas.microsoft.com/office/drawing/2014/main" id="{11A97F52-2AA2-4D4C-B8CB-49337D7C8EC9}"/>
+                <a16:creationId xmlns="" xmlns:a16="http://schemas.microsoft.com/office/drawing/2014/main" id="{11A97F52-2AA2-4D4C-B8CB-49337D7C8EC9}"/>
               </a:ext>
             </a:extLst>
           </p:cNvPr>
@@ -4649,7 +7062,7 @@
           <p:cNvPr id="10" name="对话气泡: 矩形 9">
             <a:extLst>
               <a:ext uri="{FF2B5EF4-FFF2-40B4-BE49-F238E27FC236}">
-                <a16:creationId xmlns:a16="http://schemas.microsoft.com/office/drawing/2014/main" id="{D1F9FD49-26D5-4428-9801-DAAB62451DAA}"/>
+                <a16:creationId xmlns="" xmlns:a16="http://schemas.microsoft.com/office/drawing/2014/main" id="{D1F9FD49-26D5-4428-9801-DAAB62451DAA}"/>
               </a:ext>
             </a:extLst>
           </p:cNvPr>
@@ -4710,7 +7123,7 @@
           <p:cNvPr id="11" name="对话气泡: 矩形 10">
             <a:extLst>
               <a:ext uri="{FF2B5EF4-FFF2-40B4-BE49-F238E27FC236}">
-                <a16:creationId xmlns:a16="http://schemas.microsoft.com/office/drawing/2014/main" id="{C924F5C4-5796-49EF-AB12-9A7E44E4E922}"/>
+                <a16:creationId xmlns="" xmlns:a16="http://schemas.microsoft.com/office/drawing/2014/main" id="{C924F5C4-5796-49EF-AB12-9A7E44E4E922}"/>
               </a:ext>
             </a:extLst>
           </p:cNvPr>
@@ -4763,7 +7176,7 @@
           <p:cNvPr id="12" name="对话气泡: 矩形 11">
             <a:extLst>
               <a:ext uri="{FF2B5EF4-FFF2-40B4-BE49-F238E27FC236}">
-                <a16:creationId xmlns:a16="http://schemas.microsoft.com/office/drawing/2014/main" id="{76180203-8BF5-44DD-8850-5C7D1CE31000}"/>
+                <a16:creationId xmlns="" xmlns:a16="http://schemas.microsoft.com/office/drawing/2014/main" id="{76180203-8BF5-44DD-8850-5C7D1CE31000}"/>
               </a:ext>
             </a:extLst>
           </p:cNvPr>
@@ -4816,7 +7229,7 @@
             <a:hlinkClick r:id="rId3" action="ppaction://hlinksldjump"/>
             <a:extLst>
               <a:ext uri="{FF2B5EF4-FFF2-40B4-BE49-F238E27FC236}">
-                <a16:creationId xmlns:a16="http://schemas.microsoft.com/office/drawing/2014/main" id="{74118FD8-39C1-4EF6-A3C3-AF2D31D87C74}"/>
+                <a16:creationId xmlns="" xmlns:a16="http://schemas.microsoft.com/office/drawing/2014/main" id="{74118FD8-39C1-4EF6-A3C3-AF2D31D87C74}"/>
               </a:ext>
             </a:extLst>
           </p:cNvPr>
@@ -4860,13 +7273,1481 @@
     </p:spTree>
     <p:extLst>
       <p:ext uri="{BB962C8B-B14F-4D97-AF65-F5344CB8AC3E}">
-        <p14:creationId xmlns:p14="http://schemas.microsoft.com/office/powerpoint/2010/main" val="3361928043"/>
+        <p14:creationId xmlns="" xmlns:p14="http://schemas.microsoft.com/office/powerpoint/2010/main" val="3361928043"/>
       </p:ext>
     </p:extLst>
   </p:cSld>
   <p:clrMapOvr>
     <a:masterClrMapping/>
   </p:clrMapOvr>
+  <p:timing>
+    <p:tnLst>
+      <p:par>
+        <p:cTn id="1" dur="indefinite" restart="never" nodeType="tmRoot">
+          <p:childTnLst>
+            <p:seq concurrent="1" nextAc="seek">
+              <p:cTn id="2" dur="indefinite" nodeType="mainSeq">
+                <p:childTnLst>
+                  <p:par>
+                    <p:cTn id="3" fill="hold">
+                      <p:stCondLst>
+                        <p:cond delay="indefinite"/>
+                      </p:stCondLst>
+                      <p:childTnLst>
+                        <p:par>
+                          <p:cTn id="4" fill="hold">
+                            <p:stCondLst>
+                              <p:cond delay="0"/>
+                            </p:stCondLst>
+                            <p:childTnLst>
+                              <p:par>
+                                <p:cTn id="5" presetID="2" presetClass="entr" presetSubtype="4" fill="hold" nodeType="clickEffect">
+                                  <p:stCondLst>
+                                    <p:cond delay="0"/>
+                                  </p:stCondLst>
+                                  <p:childTnLst>
+                                    <p:set>
+                                      <p:cBhvr>
+                                        <p:cTn id="6" dur="1" fill="hold">
+                                          <p:stCondLst>
+                                            <p:cond delay="0"/>
+                                          </p:stCondLst>
+                                        </p:cTn>
+                                        <p:tgtEl>
+                                          <p:spTgt spid="4"/>
+                                        </p:tgtEl>
+                                        <p:attrNameLst>
+                                          <p:attrName>style.visibility</p:attrName>
+                                        </p:attrNameLst>
+                                      </p:cBhvr>
+                                      <p:to>
+                                        <p:strVal val="visible"/>
+                                      </p:to>
+                                    </p:set>
+                                    <p:anim calcmode="lin" valueType="num">
+                                      <p:cBhvr additive="base">
+                                        <p:cTn id="7" dur="500" fill="hold"/>
+                                        <p:tgtEl>
+                                          <p:spTgt spid="4"/>
+                                        </p:tgtEl>
+                                        <p:attrNameLst>
+                                          <p:attrName>ppt_x</p:attrName>
+                                        </p:attrNameLst>
+                                      </p:cBhvr>
+                                      <p:tavLst>
+                                        <p:tav tm="0">
+                                          <p:val>
+                                            <p:strVal val="#ppt_x"/>
+                                          </p:val>
+                                        </p:tav>
+                                        <p:tav tm="100000">
+                                          <p:val>
+                                            <p:strVal val="#ppt_x"/>
+                                          </p:val>
+                                        </p:tav>
+                                      </p:tavLst>
+                                    </p:anim>
+                                    <p:anim calcmode="lin" valueType="num">
+                                      <p:cBhvr additive="base">
+                                        <p:cTn id="8" dur="500" fill="hold"/>
+                                        <p:tgtEl>
+                                          <p:spTgt spid="4"/>
+                                        </p:tgtEl>
+                                        <p:attrNameLst>
+                                          <p:attrName>ppt_y</p:attrName>
+                                        </p:attrNameLst>
+                                      </p:cBhvr>
+                                      <p:tavLst>
+                                        <p:tav tm="0">
+                                          <p:val>
+                                            <p:strVal val="1+#ppt_h/2"/>
+                                          </p:val>
+                                        </p:tav>
+                                        <p:tav tm="100000">
+                                          <p:val>
+                                            <p:strVal val="#ppt_y"/>
+                                          </p:val>
+                                        </p:tav>
+                                      </p:tavLst>
+                                    </p:anim>
+                                  </p:childTnLst>
+                                </p:cTn>
+                              </p:par>
+                            </p:childTnLst>
+                          </p:cTn>
+                        </p:par>
+                      </p:childTnLst>
+                    </p:cTn>
+                  </p:par>
+                  <p:par>
+                    <p:cTn id="9" fill="hold">
+                      <p:stCondLst>
+                        <p:cond delay="indefinite"/>
+                      </p:stCondLst>
+                      <p:childTnLst>
+                        <p:par>
+                          <p:cTn id="10" fill="hold">
+                            <p:stCondLst>
+                              <p:cond delay="0"/>
+                            </p:stCondLst>
+                            <p:childTnLst>
+                              <p:par>
+                                <p:cTn id="11" presetID="25" presetClass="entr" presetSubtype="0" fill="hold" grpId="0" nodeType="clickEffect">
+                                  <p:stCondLst>
+                                    <p:cond delay="0"/>
+                                  </p:stCondLst>
+                                  <p:childTnLst>
+                                    <p:set>
+                                      <p:cBhvr>
+                                        <p:cTn id="12" dur="1" fill="hold">
+                                          <p:stCondLst>
+                                            <p:cond delay="0"/>
+                                          </p:stCondLst>
+                                        </p:cTn>
+                                        <p:tgtEl>
+                                          <p:spTgt spid="5"/>
+                                        </p:tgtEl>
+                                        <p:attrNameLst>
+                                          <p:attrName>style.visibility</p:attrName>
+                                        </p:attrNameLst>
+                                      </p:cBhvr>
+                                      <p:to>
+                                        <p:strVal val="visible"/>
+                                      </p:to>
+                                    </p:set>
+                                    <p:anim calcmode="lin" valueType="num">
+                                      <p:cBhvr>
+                                        <p:cTn id="13" dur="500" decel="50000" fill="hold">
+                                          <p:stCondLst>
+                                            <p:cond delay="0"/>
+                                          </p:stCondLst>
+                                        </p:cTn>
+                                        <p:tgtEl>
+                                          <p:spTgt spid="5"/>
+                                        </p:tgtEl>
+                                        <p:attrNameLst>
+                                          <p:attrName>style.rotation</p:attrName>
+                                        </p:attrNameLst>
+                                      </p:cBhvr>
+                                      <p:tavLst>
+                                        <p:tav tm="0">
+                                          <p:val>
+                                            <p:fltVal val="-90"/>
+                                          </p:val>
+                                        </p:tav>
+                                        <p:tav tm="100000">
+                                          <p:val>
+                                            <p:fltVal val="0"/>
+                                          </p:val>
+                                        </p:tav>
+                                      </p:tavLst>
+                                    </p:anim>
+                                    <p:anim calcmode="lin" valueType="num">
+                                      <p:cBhvr>
+                                        <p:cTn id="14" dur="500" decel="50000" fill="hold">
+                                          <p:stCondLst>
+                                            <p:cond delay="0"/>
+                                          </p:stCondLst>
+                                        </p:cTn>
+                                        <p:tgtEl>
+                                          <p:spTgt spid="5"/>
+                                        </p:tgtEl>
+                                        <p:attrNameLst>
+                                          <p:attrName>ppt_w</p:attrName>
+                                        </p:attrNameLst>
+                                      </p:cBhvr>
+                                      <p:tavLst>
+                                        <p:tav tm="0">
+                                          <p:val>
+                                            <p:strVal val="#ppt_w"/>
+                                          </p:val>
+                                        </p:tav>
+                                        <p:tav tm="100000">
+                                          <p:val>
+                                            <p:strVal val="#ppt_w*.05"/>
+                                          </p:val>
+                                        </p:tav>
+                                      </p:tavLst>
+                                    </p:anim>
+                                    <p:anim calcmode="lin" valueType="num">
+                                      <p:cBhvr>
+                                        <p:cTn id="15" dur="500" accel="50000" fill="hold">
+                                          <p:stCondLst>
+                                            <p:cond delay="500"/>
+                                          </p:stCondLst>
+                                        </p:cTn>
+                                        <p:tgtEl>
+                                          <p:spTgt spid="5"/>
+                                        </p:tgtEl>
+                                        <p:attrNameLst>
+                                          <p:attrName>ppt_w</p:attrName>
+                                        </p:attrNameLst>
+                                      </p:cBhvr>
+                                      <p:tavLst>
+                                        <p:tav tm="0">
+                                          <p:val>
+                                            <p:strVal val="#ppt_w*.05"/>
+                                          </p:val>
+                                        </p:tav>
+                                        <p:tav tm="100000">
+                                          <p:val>
+                                            <p:strVal val="#ppt_w"/>
+                                          </p:val>
+                                        </p:tav>
+                                      </p:tavLst>
+                                    </p:anim>
+                                    <p:anim calcmode="lin" valueType="num">
+                                      <p:cBhvr>
+                                        <p:cTn id="16" dur="1000" fill="hold"/>
+                                        <p:tgtEl>
+                                          <p:spTgt spid="5"/>
+                                        </p:tgtEl>
+                                        <p:attrNameLst>
+                                          <p:attrName>ppt_h</p:attrName>
+                                        </p:attrNameLst>
+                                      </p:cBhvr>
+                                      <p:tavLst>
+                                        <p:tav tm="0">
+                                          <p:val>
+                                            <p:strVal val="#ppt_h"/>
+                                          </p:val>
+                                        </p:tav>
+                                        <p:tav tm="100000">
+                                          <p:val>
+                                            <p:strVal val="#ppt_h"/>
+                                          </p:val>
+                                        </p:tav>
+                                      </p:tavLst>
+                                    </p:anim>
+                                    <p:anim calcmode="lin" valueType="num">
+                                      <p:cBhvr>
+                                        <p:cTn id="17" dur="500" decel="50000" fill="hold">
+                                          <p:stCondLst>
+                                            <p:cond delay="0"/>
+                                          </p:stCondLst>
+                                        </p:cTn>
+                                        <p:tgtEl>
+                                          <p:spTgt spid="5"/>
+                                        </p:tgtEl>
+                                        <p:attrNameLst>
+                                          <p:attrName>ppt_x</p:attrName>
+                                        </p:attrNameLst>
+                                      </p:cBhvr>
+                                      <p:tavLst>
+                                        <p:tav tm="0">
+                                          <p:val>
+                                            <p:strVal val="#ppt_x+.4"/>
+                                          </p:val>
+                                        </p:tav>
+                                        <p:tav tm="100000">
+                                          <p:val>
+                                            <p:strVal val="#ppt_x"/>
+                                          </p:val>
+                                        </p:tav>
+                                      </p:tavLst>
+                                    </p:anim>
+                                    <p:anim calcmode="lin" valueType="num">
+                                      <p:cBhvr>
+                                        <p:cTn id="18" dur="500" decel="50000" fill="hold">
+                                          <p:stCondLst>
+                                            <p:cond delay="0"/>
+                                          </p:stCondLst>
+                                        </p:cTn>
+                                        <p:tgtEl>
+                                          <p:spTgt spid="5"/>
+                                        </p:tgtEl>
+                                        <p:attrNameLst>
+                                          <p:attrName>ppt_y</p:attrName>
+                                        </p:attrNameLst>
+                                      </p:cBhvr>
+                                      <p:tavLst>
+                                        <p:tav tm="0">
+                                          <p:val>
+                                            <p:strVal val="#ppt_y-.2"/>
+                                          </p:val>
+                                        </p:tav>
+                                        <p:tav tm="100000">
+                                          <p:val>
+                                            <p:strVal val="#ppt_y+.1"/>
+                                          </p:val>
+                                        </p:tav>
+                                      </p:tavLst>
+                                    </p:anim>
+                                    <p:anim calcmode="lin" valueType="num">
+                                      <p:cBhvr>
+                                        <p:cTn id="19" dur="500" accel="50000" fill="hold">
+                                          <p:stCondLst>
+                                            <p:cond delay="500"/>
+                                          </p:stCondLst>
+                                        </p:cTn>
+                                        <p:tgtEl>
+                                          <p:spTgt spid="5"/>
+                                        </p:tgtEl>
+                                        <p:attrNameLst>
+                                          <p:attrName>ppt_y</p:attrName>
+                                        </p:attrNameLst>
+                                      </p:cBhvr>
+                                      <p:tavLst>
+                                        <p:tav tm="0">
+                                          <p:val>
+                                            <p:strVal val="#ppt_y+.1"/>
+                                          </p:val>
+                                        </p:tav>
+                                        <p:tav tm="100000">
+                                          <p:val>
+                                            <p:strVal val="#ppt_y"/>
+                                          </p:val>
+                                        </p:tav>
+                                      </p:tavLst>
+                                    </p:anim>
+                                    <p:animEffect transition="in" filter="fade">
+                                      <p:cBhvr>
+                                        <p:cTn id="20" dur="1000" decel="50000">
+                                          <p:stCondLst>
+                                            <p:cond delay="0"/>
+                                          </p:stCondLst>
+                                        </p:cTn>
+                                        <p:tgtEl>
+                                          <p:spTgt spid="5"/>
+                                        </p:tgtEl>
+                                      </p:cBhvr>
+                                    </p:animEffect>
+                                  </p:childTnLst>
+                                </p:cTn>
+                              </p:par>
+                            </p:childTnLst>
+                          </p:cTn>
+                        </p:par>
+                      </p:childTnLst>
+                    </p:cTn>
+                  </p:par>
+                  <p:par>
+                    <p:cTn id="21" fill="hold">
+                      <p:stCondLst>
+                        <p:cond delay="indefinite"/>
+                      </p:stCondLst>
+                      <p:childTnLst>
+                        <p:par>
+                          <p:cTn id="22" fill="hold">
+                            <p:stCondLst>
+                              <p:cond delay="0"/>
+                            </p:stCondLst>
+                            <p:childTnLst>
+                              <p:par>
+                                <p:cTn id="23" presetID="2" presetClass="entr" presetSubtype="4" fill="hold" grpId="0" nodeType="clickEffect">
+                                  <p:stCondLst>
+                                    <p:cond delay="0"/>
+                                  </p:stCondLst>
+                                  <p:childTnLst>
+                                    <p:set>
+                                      <p:cBhvr>
+                                        <p:cTn id="24" dur="1" fill="hold">
+                                          <p:stCondLst>
+                                            <p:cond delay="0"/>
+                                          </p:stCondLst>
+                                        </p:cTn>
+                                        <p:tgtEl>
+                                          <p:spTgt spid="9"/>
+                                        </p:tgtEl>
+                                        <p:attrNameLst>
+                                          <p:attrName>style.visibility</p:attrName>
+                                        </p:attrNameLst>
+                                      </p:cBhvr>
+                                      <p:to>
+                                        <p:strVal val="visible"/>
+                                      </p:to>
+                                    </p:set>
+                                    <p:anim calcmode="lin" valueType="num">
+                                      <p:cBhvr additive="base">
+                                        <p:cTn id="25" dur="500" fill="hold"/>
+                                        <p:tgtEl>
+                                          <p:spTgt spid="9"/>
+                                        </p:tgtEl>
+                                        <p:attrNameLst>
+                                          <p:attrName>ppt_x</p:attrName>
+                                        </p:attrNameLst>
+                                      </p:cBhvr>
+                                      <p:tavLst>
+                                        <p:tav tm="0">
+                                          <p:val>
+                                            <p:strVal val="#ppt_x"/>
+                                          </p:val>
+                                        </p:tav>
+                                        <p:tav tm="100000">
+                                          <p:val>
+                                            <p:strVal val="#ppt_x"/>
+                                          </p:val>
+                                        </p:tav>
+                                      </p:tavLst>
+                                    </p:anim>
+                                    <p:anim calcmode="lin" valueType="num">
+                                      <p:cBhvr additive="base">
+                                        <p:cTn id="26" dur="500" fill="hold"/>
+                                        <p:tgtEl>
+                                          <p:spTgt spid="9"/>
+                                        </p:tgtEl>
+                                        <p:attrNameLst>
+                                          <p:attrName>ppt_y</p:attrName>
+                                        </p:attrNameLst>
+                                      </p:cBhvr>
+                                      <p:tavLst>
+                                        <p:tav tm="0">
+                                          <p:val>
+                                            <p:strVal val="1+#ppt_h/2"/>
+                                          </p:val>
+                                        </p:tav>
+                                        <p:tav tm="100000">
+                                          <p:val>
+                                            <p:strVal val="#ppt_y"/>
+                                          </p:val>
+                                        </p:tav>
+                                      </p:tavLst>
+                                    </p:anim>
+                                  </p:childTnLst>
+                                </p:cTn>
+                              </p:par>
+                            </p:childTnLst>
+                          </p:cTn>
+                        </p:par>
+                      </p:childTnLst>
+                    </p:cTn>
+                  </p:par>
+                  <p:par>
+                    <p:cTn id="27" fill="hold">
+                      <p:stCondLst>
+                        <p:cond delay="indefinite"/>
+                      </p:stCondLst>
+                      <p:childTnLst>
+                        <p:par>
+                          <p:cTn id="28" fill="hold">
+                            <p:stCondLst>
+                              <p:cond delay="0"/>
+                            </p:stCondLst>
+                            <p:childTnLst>
+                              <p:par>
+                                <p:cTn id="29" presetID="25" presetClass="entr" presetSubtype="0" fill="hold" grpId="0" nodeType="clickEffect">
+                                  <p:stCondLst>
+                                    <p:cond delay="0"/>
+                                  </p:stCondLst>
+                                  <p:childTnLst>
+                                    <p:set>
+                                      <p:cBhvr>
+                                        <p:cTn id="30" dur="1" fill="hold">
+                                          <p:stCondLst>
+                                            <p:cond delay="0"/>
+                                          </p:stCondLst>
+                                        </p:cTn>
+                                        <p:tgtEl>
+                                          <p:spTgt spid="6"/>
+                                        </p:tgtEl>
+                                        <p:attrNameLst>
+                                          <p:attrName>style.visibility</p:attrName>
+                                        </p:attrNameLst>
+                                      </p:cBhvr>
+                                      <p:to>
+                                        <p:strVal val="visible"/>
+                                      </p:to>
+                                    </p:set>
+                                    <p:anim calcmode="lin" valueType="num">
+                                      <p:cBhvr>
+                                        <p:cTn id="31" dur="500" decel="50000" fill="hold">
+                                          <p:stCondLst>
+                                            <p:cond delay="0"/>
+                                          </p:stCondLst>
+                                        </p:cTn>
+                                        <p:tgtEl>
+                                          <p:spTgt spid="6"/>
+                                        </p:tgtEl>
+                                        <p:attrNameLst>
+                                          <p:attrName>style.rotation</p:attrName>
+                                        </p:attrNameLst>
+                                      </p:cBhvr>
+                                      <p:tavLst>
+                                        <p:tav tm="0">
+                                          <p:val>
+                                            <p:fltVal val="-90"/>
+                                          </p:val>
+                                        </p:tav>
+                                        <p:tav tm="100000">
+                                          <p:val>
+                                            <p:fltVal val="0"/>
+                                          </p:val>
+                                        </p:tav>
+                                      </p:tavLst>
+                                    </p:anim>
+                                    <p:anim calcmode="lin" valueType="num">
+                                      <p:cBhvr>
+                                        <p:cTn id="32" dur="500" decel="50000" fill="hold">
+                                          <p:stCondLst>
+                                            <p:cond delay="0"/>
+                                          </p:stCondLst>
+                                        </p:cTn>
+                                        <p:tgtEl>
+                                          <p:spTgt spid="6"/>
+                                        </p:tgtEl>
+                                        <p:attrNameLst>
+                                          <p:attrName>ppt_w</p:attrName>
+                                        </p:attrNameLst>
+                                      </p:cBhvr>
+                                      <p:tavLst>
+                                        <p:tav tm="0">
+                                          <p:val>
+                                            <p:strVal val="#ppt_w"/>
+                                          </p:val>
+                                        </p:tav>
+                                        <p:tav tm="100000">
+                                          <p:val>
+                                            <p:strVal val="#ppt_w*.05"/>
+                                          </p:val>
+                                        </p:tav>
+                                      </p:tavLst>
+                                    </p:anim>
+                                    <p:anim calcmode="lin" valueType="num">
+                                      <p:cBhvr>
+                                        <p:cTn id="33" dur="500" accel="50000" fill="hold">
+                                          <p:stCondLst>
+                                            <p:cond delay="500"/>
+                                          </p:stCondLst>
+                                        </p:cTn>
+                                        <p:tgtEl>
+                                          <p:spTgt spid="6"/>
+                                        </p:tgtEl>
+                                        <p:attrNameLst>
+                                          <p:attrName>ppt_w</p:attrName>
+                                        </p:attrNameLst>
+                                      </p:cBhvr>
+                                      <p:tavLst>
+                                        <p:tav tm="0">
+                                          <p:val>
+                                            <p:strVal val="#ppt_w*.05"/>
+                                          </p:val>
+                                        </p:tav>
+                                        <p:tav tm="100000">
+                                          <p:val>
+                                            <p:strVal val="#ppt_w"/>
+                                          </p:val>
+                                        </p:tav>
+                                      </p:tavLst>
+                                    </p:anim>
+                                    <p:anim calcmode="lin" valueType="num">
+                                      <p:cBhvr>
+                                        <p:cTn id="34" dur="1000" fill="hold"/>
+                                        <p:tgtEl>
+                                          <p:spTgt spid="6"/>
+                                        </p:tgtEl>
+                                        <p:attrNameLst>
+                                          <p:attrName>ppt_h</p:attrName>
+                                        </p:attrNameLst>
+                                      </p:cBhvr>
+                                      <p:tavLst>
+                                        <p:tav tm="0">
+                                          <p:val>
+                                            <p:strVal val="#ppt_h"/>
+                                          </p:val>
+                                        </p:tav>
+                                        <p:tav tm="100000">
+                                          <p:val>
+                                            <p:strVal val="#ppt_h"/>
+                                          </p:val>
+                                        </p:tav>
+                                      </p:tavLst>
+                                    </p:anim>
+                                    <p:anim calcmode="lin" valueType="num">
+                                      <p:cBhvr>
+                                        <p:cTn id="35" dur="500" decel="50000" fill="hold">
+                                          <p:stCondLst>
+                                            <p:cond delay="0"/>
+                                          </p:stCondLst>
+                                        </p:cTn>
+                                        <p:tgtEl>
+                                          <p:spTgt spid="6"/>
+                                        </p:tgtEl>
+                                        <p:attrNameLst>
+                                          <p:attrName>ppt_x</p:attrName>
+                                        </p:attrNameLst>
+                                      </p:cBhvr>
+                                      <p:tavLst>
+                                        <p:tav tm="0">
+                                          <p:val>
+                                            <p:strVal val="#ppt_x+.4"/>
+                                          </p:val>
+                                        </p:tav>
+                                        <p:tav tm="100000">
+                                          <p:val>
+                                            <p:strVal val="#ppt_x"/>
+                                          </p:val>
+                                        </p:tav>
+                                      </p:tavLst>
+                                    </p:anim>
+                                    <p:anim calcmode="lin" valueType="num">
+                                      <p:cBhvr>
+                                        <p:cTn id="36" dur="500" decel="50000" fill="hold">
+                                          <p:stCondLst>
+                                            <p:cond delay="0"/>
+                                          </p:stCondLst>
+                                        </p:cTn>
+                                        <p:tgtEl>
+                                          <p:spTgt spid="6"/>
+                                        </p:tgtEl>
+                                        <p:attrNameLst>
+                                          <p:attrName>ppt_y</p:attrName>
+                                        </p:attrNameLst>
+                                      </p:cBhvr>
+                                      <p:tavLst>
+                                        <p:tav tm="0">
+                                          <p:val>
+                                            <p:strVal val="#ppt_y-.2"/>
+                                          </p:val>
+                                        </p:tav>
+                                        <p:tav tm="100000">
+                                          <p:val>
+                                            <p:strVal val="#ppt_y+.1"/>
+                                          </p:val>
+                                        </p:tav>
+                                      </p:tavLst>
+                                    </p:anim>
+                                    <p:anim calcmode="lin" valueType="num">
+                                      <p:cBhvr>
+                                        <p:cTn id="37" dur="500" accel="50000" fill="hold">
+                                          <p:stCondLst>
+                                            <p:cond delay="500"/>
+                                          </p:stCondLst>
+                                        </p:cTn>
+                                        <p:tgtEl>
+                                          <p:spTgt spid="6"/>
+                                        </p:tgtEl>
+                                        <p:attrNameLst>
+                                          <p:attrName>ppt_y</p:attrName>
+                                        </p:attrNameLst>
+                                      </p:cBhvr>
+                                      <p:tavLst>
+                                        <p:tav tm="0">
+                                          <p:val>
+                                            <p:strVal val="#ppt_y+.1"/>
+                                          </p:val>
+                                        </p:tav>
+                                        <p:tav tm="100000">
+                                          <p:val>
+                                            <p:strVal val="#ppt_y"/>
+                                          </p:val>
+                                        </p:tav>
+                                      </p:tavLst>
+                                    </p:anim>
+                                    <p:animEffect transition="in" filter="fade">
+                                      <p:cBhvr>
+                                        <p:cTn id="38" dur="1000" decel="50000">
+                                          <p:stCondLst>
+                                            <p:cond delay="0"/>
+                                          </p:stCondLst>
+                                        </p:cTn>
+                                        <p:tgtEl>
+                                          <p:spTgt spid="6"/>
+                                        </p:tgtEl>
+                                      </p:cBhvr>
+                                    </p:animEffect>
+                                  </p:childTnLst>
+                                </p:cTn>
+                              </p:par>
+                            </p:childTnLst>
+                          </p:cTn>
+                        </p:par>
+                      </p:childTnLst>
+                    </p:cTn>
+                  </p:par>
+                  <p:par>
+                    <p:cTn id="39" fill="hold">
+                      <p:stCondLst>
+                        <p:cond delay="indefinite"/>
+                      </p:stCondLst>
+                      <p:childTnLst>
+                        <p:par>
+                          <p:cTn id="40" fill="hold">
+                            <p:stCondLst>
+                              <p:cond delay="0"/>
+                            </p:stCondLst>
+                            <p:childTnLst>
+                              <p:par>
+                                <p:cTn id="41" presetID="31" presetClass="entr" presetSubtype="0" fill="hold" grpId="0" nodeType="clickEffect">
+                                  <p:stCondLst>
+                                    <p:cond delay="0"/>
+                                  </p:stCondLst>
+                                  <p:iterate type="lt">
+                                    <p:tmPct val="5000"/>
+                                  </p:iterate>
+                                  <p:childTnLst>
+                                    <p:set>
+                                      <p:cBhvr>
+                                        <p:cTn id="42" dur="1" fill="hold">
+                                          <p:stCondLst>
+                                            <p:cond delay="0"/>
+                                          </p:stCondLst>
+                                        </p:cTn>
+                                        <p:tgtEl>
+                                          <p:spTgt spid="10"/>
+                                        </p:tgtEl>
+                                        <p:attrNameLst>
+                                          <p:attrName>style.visibility</p:attrName>
+                                        </p:attrNameLst>
+                                      </p:cBhvr>
+                                      <p:to>
+                                        <p:strVal val="visible"/>
+                                      </p:to>
+                                    </p:set>
+                                    <p:anim calcmode="lin" valueType="num">
+                                      <p:cBhvr>
+                                        <p:cTn id="43" dur="1000" fill="hold"/>
+                                        <p:tgtEl>
+                                          <p:spTgt spid="10"/>
+                                        </p:tgtEl>
+                                        <p:attrNameLst>
+                                          <p:attrName>ppt_w</p:attrName>
+                                        </p:attrNameLst>
+                                      </p:cBhvr>
+                                      <p:tavLst>
+                                        <p:tav tm="0">
+                                          <p:val>
+                                            <p:fltVal val="0"/>
+                                          </p:val>
+                                        </p:tav>
+                                        <p:tav tm="100000">
+                                          <p:val>
+                                            <p:strVal val="#ppt_w"/>
+                                          </p:val>
+                                        </p:tav>
+                                      </p:tavLst>
+                                    </p:anim>
+                                    <p:anim calcmode="lin" valueType="num">
+                                      <p:cBhvr>
+                                        <p:cTn id="44" dur="1000" fill="hold"/>
+                                        <p:tgtEl>
+                                          <p:spTgt spid="10"/>
+                                        </p:tgtEl>
+                                        <p:attrNameLst>
+                                          <p:attrName>ppt_h</p:attrName>
+                                        </p:attrNameLst>
+                                      </p:cBhvr>
+                                      <p:tavLst>
+                                        <p:tav tm="0">
+                                          <p:val>
+                                            <p:fltVal val="0"/>
+                                          </p:val>
+                                        </p:tav>
+                                        <p:tav tm="100000">
+                                          <p:val>
+                                            <p:strVal val="#ppt_h"/>
+                                          </p:val>
+                                        </p:tav>
+                                      </p:tavLst>
+                                    </p:anim>
+                                    <p:anim calcmode="lin" valueType="num">
+                                      <p:cBhvr>
+                                        <p:cTn id="45" dur="1000" fill="hold"/>
+                                        <p:tgtEl>
+                                          <p:spTgt spid="10"/>
+                                        </p:tgtEl>
+                                        <p:attrNameLst>
+                                          <p:attrName>style.rotation</p:attrName>
+                                        </p:attrNameLst>
+                                      </p:cBhvr>
+                                      <p:tavLst>
+                                        <p:tav tm="0">
+                                          <p:val>
+                                            <p:fltVal val="90"/>
+                                          </p:val>
+                                        </p:tav>
+                                        <p:tav tm="100000">
+                                          <p:val>
+                                            <p:fltVal val="0"/>
+                                          </p:val>
+                                        </p:tav>
+                                      </p:tavLst>
+                                    </p:anim>
+                                    <p:animEffect transition="in" filter="fade">
+                                      <p:cBhvr>
+                                        <p:cTn id="46" dur="1000"/>
+                                        <p:tgtEl>
+                                          <p:spTgt spid="10"/>
+                                        </p:tgtEl>
+                                      </p:cBhvr>
+                                    </p:animEffect>
+                                  </p:childTnLst>
+                                </p:cTn>
+                              </p:par>
+                            </p:childTnLst>
+                          </p:cTn>
+                        </p:par>
+                      </p:childTnLst>
+                    </p:cTn>
+                  </p:par>
+                  <p:par>
+                    <p:cTn id="47" fill="hold">
+                      <p:stCondLst>
+                        <p:cond delay="indefinite"/>
+                      </p:stCondLst>
+                      <p:childTnLst>
+                        <p:par>
+                          <p:cTn id="48" fill="hold">
+                            <p:stCondLst>
+                              <p:cond delay="0"/>
+                            </p:stCondLst>
+                            <p:childTnLst>
+                              <p:par>
+                                <p:cTn id="49" presetID="31" presetClass="entr" presetSubtype="0" fill="hold" grpId="0" nodeType="clickEffect">
+                                  <p:stCondLst>
+                                    <p:cond delay="0"/>
+                                  </p:stCondLst>
+                                  <p:iterate type="lt">
+                                    <p:tmPct val="5000"/>
+                                  </p:iterate>
+                                  <p:childTnLst>
+                                    <p:set>
+                                      <p:cBhvr>
+                                        <p:cTn id="50" dur="1" fill="hold">
+                                          <p:stCondLst>
+                                            <p:cond delay="0"/>
+                                          </p:stCondLst>
+                                        </p:cTn>
+                                        <p:tgtEl>
+                                          <p:spTgt spid="7"/>
+                                        </p:tgtEl>
+                                        <p:attrNameLst>
+                                          <p:attrName>style.visibility</p:attrName>
+                                        </p:attrNameLst>
+                                      </p:cBhvr>
+                                      <p:to>
+                                        <p:strVal val="visible"/>
+                                      </p:to>
+                                    </p:set>
+                                    <p:anim calcmode="lin" valueType="num">
+                                      <p:cBhvr>
+                                        <p:cTn id="51" dur="1000" fill="hold"/>
+                                        <p:tgtEl>
+                                          <p:spTgt spid="7"/>
+                                        </p:tgtEl>
+                                        <p:attrNameLst>
+                                          <p:attrName>ppt_w</p:attrName>
+                                        </p:attrNameLst>
+                                      </p:cBhvr>
+                                      <p:tavLst>
+                                        <p:tav tm="0">
+                                          <p:val>
+                                            <p:fltVal val="0"/>
+                                          </p:val>
+                                        </p:tav>
+                                        <p:tav tm="100000">
+                                          <p:val>
+                                            <p:strVal val="#ppt_w"/>
+                                          </p:val>
+                                        </p:tav>
+                                      </p:tavLst>
+                                    </p:anim>
+                                    <p:anim calcmode="lin" valueType="num">
+                                      <p:cBhvr>
+                                        <p:cTn id="52" dur="1000" fill="hold"/>
+                                        <p:tgtEl>
+                                          <p:spTgt spid="7"/>
+                                        </p:tgtEl>
+                                        <p:attrNameLst>
+                                          <p:attrName>ppt_h</p:attrName>
+                                        </p:attrNameLst>
+                                      </p:cBhvr>
+                                      <p:tavLst>
+                                        <p:tav tm="0">
+                                          <p:val>
+                                            <p:fltVal val="0"/>
+                                          </p:val>
+                                        </p:tav>
+                                        <p:tav tm="100000">
+                                          <p:val>
+                                            <p:strVal val="#ppt_h"/>
+                                          </p:val>
+                                        </p:tav>
+                                      </p:tavLst>
+                                    </p:anim>
+                                    <p:anim calcmode="lin" valueType="num">
+                                      <p:cBhvr>
+                                        <p:cTn id="53" dur="1000" fill="hold"/>
+                                        <p:tgtEl>
+                                          <p:spTgt spid="7"/>
+                                        </p:tgtEl>
+                                        <p:attrNameLst>
+                                          <p:attrName>style.rotation</p:attrName>
+                                        </p:attrNameLst>
+                                      </p:cBhvr>
+                                      <p:tavLst>
+                                        <p:tav tm="0">
+                                          <p:val>
+                                            <p:fltVal val="90"/>
+                                          </p:val>
+                                        </p:tav>
+                                        <p:tav tm="100000">
+                                          <p:val>
+                                            <p:fltVal val="0"/>
+                                          </p:val>
+                                        </p:tav>
+                                      </p:tavLst>
+                                    </p:anim>
+                                    <p:animEffect transition="in" filter="fade">
+                                      <p:cBhvr>
+                                        <p:cTn id="54" dur="1000"/>
+                                        <p:tgtEl>
+                                          <p:spTgt spid="7"/>
+                                        </p:tgtEl>
+                                      </p:cBhvr>
+                                    </p:animEffect>
+                                  </p:childTnLst>
+                                </p:cTn>
+                              </p:par>
+                            </p:childTnLst>
+                          </p:cTn>
+                        </p:par>
+                      </p:childTnLst>
+                    </p:cTn>
+                  </p:par>
+                  <p:par>
+                    <p:cTn id="55" fill="hold">
+                      <p:stCondLst>
+                        <p:cond delay="indefinite"/>
+                      </p:stCondLst>
+                      <p:childTnLst>
+                        <p:par>
+                          <p:cTn id="56" fill="hold">
+                            <p:stCondLst>
+                              <p:cond delay="0"/>
+                            </p:stCondLst>
+                            <p:childTnLst>
+                              <p:par>
+                                <p:cTn id="57" presetID="25" presetClass="entr" presetSubtype="0" fill="hold" grpId="0" nodeType="clickEffect">
+                                  <p:stCondLst>
+                                    <p:cond delay="0"/>
+                                  </p:stCondLst>
+                                  <p:childTnLst>
+                                    <p:set>
+                                      <p:cBhvr>
+                                        <p:cTn id="58" dur="1" fill="hold">
+                                          <p:stCondLst>
+                                            <p:cond delay="0"/>
+                                          </p:stCondLst>
+                                        </p:cTn>
+                                        <p:tgtEl>
+                                          <p:spTgt spid="11"/>
+                                        </p:tgtEl>
+                                        <p:attrNameLst>
+                                          <p:attrName>style.visibility</p:attrName>
+                                        </p:attrNameLst>
+                                      </p:cBhvr>
+                                      <p:to>
+                                        <p:strVal val="visible"/>
+                                      </p:to>
+                                    </p:set>
+                                    <p:anim calcmode="lin" valueType="num">
+                                      <p:cBhvr>
+                                        <p:cTn id="59" dur="500" decel="50000" fill="hold">
+                                          <p:stCondLst>
+                                            <p:cond delay="0"/>
+                                          </p:stCondLst>
+                                        </p:cTn>
+                                        <p:tgtEl>
+                                          <p:spTgt spid="11"/>
+                                        </p:tgtEl>
+                                        <p:attrNameLst>
+                                          <p:attrName>style.rotation</p:attrName>
+                                        </p:attrNameLst>
+                                      </p:cBhvr>
+                                      <p:tavLst>
+                                        <p:tav tm="0">
+                                          <p:val>
+                                            <p:fltVal val="-90"/>
+                                          </p:val>
+                                        </p:tav>
+                                        <p:tav tm="100000">
+                                          <p:val>
+                                            <p:fltVal val="0"/>
+                                          </p:val>
+                                        </p:tav>
+                                      </p:tavLst>
+                                    </p:anim>
+                                    <p:anim calcmode="lin" valueType="num">
+                                      <p:cBhvr>
+                                        <p:cTn id="60" dur="500" decel="50000" fill="hold">
+                                          <p:stCondLst>
+                                            <p:cond delay="0"/>
+                                          </p:stCondLst>
+                                        </p:cTn>
+                                        <p:tgtEl>
+                                          <p:spTgt spid="11"/>
+                                        </p:tgtEl>
+                                        <p:attrNameLst>
+                                          <p:attrName>ppt_w</p:attrName>
+                                        </p:attrNameLst>
+                                      </p:cBhvr>
+                                      <p:tavLst>
+                                        <p:tav tm="0">
+                                          <p:val>
+                                            <p:strVal val="#ppt_w"/>
+                                          </p:val>
+                                        </p:tav>
+                                        <p:tav tm="100000">
+                                          <p:val>
+                                            <p:strVal val="#ppt_w*.05"/>
+                                          </p:val>
+                                        </p:tav>
+                                      </p:tavLst>
+                                    </p:anim>
+                                    <p:anim calcmode="lin" valueType="num">
+                                      <p:cBhvr>
+                                        <p:cTn id="61" dur="500" accel="50000" fill="hold">
+                                          <p:stCondLst>
+                                            <p:cond delay="500"/>
+                                          </p:stCondLst>
+                                        </p:cTn>
+                                        <p:tgtEl>
+                                          <p:spTgt spid="11"/>
+                                        </p:tgtEl>
+                                        <p:attrNameLst>
+                                          <p:attrName>ppt_w</p:attrName>
+                                        </p:attrNameLst>
+                                      </p:cBhvr>
+                                      <p:tavLst>
+                                        <p:tav tm="0">
+                                          <p:val>
+                                            <p:strVal val="#ppt_w*.05"/>
+                                          </p:val>
+                                        </p:tav>
+                                        <p:tav tm="100000">
+                                          <p:val>
+                                            <p:strVal val="#ppt_w"/>
+                                          </p:val>
+                                        </p:tav>
+                                      </p:tavLst>
+                                    </p:anim>
+                                    <p:anim calcmode="lin" valueType="num">
+                                      <p:cBhvr>
+                                        <p:cTn id="62" dur="1000" fill="hold"/>
+                                        <p:tgtEl>
+                                          <p:spTgt spid="11"/>
+                                        </p:tgtEl>
+                                        <p:attrNameLst>
+                                          <p:attrName>ppt_h</p:attrName>
+                                        </p:attrNameLst>
+                                      </p:cBhvr>
+                                      <p:tavLst>
+                                        <p:tav tm="0">
+                                          <p:val>
+                                            <p:strVal val="#ppt_h"/>
+                                          </p:val>
+                                        </p:tav>
+                                        <p:tav tm="100000">
+                                          <p:val>
+                                            <p:strVal val="#ppt_h"/>
+                                          </p:val>
+                                        </p:tav>
+                                      </p:tavLst>
+                                    </p:anim>
+                                    <p:anim calcmode="lin" valueType="num">
+                                      <p:cBhvr>
+                                        <p:cTn id="63" dur="500" decel="50000" fill="hold">
+                                          <p:stCondLst>
+                                            <p:cond delay="0"/>
+                                          </p:stCondLst>
+                                        </p:cTn>
+                                        <p:tgtEl>
+                                          <p:spTgt spid="11"/>
+                                        </p:tgtEl>
+                                        <p:attrNameLst>
+                                          <p:attrName>ppt_x</p:attrName>
+                                        </p:attrNameLst>
+                                      </p:cBhvr>
+                                      <p:tavLst>
+                                        <p:tav tm="0">
+                                          <p:val>
+                                            <p:strVal val="#ppt_x+.4"/>
+                                          </p:val>
+                                        </p:tav>
+                                        <p:tav tm="100000">
+                                          <p:val>
+                                            <p:strVal val="#ppt_x"/>
+                                          </p:val>
+                                        </p:tav>
+                                      </p:tavLst>
+                                    </p:anim>
+                                    <p:anim calcmode="lin" valueType="num">
+                                      <p:cBhvr>
+                                        <p:cTn id="64" dur="500" decel="50000" fill="hold">
+                                          <p:stCondLst>
+                                            <p:cond delay="0"/>
+                                          </p:stCondLst>
+                                        </p:cTn>
+                                        <p:tgtEl>
+                                          <p:spTgt spid="11"/>
+                                        </p:tgtEl>
+                                        <p:attrNameLst>
+                                          <p:attrName>ppt_y</p:attrName>
+                                        </p:attrNameLst>
+                                      </p:cBhvr>
+                                      <p:tavLst>
+                                        <p:tav tm="0">
+                                          <p:val>
+                                            <p:strVal val="#ppt_y-.2"/>
+                                          </p:val>
+                                        </p:tav>
+                                        <p:tav tm="100000">
+                                          <p:val>
+                                            <p:strVal val="#ppt_y+.1"/>
+                                          </p:val>
+                                        </p:tav>
+                                      </p:tavLst>
+                                    </p:anim>
+                                    <p:anim calcmode="lin" valueType="num">
+                                      <p:cBhvr>
+                                        <p:cTn id="65" dur="500" accel="50000" fill="hold">
+                                          <p:stCondLst>
+                                            <p:cond delay="500"/>
+                                          </p:stCondLst>
+                                        </p:cTn>
+                                        <p:tgtEl>
+                                          <p:spTgt spid="11"/>
+                                        </p:tgtEl>
+                                        <p:attrNameLst>
+                                          <p:attrName>ppt_y</p:attrName>
+                                        </p:attrNameLst>
+                                      </p:cBhvr>
+                                      <p:tavLst>
+                                        <p:tav tm="0">
+                                          <p:val>
+                                            <p:strVal val="#ppt_y+.1"/>
+                                          </p:val>
+                                        </p:tav>
+                                        <p:tav tm="100000">
+                                          <p:val>
+                                            <p:strVal val="#ppt_y"/>
+                                          </p:val>
+                                        </p:tav>
+                                      </p:tavLst>
+                                    </p:anim>
+                                    <p:animEffect transition="in" filter="fade">
+                                      <p:cBhvr>
+                                        <p:cTn id="66" dur="1000" decel="50000">
+                                          <p:stCondLst>
+                                            <p:cond delay="0"/>
+                                          </p:stCondLst>
+                                        </p:cTn>
+                                        <p:tgtEl>
+                                          <p:spTgt spid="11"/>
+                                        </p:tgtEl>
+                                      </p:cBhvr>
+                                    </p:animEffect>
+                                  </p:childTnLst>
+                                </p:cTn>
+                              </p:par>
+                            </p:childTnLst>
+                          </p:cTn>
+                        </p:par>
+                      </p:childTnLst>
+                    </p:cTn>
+                  </p:par>
+                  <p:par>
+                    <p:cTn id="67" fill="hold">
+                      <p:stCondLst>
+                        <p:cond delay="indefinite"/>
+                      </p:stCondLst>
+                      <p:childTnLst>
+                        <p:par>
+                          <p:cTn id="68" fill="hold">
+                            <p:stCondLst>
+                              <p:cond delay="0"/>
+                            </p:stCondLst>
+                            <p:childTnLst>
+                              <p:par>
+                                <p:cTn id="69" presetID="54" presetClass="entr" presetSubtype="0" accel="100000" fill="hold" grpId="0" nodeType="clickEffect">
+                                  <p:stCondLst>
+                                    <p:cond delay="0"/>
+                                  </p:stCondLst>
+                                  <p:childTnLst>
+                                    <p:set>
+                                      <p:cBhvr>
+                                        <p:cTn id="70" dur="1" fill="hold">
+                                          <p:stCondLst>
+                                            <p:cond delay="0"/>
+                                          </p:stCondLst>
+                                        </p:cTn>
+                                        <p:tgtEl>
+                                          <p:spTgt spid="8"/>
+                                        </p:tgtEl>
+                                        <p:attrNameLst>
+                                          <p:attrName>style.visibility</p:attrName>
+                                        </p:attrNameLst>
+                                      </p:cBhvr>
+                                      <p:to>
+                                        <p:strVal val="visible"/>
+                                      </p:to>
+                                    </p:set>
+                                    <p:anim calcmode="lin" valueType="num">
+                                      <p:cBhvr>
+                                        <p:cTn id="71" dur="500" fill="hold"/>
+                                        <p:tgtEl>
+                                          <p:spTgt spid="8"/>
+                                        </p:tgtEl>
+                                        <p:attrNameLst>
+                                          <p:attrName>ppt_w</p:attrName>
+                                        </p:attrNameLst>
+                                      </p:cBhvr>
+                                      <p:tavLst>
+                                        <p:tav tm="0">
+                                          <p:val>
+                                            <p:strVal val="#ppt_w*0.05"/>
+                                          </p:val>
+                                        </p:tav>
+                                        <p:tav tm="100000">
+                                          <p:val>
+                                            <p:strVal val="#ppt_w"/>
+                                          </p:val>
+                                        </p:tav>
+                                      </p:tavLst>
+                                    </p:anim>
+                                    <p:anim calcmode="lin" valueType="num">
+                                      <p:cBhvr>
+                                        <p:cTn id="72" dur="500" fill="hold"/>
+                                        <p:tgtEl>
+                                          <p:spTgt spid="8"/>
+                                        </p:tgtEl>
+                                        <p:attrNameLst>
+                                          <p:attrName>ppt_h</p:attrName>
+                                        </p:attrNameLst>
+                                      </p:cBhvr>
+                                      <p:tavLst>
+                                        <p:tav tm="0">
+                                          <p:val>
+                                            <p:strVal val="#ppt_h"/>
+                                          </p:val>
+                                        </p:tav>
+                                        <p:tav tm="100000">
+                                          <p:val>
+                                            <p:strVal val="#ppt_h"/>
+                                          </p:val>
+                                        </p:tav>
+                                      </p:tavLst>
+                                    </p:anim>
+                                    <p:anim calcmode="lin" valueType="num">
+                                      <p:cBhvr>
+                                        <p:cTn id="73" dur="500" fill="hold"/>
+                                        <p:tgtEl>
+                                          <p:spTgt spid="8"/>
+                                        </p:tgtEl>
+                                        <p:attrNameLst>
+                                          <p:attrName>ppt_x</p:attrName>
+                                        </p:attrNameLst>
+                                      </p:cBhvr>
+                                      <p:tavLst>
+                                        <p:tav tm="0">
+                                          <p:val>
+                                            <p:strVal val="#ppt_x-.2"/>
+                                          </p:val>
+                                        </p:tav>
+                                        <p:tav tm="100000">
+                                          <p:val>
+                                            <p:strVal val="#ppt_x"/>
+                                          </p:val>
+                                        </p:tav>
+                                      </p:tavLst>
+                                    </p:anim>
+                                    <p:anim calcmode="lin" valueType="num">
+                                      <p:cBhvr>
+                                        <p:cTn id="74" dur="500" fill="hold"/>
+                                        <p:tgtEl>
+                                          <p:spTgt spid="8"/>
+                                        </p:tgtEl>
+                                        <p:attrNameLst>
+                                          <p:attrName>ppt_y</p:attrName>
+                                        </p:attrNameLst>
+                                      </p:cBhvr>
+                                      <p:tavLst>
+                                        <p:tav tm="0">
+                                          <p:val>
+                                            <p:strVal val="#ppt_y"/>
+                                          </p:val>
+                                        </p:tav>
+                                        <p:tav tm="100000">
+                                          <p:val>
+                                            <p:strVal val="#ppt_y"/>
+                                          </p:val>
+                                        </p:tav>
+                                      </p:tavLst>
+                                    </p:anim>
+                                    <p:animEffect transition="in" filter="fade">
+                                      <p:cBhvr>
+                                        <p:cTn id="75" dur="500"/>
+                                        <p:tgtEl>
+                                          <p:spTgt spid="8"/>
+                                        </p:tgtEl>
+                                      </p:cBhvr>
+                                    </p:animEffect>
+                                  </p:childTnLst>
+                                </p:cTn>
+                              </p:par>
+                            </p:childTnLst>
+                          </p:cTn>
+                        </p:par>
+                      </p:childTnLst>
+                    </p:cTn>
+                  </p:par>
+                  <p:par>
+                    <p:cTn id="76" fill="hold">
+                      <p:stCondLst>
+                        <p:cond delay="indefinite"/>
+                      </p:stCondLst>
+                      <p:childTnLst>
+                        <p:par>
+                          <p:cTn id="77" fill="hold">
+                            <p:stCondLst>
+                              <p:cond delay="0"/>
+                            </p:stCondLst>
+                            <p:childTnLst>
+                              <p:par>
+                                <p:cTn id="78" presetID="31" presetClass="entr" presetSubtype="0" fill="hold" grpId="0" nodeType="clickEffect">
+                                  <p:stCondLst>
+                                    <p:cond delay="0"/>
+                                  </p:stCondLst>
+                                  <p:iterate type="lt">
+                                    <p:tmPct val="5000"/>
+                                  </p:iterate>
+                                  <p:childTnLst>
+                                    <p:set>
+                                      <p:cBhvr>
+                                        <p:cTn id="79" dur="1" fill="hold">
+                                          <p:stCondLst>
+                                            <p:cond delay="0"/>
+                                          </p:stCondLst>
+                                        </p:cTn>
+                                        <p:tgtEl>
+                                          <p:spTgt spid="12"/>
+                                        </p:tgtEl>
+                                        <p:attrNameLst>
+                                          <p:attrName>style.visibility</p:attrName>
+                                        </p:attrNameLst>
+                                      </p:cBhvr>
+                                      <p:to>
+                                        <p:strVal val="visible"/>
+                                      </p:to>
+                                    </p:set>
+                                    <p:anim calcmode="lin" valueType="num">
+                                      <p:cBhvr>
+                                        <p:cTn id="80" dur="1000" fill="hold"/>
+                                        <p:tgtEl>
+                                          <p:spTgt spid="12"/>
+                                        </p:tgtEl>
+                                        <p:attrNameLst>
+                                          <p:attrName>ppt_w</p:attrName>
+                                        </p:attrNameLst>
+                                      </p:cBhvr>
+                                      <p:tavLst>
+                                        <p:tav tm="0">
+                                          <p:val>
+                                            <p:fltVal val="0"/>
+                                          </p:val>
+                                        </p:tav>
+                                        <p:tav tm="100000">
+                                          <p:val>
+                                            <p:strVal val="#ppt_w"/>
+                                          </p:val>
+                                        </p:tav>
+                                      </p:tavLst>
+                                    </p:anim>
+                                    <p:anim calcmode="lin" valueType="num">
+                                      <p:cBhvr>
+                                        <p:cTn id="81" dur="1000" fill="hold"/>
+                                        <p:tgtEl>
+                                          <p:spTgt spid="12"/>
+                                        </p:tgtEl>
+                                        <p:attrNameLst>
+                                          <p:attrName>ppt_h</p:attrName>
+                                        </p:attrNameLst>
+                                      </p:cBhvr>
+                                      <p:tavLst>
+                                        <p:tav tm="0">
+                                          <p:val>
+                                            <p:fltVal val="0"/>
+                                          </p:val>
+                                        </p:tav>
+                                        <p:tav tm="100000">
+                                          <p:val>
+                                            <p:strVal val="#ppt_h"/>
+                                          </p:val>
+                                        </p:tav>
+                                      </p:tavLst>
+                                    </p:anim>
+                                    <p:anim calcmode="lin" valueType="num">
+                                      <p:cBhvr>
+                                        <p:cTn id="82" dur="1000" fill="hold"/>
+                                        <p:tgtEl>
+                                          <p:spTgt spid="12"/>
+                                        </p:tgtEl>
+                                        <p:attrNameLst>
+                                          <p:attrName>style.rotation</p:attrName>
+                                        </p:attrNameLst>
+                                      </p:cBhvr>
+                                      <p:tavLst>
+                                        <p:tav tm="0">
+                                          <p:val>
+                                            <p:fltVal val="90"/>
+                                          </p:val>
+                                        </p:tav>
+                                        <p:tav tm="100000">
+                                          <p:val>
+                                            <p:fltVal val="0"/>
+                                          </p:val>
+                                        </p:tav>
+                                      </p:tavLst>
+                                    </p:anim>
+                                    <p:animEffect transition="in" filter="fade">
+                                      <p:cBhvr>
+                                        <p:cTn id="83" dur="1000"/>
+                                        <p:tgtEl>
+                                          <p:spTgt spid="12"/>
+                                        </p:tgtEl>
+                                      </p:cBhvr>
+                                    </p:animEffect>
+                                  </p:childTnLst>
+                                </p:cTn>
+                              </p:par>
+                            </p:childTnLst>
+                          </p:cTn>
+                        </p:par>
+                      </p:childTnLst>
+                    </p:cTn>
+                  </p:par>
+                </p:childTnLst>
+              </p:cTn>
+              <p:prevCondLst>
+                <p:cond evt="onPrev" delay="0">
+                  <p:tgtEl>
+                    <p:sldTgt/>
+                  </p:tgtEl>
+                </p:cond>
+              </p:prevCondLst>
+              <p:nextCondLst>
+                <p:cond evt="onNext" delay="0">
+                  <p:tgtEl>
+                    <p:sldTgt/>
+                  </p:tgtEl>
+                </p:cond>
+              </p:nextCondLst>
+            </p:seq>
+          </p:childTnLst>
+        </p:cTn>
+      </p:par>
+    </p:tnLst>
+    <p:bldLst>
+      <p:bldP spid="5" grpId="0" animBg="1"/>
+      <p:bldP spid="6" grpId="0" animBg="1"/>
+      <p:bldP spid="7" grpId="0" animBg="1"/>
+      <p:bldP spid="8" grpId="0" animBg="1"/>
+      <p:bldP spid="9" grpId="0" animBg="1"/>
+      <p:bldP spid="10" grpId="0" animBg="1"/>
+      <p:bldP spid="11" grpId="0" animBg="1"/>
+      <p:bldP spid="12" grpId="0" animBg="1"/>
+    </p:bldLst>
+  </p:timing>
 </p:sld>
 </file>
 
@@ -4892,7 +8773,7 @@
           <p:cNvPr id="2" name="标题 1">
             <a:extLst>
               <a:ext uri="{FF2B5EF4-FFF2-40B4-BE49-F238E27FC236}">
-                <a16:creationId xmlns:a16="http://schemas.microsoft.com/office/drawing/2014/main" id="{75C2E6E7-62F7-4375-B3C8-119094AC0A16}"/>
+                <a16:creationId xmlns="" xmlns:a16="http://schemas.microsoft.com/office/drawing/2014/main" id="{75C2E6E7-62F7-4375-B3C8-119094AC0A16}"/>
               </a:ext>
             </a:extLst>
           </p:cNvPr>
@@ -4925,7 +8806,7 @@
           <p:cNvPr id="3" name="内容占位符 2">
             <a:extLst>
               <a:ext uri="{FF2B5EF4-FFF2-40B4-BE49-F238E27FC236}">
-                <a16:creationId xmlns:a16="http://schemas.microsoft.com/office/drawing/2014/main" id="{7A34441A-29FF-47A7-B7A6-D8A56A8F9754}"/>
+                <a16:creationId xmlns="" xmlns:a16="http://schemas.microsoft.com/office/drawing/2014/main" id="{7A34441A-29FF-47A7-B7A6-D8A56A8F9754}"/>
               </a:ext>
             </a:extLst>
           </p:cNvPr>
@@ -4944,50 +8825,396 @@
           <a:lstStyle/>
           <a:p>
             <a:r>
-              <a:rPr lang="zh-CN" altLang="en-US" dirty="0"/>
+              <a:rPr lang="zh-CN" altLang="en-US" dirty="0">
+                <a:hlinkClick r:id="rId2" action="ppaction://hlinksldjump"/>
+              </a:rPr>
               <a:t>分区</a:t>
             </a:r>
             <a:endParaRPr lang="en-US" altLang="zh-CN" dirty="0"/>
           </a:p>
           <a:p>
             <a:r>
-              <a:rPr lang="zh-CN" altLang="en-US" dirty="0"/>
+              <a:rPr lang="zh-CN" altLang="en-US" dirty="0">
+                <a:hlinkClick r:id="rId3" action="ppaction://hlinksldjump"/>
+              </a:rPr>
               <a:t>逻辑分代</a:t>
             </a:r>
             <a:endParaRPr lang="en-US" altLang="zh-CN" dirty="0"/>
           </a:p>
           <a:p>
             <a:r>
-              <a:rPr lang="en-US" altLang="zh-CN" dirty="0" err="1"/>
+              <a:rPr lang="en-US" altLang="zh-CN" dirty="0" smtClean="0">
+                <a:hlinkClick r:id="rId4" action="ppaction://hlinksldjump"/>
+              </a:rPr>
               <a:t>RSet</a:t>
             </a:r>
             <a:endParaRPr lang="en-US" altLang="zh-CN" dirty="0"/>
           </a:p>
           <a:p>
             <a:r>
-              <a:rPr lang="en-US" altLang="zh-CN" dirty="0" err="1"/>
-              <a:t>Cset</a:t>
+              <a:rPr lang="en-US" altLang="zh-CN" dirty="0" smtClean="0">
+                <a:hlinkClick r:id="rId5" action="ppaction://hlinksldjump"/>
+              </a:rPr>
+              <a:t>CSet</a:t>
             </a:r>
             <a:endParaRPr lang="en-US" altLang="zh-CN" dirty="0"/>
           </a:p>
           <a:p>
             <a:r>
-              <a:rPr lang="zh-CN" altLang="en-US" dirty="0"/>
+              <a:rPr lang="zh-CN" altLang="en-US" dirty="0">
+                <a:hlinkClick r:id="rId6" action="ppaction://hlinksldjump"/>
+              </a:rPr>
               <a:t>收集过程</a:t>
             </a:r>
+            <a:endParaRPr lang="zh-CN" altLang="en-US" dirty="0"/>
           </a:p>
         </p:txBody>
       </p:sp>
     </p:spTree>
     <p:extLst>
       <p:ext uri="{BB962C8B-B14F-4D97-AF65-F5344CB8AC3E}">
-        <p14:creationId xmlns:p14="http://schemas.microsoft.com/office/powerpoint/2010/main" val="2941754394"/>
+        <p14:creationId xmlns="" xmlns:p14="http://schemas.microsoft.com/office/powerpoint/2010/main" val="2941754394"/>
       </p:ext>
     </p:extLst>
   </p:cSld>
   <p:clrMapOvr>
     <a:masterClrMapping/>
   </p:clrMapOvr>
+  <p:timing>
+    <p:tnLst>
+      <p:par>
+        <p:cTn id="1" dur="indefinite" restart="never" nodeType="tmRoot">
+          <p:childTnLst>
+            <p:seq concurrent="1" nextAc="seek">
+              <p:cTn id="2" dur="indefinite" nodeType="mainSeq">
+                <p:childTnLst>
+                  <p:par>
+                    <p:cTn id="3" fill="hold">
+                      <p:stCondLst>
+                        <p:cond delay="indefinite"/>
+                      </p:stCondLst>
+                      <p:childTnLst>
+                        <p:par>
+                          <p:cTn id="4" fill="hold">
+                            <p:stCondLst>
+                              <p:cond delay="0"/>
+                            </p:stCondLst>
+                            <p:childTnLst>
+                              <p:par>
+                                <p:cTn id="5" presetID="3" presetClass="entr" presetSubtype="10" fill="hold" nodeType="clickEffect">
+                                  <p:stCondLst>
+                                    <p:cond delay="0"/>
+                                  </p:stCondLst>
+                                  <p:childTnLst>
+                                    <p:set>
+                                      <p:cBhvr>
+                                        <p:cTn id="6" dur="1" fill="hold">
+                                          <p:stCondLst>
+                                            <p:cond delay="0"/>
+                                          </p:stCondLst>
+                                        </p:cTn>
+                                        <p:tgtEl>
+                                          <p:spTgt spid="3">
+                                            <p:txEl>
+                                              <p:pRg st="0" end="0"/>
+                                            </p:txEl>
+                                          </p:spTgt>
+                                        </p:tgtEl>
+                                        <p:attrNameLst>
+                                          <p:attrName>style.visibility</p:attrName>
+                                        </p:attrNameLst>
+                                      </p:cBhvr>
+                                      <p:to>
+                                        <p:strVal val="visible"/>
+                                      </p:to>
+                                    </p:set>
+                                    <p:animEffect transition="in" filter="blinds(horizontal)">
+                                      <p:cBhvr>
+                                        <p:cTn id="7" dur="500"/>
+                                        <p:tgtEl>
+                                          <p:spTgt spid="3">
+                                            <p:txEl>
+                                              <p:pRg st="0" end="0"/>
+                                            </p:txEl>
+                                          </p:spTgt>
+                                        </p:tgtEl>
+                                      </p:cBhvr>
+                                    </p:animEffect>
+                                  </p:childTnLst>
+                                </p:cTn>
+                              </p:par>
+                            </p:childTnLst>
+                          </p:cTn>
+                        </p:par>
+                      </p:childTnLst>
+                    </p:cTn>
+                  </p:par>
+                  <p:par>
+                    <p:cTn id="8" fill="hold">
+                      <p:stCondLst>
+                        <p:cond delay="indefinite"/>
+                      </p:stCondLst>
+                      <p:childTnLst>
+                        <p:par>
+                          <p:cTn id="9" fill="hold">
+                            <p:stCondLst>
+                              <p:cond delay="0"/>
+                            </p:stCondLst>
+                            <p:childTnLst>
+                              <p:par>
+                                <p:cTn id="10" presetID="3" presetClass="entr" presetSubtype="10" fill="hold" nodeType="clickEffect">
+                                  <p:stCondLst>
+                                    <p:cond delay="0"/>
+                                  </p:stCondLst>
+                                  <p:childTnLst>
+                                    <p:set>
+                                      <p:cBhvr>
+                                        <p:cTn id="11" dur="1" fill="hold">
+                                          <p:stCondLst>
+                                            <p:cond delay="0"/>
+                                          </p:stCondLst>
+                                        </p:cTn>
+                                        <p:tgtEl>
+                                          <p:spTgt spid="3">
+                                            <p:txEl>
+                                              <p:pRg st="1" end="1"/>
+                                            </p:txEl>
+                                          </p:spTgt>
+                                        </p:tgtEl>
+                                        <p:attrNameLst>
+                                          <p:attrName>style.visibility</p:attrName>
+                                        </p:attrNameLst>
+                                      </p:cBhvr>
+                                      <p:to>
+                                        <p:strVal val="visible"/>
+                                      </p:to>
+                                    </p:set>
+                                    <p:animEffect transition="in" filter="blinds(horizontal)">
+                                      <p:cBhvr>
+                                        <p:cTn id="12" dur="500"/>
+                                        <p:tgtEl>
+                                          <p:spTgt spid="3">
+                                            <p:txEl>
+                                              <p:pRg st="1" end="1"/>
+                                            </p:txEl>
+                                          </p:spTgt>
+                                        </p:tgtEl>
+                                      </p:cBhvr>
+                                    </p:animEffect>
+                                  </p:childTnLst>
+                                </p:cTn>
+                              </p:par>
+                            </p:childTnLst>
+                          </p:cTn>
+                        </p:par>
+                      </p:childTnLst>
+                    </p:cTn>
+                  </p:par>
+                  <p:par>
+                    <p:cTn id="13" fill="hold">
+                      <p:stCondLst>
+                        <p:cond delay="indefinite"/>
+                      </p:stCondLst>
+                      <p:childTnLst>
+                        <p:par>
+                          <p:cTn id="14" fill="hold">
+                            <p:stCondLst>
+                              <p:cond delay="0"/>
+                            </p:stCondLst>
+                            <p:childTnLst>
+                              <p:par>
+                                <p:cTn id="15" presetID="3" presetClass="entr" presetSubtype="10" fill="hold" nodeType="clickEffect">
+                                  <p:stCondLst>
+                                    <p:cond delay="0"/>
+                                  </p:stCondLst>
+                                  <p:childTnLst>
+                                    <p:set>
+                                      <p:cBhvr>
+                                        <p:cTn id="16" dur="1" fill="hold">
+                                          <p:stCondLst>
+                                            <p:cond delay="0"/>
+                                          </p:stCondLst>
+                                        </p:cTn>
+                                        <p:tgtEl>
+                                          <p:spTgt spid="3">
+                                            <p:txEl>
+                                              <p:pRg st="2" end="2"/>
+                                            </p:txEl>
+                                          </p:spTgt>
+                                        </p:tgtEl>
+                                        <p:attrNameLst>
+                                          <p:attrName>style.visibility</p:attrName>
+                                        </p:attrNameLst>
+                                      </p:cBhvr>
+                                      <p:to>
+                                        <p:strVal val="visible"/>
+                                      </p:to>
+                                    </p:set>
+                                    <p:animEffect transition="in" filter="blinds(horizontal)">
+                                      <p:cBhvr>
+                                        <p:cTn id="17" dur="500"/>
+                                        <p:tgtEl>
+                                          <p:spTgt spid="3">
+                                            <p:txEl>
+                                              <p:pRg st="2" end="2"/>
+                                            </p:txEl>
+                                          </p:spTgt>
+                                        </p:tgtEl>
+                                      </p:cBhvr>
+                                    </p:animEffect>
+                                  </p:childTnLst>
+                                </p:cTn>
+                              </p:par>
+                            </p:childTnLst>
+                          </p:cTn>
+                        </p:par>
+                      </p:childTnLst>
+                    </p:cTn>
+                  </p:par>
+                  <p:par>
+                    <p:cTn id="18" fill="hold">
+                      <p:stCondLst>
+                        <p:cond delay="indefinite"/>
+                      </p:stCondLst>
+                      <p:childTnLst>
+                        <p:par>
+                          <p:cTn id="19" fill="hold">
+                            <p:stCondLst>
+                              <p:cond delay="0"/>
+                            </p:stCondLst>
+                            <p:childTnLst>
+                              <p:par>
+                                <p:cTn id="20" presetID="3" presetClass="entr" presetSubtype="10" fill="hold" nodeType="clickEffect">
+                                  <p:stCondLst>
+                                    <p:cond delay="0"/>
+                                  </p:stCondLst>
+                                  <p:childTnLst>
+                                    <p:set>
+                                      <p:cBhvr>
+                                        <p:cTn id="21" dur="1" fill="hold">
+                                          <p:stCondLst>
+                                            <p:cond delay="0"/>
+                                          </p:stCondLst>
+                                        </p:cTn>
+                                        <p:tgtEl>
+                                          <p:spTgt spid="3">
+                                            <p:txEl>
+                                              <p:pRg st="3" end="3"/>
+                                            </p:txEl>
+                                          </p:spTgt>
+                                        </p:tgtEl>
+                                        <p:attrNameLst>
+                                          <p:attrName>style.visibility</p:attrName>
+                                        </p:attrNameLst>
+                                      </p:cBhvr>
+                                      <p:to>
+                                        <p:strVal val="visible"/>
+                                      </p:to>
+                                    </p:set>
+                                    <p:animEffect transition="in" filter="blinds(horizontal)">
+                                      <p:cBhvr>
+                                        <p:cTn id="22" dur="500"/>
+                                        <p:tgtEl>
+                                          <p:spTgt spid="3">
+                                            <p:txEl>
+                                              <p:pRg st="3" end="3"/>
+                                            </p:txEl>
+                                          </p:spTgt>
+                                        </p:tgtEl>
+                                      </p:cBhvr>
+                                    </p:animEffect>
+                                  </p:childTnLst>
+                                </p:cTn>
+                              </p:par>
+                            </p:childTnLst>
+                          </p:cTn>
+                        </p:par>
+                      </p:childTnLst>
+                    </p:cTn>
+                  </p:par>
+                  <p:par>
+                    <p:cTn id="23" fill="hold">
+                      <p:stCondLst>
+                        <p:cond delay="indefinite"/>
+                      </p:stCondLst>
+                      <p:childTnLst>
+                        <p:par>
+                          <p:cTn id="24" fill="hold">
+                            <p:stCondLst>
+                              <p:cond delay="0"/>
+                            </p:stCondLst>
+                            <p:childTnLst>
+                              <p:par>
+                                <p:cTn id="25" presetID="3" presetClass="entr" presetSubtype="10" fill="hold" nodeType="clickEffect">
+                                  <p:stCondLst>
+                                    <p:cond delay="0"/>
+                                  </p:stCondLst>
+                                  <p:childTnLst>
+                                    <p:set>
+                                      <p:cBhvr>
+                                        <p:cTn id="26" dur="1" fill="hold">
+                                          <p:stCondLst>
+                                            <p:cond delay="0"/>
+                                          </p:stCondLst>
+                                        </p:cTn>
+                                        <p:tgtEl>
+                                          <p:spTgt spid="3">
+                                            <p:txEl>
+                                              <p:pRg st="4" end="4"/>
+                                            </p:txEl>
+                                          </p:spTgt>
+                                        </p:tgtEl>
+                                        <p:attrNameLst>
+                                          <p:attrName>style.visibility</p:attrName>
+                                        </p:attrNameLst>
+                                      </p:cBhvr>
+                                      <p:to>
+                                        <p:strVal val="visible"/>
+                                      </p:to>
+                                    </p:set>
+                                    <p:animEffect transition="in" filter="blinds(horizontal)">
+                                      <p:cBhvr>
+                                        <p:cTn id="27" dur="500"/>
+                                        <p:tgtEl>
+                                          <p:spTgt spid="3">
+                                            <p:txEl>
+                                              <p:pRg st="4" end="4"/>
+                                            </p:txEl>
+                                          </p:spTgt>
+                                        </p:tgtEl>
+                                      </p:cBhvr>
+                                    </p:animEffect>
+                                  </p:childTnLst>
+                                </p:cTn>
+                              </p:par>
+                            </p:childTnLst>
+                          </p:cTn>
+                        </p:par>
+                      </p:childTnLst>
+                    </p:cTn>
+                  </p:par>
+                </p:childTnLst>
+              </p:cTn>
+              <p:prevCondLst>
+                <p:cond evt="onPrev" delay="0">
+                  <p:tgtEl>
+                    <p:sldTgt/>
+                  </p:tgtEl>
+                </p:cond>
+              </p:prevCondLst>
+              <p:nextCondLst>
+                <p:cond evt="onNext" delay="0">
+                  <p:tgtEl>
+                    <p:sldTgt/>
+                  </p:tgtEl>
+                </p:cond>
+              </p:nextCondLst>
+            </p:seq>
+          </p:childTnLst>
+        </p:cTn>
+      </p:par>
+    </p:tnLst>
+  </p:timing>
 </p:sld>
 </file>
 
@@ -5013,7 +9240,7 @@
           <p:cNvPr id="2" name="标题 1">
             <a:extLst>
               <a:ext uri="{FF2B5EF4-FFF2-40B4-BE49-F238E27FC236}">
-                <a16:creationId xmlns:a16="http://schemas.microsoft.com/office/drawing/2014/main" id="{20A6D4E9-CA10-421E-A956-8CD59555386E}"/>
+                <a16:creationId xmlns="" xmlns:a16="http://schemas.microsoft.com/office/drawing/2014/main" id="{20A6D4E9-CA10-421E-A956-8CD59555386E}"/>
               </a:ext>
             </a:extLst>
           </p:cNvPr>
@@ -5054,7 +9281,7 @@
           <p:cNvPr id="4" name="内容占位符 3">
             <a:extLst>
               <a:ext uri="{FF2B5EF4-FFF2-40B4-BE49-F238E27FC236}">
-                <a16:creationId xmlns:a16="http://schemas.microsoft.com/office/drawing/2014/main" id="{CDE372E3-3044-4DAE-BBFF-FE000657BCF2}"/>
+                <a16:creationId xmlns="" xmlns:a16="http://schemas.microsoft.com/office/drawing/2014/main" id="{CDE372E3-3044-4DAE-BBFF-FE000657BCF2}"/>
               </a:ext>
             </a:extLst>
           </p:cNvPr>
@@ -5066,10 +9293,10 @@
           </p:nvPr>
         </p:nvPicPr>
         <p:blipFill>
-          <a:blip r:embed="rId2">
+          <a:blip r:embed="rId2" cstate="print">
             <a:extLst>
               <a:ext uri="{28A0092B-C50C-407E-A947-70E740481C1C}">
-                <a14:useLocalDpi xmlns:a14="http://schemas.microsoft.com/office/drawing/2010/main" val="0"/>
+                <a14:useLocalDpi xmlns="" xmlns:a14="http://schemas.microsoft.com/office/drawing/2010/main" val="0"/>
               </a:ext>
             </a:extLst>
           </a:blip>
@@ -5092,7 +9319,7 @@
           <p:cNvPr id="5" name="椭圆 4">
             <a:extLst>
               <a:ext uri="{FF2B5EF4-FFF2-40B4-BE49-F238E27FC236}">
-                <a16:creationId xmlns:a16="http://schemas.microsoft.com/office/drawing/2014/main" id="{6EB16C0B-74FC-4F27-B746-CAA43D6532CE}"/>
+                <a16:creationId xmlns="" xmlns:a16="http://schemas.microsoft.com/office/drawing/2014/main" id="{6EB16C0B-74FC-4F27-B746-CAA43D6532CE}"/>
               </a:ext>
             </a:extLst>
           </p:cNvPr>
@@ -5142,13 +9369,152 @@
     </p:spTree>
     <p:extLst>
       <p:ext uri="{BB962C8B-B14F-4D97-AF65-F5344CB8AC3E}">
-        <p14:creationId xmlns:p14="http://schemas.microsoft.com/office/powerpoint/2010/main" val="1492727705"/>
+        <p14:creationId xmlns="" xmlns:p14="http://schemas.microsoft.com/office/powerpoint/2010/main" val="1492727705"/>
       </p:ext>
     </p:extLst>
   </p:cSld>
   <p:clrMapOvr>
     <a:masterClrMapping/>
   </p:clrMapOvr>
+  <p:timing>
+    <p:tnLst>
+      <p:par>
+        <p:cTn id="1" dur="indefinite" restart="never" nodeType="tmRoot">
+          <p:childTnLst>
+            <p:seq concurrent="1" nextAc="seek">
+              <p:cTn id="2" dur="indefinite" nodeType="mainSeq">
+                <p:childTnLst>
+                  <p:par>
+                    <p:cTn id="3" fill="hold">
+                      <p:stCondLst>
+                        <p:cond delay="indefinite"/>
+                      </p:stCondLst>
+                      <p:childTnLst>
+                        <p:par>
+                          <p:cTn id="4" fill="hold">
+                            <p:stCondLst>
+                              <p:cond delay="0"/>
+                            </p:stCondLst>
+                            <p:childTnLst>
+                              <p:par>
+                                <p:cTn id="5" presetID="4" presetClass="entr" presetSubtype="16" fill="hold" nodeType="clickEffect">
+                                  <p:stCondLst>
+                                    <p:cond delay="0"/>
+                                  </p:stCondLst>
+                                  <p:childTnLst>
+                                    <p:set>
+                                      <p:cBhvr>
+                                        <p:cTn id="6" dur="1" fill="hold">
+                                          <p:stCondLst>
+                                            <p:cond delay="0"/>
+                                          </p:stCondLst>
+                                        </p:cTn>
+                                        <p:tgtEl>
+                                          <p:spTgt spid="4"/>
+                                        </p:tgtEl>
+                                        <p:attrNameLst>
+                                          <p:attrName>style.visibility</p:attrName>
+                                        </p:attrNameLst>
+                                      </p:cBhvr>
+                                      <p:to>
+                                        <p:strVal val="visible"/>
+                                      </p:to>
+                                    </p:set>
+                                    <p:animEffect transition="in" filter="box(in)">
+                                      <p:cBhvr>
+                                        <p:cTn id="7" dur="500"/>
+                                        <p:tgtEl>
+                                          <p:spTgt spid="4"/>
+                                        </p:tgtEl>
+                                      </p:cBhvr>
+                                    </p:animEffect>
+                                  </p:childTnLst>
+                                </p:cTn>
+                              </p:par>
+                            </p:childTnLst>
+                          </p:cTn>
+                        </p:par>
+                      </p:childTnLst>
+                    </p:cTn>
+                  </p:par>
+                  <p:par>
+                    <p:cTn id="8" fill="hold">
+                      <p:stCondLst>
+                        <p:cond delay="indefinite"/>
+                      </p:stCondLst>
+                      <p:childTnLst>
+                        <p:par>
+                          <p:cTn id="9" fill="hold">
+                            <p:stCondLst>
+                              <p:cond delay="0"/>
+                            </p:stCondLst>
+                            <p:childTnLst>
+                              <p:par>
+                                <p:cTn id="10" presetID="21" presetClass="entr" presetSubtype="4" fill="hold" grpId="0" nodeType="clickEffect">
+                                  <p:stCondLst>
+                                    <p:cond delay="0"/>
+                                  </p:stCondLst>
+                                  <p:childTnLst>
+                                    <p:set>
+                                      <p:cBhvr>
+                                        <p:cTn id="11" dur="1" fill="hold">
+                                          <p:stCondLst>
+                                            <p:cond delay="0"/>
+                                          </p:stCondLst>
+                                        </p:cTn>
+                                        <p:tgtEl>
+                                          <p:spTgt spid="5"/>
+                                        </p:tgtEl>
+                                        <p:attrNameLst>
+                                          <p:attrName>style.visibility</p:attrName>
+                                        </p:attrNameLst>
+                                      </p:cBhvr>
+                                      <p:to>
+                                        <p:strVal val="visible"/>
+                                      </p:to>
+                                    </p:set>
+                                    <p:animEffect transition="in" filter="wheel(4)">
+                                      <p:cBhvr>
+                                        <p:cTn id="12" dur="500"/>
+                                        <p:tgtEl>
+                                          <p:spTgt spid="5"/>
+                                        </p:tgtEl>
+                                      </p:cBhvr>
+                                    </p:animEffect>
+                                  </p:childTnLst>
+                                </p:cTn>
+                              </p:par>
+                            </p:childTnLst>
+                          </p:cTn>
+                        </p:par>
+                      </p:childTnLst>
+                    </p:cTn>
+                  </p:par>
+                </p:childTnLst>
+              </p:cTn>
+              <p:prevCondLst>
+                <p:cond evt="onPrev" delay="0">
+                  <p:tgtEl>
+                    <p:sldTgt/>
+                  </p:tgtEl>
+                </p:cond>
+              </p:prevCondLst>
+              <p:nextCondLst>
+                <p:cond evt="onNext" delay="0">
+                  <p:tgtEl>
+                    <p:sldTgt/>
+                  </p:tgtEl>
+                </p:cond>
+              </p:nextCondLst>
+            </p:seq>
+          </p:childTnLst>
+        </p:cTn>
+      </p:par>
+    </p:tnLst>
+    <p:bldLst>
+      <p:bldP spid="5" grpId="0" animBg="1"/>
+    </p:bldLst>
+  </p:timing>
 </p:sld>
 </file>
 
@@ -5174,7 +9540,7 @@
           <p:cNvPr id="2" name="标题 1">
             <a:extLst>
               <a:ext uri="{FF2B5EF4-FFF2-40B4-BE49-F238E27FC236}">
-                <a16:creationId xmlns:a16="http://schemas.microsoft.com/office/drawing/2014/main" id="{FCAF8E58-32EC-45E2-B7FE-D2B9281C2863}"/>
+                <a16:creationId xmlns="" xmlns:a16="http://schemas.microsoft.com/office/drawing/2014/main" id="{FCAF8E58-32EC-45E2-B7FE-D2B9281C2863}"/>
               </a:ext>
             </a:extLst>
           </p:cNvPr>
@@ -5215,7 +9581,7 @@
           <p:cNvPr id="3" name="内容占位符 2">
             <a:extLst>
               <a:ext uri="{FF2B5EF4-FFF2-40B4-BE49-F238E27FC236}">
-                <a16:creationId xmlns:a16="http://schemas.microsoft.com/office/drawing/2014/main" id="{988C178E-E1C1-4C13-912C-0126A11D9C2A}"/>
+                <a16:creationId xmlns="" xmlns:a16="http://schemas.microsoft.com/office/drawing/2014/main" id="{988C178E-E1C1-4C13-912C-0126A11D9C2A}"/>
               </a:ext>
             </a:extLst>
           </p:cNvPr>
@@ -5267,7 +9633,7 @@
           <p:cNvPr id="4" name="图片 3">
             <a:extLst>
               <a:ext uri="{FF2B5EF4-FFF2-40B4-BE49-F238E27FC236}">
-                <a16:creationId xmlns:a16="http://schemas.microsoft.com/office/drawing/2014/main" id="{BF31DB11-19EF-40AD-9E57-FED7959D3F88}"/>
+                <a16:creationId xmlns="" xmlns:a16="http://schemas.microsoft.com/office/drawing/2014/main" id="{BF31DB11-19EF-40AD-9E57-FED7959D3F88}"/>
               </a:ext>
             </a:extLst>
           </p:cNvPr>
@@ -5277,7 +9643,7 @@
           <p:nvPr/>
         </p:nvPicPr>
         <p:blipFill>
-          <a:blip r:embed="rId2"/>
+          <a:blip r:embed="rId2" cstate="print"/>
           <a:stretch>
             <a:fillRect/>
           </a:stretch>
@@ -5297,7 +9663,7 @@
           <p:cNvPr id="7" name="图片 6">
             <a:extLst>
               <a:ext uri="{FF2B5EF4-FFF2-40B4-BE49-F238E27FC236}">
-                <a16:creationId xmlns:a16="http://schemas.microsoft.com/office/drawing/2014/main" id="{0CCE3A2D-4574-43C1-B829-781DBA2F9FA6}"/>
+                <a16:creationId xmlns="" xmlns:a16="http://schemas.microsoft.com/office/drawing/2014/main" id="{0CCE3A2D-4574-43C1-B829-781DBA2F9FA6}"/>
               </a:ext>
             </a:extLst>
           </p:cNvPr>
@@ -5307,10 +9673,10 @@
           <p:nvPr/>
         </p:nvPicPr>
         <p:blipFill>
-          <a:blip r:embed="rId3">
+          <a:blip r:embed="rId3" cstate="print">
             <a:extLst>
               <a:ext uri="{28A0092B-C50C-407E-A947-70E740481C1C}">
-                <a14:useLocalDpi xmlns:a14="http://schemas.microsoft.com/office/drawing/2010/main" val="0"/>
+                <a14:useLocalDpi xmlns="" xmlns:a14="http://schemas.microsoft.com/office/drawing/2010/main" val="0"/>
               </a:ext>
             </a:extLst>
           </a:blip>
@@ -5333,7 +9699,7 @@
           <p:cNvPr id="8" name="椭圆 7">
             <a:extLst>
               <a:ext uri="{FF2B5EF4-FFF2-40B4-BE49-F238E27FC236}">
-                <a16:creationId xmlns:a16="http://schemas.microsoft.com/office/drawing/2014/main" id="{B349CFF5-955A-4998-BBD5-64DA3D012B39}"/>
+                <a16:creationId xmlns="" xmlns:a16="http://schemas.microsoft.com/office/drawing/2014/main" id="{B349CFF5-955A-4998-BBD5-64DA3D012B39}"/>
               </a:ext>
             </a:extLst>
           </p:cNvPr>
@@ -5385,7 +9751,7 @@
           <p:cNvPr id="9" name="椭圆 8">
             <a:extLst>
               <a:ext uri="{FF2B5EF4-FFF2-40B4-BE49-F238E27FC236}">
-                <a16:creationId xmlns:a16="http://schemas.microsoft.com/office/drawing/2014/main" id="{3BCD8313-04F9-45F9-9C1A-6330E669DBED}"/>
+                <a16:creationId xmlns="" xmlns:a16="http://schemas.microsoft.com/office/drawing/2014/main" id="{3BCD8313-04F9-45F9-9C1A-6330E669DBED}"/>
               </a:ext>
             </a:extLst>
           </p:cNvPr>
@@ -5435,13 +9801,486 @@
     </p:spTree>
     <p:extLst>
       <p:ext uri="{BB962C8B-B14F-4D97-AF65-F5344CB8AC3E}">
-        <p14:creationId xmlns:p14="http://schemas.microsoft.com/office/powerpoint/2010/main" val="2415414456"/>
+        <p14:creationId xmlns="" xmlns:p14="http://schemas.microsoft.com/office/powerpoint/2010/main" val="2415414456"/>
       </p:ext>
     </p:extLst>
   </p:cSld>
   <p:clrMapOvr>
     <a:masterClrMapping/>
   </p:clrMapOvr>
+  <p:timing>
+    <p:tnLst>
+      <p:par>
+        <p:cTn id="1" dur="indefinite" restart="never" nodeType="tmRoot">
+          <p:childTnLst>
+            <p:seq concurrent="1" nextAc="seek">
+              <p:cTn id="2" dur="indefinite" nodeType="mainSeq">
+                <p:childTnLst>
+                  <p:par>
+                    <p:cTn id="3" fill="hold">
+                      <p:stCondLst>
+                        <p:cond delay="indefinite"/>
+                      </p:stCondLst>
+                      <p:childTnLst>
+                        <p:par>
+                          <p:cTn id="4" fill="hold">
+                            <p:stCondLst>
+                              <p:cond delay="0"/>
+                            </p:stCondLst>
+                            <p:childTnLst>
+                              <p:par>
+                                <p:cTn id="5" presetID="2" presetClass="entr" presetSubtype="4" fill="hold" nodeType="clickEffect">
+                                  <p:stCondLst>
+                                    <p:cond delay="0"/>
+                                  </p:stCondLst>
+                                  <p:childTnLst>
+                                    <p:set>
+                                      <p:cBhvr>
+                                        <p:cTn id="6" dur="1" fill="hold">
+                                          <p:stCondLst>
+                                            <p:cond delay="0"/>
+                                          </p:stCondLst>
+                                        </p:cTn>
+                                        <p:tgtEl>
+                                          <p:spTgt spid="4"/>
+                                        </p:tgtEl>
+                                        <p:attrNameLst>
+                                          <p:attrName>style.visibility</p:attrName>
+                                        </p:attrNameLst>
+                                      </p:cBhvr>
+                                      <p:to>
+                                        <p:strVal val="visible"/>
+                                      </p:to>
+                                    </p:set>
+                                    <p:anim calcmode="lin" valueType="num">
+                                      <p:cBhvr additive="base">
+                                        <p:cTn id="7" dur="500" fill="hold"/>
+                                        <p:tgtEl>
+                                          <p:spTgt spid="4"/>
+                                        </p:tgtEl>
+                                        <p:attrNameLst>
+                                          <p:attrName>ppt_x</p:attrName>
+                                        </p:attrNameLst>
+                                      </p:cBhvr>
+                                      <p:tavLst>
+                                        <p:tav tm="0">
+                                          <p:val>
+                                            <p:strVal val="#ppt_x"/>
+                                          </p:val>
+                                        </p:tav>
+                                        <p:tav tm="100000">
+                                          <p:val>
+                                            <p:strVal val="#ppt_x"/>
+                                          </p:val>
+                                        </p:tav>
+                                      </p:tavLst>
+                                    </p:anim>
+                                    <p:anim calcmode="lin" valueType="num">
+                                      <p:cBhvr additive="base">
+                                        <p:cTn id="8" dur="500" fill="hold"/>
+                                        <p:tgtEl>
+                                          <p:spTgt spid="4"/>
+                                        </p:tgtEl>
+                                        <p:attrNameLst>
+                                          <p:attrName>ppt_y</p:attrName>
+                                        </p:attrNameLst>
+                                      </p:cBhvr>
+                                      <p:tavLst>
+                                        <p:tav tm="0">
+                                          <p:val>
+                                            <p:strVal val="1+#ppt_h/2"/>
+                                          </p:val>
+                                        </p:tav>
+                                        <p:tav tm="100000">
+                                          <p:val>
+                                            <p:strVal val="#ppt_y"/>
+                                          </p:val>
+                                        </p:tav>
+                                      </p:tavLst>
+                                    </p:anim>
+                                  </p:childTnLst>
+                                </p:cTn>
+                              </p:par>
+                            </p:childTnLst>
+                          </p:cTn>
+                        </p:par>
+                      </p:childTnLst>
+                    </p:cTn>
+                  </p:par>
+                  <p:par>
+                    <p:cTn id="9" fill="hold">
+                      <p:stCondLst>
+                        <p:cond delay="indefinite"/>
+                      </p:stCondLst>
+                      <p:childTnLst>
+                        <p:par>
+                          <p:cTn id="10" fill="hold">
+                            <p:stCondLst>
+                              <p:cond delay="0"/>
+                            </p:stCondLst>
+                            <p:childTnLst>
+                              <p:par>
+                                <p:cTn id="11" presetID="25" presetClass="entr" presetSubtype="0" fill="hold" nodeType="clickEffect">
+                                  <p:stCondLst>
+                                    <p:cond delay="0"/>
+                                  </p:stCondLst>
+                                  <p:childTnLst>
+                                    <p:set>
+                                      <p:cBhvr>
+                                        <p:cTn id="12" dur="1" fill="hold">
+                                          <p:stCondLst>
+                                            <p:cond delay="0"/>
+                                          </p:stCondLst>
+                                        </p:cTn>
+                                        <p:tgtEl>
+                                          <p:spTgt spid="7"/>
+                                        </p:tgtEl>
+                                        <p:attrNameLst>
+                                          <p:attrName>style.visibility</p:attrName>
+                                        </p:attrNameLst>
+                                      </p:cBhvr>
+                                      <p:to>
+                                        <p:strVal val="visible"/>
+                                      </p:to>
+                                    </p:set>
+                                    <p:anim calcmode="lin" valueType="num">
+                                      <p:cBhvr>
+                                        <p:cTn id="13" dur="500" decel="50000" fill="hold">
+                                          <p:stCondLst>
+                                            <p:cond delay="0"/>
+                                          </p:stCondLst>
+                                        </p:cTn>
+                                        <p:tgtEl>
+                                          <p:spTgt spid="7"/>
+                                        </p:tgtEl>
+                                        <p:attrNameLst>
+                                          <p:attrName>style.rotation</p:attrName>
+                                        </p:attrNameLst>
+                                      </p:cBhvr>
+                                      <p:tavLst>
+                                        <p:tav tm="0">
+                                          <p:val>
+                                            <p:fltVal val="-90"/>
+                                          </p:val>
+                                        </p:tav>
+                                        <p:tav tm="100000">
+                                          <p:val>
+                                            <p:fltVal val="0"/>
+                                          </p:val>
+                                        </p:tav>
+                                      </p:tavLst>
+                                    </p:anim>
+                                    <p:anim calcmode="lin" valueType="num">
+                                      <p:cBhvr>
+                                        <p:cTn id="14" dur="500" decel="50000" fill="hold">
+                                          <p:stCondLst>
+                                            <p:cond delay="0"/>
+                                          </p:stCondLst>
+                                        </p:cTn>
+                                        <p:tgtEl>
+                                          <p:spTgt spid="7"/>
+                                        </p:tgtEl>
+                                        <p:attrNameLst>
+                                          <p:attrName>ppt_w</p:attrName>
+                                        </p:attrNameLst>
+                                      </p:cBhvr>
+                                      <p:tavLst>
+                                        <p:tav tm="0">
+                                          <p:val>
+                                            <p:strVal val="#ppt_w"/>
+                                          </p:val>
+                                        </p:tav>
+                                        <p:tav tm="100000">
+                                          <p:val>
+                                            <p:strVal val="#ppt_w*.05"/>
+                                          </p:val>
+                                        </p:tav>
+                                      </p:tavLst>
+                                    </p:anim>
+                                    <p:anim calcmode="lin" valueType="num">
+                                      <p:cBhvr>
+                                        <p:cTn id="15" dur="500" accel="50000" fill="hold">
+                                          <p:stCondLst>
+                                            <p:cond delay="500"/>
+                                          </p:stCondLst>
+                                        </p:cTn>
+                                        <p:tgtEl>
+                                          <p:spTgt spid="7"/>
+                                        </p:tgtEl>
+                                        <p:attrNameLst>
+                                          <p:attrName>ppt_w</p:attrName>
+                                        </p:attrNameLst>
+                                      </p:cBhvr>
+                                      <p:tavLst>
+                                        <p:tav tm="0">
+                                          <p:val>
+                                            <p:strVal val="#ppt_w*.05"/>
+                                          </p:val>
+                                        </p:tav>
+                                        <p:tav tm="100000">
+                                          <p:val>
+                                            <p:strVal val="#ppt_w"/>
+                                          </p:val>
+                                        </p:tav>
+                                      </p:tavLst>
+                                    </p:anim>
+                                    <p:anim calcmode="lin" valueType="num">
+                                      <p:cBhvr>
+                                        <p:cTn id="16" dur="1000" fill="hold"/>
+                                        <p:tgtEl>
+                                          <p:spTgt spid="7"/>
+                                        </p:tgtEl>
+                                        <p:attrNameLst>
+                                          <p:attrName>ppt_h</p:attrName>
+                                        </p:attrNameLst>
+                                      </p:cBhvr>
+                                      <p:tavLst>
+                                        <p:tav tm="0">
+                                          <p:val>
+                                            <p:strVal val="#ppt_h"/>
+                                          </p:val>
+                                        </p:tav>
+                                        <p:tav tm="100000">
+                                          <p:val>
+                                            <p:strVal val="#ppt_h"/>
+                                          </p:val>
+                                        </p:tav>
+                                      </p:tavLst>
+                                    </p:anim>
+                                    <p:anim calcmode="lin" valueType="num">
+                                      <p:cBhvr>
+                                        <p:cTn id="17" dur="500" decel="50000" fill="hold">
+                                          <p:stCondLst>
+                                            <p:cond delay="0"/>
+                                          </p:stCondLst>
+                                        </p:cTn>
+                                        <p:tgtEl>
+                                          <p:spTgt spid="7"/>
+                                        </p:tgtEl>
+                                        <p:attrNameLst>
+                                          <p:attrName>ppt_x</p:attrName>
+                                        </p:attrNameLst>
+                                      </p:cBhvr>
+                                      <p:tavLst>
+                                        <p:tav tm="0">
+                                          <p:val>
+                                            <p:strVal val="#ppt_x+.4"/>
+                                          </p:val>
+                                        </p:tav>
+                                        <p:tav tm="100000">
+                                          <p:val>
+                                            <p:strVal val="#ppt_x"/>
+                                          </p:val>
+                                        </p:tav>
+                                      </p:tavLst>
+                                    </p:anim>
+                                    <p:anim calcmode="lin" valueType="num">
+                                      <p:cBhvr>
+                                        <p:cTn id="18" dur="500" decel="50000" fill="hold">
+                                          <p:stCondLst>
+                                            <p:cond delay="0"/>
+                                          </p:stCondLst>
+                                        </p:cTn>
+                                        <p:tgtEl>
+                                          <p:spTgt spid="7"/>
+                                        </p:tgtEl>
+                                        <p:attrNameLst>
+                                          <p:attrName>ppt_y</p:attrName>
+                                        </p:attrNameLst>
+                                      </p:cBhvr>
+                                      <p:tavLst>
+                                        <p:tav tm="0">
+                                          <p:val>
+                                            <p:strVal val="#ppt_y-.2"/>
+                                          </p:val>
+                                        </p:tav>
+                                        <p:tav tm="100000">
+                                          <p:val>
+                                            <p:strVal val="#ppt_y+.1"/>
+                                          </p:val>
+                                        </p:tav>
+                                      </p:tavLst>
+                                    </p:anim>
+                                    <p:anim calcmode="lin" valueType="num">
+                                      <p:cBhvr>
+                                        <p:cTn id="19" dur="500" accel="50000" fill="hold">
+                                          <p:stCondLst>
+                                            <p:cond delay="500"/>
+                                          </p:stCondLst>
+                                        </p:cTn>
+                                        <p:tgtEl>
+                                          <p:spTgt spid="7"/>
+                                        </p:tgtEl>
+                                        <p:attrNameLst>
+                                          <p:attrName>ppt_y</p:attrName>
+                                        </p:attrNameLst>
+                                      </p:cBhvr>
+                                      <p:tavLst>
+                                        <p:tav tm="0">
+                                          <p:val>
+                                            <p:strVal val="#ppt_y+.1"/>
+                                          </p:val>
+                                        </p:tav>
+                                        <p:tav tm="100000">
+                                          <p:val>
+                                            <p:strVal val="#ppt_y"/>
+                                          </p:val>
+                                        </p:tav>
+                                      </p:tavLst>
+                                    </p:anim>
+                                    <p:animEffect transition="in" filter="fade">
+                                      <p:cBhvr>
+                                        <p:cTn id="20" dur="1000" decel="50000">
+                                          <p:stCondLst>
+                                            <p:cond delay="0"/>
+                                          </p:stCondLst>
+                                        </p:cTn>
+                                        <p:tgtEl>
+                                          <p:spTgt spid="7"/>
+                                        </p:tgtEl>
+                                      </p:cBhvr>
+                                    </p:animEffect>
+                                  </p:childTnLst>
+                                </p:cTn>
+                              </p:par>
+                            </p:childTnLst>
+                          </p:cTn>
+                        </p:par>
+                      </p:childTnLst>
+                    </p:cTn>
+                  </p:par>
+                  <p:par>
+                    <p:cTn id="21" fill="hold">
+                      <p:stCondLst>
+                        <p:cond delay="indefinite"/>
+                      </p:stCondLst>
+                      <p:childTnLst>
+                        <p:par>
+                          <p:cTn id="22" fill="hold">
+                            <p:stCondLst>
+                              <p:cond delay="0"/>
+                            </p:stCondLst>
+                            <p:childTnLst>
+                              <p:par>
+                                <p:cTn id="23" presetID="3" presetClass="entr" presetSubtype="10" fill="hold" grpId="0" nodeType="clickEffect">
+                                  <p:stCondLst>
+                                    <p:cond delay="0"/>
+                                  </p:stCondLst>
+                                  <p:childTnLst>
+                                    <p:set>
+                                      <p:cBhvr>
+                                        <p:cTn id="24" dur="1" fill="hold">
+                                          <p:stCondLst>
+                                            <p:cond delay="0"/>
+                                          </p:stCondLst>
+                                        </p:cTn>
+                                        <p:tgtEl>
+                                          <p:spTgt spid="8"/>
+                                        </p:tgtEl>
+                                        <p:attrNameLst>
+                                          <p:attrName>style.visibility</p:attrName>
+                                        </p:attrNameLst>
+                                      </p:cBhvr>
+                                      <p:to>
+                                        <p:strVal val="visible"/>
+                                      </p:to>
+                                    </p:set>
+                                    <p:animEffect transition="in" filter="blinds(horizontal)">
+                                      <p:cBhvr>
+                                        <p:cTn id="25" dur="500"/>
+                                        <p:tgtEl>
+                                          <p:spTgt spid="8"/>
+                                        </p:tgtEl>
+                                      </p:cBhvr>
+                                    </p:animEffect>
+                                  </p:childTnLst>
+                                </p:cTn>
+                              </p:par>
+                            </p:childTnLst>
+                          </p:cTn>
+                        </p:par>
+                      </p:childTnLst>
+                    </p:cTn>
+                  </p:par>
+                  <p:par>
+                    <p:cTn id="26" fill="hold">
+                      <p:stCondLst>
+                        <p:cond delay="indefinite"/>
+                      </p:stCondLst>
+                      <p:childTnLst>
+                        <p:par>
+                          <p:cTn id="27" fill="hold">
+                            <p:stCondLst>
+                              <p:cond delay="0"/>
+                            </p:stCondLst>
+                            <p:childTnLst>
+                              <p:par>
+                                <p:cTn id="28" presetID="3" presetClass="entr" presetSubtype="10" fill="hold" grpId="0" nodeType="clickEffect">
+                                  <p:stCondLst>
+                                    <p:cond delay="0"/>
+                                  </p:stCondLst>
+                                  <p:childTnLst>
+                                    <p:set>
+                                      <p:cBhvr>
+                                        <p:cTn id="29" dur="1" fill="hold">
+                                          <p:stCondLst>
+                                            <p:cond delay="0"/>
+                                          </p:stCondLst>
+                                        </p:cTn>
+                                        <p:tgtEl>
+                                          <p:spTgt spid="9"/>
+                                        </p:tgtEl>
+                                        <p:attrNameLst>
+                                          <p:attrName>style.visibility</p:attrName>
+                                        </p:attrNameLst>
+                                      </p:cBhvr>
+                                      <p:to>
+                                        <p:strVal val="visible"/>
+                                      </p:to>
+                                    </p:set>
+                                    <p:animEffect transition="in" filter="blinds(horizontal)">
+                                      <p:cBhvr>
+                                        <p:cTn id="30" dur="500"/>
+                                        <p:tgtEl>
+                                          <p:spTgt spid="9"/>
+                                        </p:tgtEl>
+                                      </p:cBhvr>
+                                    </p:animEffect>
+                                  </p:childTnLst>
+                                </p:cTn>
+                              </p:par>
+                            </p:childTnLst>
+                          </p:cTn>
+                        </p:par>
+                      </p:childTnLst>
+                    </p:cTn>
+                  </p:par>
+                </p:childTnLst>
+              </p:cTn>
+              <p:prevCondLst>
+                <p:cond evt="onPrev" delay="0">
+                  <p:tgtEl>
+                    <p:sldTgt/>
+                  </p:tgtEl>
+                </p:cond>
+              </p:prevCondLst>
+              <p:nextCondLst>
+                <p:cond evt="onNext" delay="0">
+                  <p:tgtEl>
+                    <p:sldTgt/>
+                  </p:tgtEl>
+                </p:cond>
+              </p:nextCondLst>
+            </p:seq>
+          </p:childTnLst>
+        </p:cTn>
+      </p:par>
+    </p:tnLst>
+    <p:bldLst>
+      <p:bldP spid="8" grpId="0" animBg="1"/>
+      <p:bldP spid="9" grpId="0" animBg="1"/>
+    </p:bldLst>
+  </p:timing>
 </p:sld>
 </file>
 
@@ -5467,7 +10306,7 @@
           <p:cNvPr id="2" name="标题 1">
             <a:extLst>
               <a:ext uri="{FF2B5EF4-FFF2-40B4-BE49-F238E27FC236}">
-                <a16:creationId xmlns:a16="http://schemas.microsoft.com/office/drawing/2014/main" id="{8C511997-0293-4615-8113-EC849C5DE669}"/>
+                <a16:creationId xmlns="" xmlns:a16="http://schemas.microsoft.com/office/drawing/2014/main" id="{8C511997-0293-4615-8113-EC849C5DE669}"/>
               </a:ext>
             </a:extLst>
           </p:cNvPr>
@@ -5509,7 +10348,7 @@
           <p:cNvPr id="3" name="内容占位符 2">
             <a:extLst>
               <a:ext uri="{FF2B5EF4-FFF2-40B4-BE49-F238E27FC236}">
-                <a16:creationId xmlns:a16="http://schemas.microsoft.com/office/drawing/2014/main" id="{6B30ED33-F707-43D0-956D-AA290177DF72}"/>
+                <a16:creationId xmlns="" xmlns:a16="http://schemas.microsoft.com/office/drawing/2014/main" id="{6B30ED33-F707-43D0-956D-AA290177DF72}"/>
               </a:ext>
             </a:extLst>
           </p:cNvPr>
@@ -5542,13 +10381,20 @@
     </p:spTree>
     <p:extLst>
       <p:ext uri="{BB962C8B-B14F-4D97-AF65-F5344CB8AC3E}">
-        <p14:creationId xmlns:p14="http://schemas.microsoft.com/office/powerpoint/2010/main" val="3883894175"/>
+        <p14:creationId xmlns="" xmlns:p14="http://schemas.microsoft.com/office/powerpoint/2010/main" val="3883894175"/>
       </p:ext>
     </p:extLst>
   </p:cSld>
   <p:clrMapOvr>
     <a:masterClrMapping/>
   </p:clrMapOvr>
+  <p:timing>
+    <p:tnLst>
+      <p:par>
+        <p:cTn id="1" dur="indefinite" restart="never" nodeType="tmRoot"/>
+      </p:par>
+    </p:tnLst>
+  </p:timing>
 </p:sld>
 </file>
 
@@ -5659,6 +10505,466 @@
   <p:clrMapOvr>
     <a:masterClrMapping/>
   </p:clrMapOvr>
+  <p:transition>
+    <p:wipe dir="u"/>
+  </p:transition>
+  <p:timing>
+    <p:tnLst>
+      <p:par>
+        <p:cTn id="1" dur="indefinite" restart="never" nodeType="tmRoot">
+          <p:childTnLst>
+            <p:seq concurrent="1" nextAc="seek">
+              <p:cTn id="2" dur="indefinite" nodeType="mainSeq">
+                <p:childTnLst>
+                  <p:par>
+                    <p:cTn id="3" fill="hold">
+                      <p:stCondLst>
+                        <p:cond delay="indefinite"/>
+                      </p:stCondLst>
+                      <p:childTnLst>
+                        <p:par>
+                          <p:cTn id="4" fill="hold">
+                            <p:stCondLst>
+                              <p:cond delay="0"/>
+                            </p:stCondLst>
+                            <p:childTnLst>
+                              <p:par>
+                                <p:cTn id="5" presetID="3" presetClass="entr" presetSubtype="10" fill="hold" nodeType="clickEffect">
+                                  <p:stCondLst>
+                                    <p:cond delay="0"/>
+                                  </p:stCondLst>
+                                  <p:childTnLst>
+                                    <p:set>
+                                      <p:cBhvr>
+                                        <p:cTn id="6" dur="1" fill="hold">
+                                          <p:stCondLst>
+                                            <p:cond delay="0"/>
+                                          </p:stCondLst>
+                                        </p:cTn>
+                                        <p:tgtEl>
+                                          <p:spTgt spid="3">
+                                            <p:txEl>
+                                              <p:pRg st="0" end="0"/>
+                                            </p:txEl>
+                                          </p:spTgt>
+                                        </p:tgtEl>
+                                        <p:attrNameLst>
+                                          <p:attrName>style.visibility</p:attrName>
+                                        </p:attrNameLst>
+                                      </p:cBhvr>
+                                      <p:to>
+                                        <p:strVal val="visible"/>
+                                      </p:to>
+                                    </p:set>
+                                    <p:animEffect transition="in" filter="blinds(horizontal)">
+                                      <p:cBhvr>
+                                        <p:cTn id="7" dur="500"/>
+                                        <p:tgtEl>
+                                          <p:spTgt spid="3">
+                                            <p:txEl>
+                                              <p:pRg st="0" end="0"/>
+                                            </p:txEl>
+                                          </p:spTgt>
+                                        </p:tgtEl>
+                                      </p:cBhvr>
+                                    </p:animEffect>
+                                  </p:childTnLst>
+                                </p:cTn>
+                              </p:par>
+                            </p:childTnLst>
+                          </p:cTn>
+                        </p:par>
+                      </p:childTnLst>
+                    </p:cTn>
+                  </p:par>
+                  <p:par>
+                    <p:cTn id="8" fill="hold">
+                      <p:stCondLst>
+                        <p:cond delay="indefinite"/>
+                      </p:stCondLst>
+                      <p:childTnLst>
+                        <p:par>
+                          <p:cTn id="9" fill="hold">
+                            <p:stCondLst>
+                              <p:cond delay="0"/>
+                            </p:stCondLst>
+                            <p:childTnLst>
+                              <p:par>
+                                <p:cTn id="10" presetID="3" presetClass="entr" presetSubtype="10" fill="hold" nodeType="clickEffect">
+                                  <p:stCondLst>
+                                    <p:cond delay="0"/>
+                                  </p:stCondLst>
+                                  <p:childTnLst>
+                                    <p:set>
+                                      <p:cBhvr>
+                                        <p:cTn id="11" dur="1" fill="hold">
+                                          <p:stCondLst>
+                                            <p:cond delay="0"/>
+                                          </p:stCondLst>
+                                        </p:cTn>
+                                        <p:tgtEl>
+                                          <p:spTgt spid="3">
+                                            <p:txEl>
+                                              <p:pRg st="1" end="1"/>
+                                            </p:txEl>
+                                          </p:spTgt>
+                                        </p:tgtEl>
+                                        <p:attrNameLst>
+                                          <p:attrName>style.visibility</p:attrName>
+                                        </p:attrNameLst>
+                                      </p:cBhvr>
+                                      <p:to>
+                                        <p:strVal val="visible"/>
+                                      </p:to>
+                                    </p:set>
+                                    <p:animEffect transition="in" filter="blinds(horizontal)">
+                                      <p:cBhvr>
+                                        <p:cTn id="12" dur="500"/>
+                                        <p:tgtEl>
+                                          <p:spTgt spid="3">
+                                            <p:txEl>
+                                              <p:pRg st="1" end="1"/>
+                                            </p:txEl>
+                                          </p:spTgt>
+                                        </p:tgtEl>
+                                      </p:cBhvr>
+                                    </p:animEffect>
+                                  </p:childTnLst>
+                                </p:cTn>
+                              </p:par>
+                            </p:childTnLst>
+                          </p:cTn>
+                        </p:par>
+                      </p:childTnLst>
+                    </p:cTn>
+                  </p:par>
+                  <p:par>
+                    <p:cTn id="13" fill="hold">
+                      <p:stCondLst>
+                        <p:cond delay="indefinite"/>
+                      </p:stCondLst>
+                      <p:childTnLst>
+                        <p:par>
+                          <p:cTn id="14" fill="hold">
+                            <p:stCondLst>
+                              <p:cond delay="0"/>
+                            </p:stCondLst>
+                            <p:childTnLst>
+                              <p:par>
+                                <p:cTn id="15" presetID="3" presetClass="entr" presetSubtype="10" fill="hold" nodeType="clickEffect">
+                                  <p:stCondLst>
+                                    <p:cond delay="0"/>
+                                  </p:stCondLst>
+                                  <p:childTnLst>
+                                    <p:set>
+                                      <p:cBhvr>
+                                        <p:cTn id="16" dur="1" fill="hold">
+                                          <p:stCondLst>
+                                            <p:cond delay="0"/>
+                                          </p:stCondLst>
+                                        </p:cTn>
+                                        <p:tgtEl>
+                                          <p:spTgt spid="3">
+                                            <p:txEl>
+                                              <p:pRg st="2" end="2"/>
+                                            </p:txEl>
+                                          </p:spTgt>
+                                        </p:tgtEl>
+                                        <p:attrNameLst>
+                                          <p:attrName>style.visibility</p:attrName>
+                                        </p:attrNameLst>
+                                      </p:cBhvr>
+                                      <p:to>
+                                        <p:strVal val="visible"/>
+                                      </p:to>
+                                    </p:set>
+                                    <p:animEffect transition="in" filter="blinds(horizontal)">
+                                      <p:cBhvr>
+                                        <p:cTn id="17" dur="500"/>
+                                        <p:tgtEl>
+                                          <p:spTgt spid="3">
+                                            <p:txEl>
+                                              <p:pRg st="2" end="2"/>
+                                            </p:txEl>
+                                          </p:spTgt>
+                                        </p:tgtEl>
+                                      </p:cBhvr>
+                                    </p:animEffect>
+                                  </p:childTnLst>
+                                </p:cTn>
+                              </p:par>
+                            </p:childTnLst>
+                          </p:cTn>
+                        </p:par>
+                      </p:childTnLst>
+                    </p:cTn>
+                  </p:par>
+                  <p:par>
+                    <p:cTn id="18" fill="hold">
+                      <p:stCondLst>
+                        <p:cond delay="indefinite"/>
+                      </p:stCondLst>
+                      <p:childTnLst>
+                        <p:par>
+                          <p:cTn id="19" fill="hold">
+                            <p:stCondLst>
+                              <p:cond delay="0"/>
+                            </p:stCondLst>
+                            <p:childTnLst>
+                              <p:par>
+                                <p:cTn id="20" presetID="3" presetClass="entr" presetSubtype="10" fill="hold" nodeType="clickEffect">
+                                  <p:stCondLst>
+                                    <p:cond delay="0"/>
+                                  </p:stCondLst>
+                                  <p:childTnLst>
+                                    <p:set>
+                                      <p:cBhvr>
+                                        <p:cTn id="21" dur="1" fill="hold">
+                                          <p:stCondLst>
+                                            <p:cond delay="0"/>
+                                          </p:stCondLst>
+                                        </p:cTn>
+                                        <p:tgtEl>
+                                          <p:spTgt spid="3">
+                                            <p:txEl>
+                                              <p:pRg st="3" end="3"/>
+                                            </p:txEl>
+                                          </p:spTgt>
+                                        </p:tgtEl>
+                                        <p:attrNameLst>
+                                          <p:attrName>style.visibility</p:attrName>
+                                        </p:attrNameLst>
+                                      </p:cBhvr>
+                                      <p:to>
+                                        <p:strVal val="visible"/>
+                                      </p:to>
+                                    </p:set>
+                                    <p:animEffect transition="in" filter="blinds(horizontal)">
+                                      <p:cBhvr>
+                                        <p:cTn id="22" dur="500"/>
+                                        <p:tgtEl>
+                                          <p:spTgt spid="3">
+                                            <p:txEl>
+                                              <p:pRg st="3" end="3"/>
+                                            </p:txEl>
+                                          </p:spTgt>
+                                        </p:tgtEl>
+                                      </p:cBhvr>
+                                    </p:animEffect>
+                                  </p:childTnLst>
+                                </p:cTn>
+                              </p:par>
+                            </p:childTnLst>
+                          </p:cTn>
+                        </p:par>
+                      </p:childTnLst>
+                    </p:cTn>
+                  </p:par>
+                  <p:par>
+                    <p:cTn id="23" fill="hold">
+                      <p:stCondLst>
+                        <p:cond delay="indefinite"/>
+                      </p:stCondLst>
+                      <p:childTnLst>
+                        <p:par>
+                          <p:cTn id="24" fill="hold">
+                            <p:stCondLst>
+                              <p:cond delay="0"/>
+                            </p:stCondLst>
+                            <p:childTnLst>
+                              <p:par>
+                                <p:cTn id="25" presetID="3" presetClass="entr" presetSubtype="10" fill="hold" nodeType="clickEffect">
+                                  <p:stCondLst>
+                                    <p:cond delay="0"/>
+                                  </p:stCondLst>
+                                  <p:childTnLst>
+                                    <p:set>
+                                      <p:cBhvr>
+                                        <p:cTn id="26" dur="1" fill="hold">
+                                          <p:stCondLst>
+                                            <p:cond delay="0"/>
+                                          </p:stCondLst>
+                                        </p:cTn>
+                                        <p:tgtEl>
+                                          <p:spTgt spid="3">
+                                            <p:txEl>
+                                              <p:pRg st="4" end="4"/>
+                                            </p:txEl>
+                                          </p:spTgt>
+                                        </p:tgtEl>
+                                        <p:attrNameLst>
+                                          <p:attrName>style.visibility</p:attrName>
+                                        </p:attrNameLst>
+                                      </p:cBhvr>
+                                      <p:to>
+                                        <p:strVal val="visible"/>
+                                      </p:to>
+                                    </p:set>
+                                    <p:animEffect transition="in" filter="blinds(horizontal)">
+                                      <p:cBhvr>
+                                        <p:cTn id="27" dur="500"/>
+                                        <p:tgtEl>
+                                          <p:spTgt spid="3">
+                                            <p:txEl>
+                                              <p:pRg st="4" end="4"/>
+                                            </p:txEl>
+                                          </p:spTgt>
+                                        </p:tgtEl>
+                                      </p:cBhvr>
+                                    </p:animEffect>
+                                  </p:childTnLst>
+                                </p:cTn>
+                              </p:par>
+                            </p:childTnLst>
+                          </p:cTn>
+                        </p:par>
+                      </p:childTnLst>
+                    </p:cTn>
+                  </p:par>
+                  <p:par>
+                    <p:cTn id="28" fill="hold">
+                      <p:stCondLst>
+                        <p:cond delay="indefinite"/>
+                      </p:stCondLst>
+                      <p:childTnLst>
+                        <p:par>
+                          <p:cTn id="29" fill="hold">
+                            <p:stCondLst>
+                              <p:cond delay="0"/>
+                            </p:stCondLst>
+                            <p:childTnLst>
+                              <p:par>
+                                <p:cTn id="30" presetID="3" presetClass="entr" presetSubtype="10" fill="hold" nodeType="clickEffect">
+                                  <p:stCondLst>
+                                    <p:cond delay="0"/>
+                                  </p:stCondLst>
+                                  <p:childTnLst>
+                                    <p:set>
+                                      <p:cBhvr>
+                                        <p:cTn id="31" dur="1" fill="hold">
+                                          <p:stCondLst>
+                                            <p:cond delay="0"/>
+                                          </p:stCondLst>
+                                        </p:cTn>
+                                        <p:tgtEl>
+                                          <p:spTgt spid="3">
+                                            <p:txEl>
+                                              <p:pRg st="5" end="5"/>
+                                            </p:txEl>
+                                          </p:spTgt>
+                                        </p:tgtEl>
+                                        <p:attrNameLst>
+                                          <p:attrName>style.visibility</p:attrName>
+                                        </p:attrNameLst>
+                                      </p:cBhvr>
+                                      <p:to>
+                                        <p:strVal val="visible"/>
+                                      </p:to>
+                                    </p:set>
+                                    <p:animEffect transition="in" filter="blinds(horizontal)">
+                                      <p:cBhvr>
+                                        <p:cTn id="32" dur="500"/>
+                                        <p:tgtEl>
+                                          <p:spTgt spid="3">
+                                            <p:txEl>
+                                              <p:pRg st="5" end="5"/>
+                                            </p:txEl>
+                                          </p:spTgt>
+                                        </p:tgtEl>
+                                      </p:cBhvr>
+                                    </p:animEffect>
+                                  </p:childTnLst>
+                                </p:cTn>
+                              </p:par>
+                            </p:childTnLst>
+                          </p:cTn>
+                        </p:par>
+                      </p:childTnLst>
+                    </p:cTn>
+                  </p:par>
+                  <p:par>
+                    <p:cTn id="33" fill="hold">
+                      <p:stCondLst>
+                        <p:cond delay="indefinite"/>
+                      </p:stCondLst>
+                      <p:childTnLst>
+                        <p:par>
+                          <p:cTn id="34" fill="hold">
+                            <p:stCondLst>
+                              <p:cond delay="0"/>
+                            </p:stCondLst>
+                            <p:childTnLst>
+                              <p:par>
+                                <p:cTn id="35" presetID="3" presetClass="entr" presetSubtype="10" fill="hold" nodeType="clickEffect">
+                                  <p:stCondLst>
+                                    <p:cond delay="0"/>
+                                  </p:stCondLst>
+                                  <p:childTnLst>
+                                    <p:set>
+                                      <p:cBhvr>
+                                        <p:cTn id="36" dur="1" fill="hold">
+                                          <p:stCondLst>
+                                            <p:cond delay="0"/>
+                                          </p:stCondLst>
+                                        </p:cTn>
+                                        <p:tgtEl>
+                                          <p:spTgt spid="3">
+                                            <p:txEl>
+                                              <p:pRg st="6" end="6"/>
+                                            </p:txEl>
+                                          </p:spTgt>
+                                        </p:tgtEl>
+                                        <p:attrNameLst>
+                                          <p:attrName>style.visibility</p:attrName>
+                                        </p:attrNameLst>
+                                      </p:cBhvr>
+                                      <p:to>
+                                        <p:strVal val="visible"/>
+                                      </p:to>
+                                    </p:set>
+                                    <p:animEffect transition="in" filter="blinds(horizontal)">
+                                      <p:cBhvr>
+                                        <p:cTn id="37" dur="1000"/>
+                                        <p:tgtEl>
+                                          <p:spTgt spid="3">
+                                            <p:txEl>
+                                              <p:pRg st="6" end="6"/>
+                                            </p:txEl>
+                                          </p:spTgt>
+                                        </p:tgtEl>
+                                      </p:cBhvr>
+                                    </p:animEffect>
+                                  </p:childTnLst>
+                                </p:cTn>
+                              </p:par>
+                            </p:childTnLst>
+                          </p:cTn>
+                        </p:par>
+                      </p:childTnLst>
+                    </p:cTn>
+                  </p:par>
+                </p:childTnLst>
+              </p:cTn>
+              <p:prevCondLst>
+                <p:cond evt="onPrev" delay="0">
+                  <p:tgtEl>
+                    <p:sldTgt/>
+                  </p:tgtEl>
+                </p:cond>
+              </p:prevCondLst>
+              <p:nextCondLst>
+                <p:cond evt="onNext" delay="0">
+                  <p:tgtEl>
+                    <p:sldTgt/>
+                  </p:tgtEl>
+                </p:cond>
+              </p:nextCondLst>
+            </p:seq>
+          </p:childTnLst>
+        </p:cTn>
+      </p:par>
+    </p:tnLst>
+  </p:timing>
 </p:sld>
 </file>
 
@@ -5684,7 +10990,7 @@
           <p:cNvPr id="2" name="标题 1">
             <a:extLst>
               <a:ext uri="{FF2B5EF4-FFF2-40B4-BE49-F238E27FC236}">
-                <a16:creationId xmlns:a16="http://schemas.microsoft.com/office/drawing/2014/main" id="{FDF6F3FD-CD9B-47E1-B3C8-1C7BFD4B5D8B}"/>
+                <a16:creationId xmlns="" xmlns:a16="http://schemas.microsoft.com/office/drawing/2014/main" id="{FDF6F3FD-CD9B-47E1-B3C8-1C7BFD4B5D8B}"/>
               </a:ext>
             </a:extLst>
           </p:cNvPr>
@@ -5726,7 +11032,7 @@
           <p:cNvPr id="3" name="内容占位符 2">
             <a:extLst>
               <a:ext uri="{FF2B5EF4-FFF2-40B4-BE49-F238E27FC236}">
-                <a16:creationId xmlns:a16="http://schemas.microsoft.com/office/drawing/2014/main" id="{32D35116-6FE5-4A81-AD2D-079BBD102AFD}"/>
+                <a16:creationId xmlns="" xmlns:a16="http://schemas.microsoft.com/office/drawing/2014/main" id="{32D35116-6FE5-4A81-AD2D-079BBD102AFD}"/>
               </a:ext>
             </a:extLst>
           </p:cNvPr>
@@ -5754,7 +11060,7 @@
           <p:cNvPr id="7" name="图片 6">
             <a:extLst>
               <a:ext uri="{FF2B5EF4-FFF2-40B4-BE49-F238E27FC236}">
-                <a16:creationId xmlns:a16="http://schemas.microsoft.com/office/drawing/2014/main" id="{64DF75A3-DC77-44C5-BDB5-455004991A3E}"/>
+                <a16:creationId xmlns="" xmlns:a16="http://schemas.microsoft.com/office/drawing/2014/main" id="{64DF75A3-DC77-44C5-BDB5-455004991A3E}"/>
               </a:ext>
             </a:extLst>
           </p:cNvPr>
@@ -5764,10 +11070,10 @@
           <p:nvPr/>
         </p:nvPicPr>
         <p:blipFill>
-          <a:blip r:embed="rId2">
+          <a:blip r:embed="rId2" cstate="print">
             <a:extLst>
               <a:ext uri="{28A0092B-C50C-407E-A947-70E740481C1C}">
-                <a14:useLocalDpi xmlns:a14="http://schemas.microsoft.com/office/drawing/2010/main" val="0"/>
+                <a14:useLocalDpi xmlns="" xmlns:a14="http://schemas.microsoft.com/office/drawing/2010/main" val="0"/>
               </a:ext>
             </a:extLst>
           </a:blip>
@@ -5777,8 +11083,8 @@
         </p:blipFill>
         <p:spPr>
           <a:xfrm>
-            <a:off x="1143000" y="2438400"/>
-            <a:ext cx="4389500" cy="3238781"/>
+            <a:off x="1219200" y="2247635"/>
+            <a:ext cx="6248400" cy="4610365"/>
           </a:xfrm>
           <a:prstGeom prst="rect">
             <a:avLst/>
@@ -5788,13 +11094,96 @@
     </p:spTree>
     <p:extLst>
       <p:ext uri="{BB962C8B-B14F-4D97-AF65-F5344CB8AC3E}">
-        <p14:creationId xmlns:p14="http://schemas.microsoft.com/office/powerpoint/2010/main" val="3377401321"/>
+        <p14:creationId xmlns="" xmlns:p14="http://schemas.microsoft.com/office/powerpoint/2010/main" val="3377401321"/>
       </p:ext>
     </p:extLst>
   </p:cSld>
   <p:clrMapOvr>
     <a:masterClrMapping/>
   </p:clrMapOvr>
+  <p:timing>
+    <p:tnLst>
+      <p:par>
+        <p:cTn id="1" dur="indefinite" restart="never" nodeType="tmRoot">
+          <p:childTnLst>
+            <p:seq concurrent="1" nextAc="seek">
+              <p:cTn id="2" dur="indefinite" nodeType="mainSeq">
+                <p:childTnLst>
+                  <p:par>
+                    <p:cTn id="3" fill="hold">
+                      <p:stCondLst>
+                        <p:cond delay="indefinite"/>
+                      </p:stCondLst>
+                      <p:childTnLst>
+                        <p:par>
+                          <p:cTn id="4" fill="hold">
+                            <p:stCondLst>
+                              <p:cond delay="0"/>
+                            </p:stCondLst>
+                            <p:childTnLst>
+                              <p:par>
+                                <p:cTn id="5" presetID="3" presetClass="entr" presetSubtype="10" fill="hold" nodeType="clickEffect">
+                                  <p:stCondLst>
+                                    <p:cond delay="0"/>
+                                  </p:stCondLst>
+                                  <p:childTnLst>
+                                    <p:set>
+                                      <p:cBhvr>
+                                        <p:cTn id="6" dur="1" fill="hold">
+                                          <p:stCondLst>
+                                            <p:cond delay="0"/>
+                                          </p:stCondLst>
+                                        </p:cTn>
+                                        <p:tgtEl>
+                                          <p:spTgt spid="7"/>
+                                        </p:tgtEl>
+                                        <p:attrNameLst>
+                                          <p:attrName>style.visibility</p:attrName>
+                                        </p:attrNameLst>
+                                      </p:cBhvr>
+                                      <p:to>
+                                        <p:strVal val="visible"/>
+                                      </p:to>
+                                    </p:set>
+                                    <p:animEffect transition="in" filter="blinds(horizontal)">
+                                      <p:cBhvr>
+                                        <p:cTn id="7" dur="500"/>
+                                        <p:tgtEl>
+                                          <p:spTgt spid="7"/>
+                                        </p:tgtEl>
+                                      </p:cBhvr>
+                                    </p:animEffect>
+                                  </p:childTnLst>
+                                </p:cTn>
+                              </p:par>
+                            </p:childTnLst>
+                          </p:cTn>
+                        </p:par>
+                      </p:childTnLst>
+                    </p:cTn>
+                  </p:par>
+                </p:childTnLst>
+              </p:cTn>
+              <p:prevCondLst>
+                <p:cond evt="onPrev" delay="0">
+                  <p:tgtEl>
+                    <p:sldTgt/>
+                  </p:tgtEl>
+                </p:cond>
+              </p:prevCondLst>
+              <p:nextCondLst>
+                <p:cond evt="onNext" delay="0">
+                  <p:tgtEl>
+                    <p:sldTgt/>
+                  </p:tgtEl>
+                </p:cond>
+              </p:nextCondLst>
+            </p:seq>
+          </p:childTnLst>
+        </p:cTn>
+      </p:par>
+    </p:tnLst>
+  </p:timing>
 </p:sld>
 </file>
 
@@ -5820,7 +11209,7 @@
           <p:cNvPr id="2" name="标题 1">
             <a:extLst>
               <a:ext uri="{FF2B5EF4-FFF2-40B4-BE49-F238E27FC236}">
-                <a16:creationId xmlns:a16="http://schemas.microsoft.com/office/drawing/2014/main" id="{824BFFBD-BF3F-4C61-BAF2-1FD115B334F5}"/>
+                <a16:creationId xmlns="" xmlns:a16="http://schemas.microsoft.com/office/drawing/2014/main" id="{824BFFBD-BF3F-4C61-BAF2-1FD115B334F5}"/>
               </a:ext>
             </a:extLst>
           </p:cNvPr>
@@ -5862,7 +11251,7 @@
           <p:cNvPr id="3" name="内容占位符 2">
             <a:extLst>
               <a:ext uri="{FF2B5EF4-FFF2-40B4-BE49-F238E27FC236}">
-                <a16:creationId xmlns:a16="http://schemas.microsoft.com/office/drawing/2014/main" id="{67CDA350-2B7B-40BB-B7F9-BB7830F4CA79}"/>
+                <a16:creationId xmlns="" xmlns:a16="http://schemas.microsoft.com/office/drawing/2014/main" id="{67CDA350-2B7B-40BB-B7F9-BB7830F4CA79}"/>
               </a:ext>
             </a:extLst>
           </p:cNvPr>
@@ -5898,7 +11287,7 @@
           <p:cNvPr id="5" name="图片 4">
             <a:extLst>
               <a:ext uri="{FF2B5EF4-FFF2-40B4-BE49-F238E27FC236}">
-                <a16:creationId xmlns:a16="http://schemas.microsoft.com/office/drawing/2014/main" id="{03AA2CB2-ECE9-46DB-80CB-F2A58E87DEF5}"/>
+                <a16:creationId xmlns="" xmlns:a16="http://schemas.microsoft.com/office/drawing/2014/main" id="{03AA2CB2-ECE9-46DB-80CB-F2A58E87DEF5}"/>
               </a:ext>
             </a:extLst>
           </p:cNvPr>
@@ -5908,10 +11297,10 @@
           <p:nvPr/>
         </p:nvPicPr>
         <p:blipFill>
-          <a:blip r:embed="rId2">
+          <a:blip r:embed="rId2" cstate="print">
             <a:extLst>
               <a:ext uri="{28A0092B-C50C-407E-A947-70E740481C1C}">
-                <a14:useLocalDpi xmlns:a14="http://schemas.microsoft.com/office/drawing/2010/main" val="0"/>
+                <a14:useLocalDpi xmlns="" xmlns:a14="http://schemas.microsoft.com/office/drawing/2010/main" val="0"/>
               </a:ext>
             </a:extLst>
           </a:blip>
@@ -5932,13 +11321,249 @@
     </p:spTree>
     <p:extLst>
       <p:ext uri="{BB962C8B-B14F-4D97-AF65-F5344CB8AC3E}">
-        <p14:creationId xmlns:p14="http://schemas.microsoft.com/office/powerpoint/2010/main" val="2353165220"/>
+        <p14:creationId xmlns="" xmlns:p14="http://schemas.microsoft.com/office/powerpoint/2010/main" val="2353165220"/>
       </p:ext>
     </p:extLst>
   </p:cSld>
   <p:clrMapOvr>
     <a:masterClrMapping/>
   </p:clrMapOvr>
+  <p:timing>
+    <p:tnLst>
+      <p:par>
+        <p:cTn id="1" dur="indefinite" restart="never" nodeType="tmRoot">
+          <p:childTnLst>
+            <p:seq concurrent="1" nextAc="seek">
+              <p:cTn id="2" dur="indefinite" nodeType="mainSeq">
+                <p:childTnLst>
+                  <p:par>
+                    <p:cTn id="3" fill="hold">
+                      <p:stCondLst>
+                        <p:cond delay="indefinite"/>
+                      </p:stCondLst>
+                      <p:childTnLst>
+                        <p:par>
+                          <p:cTn id="4" fill="hold">
+                            <p:stCondLst>
+                              <p:cond delay="0"/>
+                            </p:stCondLst>
+                            <p:childTnLst>
+                              <p:par>
+                                <p:cTn id="5" presetID="2" presetClass="entr" presetSubtype="4" fill="hold" nodeType="clickEffect">
+                                  <p:stCondLst>
+                                    <p:cond delay="0"/>
+                                  </p:stCondLst>
+                                  <p:childTnLst>
+                                    <p:set>
+                                      <p:cBhvr>
+                                        <p:cTn id="6" dur="1" fill="hold">
+                                          <p:stCondLst>
+                                            <p:cond delay="0"/>
+                                          </p:stCondLst>
+                                        </p:cTn>
+                                        <p:tgtEl>
+                                          <p:spTgt spid="5"/>
+                                        </p:tgtEl>
+                                        <p:attrNameLst>
+                                          <p:attrName>style.visibility</p:attrName>
+                                        </p:attrNameLst>
+                                      </p:cBhvr>
+                                      <p:to>
+                                        <p:strVal val="visible"/>
+                                      </p:to>
+                                    </p:set>
+                                    <p:anim calcmode="lin" valueType="num">
+                                      <p:cBhvr additive="base">
+                                        <p:cTn id="7" dur="500" fill="hold"/>
+                                        <p:tgtEl>
+                                          <p:spTgt spid="5"/>
+                                        </p:tgtEl>
+                                        <p:attrNameLst>
+                                          <p:attrName>ppt_x</p:attrName>
+                                        </p:attrNameLst>
+                                      </p:cBhvr>
+                                      <p:tavLst>
+                                        <p:tav tm="0">
+                                          <p:val>
+                                            <p:strVal val="#ppt_x"/>
+                                          </p:val>
+                                        </p:tav>
+                                        <p:tav tm="100000">
+                                          <p:val>
+                                            <p:strVal val="#ppt_x"/>
+                                          </p:val>
+                                        </p:tav>
+                                      </p:tavLst>
+                                    </p:anim>
+                                    <p:anim calcmode="lin" valueType="num">
+                                      <p:cBhvr additive="base">
+                                        <p:cTn id="8" dur="500" fill="hold"/>
+                                        <p:tgtEl>
+                                          <p:spTgt spid="5"/>
+                                        </p:tgtEl>
+                                        <p:attrNameLst>
+                                          <p:attrName>ppt_y</p:attrName>
+                                        </p:attrNameLst>
+                                      </p:cBhvr>
+                                      <p:tavLst>
+                                        <p:tav tm="0">
+                                          <p:val>
+                                            <p:strVal val="1+#ppt_h/2"/>
+                                          </p:val>
+                                        </p:tav>
+                                        <p:tav tm="100000">
+                                          <p:val>
+                                            <p:strVal val="#ppt_y"/>
+                                          </p:val>
+                                        </p:tav>
+                                      </p:tavLst>
+                                    </p:anim>
+                                  </p:childTnLst>
+                                </p:cTn>
+                              </p:par>
+                            </p:childTnLst>
+                          </p:cTn>
+                        </p:par>
+                      </p:childTnLst>
+                    </p:cTn>
+                  </p:par>
+                  <p:par>
+                    <p:cTn id="9" fill="hold">
+                      <p:stCondLst>
+                        <p:cond delay="indefinite"/>
+                      </p:stCondLst>
+                      <p:childTnLst>
+                        <p:par>
+                          <p:cTn id="10" fill="hold">
+                            <p:stCondLst>
+                              <p:cond delay="0"/>
+                            </p:stCondLst>
+                            <p:childTnLst>
+                              <p:par>
+                                <p:cTn id="11" presetID="29" presetClass="entr" presetSubtype="0" fill="hold" nodeType="clickEffect">
+                                  <p:stCondLst>
+                                    <p:cond delay="0"/>
+                                  </p:stCondLst>
+                                  <p:childTnLst>
+                                    <p:set>
+                                      <p:cBhvr>
+                                        <p:cTn id="12" dur="1" fill="hold">
+                                          <p:stCondLst>
+                                            <p:cond delay="0"/>
+                                          </p:stCondLst>
+                                        </p:cTn>
+                                        <p:tgtEl>
+                                          <p:spTgt spid="3">
+                                            <p:txEl>
+                                              <p:pRg st="0" end="0"/>
+                                            </p:txEl>
+                                          </p:spTgt>
+                                        </p:tgtEl>
+                                        <p:attrNameLst>
+                                          <p:attrName>style.visibility</p:attrName>
+                                        </p:attrNameLst>
+                                      </p:cBhvr>
+                                      <p:to>
+                                        <p:strVal val="visible"/>
+                                      </p:to>
+                                    </p:set>
+                                    <p:anim calcmode="lin" valueType="num">
+                                      <p:cBhvr>
+                                        <p:cTn id="13" dur="1000" fill="hold"/>
+                                        <p:tgtEl>
+                                          <p:spTgt spid="3">
+                                            <p:txEl>
+                                              <p:pRg st="0" end="0"/>
+                                            </p:txEl>
+                                          </p:spTgt>
+                                        </p:tgtEl>
+                                        <p:attrNameLst>
+                                          <p:attrName>ppt_x</p:attrName>
+                                        </p:attrNameLst>
+                                      </p:cBhvr>
+                                      <p:tavLst>
+                                        <p:tav tm="0">
+                                          <p:val>
+                                            <p:strVal val="#ppt_x-.2"/>
+                                          </p:val>
+                                        </p:tav>
+                                        <p:tav tm="100000">
+                                          <p:val>
+                                            <p:strVal val="#ppt_x"/>
+                                          </p:val>
+                                        </p:tav>
+                                      </p:tavLst>
+                                    </p:anim>
+                                    <p:anim calcmode="lin" valueType="num">
+                                      <p:cBhvr>
+                                        <p:cTn id="14" dur="1000" fill="hold"/>
+                                        <p:tgtEl>
+                                          <p:spTgt spid="3">
+                                            <p:txEl>
+                                              <p:pRg st="0" end="0"/>
+                                            </p:txEl>
+                                          </p:spTgt>
+                                        </p:tgtEl>
+                                        <p:attrNameLst>
+                                          <p:attrName>ppt_y</p:attrName>
+                                        </p:attrNameLst>
+                                      </p:cBhvr>
+                                      <p:tavLst>
+                                        <p:tav tm="0">
+                                          <p:val>
+                                            <p:strVal val="#ppt_y"/>
+                                          </p:val>
+                                        </p:tav>
+                                        <p:tav tm="100000">
+                                          <p:val>
+                                            <p:strVal val="#ppt_y"/>
+                                          </p:val>
+                                        </p:tav>
+                                      </p:tavLst>
+                                    </p:anim>
+                                    <p:animEffect transition="in" filter="wipe(right)" prLst="gradientSize: 0.1">
+                                      <p:cBhvr>
+                                        <p:cTn id="15" dur="1000"/>
+                                        <p:tgtEl>
+                                          <p:spTgt spid="3">
+                                            <p:txEl>
+                                              <p:pRg st="0" end="0"/>
+                                            </p:txEl>
+                                          </p:spTgt>
+                                        </p:tgtEl>
+                                      </p:cBhvr>
+                                    </p:animEffect>
+                                  </p:childTnLst>
+                                </p:cTn>
+                              </p:par>
+                            </p:childTnLst>
+                          </p:cTn>
+                        </p:par>
+                      </p:childTnLst>
+                    </p:cTn>
+                  </p:par>
+                </p:childTnLst>
+              </p:cTn>
+              <p:prevCondLst>
+                <p:cond evt="onPrev" delay="0">
+                  <p:tgtEl>
+                    <p:sldTgt/>
+                  </p:tgtEl>
+                </p:cond>
+              </p:prevCondLst>
+              <p:nextCondLst>
+                <p:cond evt="onNext" delay="0">
+                  <p:tgtEl>
+                    <p:sldTgt/>
+                  </p:tgtEl>
+                </p:cond>
+              </p:nextCondLst>
+            </p:seq>
+          </p:childTnLst>
+        </p:cTn>
+      </p:par>
+    </p:tnLst>
+  </p:timing>
 </p:sld>
 </file>
 
@@ -5964,7 +11589,7 @@
           <p:cNvPr id="4" name="矩形 3">
             <a:extLst>
               <a:ext uri="{FF2B5EF4-FFF2-40B4-BE49-F238E27FC236}">
-                <a16:creationId xmlns:a16="http://schemas.microsoft.com/office/drawing/2014/main" id="{AEE1DA9F-D225-4332-8994-DB2E39000712}"/>
+                <a16:creationId xmlns="" xmlns:a16="http://schemas.microsoft.com/office/drawing/2014/main" id="{AEE1DA9F-D225-4332-8994-DB2E39000712}"/>
               </a:ext>
             </a:extLst>
           </p:cNvPr>
@@ -6047,13 +11672,253 @@
     </p:spTree>
     <p:extLst>
       <p:ext uri="{BB962C8B-B14F-4D97-AF65-F5344CB8AC3E}">
-        <p14:creationId xmlns:p14="http://schemas.microsoft.com/office/powerpoint/2010/main" val="2565851004"/>
+        <p14:creationId xmlns="" xmlns:p14="http://schemas.microsoft.com/office/powerpoint/2010/main" val="2565851004"/>
       </p:ext>
     </p:extLst>
   </p:cSld>
   <p:clrMapOvr>
     <a:masterClrMapping/>
   </p:clrMapOvr>
+  <p:timing>
+    <p:tnLst>
+      <p:par>
+        <p:cTn id="1" dur="indefinite" restart="never" nodeType="tmRoot">
+          <p:childTnLst>
+            <p:seq concurrent="1" nextAc="seek">
+              <p:cTn id="2" dur="indefinite" nodeType="mainSeq">
+                <p:childTnLst>
+                  <p:par>
+                    <p:cTn id="3" fill="hold">
+                      <p:stCondLst>
+                        <p:cond delay="indefinite"/>
+                      </p:stCondLst>
+                      <p:childTnLst>
+                        <p:par>
+                          <p:cTn id="4" fill="hold">
+                            <p:stCondLst>
+                              <p:cond delay="0"/>
+                            </p:stCondLst>
+                            <p:childTnLst>
+                              <p:par>
+                                <p:cTn id="5" presetID="8" presetClass="emph" presetSubtype="0" fill="hold" nodeType="clickEffect">
+                                  <p:stCondLst>
+                                    <p:cond delay="0"/>
+                                  </p:stCondLst>
+                                  <p:childTnLst>
+                                    <p:animRot by="21600000">
+                                      <p:cBhvr>
+                                        <p:cTn id="6" dur="2000" fill="hold"/>
+                                        <p:tgtEl>
+                                          <p:spTgt spid="4">
+                                            <p:txEl>
+                                              <p:pRg st="0" end="0"/>
+                                            </p:txEl>
+                                          </p:spTgt>
+                                        </p:tgtEl>
+                                        <p:attrNameLst>
+                                          <p:attrName>r</p:attrName>
+                                        </p:attrNameLst>
+                                      </p:cBhvr>
+                                    </p:animRot>
+                                  </p:childTnLst>
+                                </p:cTn>
+                              </p:par>
+                            </p:childTnLst>
+                          </p:cTn>
+                        </p:par>
+                      </p:childTnLst>
+                    </p:cTn>
+                  </p:par>
+                  <p:par>
+                    <p:cTn id="7" fill="hold">
+                      <p:stCondLst>
+                        <p:cond delay="indefinite"/>
+                      </p:stCondLst>
+                      <p:childTnLst>
+                        <p:par>
+                          <p:cTn id="8" fill="hold">
+                            <p:stCondLst>
+                              <p:cond delay="0"/>
+                            </p:stCondLst>
+                            <p:childTnLst>
+                              <p:par>
+                                <p:cTn id="9" presetID="14" presetClass="emph" presetSubtype="0" fill="hold" nodeType="clickEffect">
+                                  <p:stCondLst>
+                                    <p:cond delay="0"/>
+                                  </p:stCondLst>
+                                  <p:childTnLst>
+                                    <p:animClr clrSpc="rgb">
+                                      <p:cBhvr override="childStyle">
+                                        <p:cTn id="10" dur="1900" fill="hold">
+                                          <p:stCondLst>
+                                            <p:cond delay="100"/>
+                                          </p:stCondLst>
+                                        </p:cTn>
+                                        <p:tgtEl>
+                                          <p:spTgt spid="4">
+                                            <p:txEl>
+                                              <p:pRg st="0" end="0"/>
+                                            </p:txEl>
+                                          </p:spTgt>
+                                        </p:tgtEl>
+                                        <p:attrNameLst>
+                                          <p:attrName>style.color</p:attrName>
+                                        </p:attrNameLst>
+                                      </p:cBhvr>
+                                      <p:to>
+                                        <a:schemeClr val="accent2"/>
+                                      </p:to>
+                                    </p:animClr>
+                                    <p:animClr clrSpc="rgb">
+                                      <p:cBhvr>
+                                        <p:cTn id="11" dur="1900" fill="hold">
+                                          <p:stCondLst>
+                                            <p:cond delay="100"/>
+                                          </p:stCondLst>
+                                        </p:cTn>
+                                        <p:tgtEl>
+                                          <p:spTgt spid="4">
+                                            <p:txEl>
+                                              <p:pRg st="0" end="0"/>
+                                            </p:txEl>
+                                          </p:spTgt>
+                                        </p:tgtEl>
+                                        <p:attrNameLst>
+                                          <p:attrName>fillColor</p:attrName>
+                                        </p:attrNameLst>
+                                      </p:cBhvr>
+                                      <p:to>
+                                        <a:schemeClr val="accent2"/>
+                                      </p:to>
+                                    </p:animClr>
+                                    <p:set>
+                                      <p:cBhvr>
+                                        <p:cTn id="12" dur="1900" fill="hold">
+                                          <p:stCondLst>
+                                            <p:cond delay="100"/>
+                                          </p:stCondLst>
+                                        </p:cTn>
+                                        <p:tgtEl>
+                                          <p:spTgt spid="4">
+                                            <p:txEl>
+                                              <p:pRg st="0" end="0"/>
+                                            </p:txEl>
+                                          </p:spTgt>
+                                        </p:tgtEl>
+                                        <p:attrNameLst>
+                                          <p:attrName>fill.type</p:attrName>
+                                        </p:attrNameLst>
+                                      </p:cBhvr>
+                                      <p:to>
+                                        <p:strVal val="solid"/>
+                                      </p:to>
+                                    </p:set>
+                                    <p:set>
+                                      <p:cBhvr>
+                                        <p:cTn id="13" dur="1900" fill="hold">
+                                          <p:stCondLst>
+                                            <p:cond delay="100"/>
+                                          </p:stCondLst>
+                                        </p:cTn>
+                                        <p:tgtEl>
+                                          <p:spTgt spid="4">
+                                            <p:txEl>
+                                              <p:pRg st="0" end="0"/>
+                                            </p:txEl>
+                                          </p:spTgt>
+                                        </p:tgtEl>
+                                        <p:attrNameLst>
+                                          <p:attrName>fill.on</p:attrName>
+                                        </p:attrNameLst>
+                                      </p:cBhvr>
+                                      <p:to>
+                                        <p:strVal val="true"/>
+                                      </p:to>
+                                    </p:set>
+                                    <p:animScale>
+                                      <p:cBhvr>
+                                        <p:cTn id="14" dur="200" fill="hold">
+                                          <p:stCondLst>
+                                            <p:cond delay="0"/>
+                                          </p:stCondLst>
+                                        </p:cTn>
+                                        <p:tgtEl>
+                                          <p:spTgt spid="4">
+                                            <p:txEl>
+                                              <p:pRg st="0" end="0"/>
+                                            </p:txEl>
+                                          </p:spTgt>
+                                        </p:tgtEl>
+                                      </p:cBhvr>
+                                      <p:from x="100000" y="100000"/>
+                                      <p:to x="100000" y="5000"/>
+                                    </p:animScale>
+                                    <p:animScale>
+                                      <p:cBhvr>
+                                        <p:cTn id="15" dur="200" fill="hold">
+                                          <p:stCondLst>
+                                            <p:cond delay="200"/>
+                                          </p:stCondLst>
+                                        </p:cTn>
+                                        <p:tgtEl>
+                                          <p:spTgt spid="4">
+                                            <p:txEl>
+                                              <p:pRg st="0" end="0"/>
+                                            </p:txEl>
+                                          </p:spTgt>
+                                        </p:tgtEl>
+                                      </p:cBhvr>
+                                      <p:from x="100000" y="5000"/>
+                                      <p:to x="120000" y="150000"/>
+                                    </p:animScale>
+                                    <p:animScale>
+                                      <p:cBhvr>
+                                        <p:cTn id="16" dur="600" fill="hold">
+                                          <p:stCondLst>
+                                            <p:cond delay="1400"/>
+                                          </p:stCondLst>
+                                        </p:cTn>
+                                        <p:tgtEl>
+                                          <p:spTgt spid="4">
+                                            <p:txEl>
+                                              <p:pRg st="0" end="0"/>
+                                            </p:txEl>
+                                          </p:spTgt>
+                                        </p:tgtEl>
+                                      </p:cBhvr>
+                                      <p:to x="120000" y="150000"/>
+                                    </p:animScale>
+                                  </p:childTnLst>
+                                </p:cTn>
+                              </p:par>
+                            </p:childTnLst>
+                          </p:cTn>
+                        </p:par>
+                      </p:childTnLst>
+                    </p:cTn>
+                  </p:par>
+                </p:childTnLst>
+              </p:cTn>
+              <p:prevCondLst>
+                <p:cond evt="onPrev" delay="0">
+                  <p:tgtEl>
+                    <p:sldTgt/>
+                  </p:tgtEl>
+                </p:cond>
+              </p:prevCondLst>
+              <p:nextCondLst>
+                <p:cond evt="onNext" delay="0">
+                  <p:tgtEl>
+                    <p:sldTgt/>
+                  </p:tgtEl>
+                </p:cond>
+              </p:nextCondLst>
+            </p:seq>
+          </p:childTnLst>
+        </p:cTn>
+      </p:par>
+    </p:tnLst>
+  </p:timing>
 </p:sld>
 </file>
 
@@ -6157,6 +12022,219 @@
   <p:clrMapOvr>
     <a:masterClrMapping/>
   </p:clrMapOvr>
+  <p:timing>
+    <p:tnLst>
+      <p:par>
+        <p:cTn id="1" dur="indefinite" restart="never" nodeType="tmRoot">
+          <p:childTnLst>
+            <p:seq concurrent="1" nextAc="seek">
+              <p:cTn id="2" dur="indefinite" nodeType="mainSeq">
+                <p:childTnLst>
+                  <p:par>
+                    <p:cTn id="3" fill="hold">
+                      <p:stCondLst>
+                        <p:cond delay="indefinite"/>
+                      </p:stCondLst>
+                      <p:childTnLst>
+                        <p:par>
+                          <p:cTn id="4" fill="hold">
+                            <p:stCondLst>
+                              <p:cond delay="0"/>
+                            </p:stCondLst>
+                            <p:childTnLst>
+                              <p:par>
+                                <p:cTn id="5" presetID="8" presetClass="entr" presetSubtype="16" fill="hold" nodeType="clickEffect">
+                                  <p:stCondLst>
+                                    <p:cond delay="0"/>
+                                  </p:stCondLst>
+                                  <p:childTnLst>
+                                    <p:set>
+                                      <p:cBhvr>
+                                        <p:cTn id="6" dur="1" fill="hold">
+                                          <p:stCondLst>
+                                            <p:cond delay="0"/>
+                                          </p:stCondLst>
+                                        </p:cTn>
+                                        <p:tgtEl>
+                                          <p:spTgt spid="3">
+                                            <p:txEl>
+                                              <p:pRg st="0" end="0"/>
+                                            </p:txEl>
+                                          </p:spTgt>
+                                        </p:tgtEl>
+                                        <p:attrNameLst>
+                                          <p:attrName>style.visibility</p:attrName>
+                                        </p:attrNameLst>
+                                      </p:cBhvr>
+                                      <p:to>
+                                        <p:strVal val="visible"/>
+                                      </p:to>
+                                    </p:set>
+                                    <p:animEffect transition="in" filter="diamond(in)">
+                                      <p:cBhvr>
+                                        <p:cTn id="7" dur="1000"/>
+                                        <p:tgtEl>
+                                          <p:spTgt spid="3">
+                                            <p:txEl>
+                                              <p:pRg st="0" end="0"/>
+                                            </p:txEl>
+                                          </p:spTgt>
+                                        </p:tgtEl>
+                                      </p:cBhvr>
+                                    </p:animEffect>
+                                  </p:childTnLst>
+                                </p:cTn>
+                              </p:par>
+                            </p:childTnLst>
+                          </p:cTn>
+                        </p:par>
+                      </p:childTnLst>
+                    </p:cTn>
+                  </p:par>
+                  <p:par>
+                    <p:cTn id="8" fill="hold">
+                      <p:stCondLst>
+                        <p:cond delay="indefinite"/>
+                      </p:stCondLst>
+                      <p:childTnLst>
+                        <p:par>
+                          <p:cTn id="9" fill="hold">
+                            <p:stCondLst>
+                              <p:cond delay="0"/>
+                            </p:stCondLst>
+                            <p:childTnLst>
+                              <p:par>
+                                <p:cTn id="10" presetID="4" presetClass="entr" presetSubtype="16" fill="hold" nodeType="clickEffect">
+                                  <p:stCondLst>
+                                    <p:cond delay="0"/>
+                                  </p:stCondLst>
+                                  <p:childTnLst>
+                                    <p:set>
+                                      <p:cBhvr>
+                                        <p:cTn id="11" dur="1" fill="hold">
+                                          <p:stCondLst>
+                                            <p:cond delay="0"/>
+                                          </p:stCondLst>
+                                        </p:cTn>
+                                        <p:tgtEl>
+                                          <p:spTgt spid="3">
+                                            <p:txEl>
+                                              <p:pRg st="1" end="1"/>
+                                            </p:txEl>
+                                          </p:spTgt>
+                                        </p:tgtEl>
+                                        <p:attrNameLst>
+                                          <p:attrName>style.visibility</p:attrName>
+                                        </p:attrNameLst>
+                                      </p:cBhvr>
+                                      <p:to>
+                                        <p:strVal val="visible"/>
+                                      </p:to>
+                                    </p:set>
+                                    <p:animEffect transition="in" filter="box(in)">
+                                      <p:cBhvr>
+                                        <p:cTn id="12" dur="500"/>
+                                        <p:tgtEl>
+                                          <p:spTgt spid="3">
+                                            <p:txEl>
+                                              <p:pRg st="1" end="1"/>
+                                            </p:txEl>
+                                          </p:spTgt>
+                                        </p:tgtEl>
+                                      </p:cBhvr>
+                                    </p:animEffect>
+                                  </p:childTnLst>
+                                </p:cTn>
+                              </p:par>
+                            </p:childTnLst>
+                          </p:cTn>
+                        </p:par>
+                      </p:childTnLst>
+                    </p:cTn>
+                  </p:par>
+                  <p:par>
+                    <p:cTn id="13" fill="hold">
+                      <p:stCondLst>
+                        <p:cond delay="indefinite"/>
+                      </p:stCondLst>
+                      <p:childTnLst>
+                        <p:par>
+                          <p:cTn id="14" fill="hold">
+                            <p:stCondLst>
+                              <p:cond delay="0"/>
+                            </p:stCondLst>
+                            <p:childTnLst>
+                              <p:par>
+                                <p:cTn id="15" presetID="5" presetClass="entr" presetSubtype="10" fill="hold" nodeType="clickEffect">
+                                  <p:stCondLst>
+                                    <p:cond delay="0"/>
+                                  </p:stCondLst>
+                                  <p:childTnLst>
+                                    <p:set>
+                                      <p:cBhvr>
+                                        <p:cTn id="16" dur="1" fill="hold">
+                                          <p:stCondLst>
+                                            <p:cond delay="0"/>
+                                          </p:stCondLst>
+                                        </p:cTn>
+                                        <p:tgtEl>
+                                          <p:spTgt spid="3">
+                                            <p:txEl>
+                                              <p:pRg st="2" end="2"/>
+                                            </p:txEl>
+                                          </p:spTgt>
+                                        </p:tgtEl>
+                                        <p:attrNameLst>
+                                          <p:attrName>style.visibility</p:attrName>
+                                        </p:attrNameLst>
+                                      </p:cBhvr>
+                                      <p:to>
+                                        <p:strVal val="visible"/>
+                                      </p:to>
+                                    </p:set>
+                                    <p:animEffect transition="in" filter="checkerboard(across)">
+                                      <p:cBhvr>
+                                        <p:cTn id="17" dur="500"/>
+                                        <p:tgtEl>
+                                          <p:spTgt spid="3">
+                                            <p:txEl>
+                                              <p:pRg st="2" end="2"/>
+                                            </p:txEl>
+                                          </p:spTgt>
+                                        </p:tgtEl>
+                                      </p:cBhvr>
+                                    </p:animEffect>
+                                  </p:childTnLst>
+                                </p:cTn>
+                              </p:par>
+                            </p:childTnLst>
+                          </p:cTn>
+                        </p:par>
+                      </p:childTnLst>
+                    </p:cTn>
+                  </p:par>
+                </p:childTnLst>
+              </p:cTn>
+              <p:prevCondLst>
+                <p:cond evt="onPrev" delay="0">
+                  <p:tgtEl>
+                    <p:sldTgt/>
+                  </p:tgtEl>
+                </p:cond>
+              </p:prevCondLst>
+              <p:nextCondLst>
+                <p:cond evt="onNext" delay="0">
+                  <p:tgtEl>
+                    <p:sldTgt/>
+                  </p:tgtEl>
+                </p:cond>
+              </p:nextCondLst>
+            </p:seq>
+          </p:childTnLst>
+        </p:cTn>
+      </p:par>
+    </p:tnLst>
+  </p:timing>
 </p:sld>
 </file>
 
@@ -6372,6 +12450,753 @@
   <p:clrMapOvr>
     <a:masterClrMapping/>
   </p:clrMapOvr>
+  <p:timing>
+    <p:tnLst>
+      <p:par>
+        <p:cTn id="1" dur="indefinite" restart="never" nodeType="tmRoot">
+          <p:childTnLst>
+            <p:seq concurrent="1" nextAc="seek">
+              <p:cTn id="2" dur="indefinite" nodeType="mainSeq">
+                <p:childTnLst>
+                  <p:par>
+                    <p:cTn id="3" fill="hold">
+                      <p:stCondLst>
+                        <p:cond delay="indefinite"/>
+                      </p:stCondLst>
+                      <p:childTnLst>
+                        <p:par>
+                          <p:cTn id="4" fill="hold">
+                            <p:stCondLst>
+                              <p:cond delay="0"/>
+                            </p:stCondLst>
+                            <p:childTnLst>
+                              <p:par>
+                                <p:cTn id="5" presetID="2" presetClass="entr" presetSubtype="4" fill="hold" nodeType="clickEffect">
+                                  <p:stCondLst>
+                                    <p:cond delay="0"/>
+                                  </p:stCondLst>
+                                  <p:childTnLst>
+                                    <p:set>
+                                      <p:cBhvr>
+                                        <p:cTn id="6" dur="1" fill="hold">
+                                          <p:stCondLst>
+                                            <p:cond delay="0"/>
+                                          </p:stCondLst>
+                                        </p:cTn>
+                                        <p:tgtEl>
+                                          <p:spTgt spid="3">
+                                            <p:txEl>
+                                              <p:pRg st="0" end="0"/>
+                                            </p:txEl>
+                                          </p:spTgt>
+                                        </p:tgtEl>
+                                        <p:attrNameLst>
+                                          <p:attrName>style.visibility</p:attrName>
+                                        </p:attrNameLst>
+                                      </p:cBhvr>
+                                      <p:to>
+                                        <p:strVal val="visible"/>
+                                      </p:to>
+                                    </p:set>
+                                    <p:anim calcmode="lin" valueType="num">
+                                      <p:cBhvr additive="base">
+                                        <p:cTn id="7" dur="500" fill="hold"/>
+                                        <p:tgtEl>
+                                          <p:spTgt spid="3">
+                                            <p:txEl>
+                                              <p:pRg st="0" end="0"/>
+                                            </p:txEl>
+                                          </p:spTgt>
+                                        </p:tgtEl>
+                                        <p:attrNameLst>
+                                          <p:attrName>ppt_x</p:attrName>
+                                        </p:attrNameLst>
+                                      </p:cBhvr>
+                                      <p:tavLst>
+                                        <p:tav tm="0">
+                                          <p:val>
+                                            <p:strVal val="#ppt_x"/>
+                                          </p:val>
+                                        </p:tav>
+                                        <p:tav tm="100000">
+                                          <p:val>
+                                            <p:strVal val="#ppt_x"/>
+                                          </p:val>
+                                        </p:tav>
+                                      </p:tavLst>
+                                    </p:anim>
+                                    <p:anim calcmode="lin" valueType="num">
+                                      <p:cBhvr additive="base">
+                                        <p:cTn id="8" dur="500" fill="hold"/>
+                                        <p:tgtEl>
+                                          <p:spTgt spid="3">
+                                            <p:txEl>
+                                              <p:pRg st="0" end="0"/>
+                                            </p:txEl>
+                                          </p:spTgt>
+                                        </p:tgtEl>
+                                        <p:attrNameLst>
+                                          <p:attrName>ppt_y</p:attrName>
+                                        </p:attrNameLst>
+                                      </p:cBhvr>
+                                      <p:tavLst>
+                                        <p:tav tm="0">
+                                          <p:val>
+                                            <p:strVal val="1+#ppt_h/2"/>
+                                          </p:val>
+                                        </p:tav>
+                                        <p:tav tm="100000">
+                                          <p:val>
+                                            <p:strVal val="#ppt_y"/>
+                                          </p:val>
+                                        </p:tav>
+                                      </p:tavLst>
+                                    </p:anim>
+                                  </p:childTnLst>
+                                </p:cTn>
+                              </p:par>
+                            </p:childTnLst>
+                          </p:cTn>
+                        </p:par>
+                      </p:childTnLst>
+                    </p:cTn>
+                  </p:par>
+                  <p:par>
+                    <p:cTn id="9" fill="hold">
+                      <p:stCondLst>
+                        <p:cond delay="indefinite"/>
+                      </p:stCondLst>
+                      <p:childTnLst>
+                        <p:par>
+                          <p:cTn id="10" fill="hold">
+                            <p:stCondLst>
+                              <p:cond delay="0"/>
+                            </p:stCondLst>
+                            <p:childTnLst>
+                              <p:par>
+                                <p:cTn id="11" presetID="2" presetClass="entr" presetSubtype="4" fill="hold" nodeType="clickEffect">
+                                  <p:stCondLst>
+                                    <p:cond delay="0"/>
+                                  </p:stCondLst>
+                                  <p:childTnLst>
+                                    <p:set>
+                                      <p:cBhvr>
+                                        <p:cTn id="12" dur="1" fill="hold">
+                                          <p:stCondLst>
+                                            <p:cond delay="0"/>
+                                          </p:stCondLst>
+                                        </p:cTn>
+                                        <p:tgtEl>
+                                          <p:spTgt spid="3">
+                                            <p:txEl>
+                                              <p:pRg st="4" end="4"/>
+                                            </p:txEl>
+                                          </p:spTgt>
+                                        </p:tgtEl>
+                                        <p:attrNameLst>
+                                          <p:attrName>style.visibility</p:attrName>
+                                        </p:attrNameLst>
+                                      </p:cBhvr>
+                                      <p:to>
+                                        <p:strVal val="visible"/>
+                                      </p:to>
+                                    </p:set>
+                                    <p:anim calcmode="lin" valueType="num">
+                                      <p:cBhvr additive="base">
+                                        <p:cTn id="13" dur="500" fill="hold"/>
+                                        <p:tgtEl>
+                                          <p:spTgt spid="3">
+                                            <p:txEl>
+                                              <p:pRg st="4" end="4"/>
+                                            </p:txEl>
+                                          </p:spTgt>
+                                        </p:tgtEl>
+                                        <p:attrNameLst>
+                                          <p:attrName>ppt_x</p:attrName>
+                                        </p:attrNameLst>
+                                      </p:cBhvr>
+                                      <p:tavLst>
+                                        <p:tav tm="0">
+                                          <p:val>
+                                            <p:strVal val="#ppt_x"/>
+                                          </p:val>
+                                        </p:tav>
+                                        <p:tav tm="100000">
+                                          <p:val>
+                                            <p:strVal val="#ppt_x"/>
+                                          </p:val>
+                                        </p:tav>
+                                      </p:tavLst>
+                                    </p:anim>
+                                    <p:anim calcmode="lin" valueType="num">
+                                      <p:cBhvr additive="base">
+                                        <p:cTn id="14" dur="500" fill="hold"/>
+                                        <p:tgtEl>
+                                          <p:spTgt spid="3">
+                                            <p:txEl>
+                                              <p:pRg st="4" end="4"/>
+                                            </p:txEl>
+                                          </p:spTgt>
+                                        </p:tgtEl>
+                                        <p:attrNameLst>
+                                          <p:attrName>ppt_y</p:attrName>
+                                        </p:attrNameLst>
+                                      </p:cBhvr>
+                                      <p:tavLst>
+                                        <p:tav tm="0">
+                                          <p:val>
+                                            <p:strVal val="1+#ppt_h/2"/>
+                                          </p:val>
+                                        </p:tav>
+                                        <p:tav tm="100000">
+                                          <p:val>
+                                            <p:strVal val="#ppt_y"/>
+                                          </p:val>
+                                        </p:tav>
+                                      </p:tavLst>
+                                    </p:anim>
+                                  </p:childTnLst>
+                                </p:cTn>
+                              </p:par>
+                            </p:childTnLst>
+                          </p:cTn>
+                        </p:par>
+                      </p:childTnLst>
+                    </p:cTn>
+                  </p:par>
+                  <p:par>
+                    <p:cTn id="15" fill="hold">
+                      <p:stCondLst>
+                        <p:cond delay="indefinite"/>
+                      </p:stCondLst>
+                      <p:childTnLst>
+                        <p:par>
+                          <p:cTn id="16" fill="hold">
+                            <p:stCondLst>
+                              <p:cond delay="0"/>
+                            </p:stCondLst>
+                            <p:childTnLst>
+                              <p:par>
+                                <p:cTn id="17" presetID="4" presetClass="entr" presetSubtype="16" fill="hold" nodeType="clickEffect">
+                                  <p:stCondLst>
+                                    <p:cond delay="0"/>
+                                  </p:stCondLst>
+                                  <p:childTnLst>
+                                    <p:set>
+                                      <p:cBhvr>
+                                        <p:cTn id="18" dur="1" fill="hold">
+                                          <p:stCondLst>
+                                            <p:cond delay="0"/>
+                                          </p:stCondLst>
+                                        </p:cTn>
+                                        <p:tgtEl>
+                                          <p:spTgt spid="3">
+                                            <p:txEl>
+                                              <p:pRg st="1" end="1"/>
+                                            </p:txEl>
+                                          </p:spTgt>
+                                        </p:tgtEl>
+                                        <p:attrNameLst>
+                                          <p:attrName>style.visibility</p:attrName>
+                                        </p:attrNameLst>
+                                      </p:cBhvr>
+                                      <p:to>
+                                        <p:strVal val="visible"/>
+                                      </p:to>
+                                    </p:set>
+                                    <p:animEffect transition="in" filter="box(in)">
+                                      <p:cBhvr>
+                                        <p:cTn id="19" dur="500"/>
+                                        <p:tgtEl>
+                                          <p:spTgt spid="3">
+                                            <p:txEl>
+                                              <p:pRg st="1" end="1"/>
+                                            </p:txEl>
+                                          </p:spTgt>
+                                        </p:tgtEl>
+                                      </p:cBhvr>
+                                    </p:animEffect>
+                                  </p:childTnLst>
+                                </p:cTn>
+                              </p:par>
+                            </p:childTnLst>
+                          </p:cTn>
+                        </p:par>
+                      </p:childTnLst>
+                    </p:cTn>
+                  </p:par>
+                  <p:par>
+                    <p:cTn id="20" fill="hold">
+                      <p:stCondLst>
+                        <p:cond delay="indefinite"/>
+                      </p:stCondLst>
+                      <p:childTnLst>
+                        <p:par>
+                          <p:cTn id="21" fill="hold">
+                            <p:stCondLst>
+                              <p:cond delay="0"/>
+                            </p:stCondLst>
+                            <p:childTnLst>
+                              <p:par>
+                                <p:cTn id="22" presetID="4" presetClass="entr" presetSubtype="16" fill="hold" nodeType="clickEffect">
+                                  <p:stCondLst>
+                                    <p:cond delay="0"/>
+                                  </p:stCondLst>
+                                  <p:childTnLst>
+                                    <p:set>
+                                      <p:cBhvr>
+                                        <p:cTn id="23" dur="1" fill="hold">
+                                          <p:stCondLst>
+                                            <p:cond delay="0"/>
+                                          </p:stCondLst>
+                                        </p:cTn>
+                                        <p:tgtEl>
+                                          <p:spTgt spid="3">
+                                            <p:txEl>
+                                              <p:pRg st="2" end="2"/>
+                                            </p:txEl>
+                                          </p:spTgt>
+                                        </p:tgtEl>
+                                        <p:attrNameLst>
+                                          <p:attrName>style.visibility</p:attrName>
+                                        </p:attrNameLst>
+                                      </p:cBhvr>
+                                      <p:to>
+                                        <p:strVal val="visible"/>
+                                      </p:to>
+                                    </p:set>
+                                    <p:animEffect transition="in" filter="box(in)">
+                                      <p:cBhvr>
+                                        <p:cTn id="24" dur="500"/>
+                                        <p:tgtEl>
+                                          <p:spTgt spid="3">
+                                            <p:txEl>
+                                              <p:pRg st="2" end="2"/>
+                                            </p:txEl>
+                                          </p:spTgt>
+                                        </p:tgtEl>
+                                      </p:cBhvr>
+                                    </p:animEffect>
+                                  </p:childTnLst>
+                                </p:cTn>
+                              </p:par>
+                            </p:childTnLst>
+                          </p:cTn>
+                        </p:par>
+                      </p:childTnLst>
+                    </p:cTn>
+                  </p:par>
+                  <p:par>
+                    <p:cTn id="25" fill="hold">
+                      <p:stCondLst>
+                        <p:cond delay="indefinite"/>
+                      </p:stCondLst>
+                      <p:childTnLst>
+                        <p:par>
+                          <p:cTn id="26" fill="hold">
+                            <p:stCondLst>
+                              <p:cond delay="0"/>
+                            </p:stCondLst>
+                            <p:childTnLst>
+                              <p:par>
+                                <p:cTn id="27" presetID="2" presetClass="entr" presetSubtype="4" fill="hold" nodeType="clickEffect">
+                                  <p:stCondLst>
+                                    <p:cond delay="0"/>
+                                  </p:stCondLst>
+                                  <p:childTnLst>
+                                    <p:set>
+                                      <p:cBhvr>
+                                        <p:cTn id="28" dur="1" fill="hold">
+                                          <p:stCondLst>
+                                            <p:cond delay="0"/>
+                                          </p:stCondLst>
+                                        </p:cTn>
+                                        <p:tgtEl>
+                                          <p:spTgt spid="3">
+                                            <p:txEl>
+                                              <p:pRg st="3" end="3"/>
+                                            </p:txEl>
+                                          </p:spTgt>
+                                        </p:tgtEl>
+                                        <p:attrNameLst>
+                                          <p:attrName>style.visibility</p:attrName>
+                                        </p:attrNameLst>
+                                      </p:cBhvr>
+                                      <p:to>
+                                        <p:strVal val="visible"/>
+                                      </p:to>
+                                    </p:set>
+                                    <p:anim calcmode="lin" valueType="num">
+                                      <p:cBhvr additive="base">
+                                        <p:cTn id="29" dur="500" fill="hold"/>
+                                        <p:tgtEl>
+                                          <p:spTgt spid="3">
+                                            <p:txEl>
+                                              <p:pRg st="3" end="3"/>
+                                            </p:txEl>
+                                          </p:spTgt>
+                                        </p:tgtEl>
+                                        <p:attrNameLst>
+                                          <p:attrName>ppt_x</p:attrName>
+                                        </p:attrNameLst>
+                                      </p:cBhvr>
+                                      <p:tavLst>
+                                        <p:tav tm="0">
+                                          <p:val>
+                                            <p:strVal val="#ppt_x"/>
+                                          </p:val>
+                                        </p:tav>
+                                        <p:tav tm="100000">
+                                          <p:val>
+                                            <p:strVal val="#ppt_x"/>
+                                          </p:val>
+                                        </p:tav>
+                                      </p:tavLst>
+                                    </p:anim>
+                                    <p:anim calcmode="lin" valueType="num">
+                                      <p:cBhvr additive="base">
+                                        <p:cTn id="30" dur="500" fill="hold"/>
+                                        <p:tgtEl>
+                                          <p:spTgt spid="3">
+                                            <p:txEl>
+                                              <p:pRg st="3" end="3"/>
+                                            </p:txEl>
+                                          </p:spTgt>
+                                        </p:tgtEl>
+                                        <p:attrNameLst>
+                                          <p:attrName>ppt_y</p:attrName>
+                                        </p:attrNameLst>
+                                      </p:cBhvr>
+                                      <p:tavLst>
+                                        <p:tav tm="0">
+                                          <p:val>
+                                            <p:strVal val="1+#ppt_h/2"/>
+                                          </p:val>
+                                        </p:tav>
+                                        <p:tav tm="100000">
+                                          <p:val>
+                                            <p:strVal val="#ppt_y"/>
+                                          </p:val>
+                                        </p:tav>
+                                      </p:tavLst>
+                                    </p:anim>
+                                  </p:childTnLst>
+                                </p:cTn>
+                              </p:par>
+                            </p:childTnLst>
+                          </p:cTn>
+                        </p:par>
+                      </p:childTnLst>
+                    </p:cTn>
+                  </p:par>
+                  <p:par>
+                    <p:cTn id="31" fill="hold">
+                      <p:stCondLst>
+                        <p:cond delay="indefinite"/>
+                      </p:stCondLst>
+                      <p:childTnLst>
+                        <p:par>
+                          <p:cTn id="32" fill="hold">
+                            <p:stCondLst>
+                              <p:cond delay="0"/>
+                            </p:stCondLst>
+                            <p:childTnLst>
+                              <p:par>
+                                <p:cTn id="33" presetID="4" presetClass="entr" presetSubtype="16" fill="hold" nodeType="clickEffect">
+                                  <p:stCondLst>
+                                    <p:cond delay="0"/>
+                                  </p:stCondLst>
+                                  <p:childTnLst>
+                                    <p:set>
+                                      <p:cBhvr>
+                                        <p:cTn id="34" dur="1" fill="hold">
+                                          <p:stCondLst>
+                                            <p:cond delay="0"/>
+                                          </p:stCondLst>
+                                        </p:cTn>
+                                        <p:tgtEl>
+                                          <p:spTgt spid="3">
+                                            <p:txEl>
+                                              <p:pRg st="3" end="3"/>
+                                            </p:txEl>
+                                          </p:spTgt>
+                                        </p:tgtEl>
+                                        <p:attrNameLst>
+                                          <p:attrName>style.visibility</p:attrName>
+                                        </p:attrNameLst>
+                                      </p:cBhvr>
+                                      <p:to>
+                                        <p:strVal val="visible"/>
+                                      </p:to>
+                                    </p:set>
+                                    <p:animEffect transition="in" filter="box(in)">
+                                      <p:cBhvr>
+                                        <p:cTn id="35" dur="500"/>
+                                        <p:tgtEl>
+                                          <p:spTgt spid="3">
+                                            <p:txEl>
+                                              <p:pRg st="3" end="3"/>
+                                            </p:txEl>
+                                          </p:spTgt>
+                                        </p:tgtEl>
+                                      </p:cBhvr>
+                                    </p:animEffect>
+                                  </p:childTnLst>
+                                </p:cTn>
+                              </p:par>
+                            </p:childTnLst>
+                          </p:cTn>
+                        </p:par>
+                      </p:childTnLst>
+                    </p:cTn>
+                  </p:par>
+                  <p:par>
+                    <p:cTn id="36" fill="hold">
+                      <p:stCondLst>
+                        <p:cond delay="indefinite"/>
+                      </p:stCondLst>
+                      <p:childTnLst>
+                        <p:par>
+                          <p:cTn id="37" fill="hold">
+                            <p:stCondLst>
+                              <p:cond delay="0"/>
+                            </p:stCondLst>
+                            <p:childTnLst>
+                              <p:par>
+                                <p:cTn id="38" presetID="5" presetClass="entr" presetSubtype="10" fill="hold" nodeType="clickEffect">
+                                  <p:stCondLst>
+                                    <p:cond delay="0"/>
+                                  </p:stCondLst>
+                                  <p:childTnLst>
+                                    <p:set>
+                                      <p:cBhvr>
+                                        <p:cTn id="39" dur="1" fill="hold">
+                                          <p:stCondLst>
+                                            <p:cond delay="0"/>
+                                          </p:stCondLst>
+                                        </p:cTn>
+                                        <p:tgtEl>
+                                          <p:spTgt spid="3">
+                                            <p:txEl>
+                                              <p:pRg st="5" end="5"/>
+                                            </p:txEl>
+                                          </p:spTgt>
+                                        </p:tgtEl>
+                                        <p:attrNameLst>
+                                          <p:attrName>style.visibility</p:attrName>
+                                        </p:attrNameLst>
+                                      </p:cBhvr>
+                                      <p:to>
+                                        <p:strVal val="visible"/>
+                                      </p:to>
+                                    </p:set>
+                                    <p:animEffect transition="in" filter="checkerboard(across)">
+                                      <p:cBhvr>
+                                        <p:cTn id="40" dur="500"/>
+                                        <p:tgtEl>
+                                          <p:spTgt spid="3">
+                                            <p:txEl>
+                                              <p:pRg st="5" end="5"/>
+                                            </p:txEl>
+                                          </p:spTgt>
+                                        </p:tgtEl>
+                                      </p:cBhvr>
+                                    </p:animEffect>
+                                  </p:childTnLst>
+                                </p:cTn>
+                              </p:par>
+                            </p:childTnLst>
+                          </p:cTn>
+                        </p:par>
+                      </p:childTnLst>
+                    </p:cTn>
+                  </p:par>
+                  <p:par>
+                    <p:cTn id="41" fill="hold">
+                      <p:stCondLst>
+                        <p:cond delay="indefinite"/>
+                      </p:stCondLst>
+                      <p:childTnLst>
+                        <p:par>
+                          <p:cTn id="42" fill="hold">
+                            <p:stCondLst>
+                              <p:cond delay="0"/>
+                            </p:stCondLst>
+                            <p:childTnLst>
+                              <p:par>
+                                <p:cTn id="43" presetID="3" presetClass="entr" presetSubtype="10" fill="hold" nodeType="clickEffect">
+                                  <p:stCondLst>
+                                    <p:cond delay="0"/>
+                                  </p:stCondLst>
+                                  <p:childTnLst>
+                                    <p:set>
+                                      <p:cBhvr>
+                                        <p:cTn id="44" dur="1" fill="hold">
+                                          <p:stCondLst>
+                                            <p:cond delay="0"/>
+                                          </p:stCondLst>
+                                        </p:cTn>
+                                        <p:tgtEl>
+                                          <p:spTgt spid="3">
+                                            <p:txEl>
+                                              <p:pRg st="6" end="6"/>
+                                            </p:txEl>
+                                          </p:spTgt>
+                                        </p:tgtEl>
+                                        <p:attrNameLst>
+                                          <p:attrName>style.visibility</p:attrName>
+                                        </p:attrNameLst>
+                                      </p:cBhvr>
+                                      <p:to>
+                                        <p:strVal val="visible"/>
+                                      </p:to>
+                                    </p:set>
+                                    <p:animEffect transition="in" filter="blinds(horizontal)">
+                                      <p:cBhvr>
+                                        <p:cTn id="45" dur="500"/>
+                                        <p:tgtEl>
+                                          <p:spTgt spid="3">
+                                            <p:txEl>
+                                              <p:pRg st="6" end="6"/>
+                                            </p:txEl>
+                                          </p:spTgt>
+                                        </p:tgtEl>
+                                      </p:cBhvr>
+                                    </p:animEffect>
+                                  </p:childTnLst>
+                                </p:cTn>
+                              </p:par>
+                            </p:childTnLst>
+                          </p:cTn>
+                        </p:par>
+                      </p:childTnLst>
+                    </p:cTn>
+                  </p:par>
+                  <p:par>
+                    <p:cTn id="46" fill="hold">
+                      <p:stCondLst>
+                        <p:cond delay="indefinite"/>
+                      </p:stCondLst>
+                      <p:childTnLst>
+                        <p:par>
+                          <p:cTn id="47" fill="hold">
+                            <p:stCondLst>
+                              <p:cond delay="0"/>
+                            </p:stCondLst>
+                            <p:childTnLst>
+                              <p:par>
+                                <p:cTn id="48" presetID="2" presetClass="entr" presetSubtype="4" fill="hold" nodeType="clickEffect">
+                                  <p:stCondLst>
+                                    <p:cond delay="0"/>
+                                  </p:stCondLst>
+                                  <p:childTnLst>
+                                    <p:set>
+                                      <p:cBhvr>
+                                        <p:cTn id="49" dur="1" fill="hold">
+                                          <p:stCondLst>
+                                            <p:cond delay="0"/>
+                                          </p:stCondLst>
+                                        </p:cTn>
+                                        <p:tgtEl>
+                                          <p:spTgt spid="3">
+                                            <p:txEl>
+                                              <p:pRg st="7" end="7"/>
+                                            </p:txEl>
+                                          </p:spTgt>
+                                        </p:tgtEl>
+                                        <p:attrNameLst>
+                                          <p:attrName>style.visibility</p:attrName>
+                                        </p:attrNameLst>
+                                      </p:cBhvr>
+                                      <p:to>
+                                        <p:strVal val="visible"/>
+                                      </p:to>
+                                    </p:set>
+                                    <p:anim calcmode="lin" valueType="num">
+                                      <p:cBhvr additive="base">
+                                        <p:cTn id="50" dur="500" fill="hold"/>
+                                        <p:tgtEl>
+                                          <p:spTgt spid="3">
+                                            <p:txEl>
+                                              <p:pRg st="7" end="7"/>
+                                            </p:txEl>
+                                          </p:spTgt>
+                                        </p:tgtEl>
+                                        <p:attrNameLst>
+                                          <p:attrName>ppt_x</p:attrName>
+                                        </p:attrNameLst>
+                                      </p:cBhvr>
+                                      <p:tavLst>
+                                        <p:tav tm="0">
+                                          <p:val>
+                                            <p:strVal val="#ppt_x"/>
+                                          </p:val>
+                                        </p:tav>
+                                        <p:tav tm="100000">
+                                          <p:val>
+                                            <p:strVal val="#ppt_x"/>
+                                          </p:val>
+                                        </p:tav>
+                                      </p:tavLst>
+                                    </p:anim>
+                                    <p:anim calcmode="lin" valueType="num">
+                                      <p:cBhvr additive="base">
+                                        <p:cTn id="51" dur="500" fill="hold"/>
+                                        <p:tgtEl>
+                                          <p:spTgt spid="3">
+                                            <p:txEl>
+                                              <p:pRg st="7" end="7"/>
+                                            </p:txEl>
+                                          </p:spTgt>
+                                        </p:tgtEl>
+                                        <p:attrNameLst>
+                                          <p:attrName>ppt_y</p:attrName>
+                                        </p:attrNameLst>
+                                      </p:cBhvr>
+                                      <p:tavLst>
+                                        <p:tav tm="0">
+                                          <p:val>
+                                            <p:strVal val="1+#ppt_h/2"/>
+                                          </p:val>
+                                        </p:tav>
+                                        <p:tav tm="100000">
+                                          <p:val>
+                                            <p:strVal val="#ppt_y"/>
+                                          </p:val>
+                                        </p:tav>
+                                      </p:tavLst>
+                                    </p:anim>
+                                  </p:childTnLst>
+                                </p:cTn>
+                              </p:par>
+                            </p:childTnLst>
+                          </p:cTn>
+                        </p:par>
+                      </p:childTnLst>
+                    </p:cTn>
+                  </p:par>
+                </p:childTnLst>
+              </p:cTn>
+              <p:prevCondLst>
+                <p:cond evt="onPrev" delay="0">
+                  <p:tgtEl>
+                    <p:sldTgt/>
+                  </p:tgtEl>
+                </p:cond>
+              </p:prevCondLst>
+              <p:nextCondLst>
+                <p:cond evt="onNext" delay="0">
+                  <p:tgtEl>
+                    <p:sldTgt/>
+                  </p:tgtEl>
+                </p:cond>
+              </p:nextCondLst>
+            </p:seq>
+          </p:childTnLst>
+        </p:cTn>
+      </p:par>
+    </p:tnLst>
+  </p:timing>
 </p:sld>
 </file>
 
@@ -6501,6 +13326,13 @@
   <p:clrMapOvr>
     <a:masterClrMapping/>
   </p:clrMapOvr>
+  <p:timing>
+    <p:tnLst>
+      <p:par>
+        <p:cTn id="1" dur="indefinite" restart="never" nodeType="tmRoot"/>
+      </p:par>
+    </p:tnLst>
+  </p:timing>
 </p:sld>
 </file>
 
@@ -6728,6 +13560,302 @@
   <p:clrMapOvr>
     <a:masterClrMapping/>
   </p:clrMapOvr>
+  <p:timing>
+    <p:tnLst>
+      <p:par>
+        <p:cTn id="1" dur="indefinite" restart="never" nodeType="tmRoot">
+          <p:childTnLst>
+            <p:seq concurrent="1" nextAc="seek">
+              <p:cTn id="2" dur="indefinite" nodeType="mainSeq">
+                <p:childTnLst>
+                  <p:par>
+                    <p:cTn id="3" fill="hold">
+                      <p:stCondLst>
+                        <p:cond delay="indefinite"/>
+                      </p:stCondLst>
+                      <p:childTnLst>
+                        <p:par>
+                          <p:cTn id="4" fill="hold">
+                            <p:stCondLst>
+                              <p:cond delay="0"/>
+                            </p:stCondLst>
+                            <p:childTnLst>
+                              <p:par>
+                                <p:cTn id="5" presetID="2" presetClass="entr" presetSubtype="4" fill="hold" nodeType="clickEffect">
+                                  <p:stCondLst>
+                                    <p:cond delay="0"/>
+                                  </p:stCondLst>
+                                  <p:childTnLst>
+                                    <p:set>
+                                      <p:cBhvr>
+                                        <p:cTn id="6" dur="1" fill="hold">
+                                          <p:stCondLst>
+                                            <p:cond delay="0"/>
+                                          </p:stCondLst>
+                                        </p:cTn>
+                                        <p:tgtEl>
+                                          <p:spTgt spid="1026"/>
+                                        </p:tgtEl>
+                                        <p:attrNameLst>
+                                          <p:attrName>style.visibility</p:attrName>
+                                        </p:attrNameLst>
+                                      </p:cBhvr>
+                                      <p:to>
+                                        <p:strVal val="visible"/>
+                                      </p:to>
+                                    </p:set>
+                                    <p:anim calcmode="lin" valueType="num">
+                                      <p:cBhvr additive="base">
+                                        <p:cTn id="7" dur="500" fill="hold"/>
+                                        <p:tgtEl>
+                                          <p:spTgt spid="1026"/>
+                                        </p:tgtEl>
+                                        <p:attrNameLst>
+                                          <p:attrName>ppt_x</p:attrName>
+                                        </p:attrNameLst>
+                                      </p:cBhvr>
+                                      <p:tavLst>
+                                        <p:tav tm="0">
+                                          <p:val>
+                                            <p:strVal val="#ppt_x"/>
+                                          </p:val>
+                                        </p:tav>
+                                        <p:tav tm="100000">
+                                          <p:val>
+                                            <p:strVal val="#ppt_x"/>
+                                          </p:val>
+                                        </p:tav>
+                                      </p:tavLst>
+                                    </p:anim>
+                                    <p:anim calcmode="lin" valueType="num">
+                                      <p:cBhvr additive="base">
+                                        <p:cTn id="8" dur="500" fill="hold"/>
+                                        <p:tgtEl>
+                                          <p:spTgt spid="1026"/>
+                                        </p:tgtEl>
+                                        <p:attrNameLst>
+                                          <p:attrName>ppt_y</p:attrName>
+                                        </p:attrNameLst>
+                                      </p:cBhvr>
+                                      <p:tavLst>
+                                        <p:tav tm="0">
+                                          <p:val>
+                                            <p:strVal val="1+#ppt_h/2"/>
+                                          </p:val>
+                                        </p:tav>
+                                        <p:tav tm="100000">
+                                          <p:val>
+                                            <p:strVal val="#ppt_y"/>
+                                          </p:val>
+                                        </p:tav>
+                                      </p:tavLst>
+                                    </p:anim>
+                                  </p:childTnLst>
+                                </p:cTn>
+                              </p:par>
+                            </p:childTnLst>
+                          </p:cTn>
+                        </p:par>
+                      </p:childTnLst>
+                    </p:cTn>
+                  </p:par>
+                  <p:par>
+                    <p:cTn id="9" fill="hold">
+                      <p:stCondLst>
+                        <p:cond delay="indefinite"/>
+                      </p:stCondLst>
+                      <p:childTnLst>
+                        <p:par>
+                          <p:cTn id="10" fill="hold">
+                            <p:stCondLst>
+                              <p:cond delay="0"/>
+                            </p:stCondLst>
+                            <p:childTnLst>
+                              <p:par>
+                                <p:cTn id="11" presetID="4" presetClass="entr" presetSubtype="16" fill="hold" nodeType="clickEffect">
+                                  <p:stCondLst>
+                                    <p:cond delay="0"/>
+                                  </p:stCondLst>
+                                  <p:childTnLst>
+                                    <p:set>
+                                      <p:cBhvr>
+                                        <p:cTn id="12" dur="1" fill="hold">
+                                          <p:stCondLst>
+                                            <p:cond delay="0"/>
+                                          </p:stCondLst>
+                                        </p:cTn>
+                                        <p:tgtEl>
+                                          <p:spTgt spid="1027"/>
+                                        </p:tgtEl>
+                                        <p:attrNameLst>
+                                          <p:attrName>style.visibility</p:attrName>
+                                        </p:attrNameLst>
+                                      </p:cBhvr>
+                                      <p:to>
+                                        <p:strVal val="visible"/>
+                                      </p:to>
+                                    </p:set>
+                                    <p:animEffect transition="in" filter="box(in)">
+                                      <p:cBhvr>
+                                        <p:cTn id="13" dur="500"/>
+                                        <p:tgtEl>
+                                          <p:spTgt spid="1027"/>
+                                        </p:tgtEl>
+                                      </p:cBhvr>
+                                    </p:animEffect>
+                                  </p:childTnLst>
+                                </p:cTn>
+                              </p:par>
+                            </p:childTnLst>
+                          </p:cTn>
+                        </p:par>
+                      </p:childTnLst>
+                    </p:cTn>
+                  </p:par>
+                  <p:par>
+                    <p:cTn id="14" fill="hold">
+                      <p:stCondLst>
+                        <p:cond delay="indefinite"/>
+                      </p:stCondLst>
+                      <p:childTnLst>
+                        <p:par>
+                          <p:cTn id="15" fill="hold">
+                            <p:stCondLst>
+                              <p:cond delay="0"/>
+                            </p:stCondLst>
+                            <p:childTnLst>
+                              <p:par>
+                                <p:cTn id="16" presetID="21" presetClass="entr" presetSubtype="4" fill="hold" nodeType="clickEffect">
+                                  <p:stCondLst>
+                                    <p:cond delay="0"/>
+                                  </p:stCondLst>
+                                  <p:childTnLst>
+                                    <p:set>
+                                      <p:cBhvr>
+                                        <p:cTn id="17" dur="1" fill="hold">
+                                          <p:stCondLst>
+                                            <p:cond delay="0"/>
+                                          </p:stCondLst>
+                                        </p:cTn>
+                                        <p:tgtEl>
+                                          <p:spTgt spid="6">
+                                            <p:txEl>
+                                              <p:pRg st="0" end="0"/>
+                                            </p:txEl>
+                                          </p:spTgt>
+                                        </p:tgtEl>
+                                        <p:attrNameLst>
+                                          <p:attrName>style.visibility</p:attrName>
+                                        </p:attrNameLst>
+                                      </p:cBhvr>
+                                      <p:to>
+                                        <p:strVal val="visible"/>
+                                      </p:to>
+                                    </p:set>
+                                    <p:animEffect transition="in" filter="wheel(4)">
+                                      <p:cBhvr>
+                                        <p:cTn id="18" dur="2000"/>
+                                        <p:tgtEl>
+                                          <p:spTgt spid="6">
+                                            <p:txEl>
+                                              <p:pRg st="0" end="0"/>
+                                            </p:txEl>
+                                          </p:spTgt>
+                                        </p:tgtEl>
+                                      </p:cBhvr>
+                                    </p:animEffect>
+                                  </p:childTnLst>
+                                </p:cTn>
+                              </p:par>
+                            </p:childTnLst>
+                          </p:cTn>
+                        </p:par>
+                      </p:childTnLst>
+                    </p:cTn>
+                  </p:par>
+                  <p:par>
+                    <p:cTn id="19" fill="hold">
+                      <p:stCondLst>
+                        <p:cond delay="indefinite"/>
+                      </p:stCondLst>
+                      <p:childTnLst>
+                        <p:par>
+                          <p:cTn id="20" fill="hold">
+                            <p:stCondLst>
+                              <p:cond delay="0"/>
+                            </p:stCondLst>
+                            <p:childTnLst>
+                              <p:par>
+                                <p:cTn id="21" presetID="6" presetClass="entr" presetSubtype="16" fill="hold" nodeType="clickEffect">
+                                  <p:stCondLst>
+                                    <p:cond delay="0"/>
+                                  </p:stCondLst>
+                                  <p:childTnLst>
+                                    <p:set>
+                                      <p:cBhvr>
+                                        <p:cTn id="22" dur="1" fill="hold">
+                                          <p:stCondLst>
+                                            <p:cond delay="0"/>
+                                          </p:stCondLst>
+                                        </p:cTn>
+                                        <p:tgtEl>
+                                          <p:spTgt spid="7">
+                                            <p:txEl>
+                                              <p:pRg st="0" end="0"/>
+                                            </p:txEl>
+                                          </p:spTgt>
+                                        </p:tgtEl>
+                                        <p:attrNameLst>
+                                          <p:attrName>style.visibility</p:attrName>
+                                        </p:attrNameLst>
+                                      </p:cBhvr>
+                                      <p:to>
+                                        <p:strVal val="visible"/>
+                                      </p:to>
+                                    </p:set>
+                                    <p:animEffect transition="in" filter="circle(in)">
+                                      <p:cBhvr>
+                                        <p:cTn id="23" dur="2000"/>
+                                        <p:tgtEl>
+                                          <p:spTgt spid="7">
+                                            <p:txEl>
+                                              <p:pRg st="0" end="0"/>
+                                            </p:txEl>
+                                          </p:spTgt>
+                                        </p:tgtEl>
+                                      </p:cBhvr>
+                                    </p:animEffect>
+                                  </p:childTnLst>
+                                </p:cTn>
+                              </p:par>
+                            </p:childTnLst>
+                          </p:cTn>
+                        </p:par>
+                      </p:childTnLst>
+                    </p:cTn>
+                  </p:par>
+                </p:childTnLst>
+              </p:cTn>
+              <p:prevCondLst>
+                <p:cond evt="onPrev" delay="0">
+                  <p:tgtEl>
+                    <p:sldTgt/>
+                  </p:tgtEl>
+                </p:cond>
+              </p:prevCondLst>
+              <p:nextCondLst>
+                <p:cond evt="onNext" delay="0">
+                  <p:tgtEl>
+                    <p:sldTgt/>
+                  </p:tgtEl>
+                </p:cond>
+              </p:nextCondLst>
+            </p:seq>
+          </p:childTnLst>
+        </p:cTn>
+      </p:par>
+    </p:tnLst>
+  </p:timing>
 </p:sld>
 </file>
 
@@ -6846,6 +13974,135 @@
   <p:clrMapOvr>
     <a:masterClrMapping/>
   </p:clrMapOvr>
+  <p:timing>
+    <p:tnLst>
+      <p:par>
+        <p:cTn id="1" dur="indefinite" restart="never" nodeType="tmRoot">
+          <p:childTnLst>
+            <p:seq concurrent="1" nextAc="seek">
+              <p:cTn id="2" dur="indefinite" nodeType="mainSeq">
+                <p:childTnLst>
+                  <p:par>
+                    <p:cTn id="3" fill="hold">
+                      <p:stCondLst>
+                        <p:cond delay="indefinite"/>
+                      </p:stCondLst>
+                      <p:childTnLst>
+                        <p:par>
+                          <p:cTn id="4" fill="hold">
+                            <p:stCondLst>
+                              <p:cond delay="0"/>
+                            </p:stCondLst>
+                            <p:childTnLst>
+                              <p:par>
+                                <p:cTn id="5" presetID="29" presetClass="entr" presetSubtype="0" fill="hold" nodeType="clickEffect">
+                                  <p:stCondLst>
+                                    <p:cond delay="0"/>
+                                  </p:stCondLst>
+                                  <p:childTnLst>
+                                    <p:set>
+                                      <p:cBhvr>
+                                        <p:cTn id="6" dur="1" fill="hold">
+                                          <p:stCondLst>
+                                            <p:cond delay="0"/>
+                                          </p:stCondLst>
+                                        </p:cTn>
+                                        <p:tgtEl>
+                                          <p:spTgt spid="2050"/>
+                                        </p:tgtEl>
+                                        <p:attrNameLst>
+                                          <p:attrName>style.visibility</p:attrName>
+                                        </p:attrNameLst>
+                                      </p:cBhvr>
+                                      <p:to>
+                                        <p:strVal val="visible"/>
+                                      </p:to>
+                                    </p:set>
+                                    <p:anim calcmode="lin" valueType="num">
+                                      <p:cBhvr>
+                                        <p:cTn id="7" dur="1000" fill="hold"/>
+                                        <p:tgtEl>
+                                          <p:spTgt spid="2050"/>
+                                        </p:tgtEl>
+                                        <p:attrNameLst>
+                                          <p:attrName>ppt_x</p:attrName>
+                                        </p:attrNameLst>
+                                      </p:cBhvr>
+                                      <p:tavLst>
+                                        <p:tav tm="0">
+                                          <p:val>
+                                            <p:strVal val="#ppt_x-.2"/>
+                                          </p:val>
+                                        </p:tav>
+                                        <p:tav tm="100000">
+                                          <p:val>
+                                            <p:strVal val="#ppt_x"/>
+                                          </p:val>
+                                        </p:tav>
+                                      </p:tavLst>
+                                    </p:anim>
+                                    <p:anim calcmode="lin" valueType="num">
+                                      <p:cBhvr>
+                                        <p:cTn id="8" dur="1000" fill="hold"/>
+                                        <p:tgtEl>
+                                          <p:spTgt spid="2050"/>
+                                        </p:tgtEl>
+                                        <p:attrNameLst>
+                                          <p:attrName>ppt_y</p:attrName>
+                                        </p:attrNameLst>
+                                      </p:cBhvr>
+                                      <p:tavLst>
+                                        <p:tav tm="0">
+                                          <p:val>
+                                            <p:strVal val="#ppt_y"/>
+                                          </p:val>
+                                        </p:tav>
+                                        <p:tav tm="100000">
+                                          <p:val>
+                                            <p:strVal val="#ppt_y"/>
+                                          </p:val>
+                                        </p:tav>
+                                      </p:tavLst>
+                                    </p:anim>
+                                    <p:animEffect transition="in" filter="wipe(right)" prLst="gradientSize: 0.1">
+                                      <p:cBhvr>
+                                        <p:cTn id="9" dur="1000"/>
+                                        <p:tgtEl>
+                                          <p:spTgt spid="2050"/>
+                                        </p:tgtEl>
+                                      </p:cBhvr>
+                                    </p:animEffect>
+                                  </p:childTnLst>
+                                </p:cTn>
+                              </p:par>
+                            </p:childTnLst>
+                          </p:cTn>
+                        </p:par>
+                      </p:childTnLst>
+                    </p:cTn>
+                  </p:par>
+                </p:childTnLst>
+              </p:cTn>
+              <p:prevCondLst>
+                <p:cond evt="onPrev" delay="0">
+                  <p:tgtEl>
+                    <p:sldTgt/>
+                  </p:tgtEl>
+                </p:cond>
+              </p:prevCondLst>
+              <p:nextCondLst>
+                <p:cond evt="onNext" delay="0">
+                  <p:tgtEl>
+                    <p:sldTgt/>
+                  </p:tgtEl>
+                </p:cond>
+              </p:nextCondLst>
+            </p:seq>
+          </p:childTnLst>
+        </p:cTn>
+      </p:par>
+    </p:tnLst>
+  </p:timing>
 </p:sld>
 </file>
 
@@ -6931,7 +14188,7 @@
             <a:hlinkClick r:id="rId3" action="ppaction://hlinksldjump"/>
             <a:extLst>
               <a:ext uri="{FF2B5EF4-FFF2-40B4-BE49-F238E27FC236}">
-                <a16:creationId xmlns:a16="http://schemas.microsoft.com/office/drawing/2014/main" id="{208352A4-260F-46D1-A9C5-EC039A6D0748}"/>
+                <a16:creationId xmlns="" xmlns:a16="http://schemas.microsoft.com/office/drawing/2014/main" id="{208352A4-260F-46D1-A9C5-EC039A6D0748}"/>
               </a:ext>
             </a:extLst>
           </p:cNvPr>
@@ -6977,6 +14234,161 @@
   <p:clrMapOvr>
     <a:masterClrMapping/>
   </p:clrMapOvr>
+  <p:timing>
+    <p:tnLst>
+      <p:par>
+        <p:cTn id="1" dur="indefinite" restart="never" nodeType="tmRoot">
+          <p:childTnLst>
+            <p:seq concurrent="1" nextAc="seek">
+              <p:cTn id="2" dur="indefinite" nodeType="mainSeq">
+                <p:childTnLst>
+                  <p:par>
+                    <p:cTn id="3" fill="hold">
+                      <p:stCondLst>
+                        <p:cond delay="indefinite"/>
+                      </p:stCondLst>
+                      <p:childTnLst>
+                        <p:par>
+                          <p:cTn id="4" fill="hold">
+                            <p:stCondLst>
+                              <p:cond delay="0"/>
+                            </p:stCondLst>
+                            <p:childTnLst>
+                              <p:par>
+                                <p:cTn id="5" presetID="31" presetClass="entr" presetSubtype="0" fill="hold" nodeType="clickEffect">
+                                  <p:stCondLst>
+                                    <p:cond delay="0"/>
+                                  </p:stCondLst>
+                                  <p:iterate type="lt">
+                                    <p:tmPct val="5000"/>
+                                  </p:iterate>
+                                  <p:childTnLst>
+                                    <p:set>
+                                      <p:cBhvr>
+                                        <p:cTn id="6" dur="1" fill="hold">
+                                          <p:stCondLst>
+                                            <p:cond delay="0"/>
+                                          </p:stCondLst>
+                                        </p:cTn>
+                                        <p:tgtEl>
+                                          <p:spTgt spid="3074"/>
+                                        </p:tgtEl>
+                                        <p:attrNameLst>
+                                          <p:attrName>style.visibility</p:attrName>
+                                        </p:attrNameLst>
+                                      </p:cBhvr>
+                                      <p:to>
+                                        <p:strVal val="visible"/>
+                                      </p:to>
+                                    </p:set>
+                                    <p:anim calcmode="lin" valueType="num">
+                                      <p:cBhvr>
+                                        <p:cTn id="7" dur="1000" fill="hold"/>
+                                        <p:tgtEl>
+                                          <p:spTgt spid="3074"/>
+                                        </p:tgtEl>
+                                        <p:attrNameLst>
+                                          <p:attrName>ppt_w</p:attrName>
+                                        </p:attrNameLst>
+                                      </p:cBhvr>
+                                      <p:tavLst>
+                                        <p:tav tm="0">
+                                          <p:val>
+                                            <p:fltVal val="0"/>
+                                          </p:val>
+                                        </p:tav>
+                                        <p:tav tm="100000">
+                                          <p:val>
+                                            <p:strVal val="#ppt_w"/>
+                                          </p:val>
+                                        </p:tav>
+                                      </p:tavLst>
+                                    </p:anim>
+                                    <p:anim calcmode="lin" valueType="num">
+                                      <p:cBhvr>
+                                        <p:cTn id="8" dur="1000" fill="hold"/>
+                                        <p:tgtEl>
+                                          <p:spTgt spid="3074"/>
+                                        </p:tgtEl>
+                                        <p:attrNameLst>
+                                          <p:attrName>ppt_h</p:attrName>
+                                        </p:attrNameLst>
+                                      </p:cBhvr>
+                                      <p:tavLst>
+                                        <p:tav tm="0">
+                                          <p:val>
+                                            <p:fltVal val="0"/>
+                                          </p:val>
+                                        </p:tav>
+                                        <p:tav tm="100000">
+                                          <p:val>
+                                            <p:strVal val="#ppt_h"/>
+                                          </p:val>
+                                        </p:tav>
+                                      </p:tavLst>
+                                    </p:anim>
+                                    <p:anim calcmode="lin" valueType="num">
+                                      <p:cBhvr>
+                                        <p:cTn id="9" dur="1000" fill="hold"/>
+                                        <p:tgtEl>
+                                          <p:spTgt spid="3074"/>
+                                        </p:tgtEl>
+                                        <p:attrNameLst>
+                                          <p:attrName>style.rotation</p:attrName>
+                                        </p:attrNameLst>
+                                      </p:cBhvr>
+                                      <p:tavLst>
+                                        <p:tav tm="0">
+                                          <p:val>
+                                            <p:fltVal val="90"/>
+                                          </p:val>
+                                        </p:tav>
+                                        <p:tav tm="100000">
+                                          <p:val>
+                                            <p:fltVal val="0"/>
+                                          </p:val>
+                                        </p:tav>
+                                      </p:tavLst>
+                                    </p:anim>
+                                    <p:animEffect transition="in" filter="fade">
+                                      <p:cBhvr>
+                                        <p:cTn id="10" dur="1000"/>
+                                        <p:tgtEl>
+                                          <p:spTgt spid="3074"/>
+                                        </p:tgtEl>
+                                      </p:cBhvr>
+                                    </p:animEffect>
+                                  </p:childTnLst>
+                                </p:cTn>
+                              </p:par>
+                            </p:childTnLst>
+                          </p:cTn>
+                        </p:par>
+                      </p:childTnLst>
+                    </p:cTn>
+                  </p:par>
+                </p:childTnLst>
+              </p:cTn>
+              <p:prevCondLst>
+                <p:cond evt="onPrev" delay="0">
+                  <p:tgtEl>
+                    <p:sldTgt/>
+                  </p:tgtEl>
+                </p:cond>
+              </p:prevCondLst>
+              <p:nextCondLst>
+                <p:cond evt="onNext" delay="0">
+                  <p:tgtEl>
+                    <p:sldTgt/>
+                  </p:tgtEl>
+                </p:cond>
+              </p:nextCondLst>
+            </p:seq>
+          </p:childTnLst>
+        </p:cTn>
+      </p:par>
+    </p:tnLst>
+  </p:timing>
 </p:sld>
 </file>
 
@@ -7002,7 +14414,7 @@
           <p:cNvPr id="2" name="标题 1">
             <a:extLst>
               <a:ext uri="{FF2B5EF4-FFF2-40B4-BE49-F238E27FC236}">
-                <a16:creationId xmlns:a16="http://schemas.microsoft.com/office/drawing/2014/main" id="{0BBCF635-C089-4C25-BD08-2F460258D05A}"/>
+                <a16:creationId xmlns="" xmlns:a16="http://schemas.microsoft.com/office/drawing/2014/main" id="{0BBCF635-C089-4C25-BD08-2F460258D05A}"/>
               </a:ext>
             </a:extLst>
           </p:cNvPr>
@@ -7038,7 +14450,7 @@
           <p:cNvPr id="3" name="内容占位符 2">
             <a:extLst>
               <a:ext uri="{FF2B5EF4-FFF2-40B4-BE49-F238E27FC236}">
-                <a16:creationId xmlns:a16="http://schemas.microsoft.com/office/drawing/2014/main" id="{33BFE2DE-1CD7-4098-9716-2F2A3BFB43F3}"/>
+                <a16:creationId xmlns="" xmlns:a16="http://schemas.microsoft.com/office/drawing/2014/main" id="{33BFE2DE-1CD7-4098-9716-2F2A3BFB43F3}"/>
               </a:ext>
             </a:extLst>
           </p:cNvPr>
@@ -7116,7 +14528,7 @@
           <p:cNvPr id="5" name="图片 4">
             <a:extLst>
               <a:ext uri="{FF2B5EF4-FFF2-40B4-BE49-F238E27FC236}">
-                <a16:creationId xmlns:a16="http://schemas.microsoft.com/office/drawing/2014/main" id="{6D129BC6-18E1-4BBF-A750-6BA5E45AFD49}"/>
+                <a16:creationId xmlns="" xmlns:a16="http://schemas.microsoft.com/office/drawing/2014/main" id="{6D129BC6-18E1-4BBF-A750-6BA5E45AFD49}"/>
               </a:ext>
             </a:extLst>
           </p:cNvPr>
@@ -7126,10 +14538,10 @@
           <p:nvPr/>
         </p:nvPicPr>
         <p:blipFill>
-          <a:blip r:embed="rId2">
+          <a:blip r:embed="rId2" cstate="print">
             <a:extLst>
               <a:ext uri="{28A0092B-C50C-407E-A947-70E740481C1C}">
-                <a14:useLocalDpi xmlns:a14="http://schemas.microsoft.com/office/drawing/2010/main" val="0"/>
+                <a14:useLocalDpi xmlns="" xmlns:a14="http://schemas.microsoft.com/office/drawing/2010/main" val="0"/>
               </a:ext>
             </a:extLst>
           </a:blip>
@@ -7153,7 +14565,7 @@
             <a:hlinkClick r:id="rId3" action="ppaction://hlinksldjump"/>
             <a:extLst>
               <a:ext uri="{FF2B5EF4-FFF2-40B4-BE49-F238E27FC236}">
-                <a16:creationId xmlns:a16="http://schemas.microsoft.com/office/drawing/2014/main" id="{E9544EBE-2ECB-49FB-A249-6E939AABB355}"/>
+                <a16:creationId xmlns="" xmlns:a16="http://schemas.microsoft.com/office/drawing/2014/main" id="{E9544EBE-2ECB-49FB-A249-6E939AABB355}"/>
               </a:ext>
             </a:extLst>
           </p:cNvPr>
@@ -7197,13 +14609,378 @@
     </p:spTree>
     <p:extLst>
       <p:ext uri="{BB962C8B-B14F-4D97-AF65-F5344CB8AC3E}">
-        <p14:creationId xmlns:p14="http://schemas.microsoft.com/office/powerpoint/2010/main" val="1895809678"/>
+        <p14:creationId xmlns="" xmlns:p14="http://schemas.microsoft.com/office/powerpoint/2010/main" val="1895809678"/>
       </p:ext>
     </p:extLst>
   </p:cSld>
   <p:clrMapOvr>
     <a:masterClrMapping/>
   </p:clrMapOvr>
+  <p:timing>
+    <p:tnLst>
+      <p:par>
+        <p:cTn id="1" dur="indefinite" restart="never" nodeType="tmRoot">
+          <p:childTnLst>
+            <p:seq concurrent="1" nextAc="seek">
+              <p:cTn id="2" dur="indefinite" nodeType="mainSeq">
+                <p:childTnLst>
+                  <p:par>
+                    <p:cTn id="3" fill="hold">
+                      <p:stCondLst>
+                        <p:cond delay="indefinite"/>
+                      </p:stCondLst>
+                      <p:childTnLst>
+                        <p:par>
+                          <p:cTn id="4" fill="hold">
+                            <p:stCondLst>
+                              <p:cond delay="0"/>
+                            </p:stCondLst>
+                            <p:childTnLst>
+                              <p:par>
+                                <p:cTn id="5" presetID="2" presetClass="entr" presetSubtype="4" fill="hold" nodeType="clickEffect">
+                                  <p:stCondLst>
+                                    <p:cond delay="0"/>
+                                  </p:stCondLst>
+                                  <p:childTnLst>
+                                    <p:set>
+                                      <p:cBhvr>
+                                        <p:cTn id="6" dur="1" fill="hold">
+                                          <p:stCondLst>
+                                            <p:cond delay="0"/>
+                                          </p:stCondLst>
+                                        </p:cTn>
+                                        <p:tgtEl>
+                                          <p:spTgt spid="5"/>
+                                        </p:tgtEl>
+                                        <p:attrNameLst>
+                                          <p:attrName>style.visibility</p:attrName>
+                                        </p:attrNameLst>
+                                      </p:cBhvr>
+                                      <p:to>
+                                        <p:strVal val="visible"/>
+                                      </p:to>
+                                    </p:set>
+                                    <p:anim calcmode="lin" valueType="num">
+                                      <p:cBhvr additive="base">
+                                        <p:cTn id="7" dur="500" fill="hold"/>
+                                        <p:tgtEl>
+                                          <p:spTgt spid="5"/>
+                                        </p:tgtEl>
+                                        <p:attrNameLst>
+                                          <p:attrName>ppt_x</p:attrName>
+                                        </p:attrNameLst>
+                                      </p:cBhvr>
+                                      <p:tavLst>
+                                        <p:tav tm="0">
+                                          <p:val>
+                                            <p:strVal val="#ppt_x"/>
+                                          </p:val>
+                                        </p:tav>
+                                        <p:tav tm="100000">
+                                          <p:val>
+                                            <p:strVal val="#ppt_x"/>
+                                          </p:val>
+                                        </p:tav>
+                                      </p:tavLst>
+                                    </p:anim>
+                                    <p:anim calcmode="lin" valueType="num">
+                                      <p:cBhvr additive="base">
+                                        <p:cTn id="8" dur="500" fill="hold"/>
+                                        <p:tgtEl>
+                                          <p:spTgt spid="5"/>
+                                        </p:tgtEl>
+                                        <p:attrNameLst>
+                                          <p:attrName>ppt_y</p:attrName>
+                                        </p:attrNameLst>
+                                      </p:cBhvr>
+                                      <p:tavLst>
+                                        <p:tav tm="0">
+                                          <p:val>
+                                            <p:strVal val="1+#ppt_h/2"/>
+                                          </p:val>
+                                        </p:tav>
+                                        <p:tav tm="100000">
+                                          <p:val>
+                                            <p:strVal val="#ppt_y"/>
+                                          </p:val>
+                                        </p:tav>
+                                      </p:tavLst>
+                                    </p:anim>
+                                  </p:childTnLst>
+                                </p:cTn>
+                              </p:par>
+                            </p:childTnLst>
+                          </p:cTn>
+                        </p:par>
+                      </p:childTnLst>
+                    </p:cTn>
+                  </p:par>
+                  <p:par>
+                    <p:cTn id="9" fill="hold">
+                      <p:stCondLst>
+                        <p:cond delay="indefinite"/>
+                      </p:stCondLst>
+                      <p:childTnLst>
+                        <p:par>
+                          <p:cTn id="10" fill="hold">
+                            <p:stCondLst>
+                              <p:cond delay="0"/>
+                            </p:stCondLst>
+                            <p:childTnLst>
+                              <p:par>
+                                <p:cTn id="11" presetID="3" presetClass="entr" presetSubtype="10" fill="hold" nodeType="clickEffect">
+                                  <p:stCondLst>
+                                    <p:cond delay="0"/>
+                                  </p:stCondLst>
+                                  <p:childTnLst>
+                                    <p:set>
+                                      <p:cBhvr>
+                                        <p:cTn id="12" dur="1" fill="hold">
+                                          <p:stCondLst>
+                                            <p:cond delay="0"/>
+                                          </p:stCondLst>
+                                        </p:cTn>
+                                        <p:tgtEl>
+                                          <p:spTgt spid="3">
+                                            <p:txEl>
+                                              <p:pRg st="0" end="0"/>
+                                            </p:txEl>
+                                          </p:spTgt>
+                                        </p:tgtEl>
+                                        <p:attrNameLst>
+                                          <p:attrName>style.visibility</p:attrName>
+                                        </p:attrNameLst>
+                                      </p:cBhvr>
+                                      <p:to>
+                                        <p:strVal val="visible"/>
+                                      </p:to>
+                                    </p:set>
+                                    <p:animEffect transition="in" filter="blinds(horizontal)">
+                                      <p:cBhvr>
+                                        <p:cTn id="13" dur="500"/>
+                                        <p:tgtEl>
+                                          <p:spTgt spid="3">
+                                            <p:txEl>
+                                              <p:pRg st="0" end="0"/>
+                                            </p:txEl>
+                                          </p:spTgt>
+                                        </p:tgtEl>
+                                      </p:cBhvr>
+                                    </p:animEffect>
+                                  </p:childTnLst>
+                                </p:cTn>
+                              </p:par>
+                            </p:childTnLst>
+                          </p:cTn>
+                        </p:par>
+                      </p:childTnLst>
+                    </p:cTn>
+                  </p:par>
+                  <p:par>
+                    <p:cTn id="14" fill="hold">
+                      <p:stCondLst>
+                        <p:cond delay="indefinite"/>
+                      </p:stCondLst>
+                      <p:childTnLst>
+                        <p:par>
+                          <p:cTn id="15" fill="hold">
+                            <p:stCondLst>
+                              <p:cond delay="0"/>
+                            </p:stCondLst>
+                            <p:childTnLst>
+                              <p:par>
+                                <p:cTn id="16" presetID="3" presetClass="entr" presetSubtype="10" fill="hold" nodeType="clickEffect">
+                                  <p:stCondLst>
+                                    <p:cond delay="0"/>
+                                  </p:stCondLst>
+                                  <p:childTnLst>
+                                    <p:set>
+                                      <p:cBhvr>
+                                        <p:cTn id="17" dur="1" fill="hold">
+                                          <p:stCondLst>
+                                            <p:cond delay="0"/>
+                                          </p:stCondLst>
+                                        </p:cTn>
+                                        <p:tgtEl>
+                                          <p:spTgt spid="3">
+                                            <p:txEl>
+                                              <p:pRg st="1" end="1"/>
+                                            </p:txEl>
+                                          </p:spTgt>
+                                        </p:tgtEl>
+                                        <p:attrNameLst>
+                                          <p:attrName>style.visibility</p:attrName>
+                                        </p:attrNameLst>
+                                      </p:cBhvr>
+                                      <p:to>
+                                        <p:strVal val="visible"/>
+                                      </p:to>
+                                    </p:set>
+                                    <p:animEffect transition="in" filter="blinds(horizontal)">
+                                      <p:cBhvr>
+                                        <p:cTn id="18" dur="500"/>
+                                        <p:tgtEl>
+                                          <p:spTgt spid="3">
+                                            <p:txEl>
+                                              <p:pRg st="1" end="1"/>
+                                            </p:txEl>
+                                          </p:spTgt>
+                                        </p:tgtEl>
+                                      </p:cBhvr>
+                                    </p:animEffect>
+                                  </p:childTnLst>
+                                </p:cTn>
+                              </p:par>
+                            </p:childTnLst>
+                          </p:cTn>
+                        </p:par>
+                      </p:childTnLst>
+                    </p:cTn>
+                  </p:par>
+                  <p:par>
+                    <p:cTn id="19" fill="hold">
+                      <p:stCondLst>
+                        <p:cond delay="indefinite"/>
+                      </p:stCondLst>
+                      <p:childTnLst>
+                        <p:par>
+                          <p:cTn id="20" fill="hold">
+                            <p:stCondLst>
+                              <p:cond delay="0"/>
+                            </p:stCondLst>
+                            <p:childTnLst>
+                              <p:par>
+                                <p:cTn id="21" presetID="3" presetClass="entr" presetSubtype="10" fill="hold" nodeType="clickEffect">
+                                  <p:stCondLst>
+                                    <p:cond delay="0"/>
+                                  </p:stCondLst>
+                                  <p:childTnLst>
+                                    <p:set>
+                                      <p:cBhvr>
+                                        <p:cTn id="22" dur="1" fill="hold">
+                                          <p:stCondLst>
+                                            <p:cond delay="0"/>
+                                          </p:stCondLst>
+                                        </p:cTn>
+                                        <p:tgtEl>
+                                          <p:spTgt spid="3">
+                                            <p:txEl>
+                                              <p:pRg st="2" end="2"/>
+                                            </p:txEl>
+                                          </p:spTgt>
+                                        </p:tgtEl>
+                                        <p:attrNameLst>
+                                          <p:attrName>style.visibility</p:attrName>
+                                        </p:attrNameLst>
+                                      </p:cBhvr>
+                                      <p:to>
+                                        <p:strVal val="visible"/>
+                                      </p:to>
+                                    </p:set>
+                                    <p:animEffect transition="in" filter="blinds(horizontal)">
+                                      <p:cBhvr>
+                                        <p:cTn id="23" dur="500"/>
+                                        <p:tgtEl>
+                                          <p:spTgt spid="3">
+                                            <p:txEl>
+                                              <p:pRg st="2" end="2"/>
+                                            </p:txEl>
+                                          </p:spTgt>
+                                        </p:tgtEl>
+                                      </p:cBhvr>
+                                    </p:animEffect>
+                                  </p:childTnLst>
+                                </p:cTn>
+                              </p:par>
+                            </p:childTnLst>
+                          </p:cTn>
+                        </p:par>
+                      </p:childTnLst>
+                    </p:cTn>
+                  </p:par>
+                  <p:par>
+                    <p:cTn id="24" fill="hold">
+                      <p:stCondLst>
+                        <p:cond delay="indefinite"/>
+                      </p:stCondLst>
+                      <p:childTnLst>
+                        <p:par>
+                          <p:cTn id="25" fill="hold">
+                            <p:stCondLst>
+                              <p:cond delay="0"/>
+                            </p:stCondLst>
+                            <p:childTnLst>
+                              <p:par>
+                                <p:cTn id="26" presetID="3" presetClass="entr" presetSubtype="10" fill="hold" nodeType="clickEffect">
+                                  <p:stCondLst>
+                                    <p:cond delay="0"/>
+                                  </p:stCondLst>
+                                  <p:childTnLst>
+                                    <p:set>
+                                      <p:cBhvr>
+                                        <p:cTn id="27" dur="1" fill="hold">
+                                          <p:stCondLst>
+                                            <p:cond delay="0"/>
+                                          </p:stCondLst>
+                                        </p:cTn>
+                                        <p:tgtEl>
+                                          <p:spTgt spid="3">
+                                            <p:txEl>
+                                              <p:pRg st="3" end="3"/>
+                                            </p:txEl>
+                                          </p:spTgt>
+                                        </p:tgtEl>
+                                        <p:attrNameLst>
+                                          <p:attrName>style.visibility</p:attrName>
+                                        </p:attrNameLst>
+                                      </p:cBhvr>
+                                      <p:to>
+                                        <p:strVal val="visible"/>
+                                      </p:to>
+                                    </p:set>
+                                    <p:animEffect transition="in" filter="blinds(horizontal)">
+                                      <p:cBhvr>
+                                        <p:cTn id="28" dur="500"/>
+                                        <p:tgtEl>
+                                          <p:spTgt spid="3">
+                                            <p:txEl>
+                                              <p:pRg st="3" end="3"/>
+                                            </p:txEl>
+                                          </p:spTgt>
+                                        </p:tgtEl>
+                                      </p:cBhvr>
+                                    </p:animEffect>
+                                  </p:childTnLst>
+                                </p:cTn>
+                              </p:par>
+                            </p:childTnLst>
+                          </p:cTn>
+                        </p:par>
+                      </p:childTnLst>
+                    </p:cTn>
+                  </p:par>
+                </p:childTnLst>
+              </p:cTn>
+              <p:prevCondLst>
+                <p:cond evt="onPrev" delay="0">
+                  <p:tgtEl>
+                    <p:sldTgt/>
+                  </p:tgtEl>
+                </p:cond>
+              </p:prevCondLst>
+              <p:nextCondLst>
+                <p:cond evt="onNext" delay="0">
+                  <p:tgtEl>
+                    <p:sldTgt/>
+                  </p:tgtEl>
+                </p:cond>
+              </p:nextCondLst>
+            </p:seq>
+          </p:childTnLst>
+        </p:cTn>
+      </p:par>
+    </p:tnLst>
+  </p:timing>
 </p:sld>
 </file>
 

--- a/aboutGC/src/files/GC.pptx
+++ b/aboutGC/src/files/GC.pptx
@@ -26,7 +26,8 @@
     <p:sldId id="274" r:id="rId20"/>
     <p:sldId id="275" r:id="rId21"/>
     <p:sldId id="276" r:id="rId22"/>
-    <p:sldId id="277" r:id="rId23"/>
+    <p:sldId id="278" r:id="rId23"/>
+    <p:sldId id="277" r:id="rId24"/>
   </p:sldIdLst>
   <p:sldSz cx="9144000" cy="6858000" type="screen4x3"/>
   <p:notesSz cx="6858000" cy="9144000"/>
@@ -127,7 +128,7 @@
   </p:defaultTextStyle>
   <p:extLst>
     <p:ext uri="{EFAFB233-063F-42B5-8137-9DF3F51BA10A}">
-      <p15:sldGuideLst xmlns="" xmlns:p15="http://schemas.microsoft.com/office/powerpoint/2012/main">
+      <p15:sldGuideLst xmlns:p15="http://schemas.microsoft.com/office/powerpoint/2012/main" xmlns="">
         <p15:guide id="1" orient="horz" pos="2160">
           <p15:clr>
             <a:srgbClr val="A4A3A4"/>
@@ -324,7 +325,7 @@
             <a:fld id="{1D8BD707-D9CF-40AE-B4C6-C98DA3205C09}" type="datetimeFigureOut">
               <a:rPr lang="en-US" smtClean="0"/>
               <a:pPr/>
-              <a:t>9/18/2018</a:t>
+              <a:t>9/19/2018</a:t>
             </a:fld>
             <a:endParaRPr lang="en-US"/>
           </a:p>
@@ -489,7 +490,7 @@
             <a:fld id="{1D8BD707-D9CF-40AE-B4C6-C98DA3205C09}" type="datetimeFigureOut">
               <a:rPr lang="en-US" smtClean="0"/>
               <a:pPr/>
-              <a:t>9/18/2018</a:t>
+              <a:t>9/19/2018</a:t>
             </a:fld>
             <a:endParaRPr lang="en-US"/>
           </a:p>
@@ -664,7 +665,7 @@
             <a:fld id="{1D8BD707-D9CF-40AE-B4C6-C98DA3205C09}" type="datetimeFigureOut">
               <a:rPr lang="en-US" smtClean="0"/>
               <a:pPr/>
-              <a:t>9/18/2018</a:t>
+              <a:t>9/19/2018</a:t>
             </a:fld>
             <a:endParaRPr lang="en-US"/>
           </a:p>
@@ -829,7 +830,7 @@
             <a:fld id="{1D8BD707-D9CF-40AE-B4C6-C98DA3205C09}" type="datetimeFigureOut">
               <a:rPr lang="en-US" smtClean="0"/>
               <a:pPr/>
-              <a:t>9/18/2018</a:t>
+              <a:t>9/19/2018</a:t>
             </a:fld>
             <a:endParaRPr lang="en-US"/>
           </a:p>
@@ -1071,7 +1072,7 @@
             <a:fld id="{1D8BD707-D9CF-40AE-B4C6-C98DA3205C09}" type="datetimeFigureOut">
               <a:rPr lang="en-US" smtClean="0"/>
               <a:pPr/>
-              <a:t>9/18/2018</a:t>
+              <a:t>9/19/2018</a:t>
             </a:fld>
             <a:endParaRPr lang="en-US"/>
           </a:p>
@@ -1353,7 +1354,7 @@
             <a:fld id="{1D8BD707-D9CF-40AE-B4C6-C98DA3205C09}" type="datetimeFigureOut">
               <a:rPr lang="en-US" smtClean="0"/>
               <a:pPr/>
-              <a:t>9/18/2018</a:t>
+              <a:t>9/19/2018</a:t>
             </a:fld>
             <a:endParaRPr lang="en-US"/>
           </a:p>
@@ -1769,7 +1770,7 @@
             <a:fld id="{1D8BD707-D9CF-40AE-B4C6-C98DA3205C09}" type="datetimeFigureOut">
               <a:rPr lang="en-US" smtClean="0"/>
               <a:pPr/>
-              <a:t>9/18/2018</a:t>
+              <a:t>9/19/2018</a:t>
             </a:fld>
             <a:endParaRPr lang="en-US"/>
           </a:p>
@@ -1883,7 +1884,7 @@
             <a:fld id="{1D8BD707-D9CF-40AE-B4C6-C98DA3205C09}" type="datetimeFigureOut">
               <a:rPr lang="en-US" smtClean="0"/>
               <a:pPr/>
-              <a:t>9/18/2018</a:t>
+              <a:t>9/19/2018</a:t>
             </a:fld>
             <a:endParaRPr lang="en-US"/>
           </a:p>
@@ -1975,7 +1976,7 @@
             <a:fld id="{1D8BD707-D9CF-40AE-B4C6-C98DA3205C09}" type="datetimeFigureOut">
               <a:rPr lang="en-US" smtClean="0"/>
               <a:pPr/>
-              <a:t>9/18/2018</a:t>
+              <a:t>9/19/2018</a:t>
             </a:fld>
             <a:endParaRPr lang="en-US"/>
           </a:p>
@@ -2247,7 +2248,7 @@
             <a:fld id="{1D8BD707-D9CF-40AE-B4C6-C98DA3205C09}" type="datetimeFigureOut">
               <a:rPr lang="en-US" smtClean="0"/>
               <a:pPr/>
-              <a:t>9/18/2018</a:t>
+              <a:t>9/19/2018</a:t>
             </a:fld>
             <a:endParaRPr lang="en-US"/>
           </a:p>
@@ -2496,7 +2497,7 @@
             <a:fld id="{1D8BD707-D9CF-40AE-B4C6-C98DA3205C09}" type="datetimeFigureOut">
               <a:rPr lang="en-US" smtClean="0"/>
               <a:pPr/>
-              <a:t>9/18/2018</a:t>
+              <a:t>9/19/2018</a:t>
             </a:fld>
             <a:endParaRPr lang="en-US"/>
           </a:p>
@@ -2728,7 +2729,7 @@
             <a:fld id="{1D8BD707-D9CF-40AE-B4C6-C98DA3205C09}" type="datetimeFigureOut">
               <a:rPr lang="en-US" smtClean="0"/>
               <a:pPr/>
-              <a:t>9/18/2018</a:t>
+              <a:t>9/19/2018</a:t>
             </a:fld>
             <a:endParaRPr lang="en-US"/>
           </a:p>
@@ -3181,7 +3182,7 @@
           <p:cNvPr id="2" name="标题 1">
             <a:extLst>
               <a:ext uri="{FF2B5EF4-FFF2-40B4-BE49-F238E27FC236}">
-                <a16:creationId xmlns="" xmlns:a16="http://schemas.microsoft.com/office/drawing/2014/main" id="{966D96AB-6425-435D-BB04-A364B0892657}"/>
+                <a16:creationId xmlns:a16="http://schemas.microsoft.com/office/drawing/2014/main" xmlns="" id="{966D96AB-6425-435D-BB04-A364B0892657}"/>
               </a:ext>
             </a:extLst>
           </p:cNvPr>
@@ -3217,7 +3218,7 @@
           <p:cNvPr id="3" name="内容占位符 2">
             <a:extLst>
               <a:ext uri="{FF2B5EF4-FFF2-40B4-BE49-F238E27FC236}">
-                <a16:creationId xmlns="" xmlns:a16="http://schemas.microsoft.com/office/drawing/2014/main" id="{A3EBCC99-C444-4CAD-9859-B51B67A2977D}"/>
+                <a16:creationId xmlns:a16="http://schemas.microsoft.com/office/drawing/2014/main" xmlns="" id="{A3EBCC99-C444-4CAD-9859-B51B67A2977D}"/>
               </a:ext>
             </a:extLst>
           </p:cNvPr>
@@ -3293,7 +3294,7 @@
           <p:cNvPr id="5" name="图片 4">
             <a:extLst>
               <a:ext uri="{FF2B5EF4-FFF2-40B4-BE49-F238E27FC236}">
-                <a16:creationId xmlns="" xmlns:a16="http://schemas.microsoft.com/office/drawing/2014/main" id="{ECE47001-CBAF-4EE4-B6B3-A8841664156C}"/>
+                <a16:creationId xmlns:a16="http://schemas.microsoft.com/office/drawing/2014/main" xmlns="" id="{ECE47001-CBAF-4EE4-B6B3-A8841664156C}"/>
               </a:ext>
             </a:extLst>
           </p:cNvPr>
@@ -3306,7 +3307,7 @@
           <a:blip r:embed="rId2" cstate="print">
             <a:extLst>
               <a:ext uri="{28A0092B-C50C-407E-A947-70E740481C1C}">
-                <a14:useLocalDpi xmlns="" xmlns:a14="http://schemas.microsoft.com/office/drawing/2010/main" val="0"/>
+                <a14:useLocalDpi xmlns:a14="http://schemas.microsoft.com/office/drawing/2010/main" xmlns="" val="0"/>
               </a:ext>
             </a:extLst>
           </a:blip>
@@ -3330,7 +3331,7 @@
             <a:hlinkClick r:id="rId3" action="ppaction://hlinksldjump"/>
             <a:extLst>
               <a:ext uri="{FF2B5EF4-FFF2-40B4-BE49-F238E27FC236}">
-                <a16:creationId xmlns="" xmlns:a16="http://schemas.microsoft.com/office/drawing/2014/main" id="{26058217-30C0-4D5C-A4C2-12FAC3837631}"/>
+                <a16:creationId xmlns:a16="http://schemas.microsoft.com/office/drawing/2014/main" xmlns="" id="{26058217-30C0-4D5C-A4C2-12FAC3837631}"/>
               </a:ext>
             </a:extLst>
           </p:cNvPr>
@@ -3374,7 +3375,7 @@
     </p:spTree>
     <p:extLst>
       <p:ext uri="{BB962C8B-B14F-4D97-AF65-F5344CB8AC3E}">
-        <p14:creationId xmlns="" xmlns:p14="http://schemas.microsoft.com/office/powerpoint/2010/main" val="560909710"/>
+        <p14:creationId xmlns:p14="http://schemas.microsoft.com/office/powerpoint/2010/main" xmlns="" val="560909710"/>
       </p:ext>
     </p:extLst>
   </p:cSld>
@@ -3733,7 +3734,7 @@
           <p:cNvPr id="2" name="标题 1">
             <a:extLst>
               <a:ext uri="{FF2B5EF4-FFF2-40B4-BE49-F238E27FC236}">
-                <a16:creationId xmlns="" xmlns:a16="http://schemas.microsoft.com/office/drawing/2014/main" id="{9073C971-EEED-4C72-80F1-545AC93B7E01}"/>
+                <a16:creationId xmlns:a16="http://schemas.microsoft.com/office/drawing/2014/main" xmlns="" id="{9073C971-EEED-4C72-80F1-545AC93B7E01}"/>
               </a:ext>
             </a:extLst>
           </p:cNvPr>
@@ -3769,7 +3770,7 @@
           <p:cNvPr id="3" name="内容占位符 2">
             <a:extLst>
               <a:ext uri="{FF2B5EF4-FFF2-40B4-BE49-F238E27FC236}">
-                <a16:creationId xmlns="" xmlns:a16="http://schemas.microsoft.com/office/drawing/2014/main" id="{B1182472-B277-43D1-A2B8-A43F7557957A}"/>
+                <a16:creationId xmlns:a16="http://schemas.microsoft.com/office/drawing/2014/main" xmlns="" id="{B1182472-B277-43D1-A2B8-A43F7557957A}"/>
               </a:ext>
             </a:extLst>
           </p:cNvPr>
@@ -3877,7 +3878,7 @@
             <a:hlinkClick r:id="rId2" action="ppaction://hlinksldjump"/>
             <a:extLst>
               <a:ext uri="{FF2B5EF4-FFF2-40B4-BE49-F238E27FC236}">
-                <a16:creationId xmlns="" xmlns:a16="http://schemas.microsoft.com/office/drawing/2014/main" id="{5B9C67A9-3B37-46A1-8F2C-769A98984446}"/>
+                <a16:creationId xmlns:a16="http://schemas.microsoft.com/office/drawing/2014/main" xmlns="" id="{5B9C67A9-3B37-46A1-8F2C-769A98984446}"/>
               </a:ext>
             </a:extLst>
           </p:cNvPr>
@@ -3923,7 +3924,7 @@
           <p:cNvPr id="5" name="对话气泡: 椭圆形 4">
             <a:extLst>
               <a:ext uri="{FF2B5EF4-FFF2-40B4-BE49-F238E27FC236}">
-                <a16:creationId xmlns="" xmlns:a16="http://schemas.microsoft.com/office/drawing/2014/main" id="{2973463D-8026-4C2B-B7FE-79FEB9DDB008}"/>
+                <a16:creationId xmlns:a16="http://schemas.microsoft.com/office/drawing/2014/main" xmlns="" id="{2973463D-8026-4C2B-B7FE-79FEB9DDB008}"/>
               </a:ext>
             </a:extLst>
           </p:cNvPr>
@@ -3982,16 +3983,100 @@
           </a:p>
         </p:txBody>
       </p:sp>
+      <p:sp>
+        <p:nvSpPr>
+          <p:cNvPr id="6" name="对话气泡: 椭圆形 4">
+            <a:extLst>
+              <a:ext uri="{FF2B5EF4-FFF2-40B4-BE49-F238E27FC236}">
+                <a16:creationId xmlns:a16="http://schemas.microsoft.com/office/drawing/2014/main" xmlns="" id="{2973463D-8026-4C2B-B7FE-79FEB9DDB008}"/>
+              </a:ext>
+            </a:extLst>
+          </p:cNvPr>
+          <p:cNvSpPr/>
+          <p:nvPr/>
+        </p:nvSpPr>
+        <p:spPr>
+          <a:xfrm>
+            <a:off x="4419600" y="1447800"/>
+            <a:ext cx="2895600" cy="850641"/>
+          </a:xfrm>
+          <a:prstGeom prst="wedgeEllipseCallout">
+            <a:avLst>
+              <a:gd name="adj1" fmla="val -83669"/>
+              <a:gd name="adj2" fmla="val 64694"/>
+            </a:avLst>
+          </a:prstGeom>
+        </p:spPr>
+        <p:style>
+          <a:lnRef idx="2">
+            <a:schemeClr val="accent1">
+              <a:shade val="50000"/>
+            </a:schemeClr>
+          </a:lnRef>
+          <a:fillRef idx="1">
+            <a:schemeClr val="accent1"/>
+          </a:fillRef>
+          <a:effectRef idx="0">
+            <a:schemeClr val="accent1"/>
+          </a:effectRef>
+          <a:fontRef idx="minor">
+            <a:schemeClr val="lt1"/>
+          </a:fontRef>
+        </p:style>
+        <p:txBody>
+          <a:bodyPr rtlCol="0" anchor="ctr"/>
+          <a:lstStyle/>
+          <a:p>
+            <a:pPr algn="ctr"/>
+            <a:r>
+              <a:rPr lang="zh-CN" altLang="en-US" dirty="0" smtClean="0"/>
+              <a:t>吞吐</a:t>
+            </a:r>
+            <a:r>
+              <a:rPr lang="zh-CN" altLang="en-US" dirty="0" smtClean="0"/>
+              <a:t>量</a:t>
+            </a:r>
+            <a:r>
+              <a:rPr lang="en-US" altLang="zh-CN" dirty="0" smtClean="0"/>
+              <a:t>=</a:t>
+            </a:r>
+            <a:r>
+              <a:rPr lang="zh-CN" altLang="en-US" dirty="0" smtClean="0"/>
+              <a:t>用户代码时间</a:t>
+            </a:r>
+            <a:r>
+              <a:rPr lang="en-US" altLang="zh-CN" dirty="0" smtClean="0"/>
+              <a:t>/</a:t>
+            </a:r>
+            <a:r>
+              <a:rPr lang="zh-CN" altLang="en-US" dirty="0" smtClean="0"/>
+              <a:t>（用户代码时间</a:t>
+            </a:r>
+            <a:r>
+              <a:rPr lang="en-US" altLang="zh-CN" dirty="0" smtClean="0"/>
+              <a:t>+GC</a:t>
+            </a:r>
+            <a:r>
+              <a:rPr lang="zh-CN" altLang="en-US" dirty="0" smtClean="0"/>
+              <a:t>时间）</a:t>
+            </a:r>
+            <a:endParaRPr lang="zh-CN" altLang="en-US" dirty="0"/>
+          </a:p>
+        </p:txBody>
+      </p:sp>
     </p:spTree>
     <p:extLst>
       <p:ext uri="{BB962C8B-B14F-4D97-AF65-F5344CB8AC3E}">
-        <p14:creationId xmlns="" xmlns:p14="http://schemas.microsoft.com/office/powerpoint/2010/main" val="108880471"/>
+        <p14:creationId xmlns:p14="http://schemas.microsoft.com/office/powerpoint/2010/main" xmlns="" val="108880471"/>
       </p:ext>
     </p:extLst>
   </p:cSld>
   <p:clrMapOvr>
     <a:masterClrMapping/>
   </p:clrMapOvr>
+  <p:transition>
+    <p:dissolve/>
+  </p:transition>
   <p:timing>
     <p:tnLst>
       <p:par>
@@ -4135,7 +4220,7 @@
                             </p:stCondLst>
                             <p:childTnLst>
                               <p:par>
-                                <p:cTn id="15" presetID="29" presetClass="entr" presetSubtype="0" fill="hold" nodeType="clickEffect">
+                                <p:cTn id="15" presetID="2" presetClass="entr" presetSubtype="4" fill="hold" grpId="1" nodeType="clickEffect">
                                   <p:stCondLst>
                                     <p:cond delay="0"/>
                                   </p:stCondLst>
@@ -4148,6 +4233,97 @@
                                           </p:stCondLst>
                                         </p:cTn>
                                         <p:tgtEl>
+                                          <p:spTgt spid="6"/>
+                                        </p:tgtEl>
+                                        <p:attrNameLst>
+                                          <p:attrName>style.visibility</p:attrName>
+                                        </p:attrNameLst>
+                                      </p:cBhvr>
+                                      <p:to>
+                                        <p:strVal val="visible"/>
+                                      </p:to>
+                                    </p:set>
+                                    <p:anim calcmode="lin" valueType="num">
+                                      <p:cBhvr additive="base">
+                                        <p:cTn id="17" dur="500" fill="hold"/>
+                                        <p:tgtEl>
+                                          <p:spTgt spid="6"/>
+                                        </p:tgtEl>
+                                        <p:attrNameLst>
+                                          <p:attrName>ppt_x</p:attrName>
+                                        </p:attrNameLst>
+                                      </p:cBhvr>
+                                      <p:tavLst>
+                                        <p:tav tm="0">
+                                          <p:val>
+                                            <p:strVal val="#ppt_x"/>
+                                          </p:val>
+                                        </p:tav>
+                                        <p:tav tm="100000">
+                                          <p:val>
+                                            <p:strVal val="#ppt_x"/>
+                                          </p:val>
+                                        </p:tav>
+                                      </p:tavLst>
+                                    </p:anim>
+                                    <p:anim calcmode="lin" valueType="num">
+                                      <p:cBhvr additive="base">
+                                        <p:cTn id="18" dur="500" fill="hold"/>
+                                        <p:tgtEl>
+                                          <p:spTgt spid="6"/>
+                                        </p:tgtEl>
+                                        <p:attrNameLst>
+                                          <p:attrName>ppt_y</p:attrName>
+                                        </p:attrNameLst>
+                                      </p:cBhvr>
+                                      <p:tavLst>
+                                        <p:tav tm="0">
+                                          <p:val>
+                                            <p:strVal val="1+#ppt_h/2"/>
+                                          </p:val>
+                                        </p:tav>
+                                        <p:tav tm="100000">
+                                          <p:val>
+                                            <p:strVal val="#ppt_y"/>
+                                          </p:val>
+                                        </p:tav>
+                                      </p:tavLst>
+                                    </p:anim>
+                                  </p:childTnLst>
+                                </p:cTn>
+                              </p:par>
+                            </p:childTnLst>
+                          </p:cTn>
+                        </p:par>
+                      </p:childTnLst>
+                    </p:cTn>
+                  </p:par>
+                  <p:par>
+                    <p:cTn id="19" fill="hold">
+                      <p:stCondLst>
+                        <p:cond delay="indefinite"/>
+                      </p:stCondLst>
+                      <p:childTnLst>
+                        <p:par>
+                          <p:cTn id="20" fill="hold">
+                            <p:stCondLst>
+                              <p:cond delay="0"/>
+                            </p:stCondLst>
+                            <p:childTnLst>
+                              <p:par>
+                                <p:cTn id="21" presetID="29" presetClass="entr" presetSubtype="0" fill="hold" nodeType="clickEffect">
+                                  <p:stCondLst>
+                                    <p:cond delay="0"/>
+                                  </p:stCondLst>
+                                  <p:childTnLst>
+                                    <p:set>
+                                      <p:cBhvr>
+                                        <p:cTn id="22" dur="1" fill="hold">
+                                          <p:stCondLst>
+                                            <p:cond delay="0"/>
+                                          </p:stCondLst>
+                                        </p:cTn>
+                                        <p:tgtEl>
                                           <p:spTgt spid="3">
                                             <p:txEl>
                                               <p:pRg st="2" end="2"/>
@@ -4164,7 +4340,7 @@
                                     </p:set>
                                     <p:anim calcmode="lin" valueType="num">
                                       <p:cBhvr>
-                                        <p:cTn id="17" dur="1000" fill="hold"/>
+                                        <p:cTn id="23" dur="1000" fill="hold"/>
                                         <p:tgtEl>
                                           <p:spTgt spid="3">
                                             <p:txEl>
@@ -4191,7 +4367,7 @@
                                     </p:anim>
                                     <p:anim calcmode="lin" valueType="num">
                                       <p:cBhvr>
-                                        <p:cTn id="18" dur="1000" fill="hold"/>
+                                        <p:cTn id="24" dur="1000" fill="hold"/>
                                         <p:tgtEl>
                                           <p:spTgt spid="3">
                                             <p:txEl>
@@ -4218,7 +4394,7 @@
                                     </p:anim>
                                     <p:animEffect transition="in" filter="wipe(right)" prLst="gradientSize: 0.1">
                                       <p:cBhvr>
-                                        <p:cTn id="19" dur="1000"/>
+                                        <p:cTn id="25" dur="1000"/>
                                         <p:tgtEl>
                                           <p:spTgt spid="3">
                                             <p:txEl>
@@ -4238,26 +4414,26 @@
                     </p:cTn>
                   </p:par>
                   <p:par>
-                    <p:cTn id="20" fill="hold">
+                    <p:cTn id="26" fill="hold">
                       <p:stCondLst>
                         <p:cond delay="indefinite"/>
                       </p:stCondLst>
                       <p:childTnLst>
                         <p:par>
-                          <p:cTn id="21" fill="hold">
+                          <p:cTn id="27" fill="hold">
                             <p:stCondLst>
                               <p:cond delay="0"/>
                             </p:stCondLst>
                             <p:childTnLst>
                               <p:par>
-                                <p:cTn id="22" presetID="29" presetClass="entr" presetSubtype="0" fill="hold" nodeType="clickEffect">
+                                <p:cTn id="28" presetID="29" presetClass="entr" presetSubtype="0" fill="hold" nodeType="clickEffect">
                                   <p:stCondLst>
                                     <p:cond delay="0"/>
                                   </p:stCondLst>
                                   <p:childTnLst>
                                     <p:set>
                                       <p:cBhvr>
-                                        <p:cTn id="23" dur="1" fill="hold">
+                                        <p:cTn id="29" dur="1" fill="hold">
                                           <p:stCondLst>
                                             <p:cond delay="0"/>
                                           </p:stCondLst>
@@ -4279,7 +4455,7 @@
                                     </p:set>
                                     <p:anim calcmode="lin" valueType="num">
                                       <p:cBhvr>
-                                        <p:cTn id="24" dur="1000" fill="hold"/>
+                                        <p:cTn id="30" dur="1000" fill="hold"/>
                                         <p:tgtEl>
                                           <p:spTgt spid="3">
                                             <p:txEl>
@@ -4306,7 +4482,7 @@
                                     </p:anim>
                                     <p:anim calcmode="lin" valueType="num">
                                       <p:cBhvr>
-                                        <p:cTn id="25" dur="1000" fill="hold"/>
+                                        <p:cTn id="31" dur="1000" fill="hold"/>
                                         <p:tgtEl>
                                           <p:spTgt spid="3">
                                             <p:txEl>
@@ -4333,7 +4509,7 @@
                                     </p:anim>
                                     <p:animEffect transition="in" filter="wipe(right)" prLst="gradientSize: 0.1">
                                       <p:cBhvr>
-                                        <p:cTn id="26" dur="1000"/>
+                                        <p:cTn id="32" dur="1000"/>
                                         <p:tgtEl>
                                           <p:spTgt spid="3">
                                             <p:txEl>
@@ -4353,26 +4529,26 @@
                     </p:cTn>
                   </p:par>
                   <p:par>
-                    <p:cTn id="27" fill="hold">
+                    <p:cTn id="33" fill="hold">
                       <p:stCondLst>
                         <p:cond delay="indefinite"/>
                       </p:stCondLst>
                       <p:childTnLst>
                         <p:par>
-                          <p:cTn id="28" fill="hold">
+                          <p:cTn id="34" fill="hold">
                             <p:stCondLst>
                               <p:cond delay="0"/>
                             </p:stCondLst>
                             <p:childTnLst>
                               <p:par>
-                                <p:cTn id="29" presetID="54" presetClass="entr" presetSubtype="0" accel="100000" fill="hold" grpId="0" nodeType="clickEffect">
+                                <p:cTn id="35" presetID="54" presetClass="entr" presetSubtype="0" accel="100000" fill="hold" grpId="0" nodeType="clickEffect">
                                   <p:stCondLst>
                                     <p:cond delay="0"/>
                                   </p:stCondLst>
                                   <p:childTnLst>
                                     <p:set>
                                       <p:cBhvr>
-                                        <p:cTn id="30" dur="1" fill="hold">
+                                        <p:cTn id="36" dur="1" fill="hold">
                                           <p:stCondLst>
                                             <p:cond delay="0"/>
                                           </p:stCondLst>
@@ -4390,7 +4566,7 @@
                                     </p:set>
                                     <p:anim calcmode="lin" valueType="num">
                                       <p:cBhvr>
-                                        <p:cTn id="31" dur="500" fill="hold"/>
+                                        <p:cTn id="37" dur="500" fill="hold"/>
                                         <p:tgtEl>
                                           <p:spTgt spid="5"/>
                                         </p:tgtEl>
@@ -4413,7 +4589,7 @@
                                     </p:anim>
                                     <p:anim calcmode="lin" valueType="num">
                                       <p:cBhvr>
-                                        <p:cTn id="32" dur="500" fill="hold"/>
+                                        <p:cTn id="38" dur="500" fill="hold"/>
                                         <p:tgtEl>
                                           <p:spTgt spid="5"/>
                                         </p:tgtEl>
@@ -4436,7 +4612,7 @@
                                     </p:anim>
                                     <p:anim calcmode="lin" valueType="num">
                                       <p:cBhvr>
-                                        <p:cTn id="33" dur="500" fill="hold"/>
+                                        <p:cTn id="39" dur="500" fill="hold"/>
                                         <p:tgtEl>
                                           <p:spTgt spid="5"/>
                                         </p:tgtEl>
@@ -4459,7 +4635,7 @@
                                     </p:anim>
                                     <p:anim calcmode="lin" valueType="num">
                                       <p:cBhvr>
-                                        <p:cTn id="34" dur="500" fill="hold"/>
+                                        <p:cTn id="40" dur="500" fill="hold"/>
                                         <p:tgtEl>
                                           <p:spTgt spid="5"/>
                                         </p:tgtEl>
@@ -4482,7 +4658,7 @@
                                     </p:anim>
                                     <p:animEffect transition="in" filter="fade">
                                       <p:cBhvr>
-                                        <p:cTn id="35" dur="500"/>
+                                        <p:cTn id="41" dur="500"/>
                                         <p:tgtEl>
                                           <p:spTgt spid="5"/>
                                         </p:tgtEl>
@@ -4498,26 +4674,26 @@
                     </p:cTn>
                   </p:par>
                   <p:par>
-                    <p:cTn id="36" fill="hold">
+                    <p:cTn id="42" fill="hold">
                       <p:stCondLst>
                         <p:cond delay="indefinite"/>
                       </p:stCondLst>
                       <p:childTnLst>
                         <p:par>
-                          <p:cTn id="37" fill="hold">
+                          <p:cTn id="43" fill="hold">
                             <p:stCondLst>
                               <p:cond delay="0"/>
                             </p:stCondLst>
                             <p:childTnLst>
                               <p:par>
-                                <p:cTn id="38" presetID="3" presetClass="entr" presetSubtype="10" fill="hold" nodeType="clickEffect">
+                                <p:cTn id="44" presetID="3" presetClass="entr" presetSubtype="10" fill="hold" nodeType="clickEffect">
                                   <p:stCondLst>
                                     <p:cond delay="0"/>
                                   </p:stCondLst>
                                   <p:childTnLst>
                                     <p:set>
                                       <p:cBhvr>
-                                        <p:cTn id="39" dur="1" fill="hold">
+                                        <p:cTn id="45" dur="1" fill="hold">
                                           <p:stCondLst>
                                             <p:cond delay="0"/>
                                           </p:stCondLst>
@@ -4539,7 +4715,7 @@
                                     </p:set>
                                     <p:animEffect transition="in" filter="blinds(horizontal)">
                                       <p:cBhvr>
-                                        <p:cTn id="40" dur="500"/>
+                                        <p:cTn id="46" dur="500"/>
                                         <p:tgtEl>
                                           <p:spTgt spid="3">
                                             <p:txEl>
@@ -4559,26 +4735,26 @@
                     </p:cTn>
                   </p:par>
                   <p:par>
-                    <p:cTn id="41" fill="hold">
+                    <p:cTn id="47" fill="hold">
                       <p:stCondLst>
                         <p:cond delay="indefinite"/>
                       </p:stCondLst>
                       <p:childTnLst>
                         <p:par>
-                          <p:cTn id="42" fill="hold">
+                          <p:cTn id="48" fill="hold">
                             <p:stCondLst>
                               <p:cond delay="0"/>
                             </p:stCondLst>
                             <p:childTnLst>
                               <p:par>
-                                <p:cTn id="43" presetID="29" presetClass="entr" presetSubtype="0" fill="hold" nodeType="clickEffect">
+                                <p:cTn id="49" presetID="29" presetClass="entr" presetSubtype="0" fill="hold" nodeType="clickEffect">
                                   <p:stCondLst>
                                     <p:cond delay="0"/>
                                   </p:stCondLst>
                                   <p:childTnLst>
                                     <p:set>
                                       <p:cBhvr>
-                                        <p:cTn id="44" dur="1" fill="hold">
+                                        <p:cTn id="50" dur="1" fill="hold">
                                           <p:stCondLst>
                                             <p:cond delay="0"/>
                                           </p:stCondLst>
@@ -4600,7 +4776,7 @@
                                     </p:set>
                                     <p:anim calcmode="lin" valueType="num">
                                       <p:cBhvr>
-                                        <p:cTn id="45" dur="1000" fill="hold"/>
+                                        <p:cTn id="51" dur="1000" fill="hold"/>
                                         <p:tgtEl>
                                           <p:spTgt spid="3">
                                             <p:txEl>
@@ -4627,7 +4803,7 @@
                                     </p:anim>
                                     <p:anim calcmode="lin" valueType="num">
                                       <p:cBhvr>
-                                        <p:cTn id="46" dur="1000" fill="hold"/>
+                                        <p:cTn id="52" dur="1000" fill="hold"/>
                                         <p:tgtEl>
                                           <p:spTgt spid="3">
                                             <p:txEl>
@@ -4654,7 +4830,7 @@
                                     </p:anim>
                                     <p:animEffect transition="in" filter="wipe(right)" prLst="gradientSize: 0.1">
                                       <p:cBhvr>
-                                        <p:cTn id="47" dur="1000"/>
+                                        <p:cTn id="53" dur="1000"/>
                                         <p:tgtEl>
                                           <p:spTgt spid="3">
                                             <p:txEl>
@@ -4674,26 +4850,26 @@
                     </p:cTn>
                   </p:par>
                   <p:par>
-                    <p:cTn id="48" fill="hold">
+                    <p:cTn id="54" fill="hold">
                       <p:stCondLst>
                         <p:cond delay="indefinite"/>
                       </p:stCondLst>
                       <p:childTnLst>
                         <p:par>
-                          <p:cTn id="49" fill="hold">
+                          <p:cTn id="55" fill="hold">
                             <p:stCondLst>
                               <p:cond delay="0"/>
                             </p:stCondLst>
                             <p:childTnLst>
                               <p:par>
-                                <p:cTn id="50" presetID="29" presetClass="entr" presetSubtype="0" fill="hold" nodeType="clickEffect">
+                                <p:cTn id="56" presetID="29" presetClass="entr" presetSubtype="0" fill="hold" nodeType="clickEffect">
                                   <p:stCondLst>
                                     <p:cond delay="0"/>
                                   </p:stCondLst>
                                   <p:childTnLst>
                                     <p:set>
                                       <p:cBhvr>
-                                        <p:cTn id="51" dur="1" fill="hold">
+                                        <p:cTn id="57" dur="1" fill="hold">
                                           <p:stCondLst>
                                             <p:cond delay="0"/>
                                           </p:stCondLst>
@@ -4715,7 +4891,7 @@
                                     </p:set>
                                     <p:anim calcmode="lin" valueType="num">
                                       <p:cBhvr>
-                                        <p:cTn id="52" dur="1000" fill="hold"/>
+                                        <p:cTn id="58" dur="1000" fill="hold"/>
                                         <p:tgtEl>
                                           <p:spTgt spid="3">
                                             <p:txEl>
@@ -4742,7 +4918,7 @@
                                     </p:anim>
                                     <p:anim calcmode="lin" valueType="num">
                                       <p:cBhvr>
-                                        <p:cTn id="53" dur="1000" fill="hold"/>
+                                        <p:cTn id="59" dur="1000" fill="hold"/>
                                         <p:tgtEl>
                                           <p:spTgt spid="3">
                                             <p:txEl>
@@ -4769,7 +4945,7 @@
                                     </p:anim>
                                     <p:animEffect transition="in" filter="wipe(right)" prLst="gradientSize: 0.1">
                                       <p:cBhvr>
-                                        <p:cTn id="54" dur="1000"/>
+                                        <p:cTn id="60" dur="1000"/>
                                         <p:tgtEl>
                                           <p:spTgt spid="3">
                                             <p:txEl>
@@ -4811,6 +4987,7 @@
     </p:tnLst>
     <p:bldLst>
       <p:bldP spid="5" grpId="0" animBg="1"/>
+      <p:bldP spid="6" grpId="1" animBg="1"/>
     </p:bldLst>
   </p:timing>
 </p:sld>
@@ -4838,7 +5015,7 @@
           <p:cNvPr id="2" name="标题 1">
             <a:extLst>
               <a:ext uri="{FF2B5EF4-FFF2-40B4-BE49-F238E27FC236}">
-                <a16:creationId xmlns="" xmlns:a16="http://schemas.microsoft.com/office/drawing/2014/main" id="{FFA27CBC-C892-463A-B5F5-106526BAD980}"/>
+                <a16:creationId xmlns:a16="http://schemas.microsoft.com/office/drawing/2014/main" xmlns="" id="{FFA27CBC-C892-463A-B5F5-106526BAD980}"/>
               </a:ext>
             </a:extLst>
           </p:cNvPr>
@@ -4874,7 +5051,7 @@
           <p:cNvPr id="3" name="内容占位符 2">
             <a:extLst>
               <a:ext uri="{FF2B5EF4-FFF2-40B4-BE49-F238E27FC236}">
-                <a16:creationId xmlns="" xmlns:a16="http://schemas.microsoft.com/office/drawing/2014/main" id="{9498E08D-D1F1-4FD4-82BF-E786686AD1C8}"/>
+                <a16:creationId xmlns:a16="http://schemas.microsoft.com/office/drawing/2014/main" xmlns="" id="{9498E08D-D1F1-4FD4-82BF-E786686AD1C8}"/>
               </a:ext>
             </a:extLst>
           </p:cNvPr>
@@ -4952,7 +5129,7 @@
             <a:hlinkClick r:id="rId2" action="ppaction://hlinksldjump"/>
             <a:extLst>
               <a:ext uri="{FF2B5EF4-FFF2-40B4-BE49-F238E27FC236}">
-                <a16:creationId xmlns="" xmlns:a16="http://schemas.microsoft.com/office/drawing/2014/main" id="{3F6C7E9A-56A4-432B-B9C8-A9C0825B7DAB}"/>
+                <a16:creationId xmlns:a16="http://schemas.microsoft.com/office/drawing/2014/main" xmlns="" id="{3F6C7E9A-56A4-432B-B9C8-A9C0825B7DAB}"/>
               </a:ext>
             </a:extLst>
           </p:cNvPr>
@@ -4996,7 +5173,7 @@
     </p:spTree>
     <p:extLst>
       <p:ext uri="{BB962C8B-B14F-4D97-AF65-F5344CB8AC3E}">
-        <p14:creationId xmlns="" xmlns:p14="http://schemas.microsoft.com/office/powerpoint/2010/main" val="1873710870"/>
+        <p14:creationId xmlns:p14="http://schemas.microsoft.com/office/powerpoint/2010/main" xmlns="" val="1873710870"/>
       </p:ext>
     </p:extLst>
   </p:cSld>
@@ -5450,7 +5627,7 @@
           <p:cNvPr id="2" name="标题 1">
             <a:extLst>
               <a:ext uri="{FF2B5EF4-FFF2-40B4-BE49-F238E27FC236}">
-                <a16:creationId xmlns="" xmlns:a16="http://schemas.microsoft.com/office/drawing/2014/main" id="{BF16C68A-DB07-4946-A549-BF6514E7C6E1}"/>
+                <a16:creationId xmlns:a16="http://schemas.microsoft.com/office/drawing/2014/main" xmlns="" id="{BF16C68A-DB07-4946-A549-BF6514E7C6E1}"/>
               </a:ext>
             </a:extLst>
           </p:cNvPr>
@@ -5486,7 +5663,7 @@
           <p:cNvPr id="3" name="内容占位符 2">
             <a:extLst>
               <a:ext uri="{FF2B5EF4-FFF2-40B4-BE49-F238E27FC236}">
-                <a16:creationId xmlns="" xmlns:a16="http://schemas.microsoft.com/office/drawing/2014/main" id="{737E5BF8-AF39-440A-8362-41E62DF65F2C}"/>
+                <a16:creationId xmlns:a16="http://schemas.microsoft.com/office/drawing/2014/main" xmlns="" id="{737E5BF8-AF39-440A-8362-41E62DF65F2C}"/>
               </a:ext>
             </a:extLst>
           </p:cNvPr>
@@ -5546,7 +5723,7 @@
             <a:hlinkClick r:id="rId2" action="ppaction://hlinksldjump"/>
             <a:extLst>
               <a:ext uri="{FF2B5EF4-FFF2-40B4-BE49-F238E27FC236}">
-                <a16:creationId xmlns="" xmlns:a16="http://schemas.microsoft.com/office/drawing/2014/main" id="{98086F78-F9F2-4E47-99D6-DED75EC29744}"/>
+                <a16:creationId xmlns:a16="http://schemas.microsoft.com/office/drawing/2014/main" xmlns="" id="{98086F78-F9F2-4E47-99D6-DED75EC29744}"/>
               </a:ext>
             </a:extLst>
           </p:cNvPr>
@@ -5590,7 +5767,7 @@
     </p:spTree>
     <p:extLst>
       <p:ext uri="{BB962C8B-B14F-4D97-AF65-F5344CB8AC3E}">
-        <p14:creationId xmlns="" xmlns:p14="http://schemas.microsoft.com/office/powerpoint/2010/main" val="2049829842"/>
+        <p14:creationId xmlns:p14="http://schemas.microsoft.com/office/powerpoint/2010/main" xmlns="" val="2049829842"/>
       </p:ext>
     </p:extLst>
   </p:cSld>
@@ -5835,7 +6012,7 @@
           <p:cNvPr id="2" name="标题 1">
             <a:extLst>
               <a:ext uri="{FF2B5EF4-FFF2-40B4-BE49-F238E27FC236}">
-                <a16:creationId xmlns="" xmlns:a16="http://schemas.microsoft.com/office/drawing/2014/main" id="{3A73DC53-2EC5-48F2-8705-E376232546B5}"/>
+                <a16:creationId xmlns:a16="http://schemas.microsoft.com/office/drawing/2014/main" xmlns="" id="{3A73DC53-2EC5-48F2-8705-E376232546B5}"/>
               </a:ext>
             </a:extLst>
           </p:cNvPr>
@@ -5871,7 +6048,7 @@
           <p:cNvPr id="3" name="内容占位符 2">
             <a:extLst>
               <a:ext uri="{FF2B5EF4-FFF2-40B4-BE49-F238E27FC236}">
-                <a16:creationId xmlns="" xmlns:a16="http://schemas.microsoft.com/office/drawing/2014/main" id="{5B1AB840-317A-43BF-BAFA-A0D52570E462}"/>
+                <a16:creationId xmlns:a16="http://schemas.microsoft.com/office/drawing/2014/main" xmlns="" id="{5B1AB840-317A-43BF-BAFA-A0D52570E462}"/>
               </a:ext>
             </a:extLst>
           </p:cNvPr>
@@ -6000,7 +6177,7 @@
             <a:hlinkClick r:id="rId3" action="ppaction://hlinksldjump"/>
             <a:extLst>
               <a:ext uri="{FF2B5EF4-FFF2-40B4-BE49-F238E27FC236}">
-                <a16:creationId xmlns="" xmlns:a16="http://schemas.microsoft.com/office/drawing/2014/main" id="{CA85F01B-C80E-440A-921B-AB919ED3E63D}"/>
+                <a16:creationId xmlns:a16="http://schemas.microsoft.com/office/drawing/2014/main" xmlns="" id="{CA85F01B-C80E-440A-921B-AB919ED3E63D}"/>
               </a:ext>
             </a:extLst>
           </p:cNvPr>
@@ -6044,7 +6221,7 @@
     </p:spTree>
     <p:extLst>
       <p:ext uri="{BB962C8B-B14F-4D97-AF65-F5344CB8AC3E}">
-        <p14:creationId xmlns="" xmlns:p14="http://schemas.microsoft.com/office/powerpoint/2010/main" val="1681475144"/>
+        <p14:creationId xmlns:p14="http://schemas.microsoft.com/office/powerpoint/2010/main" xmlns="" val="1681475144"/>
       </p:ext>
     </p:extLst>
   </p:cSld>
@@ -6702,7 +6879,7 @@
           <p:cNvPr id="2" name="标题 1">
             <a:extLst>
               <a:ext uri="{FF2B5EF4-FFF2-40B4-BE49-F238E27FC236}">
-                <a16:creationId xmlns="" xmlns:a16="http://schemas.microsoft.com/office/drawing/2014/main" id="{5A428923-FE8D-4A5E-8399-448CA56F73FD}"/>
+                <a16:creationId xmlns:a16="http://schemas.microsoft.com/office/drawing/2014/main" xmlns="" id="{5A428923-FE8D-4A5E-8399-448CA56F73FD}"/>
               </a:ext>
             </a:extLst>
           </p:cNvPr>
@@ -6736,7 +6913,7 @@
           <p:cNvPr id="3" name="内容占位符 2">
             <a:extLst>
               <a:ext uri="{FF2B5EF4-FFF2-40B4-BE49-F238E27FC236}">
-                <a16:creationId xmlns="" xmlns:a16="http://schemas.microsoft.com/office/drawing/2014/main" id="{FE7C129F-4EDC-4808-A20C-9B8EC77CEBA5}"/>
+                <a16:creationId xmlns:a16="http://schemas.microsoft.com/office/drawing/2014/main" xmlns="" id="{FE7C129F-4EDC-4808-A20C-9B8EC77CEBA5}"/>
               </a:ext>
             </a:extLst>
           </p:cNvPr>
@@ -6761,7 +6938,7 @@
           <p:cNvPr id="4" name="图片 3">
             <a:extLst>
               <a:ext uri="{FF2B5EF4-FFF2-40B4-BE49-F238E27FC236}">
-                <a16:creationId xmlns="" xmlns:a16="http://schemas.microsoft.com/office/drawing/2014/main" id="{D754A6D3-370F-4B5E-9D4E-405A899962F1}"/>
+                <a16:creationId xmlns:a16="http://schemas.microsoft.com/office/drawing/2014/main" xmlns="" id="{D754A6D3-370F-4B5E-9D4E-405A899962F1}"/>
               </a:ext>
             </a:extLst>
           </p:cNvPr>
@@ -6774,7 +6951,7 @@
           <a:blip r:embed="rId2" cstate="print">
             <a:extLst>
               <a:ext uri="{28A0092B-C50C-407E-A947-70E740481C1C}">
-                <a14:useLocalDpi xmlns="" xmlns:a14="http://schemas.microsoft.com/office/drawing/2010/main" val="0"/>
+                <a14:useLocalDpi xmlns:a14="http://schemas.microsoft.com/office/drawing/2010/main" xmlns="" val="0"/>
               </a:ext>
             </a:extLst>
           </a:blip>
@@ -6797,7 +6974,7 @@
           <p:cNvPr id="5" name="椭圆 4">
             <a:extLst>
               <a:ext uri="{FF2B5EF4-FFF2-40B4-BE49-F238E27FC236}">
-                <a16:creationId xmlns="" xmlns:a16="http://schemas.microsoft.com/office/drawing/2014/main" id="{117DD586-C6B2-4DBA-AA7F-0F4FA470D20B}"/>
+                <a16:creationId xmlns:a16="http://schemas.microsoft.com/office/drawing/2014/main" xmlns="" id="{117DD586-C6B2-4DBA-AA7F-0F4FA470D20B}"/>
               </a:ext>
             </a:extLst>
           </p:cNvPr>
@@ -6849,7 +7026,7 @@
           <p:cNvPr id="6" name="椭圆 5">
             <a:extLst>
               <a:ext uri="{FF2B5EF4-FFF2-40B4-BE49-F238E27FC236}">
-                <a16:creationId xmlns="" xmlns:a16="http://schemas.microsoft.com/office/drawing/2014/main" id="{F0BC573B-6D5D-47A4-9A1F-20956D9E54B9}"/>
+                <a16:creationId xmlns:a16="http://schemas.microsoft.com/office/drawing/2014/main" xmlns="" id="{F0BC573B-6D5D-47A4-9A1F-20956D9E54B9}"/>
               </a:ext>
             </a:extLst>
           </p:cNvPr>
@@ -6901,7 +7078,7 @@
           <p:cNvPr id="7" name="椭圆 6">
             <a:extLst>
               <a:ext uri="{FF2B5EF4-FFF2-40B4-BE49-F238E27FC236}">
-                <a16:creationId xmlns="" xmlns:a16="http://schemas.microsoft.com/office/drawing/2014/main" id="{E3470D79-5A95-417F-81B8-77B414450ABE}"/>
+                <a16:creationId xmlns:a16="http://schemas.microsoft.com/office/drawing/2014/main" xmlns="" id="{E3470D79-5A95-417F-81B8-77B414450ABE}"/>
               </a:ext>
             </a:extLst>
           </p:cNvPr>
@@ -6953,7 +7130,7 @@
           <p:cNvPr id="8" name="椭圆 7">
             <a:extLst>
               <a:ext uri="{FF2B5EF4-FFF2-40B4-BE49-F238E27FC236}">
-                <a16:creationId xmlns="" xmlns:a16="http://schemas.microsoft.com/office/drawing/2014/main" id="{335A8BC2-1B9C-468D-ABC5-3109A5DF30EA}"/>
+                <a16:creationId xmlns:a16="http://schemas.microsoft.com/office/drawing/2014/main" xmlns="" id="{335A8BC2-1B9C-468D-ABC5-3109A5DF30EA}"/>
               </a:ext>
             </a:extLst>
           </p:cNvPr>
@@ -7005,7 +7182,7 @@
           <p:cNvPr id="9" name="对话气泡: 矩形 8">
             <a:extLst>
               <a:ext uri="{FF2B5EF4-FFF2-40B4-BE49-F238E27FC236}">
-                <a16:creationId xmlns="" xmlns:a16="http://schemas.microsoft.com/office/drawing/2014/main" id="{11A97F52-2AA2-4D4C-B8CB-49337D7C8EC9}"/>
+                <a16:creationId xmlns:a16="http://schemas.microsoft.com/office/drawing/2014/main" xmlns="" id="{11A97F52-2AA2-4D4C-B8CB-49337D7C8EC9}"/>
               </a:ext>
             </a:extLst>
           </p:cNvPr>
@@ -7062,7 +7239,7 @@
           <p:cNvPr id="10" name="对话气泡: 矩形 9">
             <a:extLst>
               <a:ext uri="{FF2B5EF4-FFF2-40B4-BE49-F238E27FC236}">
-                <a16:creationId xmlns="" xmlns:a16="http://schemas.microsoft.com/office/drawing/2014/main" id="{D1F9FD49-26D5-4428-9801-DAAB62451DAA}"/>
+                <a16:creationId xmlns:a16="http://schemas.microsoft.com/office/drawing/2014/main" xmlns="" id="{D1F9FD49-26D5-4428-9801-DAAB62451DAA}"/>
               </a:ext>
             </a:extLst>
           </p:cNvPr>
@@ -7123,7 +7300,7 @@
           <p:cNvPr id="11" name="对话气泡: 矩形 10">
             <a:extLst>
               <a:ext uri="{FF2B5EF4-FFF2-40B4-BE49-F238E27FC236}">
-                <a16:creationId xmlns="" xmlns:a16="http://schemas.microsoft.com/office/drawing/2014/main" id="{C924F5C4-5796-49EF-AB12-9A7E44E4E922}"/>
+                <a16:creationId xmlns:a16="http://schemas.microsoft.com/office/drawing/2014/main" xmlns="" id="{C924F5C4-5796-49EF-AB12-9A7E44E4E922}"/>
               </a:ext>
             </a:extLst>
           </p:cNvPr>
@@ -7176,7 +7353,7 @@
           <p:cNvPr id="12" name="对话气泡: 矩形 11">
             <a:extLst>
               <a:ext uri="{FF2B5EF4-FFF2-40B4-BE49-F238E27FC236}">
-                <a16:creationId xmlns="" xmlns:a16="http://schemas.microsoft.com/office/drawing/2014/main" id="{76180203-8BF5-44DD-8850-5C7D1CE31000}"/>
+                <a16:creationId xmlns:a16="http://schemas.microsoft.com/office/drawing/2014/main" xmlns="" id="{76180203-8BF5-44DD-8850-5C7D1CE31000}"/>
               </a:ext>
             </a:extLst>
           </p:cNvPr>
@@ -7229,7 +7406,7 @@
             <a:hlinkClick r:id="rId3" action="ppaction://hlinksldjump"/>
             <a:extLst>
               <a:ext uri="{FF2B5EF4-FFF2-40B4-BE49-F238E27FC236}">
-                <a16:creationId xmlns="" xmlns:a16="http://schemas.microsoft.com/office/drawing/2014/main" id="{74118FD8-39C1-4EF6-A3C3-AF2D31D87C74}"/>
+                <a16:creationId xmlns:a16="http://schemas.microsoft.com/office/drawing/2014/main" xmlns="" id="{74118FD8-39C1-4EF6-A3C3-AF2D31D87C74}"/>
               </a:ext>
             </a:extLst>
           </p:cNvPr>
@@ -7273,7 +7450,7 @@
     </p:spTree>
     <p:extLst>
       <p:ext uri="{BB962C8B-B14F-4D97-AF65-F5344CB8AC3E}">
-        <p14:creationId xmlns="" xmlns:p14="http://schemas.microsoft.com/office/powerpoint/2010/main" val="3361928043"/>
+        <p14:creationId xmlns:p14="http://schemas.microsoft.com/office/powerpoint/2010/main" xmlns="" val="3361928043"/>
       </p:ext>
     </p:extLst>
   </p:cSld>
@@ -8773,7 +8950,7 @@
           <p:cNvPr id="2" name="标题 1">
             <a:extLst>
               <a:ext uri="{FF2B5EF4-FFF2-40B4-BE49-F238E27FC236}">
-                <a16:creationId xmlns="" xmlns:a16="http://schemas.microsoft.com/office/drawing/2014/main" id="{75C2E6E7-62F7-4375-B3C8-119094AC0A16}"/>
+                <a16:creationId xmlns:a16="http://schemas.microsoft.com/office/drawing/2014/main" xmlns="" id="{75C2E6E7-62F7-4375-B3C8-119094AC0A16}"/>
               </a:ext>
             </a:extLst>
           </p:cNvPr>
@@ -8806,7 +8983,7 @@
           <p:cNvPr id="3" name="内容占位符 2">
             <a:extLst>
               <a:ext uri="{FF2B5EF4-FFF2-40B4-BE49-F238E27FC236}">
-                <a16:creationId xmlns="" xmlns:a16="http://schemas.microsoft.com/office/drawing/2014/main" id="{7A34441A-29FF-47A7-B7A6-D8A56A8F9754}"/>
+                <a16:creationId xmlns:a16="http://schemas.microsoft.com/office/drawing/2014/main" xmlns="" id="{7A34441A-29FF-47A7-B7A6-D8A56A8F9754}"/>
               </a:ext>
             </a:extLst>
           </p:cNvPr>
@@ -8873,7 +9050,7 @@
     </p:spTree>
     <p:extLst>
       <p:ext uri="{BB962C8B-B14F-4D97-AF65-F5344CB8AC3E}">
-        <p14:creationId xmlns="" xmlns:p14="http://schemas.microsoft.com/office/powerpoint/2010/main" val="2941754394"/>
+        <p14:creationId xmlns:p14="http://schemas.microsoft.com/office/powerpoint/2010/main" xmlns="" val="2941754394"/>
       </p:ext>
     </p:extLst>
   </p:cSld>
@@ -9240,7 +9417,7 @@
           <p:cNvPr id="2" name="标题 1">
             <a:extLst>
               <a:ext uri="{FF2B5EF4-FFF2-40B4-BE49-F238E27FC236}">
-                <a16:creationId xmlns="" xmlns:a16="http://schemas.microsoft.com/office/drawing/2014/main" id="{20A6D4E9-CA10-421E-A956-8CD59555386E}"/>
+                <a16:creationId xmlns:a16="http://schemas.microsoft.com/office/drawing/2014/main" xmlns="" id="{20A6D4E9-CA10-421E-A956-8CD59555386E}"/>
               </a:ext>
             </a:extLst>
           </p:cNvPr>
@@ -9281,7 +9458,7 @@
           <p:cNvPr id="4" name="内容占位符 3">
             <a:extLst>
               <a:ext uri="{FF2B5EF4-FFF2-40B4-BE49-F238E27FC236}">
-                <a16:creationId xmlns="" xmlns:a16="http://schemas.microsoft.com/office/drawing/2014/main" id="{CDE372E3-3044-4DAE-BBFF-FE000657BCF2}"/>
+                <a16:creationId xmlns:a16="http://schemas.microsoft.com/office/drawing/2014/main" xmlns="" id="{CDE372E3-3044-4DAE-BBFF-FE000657BCF2}"/>
               </a:ext>
             </a:extLst>
           </p:cNvPr>
@@ -9296,7 +9473,7 @@
           <a:blip r:embed="rId2" cstate="print">
             <a:extLst>
               <a:ext uri="{28A0092B-C50C-407E-A947-70E740481C1C}">
-                <a14:useLocalDpi xmlns="" xmlns:a14="http://schemas.microsoft.com/office/drawing/2010/main" val="0"/>
+                <a14:useLocalDpi xmlns:a14="http://schemas.microsoft.com/office/drawing/2010/main" xmlns="" val="0"/>
               </a:ext>
             </a:extLst>
           </a:blip>
@@ -9319,7 +9496,7 @@
           <p:cNvPr id="5" name="椭圆 4">
             <a:extLst>
               <a:ext uri="{FF2B5EF4-FFF2-40B4-BE49-F238E27FC236}">
-                <a16:creationId xmlns="" xmlns:a16="http://schemas.microsoft.com/office/drawing/2014/main" id="{6EB16C0B-74FC-4F27-B746-CAA43D6532CE}"/>
+                <a16:creationId xmlns:a16="http://schemas.microsoft.com/office/drawing/2014/main" xmlns="" id="{6EB16C0B-74FC-4F27-B746-CAA43D6532CE}"/>
               </a:ext>
             </a:extLst>
           </p:cNvPr>
@@ -9369,7 +9546,7 @@
     </p:spTree>
     <p:extLst>
       <p:ext uri="{BB962C8B-B14F-4D97-AF65-F5344CB8AC3E}">
-        <p14:creationId xmlns="" xmlns:p14="http://schemas.microsoft.com/office/powerpoint/2010/main" val="1492727705"/>
+        <p14:creationId xmlns:p14="http://schemas.microsoft.com/office/powerpoint/2010/main" xmlns="" val="1492727705"/>
       </p:ext>
     </p:extLst>
   </p:cSld>
@@ -9540,7 +9717,7 @@
           <p:cNvPr id="2" name="标题 1">
             <a:extLst>
               <a:ext uri="{FF2B5EF4-FFF2-40B4-BE49-F238E27FC236}">
-                <a16:creationId xmlns="" xmlns:a16="http://schemas.microsoft.com/office/drawing/2014/main" id="{FCAF8E58-32EC-45E2-B7FE-D2B9281C2863}"/>
+                <a16:creationId xmlns:a16="http://schemas.microsoft.com/office/drawing/2014/main" xmlns="" id="{FCAF8E58-32EC-45E2-B7FE-D2B9281C2863}"/>
               </a:ext>
             </a:extLst>
           </p:cNvPr>
@@ -9581,7 +9758,7 @@
           <p:cNvPr id="3" name="内容占位符 2">
             <a:extLst>
               <a:ext uri="{FF2B5EF4-FFF2-40B4-BE49-F238E27FC236}">
-                <a16:creationId xmlns="" xmlns:a16="http://schemas.microsoft.com/office/drawing/2014/main" id="{988C178E-E1C1-4C13-912C-0126A11D9C2A}"/>
+                <a16:creationId xmlns:a16="http://schemas.microsoft.com/office/drawing/2014/main" xmlns="" id="{988C178E-E1C1-4C13-912C-0126A11D9C2A}"/>
               </a:ext>
             </a:extLst>
           </p:cNvPr>
@@ -9633,7 +9810,7 @@
           <p:cNvPr id="4" name="图片 3">
             <a:extLst>
               <a:ext uri="{FF2B5EF4-FFF2-40B4-BE49-F238E27FC236}">
-                <a16:creationId xmlns="" xmlns:a16="http://schemas.microsoft.com/office/drawing/2014/main" id="{BF31DB11-19EF-40AD-9E57-FED7959D3F88}"/>
+                <a16:creationId xmlns:a16="http://schemas.microsoft.com/office/drawing/2014/main" xmlns="" id="{BF31DB11-19EF-40AD-9E57-FED7959D3F88}"/>
               </a:ext>
             </a:extLst>
           </p:cNvPr>
@@ -9663,7 +9840,7 @@
           <p:cNvPr id="7" name="图片 6">
             <a:extLst>
               <a:ext uri="{FF2B5EF4-FFF2-40B4-BE49-F238E27FC236}">
-                <a16:creationId xmlns="" xmlns:a16="http://schemas.microsoft.com/office/drawing/2014/main" id="{0CCE3A2D-4574-43C1-B829-781DBA2F9FA6}"/>
+                <a16:creationId xmlns:a16="http://schemas.microsoft.com/office/drawing/2014/main" xmlns="" id="{0CCE3A2D-4574-43C1-B829-781DBA2F9FA6}"/>
               </a:ext>
             </a:extLst>
           </p:cNvPr>
@@ -9676,7 +9853,7 @@
           <a:blip r:embed="rId3" cstate="print">
             <a:extLst>
               <a:ext uri="{28A0092B-C50C-407E-A947-70E740481C1C}">
-                <a14:useLocalDpi xmlns="" xmlns:a14="http://schemas.microsoft.com/office/drawing/2010/main" val="0"/>
+                <a14:useLocalDpi xmlns:a14="http://schemas.microsoft.com/office/drawing/2010/main" xmlns="" val="0"/>
               </a:ext>
             </a:extLst>
           </a:blip>
@@ -9699,7 +9876,7 @@
           <p:cNvPr id="8" name="椭圆 7">
             <a:extLst>
               <a:ext uri="{FF2B5EF4-FFF2-40B4-BE49-F238E27FC236}">
-                <a16:creationId xmlns="" xmlns:a16="http://schemas.microsoft.com/office/drawing/2014/main" id="{B349CFF5-955A-4998-BBD5-64DA3D012B39}"/>
+                <a16:creationId xmlns:a16="http://schemas.microsoft.com/office/drawing/2014/main" xmlns="" id="{B349CFF5-955A-4998-BBD5-64DA3D012B39}"/>
               </a:ext>
             </a:extLst>
           </p:cNvPr>
@@ -9751,7 +9928,7 @@
           <p:cNvPr id="9" name="椭圆 8">
             <a:extLst>
               <a:ext uri="{FF2B5EF4-FFF2-40B4-BE49-F238E27FC236}">
-                <a16:creationId xmlns="" xmlns:a16="http://schemas.microsoft.com/office/drawing/2014/main" id="{3BCD8313-04F9-45F9-9C1A-6330E669DBED}"/>
+                <a16:creationId xmlns:a16="http://schemas.microsoft.com/office/drawing/2014/main" xmlns="" id="{3BCD8313-04F9-45F9-9C1A-6330E669DBED}"/>
               </a:ext>
             </a:extLst>
           </p:cNvPr>
@@ -9801,7 +9978,7 @@
     </p:spTree>
     <p:extLst>
       <p:ext uri="{BB962C8B-B14F-4D97-AF65-F5344CB8AC3E}">
-        <p14:creationId xmlns="" xmlns:p14="http://schemas.microsoft.com/office/powerpoint/2010/main" val="2415414456"/>
+        <p14:creationId xmlns:p14="http://schemas.microsoft.com/office/powerpoint/2010/main" xmlns="" val="2415414456"/>
       </p:ext>
     </p:extLst>
   </p:cSld>
@@ -10306,7 +10483,7 @@
           <p:cNvPr id="2" name="标题 1">
             <a:extLst>
               <a:ext uri="{FF2B5EF4-FFF2-40B4-BE49-F238E27FC236}">
-                <a16:creationId xmlns="" xmlns:a16="http://schemas.microsoft.com/office/drawing/2014/main" id="{8C511997-0293-4615-8113-EC849C5DE669}"/>
+                <a16:creationId xmlns:a16="http://schemas.microsoft.com/office/drawing/2014/main" xmlns="" id="{8C511997-0293-4615-8113-EC849C5DE669}"/>
               </a:ext>
             </a:extLst>
           </p:cNvPr>
@@ -10348,7 +10525,7 @@
           <p:cNvPr id="3" name="内容占位符 2">
             <a:extLst>
               <a:ext uri="{FF2B5EF4-FFF2-40B4-BE49-F238E27FC236}">
-                <a16:creationId xmlns="" xmlns:a16="http://schemas.microsoft.com/office/drawing/2014/main" id="{6B30ED33-F707-43D0-956D-AA290177DF72}"/>
+                <a16:creationId xmlns:a16="http://schemas.microsoft.com/office/drawing/2014/main" xmlns="" id="{6B30ED33-F707-43D0-956D-AA290177DF72}"/>
               </a:ext>
             </a:extLst>
           </p:cNvPr>
@@ -10381,7 +10558,7 @@
     </p:spTree>
     <p:extLst>
       <p:ext uri="{BB962C8B-B14F-4D97-AF65-F5344CB8AC3E}">
-        <p14:creationId xmlns="" xmlns:p14="http://schemas.microsoft.com/office/powerpoint/2010/main" val="3883894175"/>
+        <p14:creationId xmlns:p14="http://schemas.microsoft.com/office/powerpoint/2010/main" xmlns="" val="3883894175"/>
       </p:ext>
     </p:extLst>
   </p:cSld>
@@ -10990,7 +11167,7 @@
           <p:cNvPr id="2" name="标题 1">
             <a:extLst>
               <a:ext uri="{FF2B5EF4-FFF2-40B4-BE49-F238E27FC236}">
-                <a16:creationId xmlns="" xmlns:a16="http://schemas.microsoft.com/office/drawing/2014/main" id="{FDF6F3FD-CD9B-47E1-B3C8-1C7BFD4B5D8B}"/>
+                <a16:creationId xmlns:a16="http://schemas.microsoft.com/office/drawing/2014/main" xmlns="" id="{FDF6F3FD-CD9B-47E1-B3C8-1C7BFD4B5D8B}"/>
               </a:ext>
             </a:extLst>
           </p:cNvPr>
@@ -11032,7 +11209,7 @@
           <p:cNvPr id="3" name="内容占位符 2">
             <a:extLst>
               <a:ext uri="{FF2B5EF4-FFF2-40B4-BE49-F238E27FC236}">
-                <a16:creationId xmlns="" xmlns:a16="http://schemas.microsoft.com/office/drawing/2014/main" id="{32D35116-6FE5-4A81-AD2D-079BBD102AFD}"/>
+                <a16:creationId xmlns:a16="http://schemas.microsoft.com/office/drawing/2014/main" xmlns="" id="{32D35116-6FE5-4A81-AD2D-079BBD102AFD}"/>
               </a:ext>
             </a:extLst>
           </p:cNvPr>
@@ -11060,7 +11237,7 @@
           <p:cNvPr id="7" name="图片 6">
             <a:extLst>
               <a:ext uri="{FF2B5EF4-FFF2-40B4-BE49-F238E27FC236}">
-                <a16:creationId xmlns="" xmlns:a16="http://schemas.microsoft.com/office/drawing/2014/main" id="{64DF75A3-DC77-44C5-BDB5-455004991A3E}"/>
+                <a16:creationId xmlns:a16="http://schemas.microsoft.com/office/drawing/2014/main" xmlns="" id="{64DF75A3-DC77-44C5-BDB5-455004991A3E}"/>
               </a:ext>
             </a:extLst>
           </p:cNvPr>
@@ -11073,7 +11250,7 @@
           <a:blip r:embed="rId2" cstate="print">
             <a:extLst>
               <a:ext uri="{28A0092B-C50C-407E-A947-70E740481C1C}">
-                <a14:useLocalDpi xmlns="" xmlns:a14="http://schemas.microsoft.com/office/drawing/2010/main" val="0"/>
+                <a14:useLocalDpi xmlns:a14="http://schemas.microsoft.com/office/drawing/2010/main" xmlns="" val="0"/>
               </a:ext>
             </a:extLst>
           </a:blip>
@@ -11094,7 +11271,7 @@
     </p:spTree>
     <p:extLst>
       <p:ext uri="{BB962C8B-B14F-4D97-AF65-F5344CB8AC3E}">
-        <p14:creationId xmlns="" xmlns:p14="http://schemas.microsoft.com/office/powerpoint/2010/main" val="3377401321"/>
+        <p14:creationId xmlns:p14="http://schemas.microsoft.com/office/powerpoint/2010/main" xmlns="" val="3377401321"/>
       </p:ext>
     </p:extLst>
   </p:cSld>
@@ -11209,7 +11386,7 @@
           <p:cNvPr id="2" name="标题 1">
             <a:extLst>
               <a:ext uri="{FF2B5EF4-FFF2-40B4-BE49-F238E27FC236}">
-                <a16:creationId xmlns="" xmlns:a16="http://schemas.microsoft.com/office/drawing/2014/main" id="{824BFFBD-BF3F-4C61-BAF2-1FD115B334F5}"/>
+                <a16:creationId xmlns:a16="http://schemas.microsoft.com/office/drawing/2014/main" xmlns="" id="{824BFFBD-BF3F-4C61-BAF2-1FD115B334F5}"/>
               </a:ext>
             </a:extLst>
           </p:cNvPr>
@@ -11251,7 +11428,7 @@
           <p:cNvPr id="3" name="内容占位符 2">
             <a:extLst>
               <a:ext uri="{FF2B5EF4-FFF2-40B4-BE49-F238E27FC236}">
-                <a16:creationId xmlns="" xmlns:a16="http://schemas.microsoft.com/office/drawing/2014/main" id="{67CDA350-2B7B-40BB-B7F9-BB7830F4CA79}"/>
+                <a16:creationId xmlns:a16="http://schemas.microsoft.com/office/drawing/2014/main" xmlns="" id="{67CDA350-2B7B-40BB-B7F9-BB7830F4CA79}"/>
               </a:ext>
             </a:extLst>
           </p:cNvPr>
@@ -11287,7 +11464,7 @@
           <p:cNvPr id="5" name="图片 4">
             <a:extLst>
               <a:ext uri="{FF2B5EF4-FFF2-40B4-BE49-F238E27FC236}">
-                <a16:creationId xmlns="" xmlns:a16="http://schemas.microsoft.com/office/drawing/2014/main" id="{03AA2CB2-ECE9-46DB-80CB-F2A58E87DEF5}"/>
+                <a16:creationId xmlns:a16="http://schemas.microsoft.com/office/drawing/2014/main" xmlns="" id="{03AA2CB2-ECE9-46DB-80CB-F2A58E87DEF5}"/>
               </a:ext>
             </a:extLst>
           </p:cNvPr>
@@ -11300,7 +11477,7 @@
           <a:blip r:embed="rId2" cstate="print">
             <a:extLst>
               <a:ext uri="{28A0092B-C50C-407E-A947-70E740481C1C}">
-                <a14:useLocalDpi xmlns="" xmlns:a14="http://schemas.microsoft.com/office/drawing/2010/main" val="0"/>
+                <a14:useLocalDpi xmlns:a14="http://schemas.microsoft.com/office/drawing/2010/main" xmlns="" val="0"/>
               </a:ext>
             </a:extLst>
           </a:blip>
@@ -11321,7 +11498,7 @@
     </p:spTree>
     <p:extLst>
       <p:ext uri="{BB962C8B-B14F-4D97-AF65-F5344CB8AC3E}">
-        <p14:creationId xmlns="" xmlns:p14="http://schemas.microsoft.com/office/powerpoint/2010/main" val="2353165220"/>
+        <p14:creationId xmlns:p14="http://schemas.microsoft.com/office/powerpoint/2010/main" xmlns="" val="2353165220"/>
       </p:ext>
     </p:extLst>
   </p:cSld>
@@ -11586,10 +11763,148 @@
       </p:grpSpPr>
       <p:sp>
         <p:nvSpPr>
+          <p:cNvPr id="2" name="标题 1"/>
+          <p:cNvSpPr>
+            <a:spLocks noGrp="1"/>
+          </p:cNvSpPr>
+          <p:nvPr>
+            <p:ph type="title"/>
+          </p:nvPr>
+        </p:nvSpPr>
+        <p:spPr/>
+        <p:txBody>
+          <a:bodyPr/>
+          <a:lstStyle/>
+          <a:p>
+            <a:pPr algn="l"/>
+            <a:r>
+              <a:rPr lang="en-US" altLang="zh-CN" dirty="0" smtClean="0"/>
+              <a:t>JVM</a:t>
+            </a:r>
+            <a:r>
+              <a:rPr lang="zh-CN" altLang="en-US" dirty="0" smtClean="0"/>
+              <a:t>默认收集器</a:t>
+            </a:r>
+            <a:endParaRPr lang="zh-CN" altLang="en-US" dirty="0"/>
+          </a:p>
+        </p:txBody>
+      </p:sp>
+      <p:sp>
+        <p:nvSpPr>
+          <p:cNvPr id="3" name="内容占位符 2"/>
+          <p:cNvSpPr>
+            <a:spLocks noGrp="1"/>
+          </p:cNvSpPr>
+          <p:nvPr>
+            <p:ph idx="1"/>
+          </p:nvPr>
+        </p:nvSpPr>
+        <p:spPr/>
+        <p:txBody>
+          <a:bodyPr/>
+          <a:lstStyle/>
+          <a:p>
+            <a:r>
+              <a:rPr lang="en-US" altLang="zh-CN" dirty="0" smtClean="0"/>
+              <a:t>jdk1.7 </a:t>
+            </a:r>
+            <a:r>
+              <a:rPr lang="en-US" altLang="zh-CN" dirty="0" smtClean="0"/>
+              <a:t>Parallel Scavenge</a:t>
+            </a:r>
+            <a:r>
+              <a:rPr lang="zh-CN" altLang="en-US" dirty="0" smtClean="0"/>
+              <a:t>（新生代）</a:t>
+            </a:r>
+            <a:r>
+              <a:rPr lang="en-US" altLang="zh-CN" dirty="0" smtClean="0"/>
+              <a:t>+Parallel Old</a:t>
+            </a:r>
+            <a:r>
+              <a:rPr lang="zh-CN" altLang="en-US" dirty="0" smtClean="0"/>
+              <a:t>（老年代</a:t>
+            </a:r>
+            <a:r>
+              <a:rPr lang="zh-CN" altLang="en-US" dirty="0" smtClean="0"/>
+              <a:t>）</a:t>
+            </a:r>
+            <a:endParaRPr lang="en-US" altLang="zh-CN" dirty="0" smtClean="0"/>
+          </a:p>
+          <a:p>
+            <a:r>
+              <a:rPr lang="en-US" altLang="zh-CN" dirty="0" smtClean="0"/>
+              <a:t>jdk1.8 </a:t>
+            </a:r>
+            <a:r>
+              <a:rPr lang="en-US" altLang="zh-CN" dirty="0" smtClean="0"/>
+              <a:t>Parallel Scavenge</a:t>
+            </a:r>
+            <a:r>
+              <a:rPr lang="zh-CN" altLang="en-US" dirty="0" smtClean="0"/>
+              <a:t>（新生代）</a:t>
+            </a:r>
+            <a:r>
+              <a:rPr lang="en-US" altLang="zh-CN" dirty="0" smtClean="0"/>
+              <a:t>+Parallel Old</a:t>
+            </a:r>
+            <a:r>
+              <a:rPr lang="zh-CN" altLang="en-US" dirty="0" smtClean="0"/>
+              <a:t>（老年代）</a:t>
+            </a:r>
+            <a:endParaRPr lang="en-US" altLang="zh-CN" dirty="0" smtClean="0"/>
+          </a:p>
+          <a:p>
+            <a:r>
+              <a:rPr lang="en-US" altLang="zh-CN" smtClean="0"/>
+              <a:t>jdk1.9 </a:t>
+            </a:r>
+            <a:r>
+              <a:rPr lang="zh-CN" altLang="en-US" smtClean="0"/>
+              <a:t>收</a:t>
+            </a:r>
+            <a:r>
+              <a:rPr lang="zh-CN" altLang="en-US" dirty="0" smtClean="0"/>
+              <a:t>集器</a:t>
+            </a:r>
+            <a:r>
+              <a:rPr lang="en-US" altLang="zh-CN" dirty="0" smtClean="0"/>
+              <a:t>G1</a:t>
+            </a:r>
+            <a:endParaRPr lang="zh-CN" altLang="en-US" dirty="0"/>
+          </a:p>
+        </p:txBody>
+      </p:sp>
+    </p:spTree>
+  </p:cSld>
+  <p:clrMapOvr>
+    <a:masterClrMapping/>
+  </p:clrMapOvr>
+</p:sld>
+</file>
+
+<file path=ppt/slides/slide23.xml><?xml version="1.0" encoding="utf-8"?>
+<p:sld xmlns:a="http://schemas.openxmlformats.org/drawingml/2006/main" xmlns:r="http://schemas.openxmlformats.org/officeDocument/2006/relationships" xmlns:p="http://schemas.openxmlformats.org/presentationml/2006/main">
+  <p:cSld>
+    <p:spTree>
+      <p:nvGrpSpPr>
+        <p:cNvPr id="1" name=""/>
+        <p:cNvGrpSpPr/>
+        <p:nvPr/>
+      </p:nvGrpSpPr>
+      <p:grpSpPr>
+        <a:xfrm>
+          <a:off x="0" y="0"/>
+          <a:ext cx="0" cy="0"/>
+          <a:chOff x="0" y="0"/>
+          <a:chExt cx="0" cy="0"/>
+        </a:xfrm>
+      </p:grpSpPr>
+      <p:sp>
+        <p:nvSpPr>
           <p:cNvPr id="4" name="矩形 3">
             <a:extLst>
               <a:ext uri="{FF2B5EF4-FFF2-40B4-BE49-F238E27FC236}">
-                <a16:creationId xmlns="" xmlns:a16="http://schemas.microsoft.com/office/drawing/2014/main" id="{AEE1DA9F-D225-4332-8994-DB2E39000712}"/>
+                <a16:creationId xmlns:a16="http://schemas.microsoft.com/office/drawing/2014/main" xmlns="" id="{AEE1DA9F-D225-4332-8994-DB2E39000712}"/>
               </a:ext>
             </a:extLst>
           </p:cNvPr>
@@ -11672,7 +11987,7 @@
     </p:spTree>
     <p:extLst>
       <p:ext uri="{BB962C8B-B14F-4D97-AF65-F5344CB8AC3E}">
-        <p14:creationId xmlns="" xmlns:p14="http://schemas.microsoft.com/office/powerpoint/2010/main" val="2565851004"/>
+        <p14:creationId xmlns:p14="http://schemas.microsoft.com/office/powerpoint/2010/main" xmlns="" val="2565851004"/>
       </p:ext>
     </p:extLst>
   </p:cSld>
@@ -14188,7 +14503,7 @@
             <a:hlinkClick r:id="rId3" action="ppaction://hlinksldjump"/>
             <a:extLst>
               <a:ext uri="{FF2B5EF4-FFF2-40B4-BE49-F238E27FC236}">
-                <a16:creationId xmlns="" xmlns:a16="http://schemas.microsoft.com/office/drawing/2014/main" id="{208352A4-260F-46D1-A9C5-EC039A6D0748}"/>
+                <a16:creationId xmlns:a16="http://schemas.microsoft.com/office/drawing/2014/main" xmlns="" id="{208352A4-260F-46D1-A9C5-EC039A6D0748}"/>
               </a:ext>
             </a:extLst>
           </p:cNvPr>
@@ -14414,7 +14729,7 @@
           <p:cNvPr id="2" name="标题 1">
             <a:extLst>
               <a:ext uri="{FF2B5EF4-FFF2-40B4-BE49-F238E27FC236}">
-                <a16:creationId xmlns="" xmlns:a16="http://schemas.microsoft.com/office/drawing/2014/main" id="{0BBCF635-C089-4C25-BD08-2F460258D05A}"/>
+                <a16:creationId xmlns:a16="http://schemas.microsoft.com/office/drawing/2014/main" xmlns="" id="{0BBCF635-C089-4C25-BD08-2F460258D05A}"/>
               </a:ext>
             </a:extLst>
           </p:cNvPr>
@@ -14450,7 +14765,7 @@
           <p:cNvPr id="3" name="内容占位符 2">
             <a:extLst>
               <a:ext uri="{FF2B5EF4-FFF2-40B4-BE49-F238E27FC236}">
-                <a16:creationId xmlns="" xmlns:a16="http://schemas.microsoft.com/office/drawing/2014/main" id="{33BFE2DE-1CD7-4098-9716-2F2A3BFB43F3}"/>
+                <a16:creationId xmlns:a16="http://schemas.microsoft.com/office/drawing/2014/main" xmlns="" id="{33BFE2DE-1CD7-4098-9716-2F2A3BFB43F3}"/>
               </a:ext>
             </a:extLst>
           </p:cNvPr>
@@ -14528,7 +14843,7 @@
           <p:cNvPr id="5" name="图片 4">
             <a:extLst>
               <a:ext uri="{FF2B5EF4-FFF2-40B4-BE49-F238E27FC236}">
-                <a16:creationId xmlns="" xmlns:a16="http://schemas.microsoft.com/office/drawing/2014/main" id="{6D129BC6-18E1-4BBF-A750-6BA5E45AFD49}"/>
+                <a16:creationId xmlns:a16="http://schemas.microsoft.com/office/drawing/2014/main" xmlns="" id="{6D129BC6-18E1-4BBF-A750-6BA5E45AFD49}"/>
               </a:ext>
             </a:extLst>
           </p:cNvPr>
@@ -14541,7 +14856,7 @@
           <a:blip r:embed="rId2" cstate="print">
             <a:extLst>
               <a:ext uri="{28A0092B-C50C-407E-A947-70E740481C1C}">
-                <a14:useLocalDpi xmlns="" xmlns:a14="http://schemas.microsoft.com/office/drawing/2010/main" val="0"/>
+                <a14:useLocalDpi xmlns:a14="http://schemas.microsoft.com/office/drawing/2010/main" xmlns="" val="0"/>
               </a:ext>
             </a:extLst>
           </a:blip>
@@ -14565,7 +14880,7 @@
             <a:hlinkClick r:id="rId3" action="ppaction://hlinksldjump"/>
             <a:extLst>
               <a:ext uri="{FF2B5EF4-FFF2-40B4-BE49-F238E27FC236}">
-                <a16:creationId xmlns="" xmlns:a16="http://schemas.microsoft.com/office/drawing/2014/main" id="{E9544EBE-2ECB-49FB-A249-6E939AABB355}"/>
+                <a16:creationId xmlns:a16="http://schemas.microsoft.com/office/drawing/2014/main" xmlns="" id="{E9544EBE-2ECB-49FB-A249-6E939AABB355}"/>
               </a:ext>
             </a:extLst>
           </p:cNvPr>
@@ -14609,7 +14924,7 @@
     </p:spTree>
     <p:extLst>
       <p:ext uri="{BB962C8B-B14F-4D97-AF65-F5344CB8AC3E}">
-        <p14:creationId xmlns="" xmlns:p14="http://schemas.microsoft.com/office/powerpoint/2010/main" val="1895809678"/>
+        <p14:creationId xmlns:p14="http://schemas.microsoft.com/office/powerpoint/2010/main" xmlns="" val="1895809678"/>
       </p:ext>
     </p:extLst>
   </p:cSld>
